--- a/Math 319 Final.pptx
+++ b/Math 319 Final.pptx
@@ -2,7 +2,7 @@
 <file path=ppt/presentation.xml><?xml version="1.0" encoding="utf-8"?>
 <p:presentation xmlns:a="http://schemas.openxmlformats.org/drawingml/2006/main" xmlns:r="http://schemas.openxmlformats.org/officeDocument/2006/relationships" xmlns:p="http://schemas.openxmlformats.org/presentationml/2006/main" saveSubsetFonts="1">
   <p:sldMasterIdLst>
-    <p:sldMasterId id="2147483648" r:id="rId1"/>
+    <p:sldMasterId id="2147483660" r:id="rId1"/>
   </p:sldMasterIdLst>
   <p:sldIdLst>
     <p:sldId id="256" r:id="rId2"/>
@@ -16,7 +16,7 @@
     <a:defPPr>
       <a:defRPr lang="en-US"/>
     </a:defPPr>
-    <a:lvl1pPr marL="0" algn="l" defTabSz="914400" rtl="0" eaLnBrk="1" latinLnBrk="0" hangingPunct="1">
+    <a:lvl1pPr marL="0" algn="l" defTabSz="457200" rtl="0" eaLnBrk="1" latinLnBrk="0" hangingPunct="1">
       <a:defRPr sz="1800" kern="1200">
         <a:solidFill>
           <a:schemeClr val="tx1"/>
@@ -26,7 +26,7 @@
         <a:cs typeface="+mn-cs"/>
       </a:defRPr>
     </a:lvl1pPr>
-    <a:lvl2pPr marL="457200" algn="l" defTabSz="914400" rtl="0" eaLnBrk="1" latinLnBrk="0" hangingPunct="1">
+    <a:lvl2pPr marL="457200" algn="l" defTabSz="457200" rtl="0" eaLnBrk="1" latinLnBrk="0" hangingPunct="1">
       <a:defRPr sz="1800" kern="1200">
         <a:solidFill>
           <a:schemeClr val="tx1"/>
@@ -36,7 +36,7 @@
         <a:cs typeface="+mn-cs"/>
       </a:defRPr>
     </a:lvl2pPr>
-    <a:lvl3pPr marL="914400" algn="l" defTabSz="914400" rtl="0" eaLnBrk="1" latinLnBrk="0" hangingPunct="1">
+    <a:lvl3pPr marL="914400" algn="l" defTabSz="457200" rtl="0" eaLnBrk="1" latinLnBrk="0" hangingPunct="1">
       <a:defRPr sz="1800" kern="1200">
         <a:solidFill>
           <a:schemeClr val="tx1"/>
@@ -46,7 +46,7 @@
         <a:cs typeface="+mn-cs"/>
       </a:defRPr>
     </a:lvl3pPr>
-    <a:lvl4pPr marL="1371600" algn="l" defTabSz="914400" rtl="0" eaLnBrk="1" latinLnBrk="0" hangingPunct="1">
+    <a:lvl4pPr marL="1371600" algn="l" defTabSz="457200" rtl="0" eaLnBrk="1" latinLnBrk="0" hangingPunct="1">
       <a:defRPr sz="1800" kern="1200">
         <a:solidFill>
           <a:schemeClr val="tx1"/>
@@ -56,7 +56,7 @@
         <a:cs typeface="+mn-cs"/>
       </a:defRPr>
     </a:lvl4pPr>
-    <a:lvl5pPr marL="1828800" algn="l" defTabSz="914400" rtl="0" eaLnBrk="1" latinLnBrk="0" hangingPunct="1">
+    <a:lvl5pPr marL="1828800" algn="l" defTabSz="457200" rtl="0" eaLnBrk="1" latinLnBrk="0" hangingPunct="1">
       <a:defRPr sz="1800" kern="1200">
         <a:solidFill>
           <a:schemeClr val="tx1"/>
@@ -66,7 +66,7 @@
         <a:cs typeface="+mn-cs"/>
       </a:defRPr>
     </a:lvl5pPr>
-    <a:lvl6pPr marL="2286000" algn="l" defTabSz="914400" rtl="0" eaLnBrk="1" latinLnBrk="0" hangingPunct="1">
+    <a:lvl6pPr marL="2286000" algn="l" defTabSz="457200" rtl="0" eaLnBrk="1" latinLnBrk="0" hangingPunct="1">
       <a:defRPr sz="1800" kern="1200">
         <a:solidFill>
           <a:schemeClr val="tx1"/>
@@ -76,7 +76,7 @@
         <a:cs typeface="+mn-cs"/>
       </a:defRPr>
     </a:lvl6pPr>
-    <a:lvl7pPr marL="2743200" algn="l" defTabSz="914400" rtl="0" eaLnBrk="1" latinLnBrk="0" hangingPunct="1">
+    <a:lvl7pPr marL="2743200" algn="l" defTabSz="457200" rtl="0" eaLnBrk="1" latinLnBrk="0" hangingPunct="1">
       <a:defRPr sz="1800" kern="1200">
         <a:solidFill>
           <a:schemeClr val="tx1"/>
@@ -86,7 +86,7 @@
         <a:cs typeface="+mn-cs"/>
       </a:defRPr>
     </a:lvl7pPr>
-    <a:lvl8pPr marL="3200400" algn="l" defTabSz="914400" rtl="0" eaLnBrk="1" latinLnBrk="0" hangingPunct="1">
+    <a:lvl8pPr marL="3200400" algn="l" defTabSz="457200" rtl="0" eaLnBrk="1" latinLnBrk="0" hangingPunct="1">
       <a:defRPr sz="1800" kern="1200">
         <a:solidFill>
           <a:schemeClr val="tx1"/>
@@ -96,7 +96,7 @@
         <a:cs typeface="+mn-cs"/>
       </a:defRPr>
     </a:lvl8pPr>
-    <a:lvl9pPr marL="3657600" algn="l" defTabSz="914400" rtl="0" eaLnBrk="1" latinLnBrk="0" hangingPunct="1">
+    <a:lvl9pPr marL="3657600" algn="l" defTabSz="457200" rtl="0" eaLnBrk="1" latinLnBrk="0" hangingPunct="1">
       <a:defRPr sz="1800" kern="1200">
         <a:solidFill>
           <a:schemeClr val="tx1"/>
@@ -107,6 +107,11 @@
       </a:defRPr>
     </a:lvl9pPr>
   </p:defaultTextStyle>
+  <p:extLst>
+    <p:ext uri="{EFAFB233-063F-42B5-8137-9DF3F51BA10A}">
+      <p15:sldGuideLst xmlns:p15="http://schemas.microsoft.com/office/powerpoint/2012/main"/>
+    </p:ext>
+  </p:extLst>
 </p:presentation>
 </file>
 
@@ -129,13 +134,111 @@
       </p:grpSpPr>
       <p:sp>
         <p:nvSpPr>
-          <p:cNvPr id="2" name="Title 1">
-            <a:extLst>
-              <a:ext uri="{FF2B5EF4-FFF2-40B4-BE49-F238E27FC236}">
-                <a16:creationId xmlns:a16="http://schemas.microsoft.com/office/drawing/2014/main" id="{A0E399D2-A683-BA55-4D01-166FE8B5A8D6}"/>
-              </a:ext>
-            </a:extLst>
-          </p:cNvPr>
+          <p:cNvPr id="11" name="Freeform 6"/>
+          <p:cNvSpPr/>
+          <p:nvPr/>
+        </p:nvSpPr>
+        <p:spPr bwMode="auto">
+          <a:xfrm>
+            <a:off x="0" y="-3175"/>
+            <a:ext cx="12192000" cy="5203825"/>
+          </a:xfrm>
+          <a:custGeom>
+            <a:avLst/>
+            <a:gdLst/>
+            <a:ahLst/>
+            <a:cxnLst/>
+            <a:rect l="0" t="0" r="r" b="b"/>
+            <a:pathLst>
+              <a:path w="5760" h="3278">
+                <a:moveTo>
+                  <a:pt x="5760" y="0"/>
+                </a:moveTo>
+                <a:lnTo>
+                  <a:pt x="0" y="0"/>
+                </a:lnTo>
+                <a:lnTo>
+                  <a:pt x="0" y="3090"/>
+                </a:lnTo>
+                <a:lnTo>
+                  <a:pt x="943" y="3090"/>
+                </a:lnTo>
+                <a:lnTo>
+                  <a:pt x="1123" y="3270"/>
+                </a:lnTo>
+                <a:lnTo>
+                  <a:pt x="1123" y="3270"/>
+                </a:lnTo>
+                <a:lnTo>
+                  <a:pt x="1127" y="3272"/>
+                </a:lnTo>
+                <a:lnTo>
+                  <a:pt x="1133" y="3275"/>
+                </a:lnTo>
+                <a:lnTo>
+                  <a:pt x="1139" y="3278"/>
+                </a:lnTo>
+                <a:lnTo>
+                  <a:pt x="1144" y="3278"/>
+                </a:lnTo>
+                <a:lnTo>
+                  <a:pt x="1150" y="3278"/>
+                </a:lnTo>
+                <a:lnTo>
+                  <a:pt x="1155" y="3275"/>
+                </a:lnTo>
+                <a:lnTo>
+                  <a:pt x="1161" y="3272"/>
+                </a:lnTo>
+                <a:lnTo>
+                  <a:pt x="1165" y="3270"/>
+                </a:lnTo>
+                <a:lnTo>
+                  <a:pt x="1345" y="3090"/>
+                </a:lnTo>
+                <a:lnTo>
+                  <a:pt x="5760" y="3090"/>
+                </a:lnTo>
+                <a:lnTo>
+                  <a:pt x="5760" y="0"/>
+                </a:lnTo>
+                <a:close/>
+              </a:path>
+            </a:pathLst>
+          </a:custGeom>
+          <a:ln/>
+          <a:effectLst/>
+          <a:extLst>
+            <a:ext uri="{91240B29-F687-4f45-9708-019B960494DF}">
+              <a14:hiddenLine xmlns:a14="http://schemas.microsoft.com/office/drawing/2010/main" xmlns="" w="9525">
+                <a:solidFill>
+                  <a:srgbClr val="000000"/>
+                </a:solidFill>
+                <a:round/>
+                <a:headEnd/>
+                <a:tailEnd/>
+              </a14:hiddenLine>
+            </a:ext>
+          </a:extLst>
+        </p:spPr>
+        <p:style>
+          <a:lnRef idx="1">
+            <a:schemeClr val="accent1"/>
+          </a:lnRef>
+          <a:fillRef idx="3">
+            <a:schemeClr val="accent1"/>
+          </a:fillRef>
+          <a:effectRef idx="2">
+            <a:schemeClr val="accent1"/>
+          </a:effectRef>
+          <a:fontRef idx="minor">
+            <a:schemeClr val="lt1"/>
+          </a:fontRef>
+        </p:style>
+      </p:sp>
+      <p:sp>
+        <p:nvSpPr>
+          <p:cNvPr id="2" name="Title 1"/>
           <p:cNvSpPr>
             <a:spLocks noGrp="1"/>
           </p:cNvSpPr>
@@ -145,15 +248,15 @@
         </p:nvSpPr>
         <p:spPr>
           <a:xfrm>
-            <a:off x="1524000" y="1122363"/>
-            <a:ext cx="9144000" cy="2387600"/>
+            <a:off x="810001" y="1449147"/>
+            <a:ext cx="10572000" cy="2971051"/>
           </a:xfrm>
         </p:spPr>
         <p:txBody>
-          <a:bodyPr anchor="b"/>
+          <a:bodyPr/>
           <a:lstStyle>
-            <a:lvl1pPr algn="ctr">
-              <a:defRPr sz="6000"/>
+            <a:lvl1pPr>
+              <a:defRPr sz="5400"/>
             </a:lvl1pPr>
           </a:lstStyle>
           <a:p>
@@ -161,18 +264,13 @@
               <a:rPr lang="en-US"/>
               <a:t>Click to edit Master title style</a:t>
             </a:r>
-          </a:p>
-        </p:txBody>
-      </p:sp>
-      <p:sp>
-        <p:nvSpPr>
-          <p:cNvPr id="3" name="Subtitle 2">
-            <a:extLst>
-              <a:ext uri="{FF2B5EF4-FFF2-40B4-BE49-F238E27FC236}">
-                <a16:creationId xmlns:a16="http://schemas.microsoft.com/office/drawing/2014/main" id="{636BEE1E-DC44-9092-4504-D4D30A51E323}"/>
-              </a:ext>
-            </a:extLst>
-          </p:cNvPr>
+            <a:endParaRPr lang="en-US" dirty="0"/>
+          </a:p>
+        </p:txBody>
+      </p:sp>
+      <p:sp>
+        <p:nvSpPr>
+          <p:cNvPr id="3" name="Subtitle 2"/>
           <p:cNvSpPr>
             <a:spLocks noGrp="1"/>
           </p:cNvSpPr>
@@ -182,48 +280,100 @@
         </p:nvSpPr>
         <p:spPr>
           <a:xfrm>
-            <a:off x="1524000" y="3602038"/>
-            <a:ext cx="9144000" cy="1655762"/>
+            <a:off x="810001" y="5280847"/>
+            <a:ext cx="10572000" cy="434974"/>
           </a:xfrm>
         </p:spPr>
         <p:txBody>
-          <a:bodyPr/>
+          <a:bodyPr anchor="t"/>
           <a:lstStyle>
-            <a:lvl1pPr marL="0" indent="0" algn="ctr">
+            <a:lvl1pPr marL="0" indent="0" algn="l">
               <a:buNone/>
-              <a:defRPr sz="2400"/>
+              <a:defRPr>
+                <a:solidFill>
+                  <a:schemeClr val="tx1"/>
+                </a:solidFill>
+              </a:defRPr>
             </a:lvl1pPr>
             <a:lvl2pPr marL="457200" indent="0" algn="ctr">
               <a:buNone/>
-              <a:defRPr sz="2000"/>
+              <a:defRPr>
+                <a:solidFill>
+                  <a:schemeClr val="tx1">
+                    <a:tint val="75000"/>
+                  </a:schemeClr>
+                </a:solidFill>
+              </a:defRPr>
             </a:lvl2pPr>
             <a:lvl3pPr marL="914400" indent="0" algn="ctr">
               <a:buNone/>
-              <a:defRPr sz="1800"/>
+              <a:defRPr>
+                <a:solidFill>
+                  <a:schemeClr val="tx1">
+                    <a:tint val="75000"/>
+                  </a:schemeClr>
+                </a:solidFill>
+              </a:defRPr>
             </a:lvl3pPr>
             <a:lvl4pPr marL="1371600" indent="0" algn="ctr">
               <a:buNone/>
-              <a:defRPr sz="1600"/>
+              <a:defRPr>
+                <a:solidFill>
+                  <a:schemeClr val="tx1">
+                    <a:tint val="75000"/>
+                  </a:schemeClr>
+                </a:solidFill>
+              </a:defRPr>
             </a:lvl4pPr>
             <a:lvl5pPr marL="1828800" indent="0" algn="ctr">
               <a:buNone/>
-              <a:defRPr sz="1600"/>
+              <a:defRPr>
+                <a:solidFill>
+                  <a:schemeClr val="tx1">
+                    <a:tint val="75000"/>
+                  </a:schemeClr>
+                </a:solidFill>
+              </a:defRPr>
             </a:lvl5pPr>
             <a:lvl6pPr marL="2286000" indent="0" algn="ctr">
               <a:buNone/>
-              <a:defRPr sz="1600"/>
+              <a:defRPr>
+                <a:solidFill>
+                  <a:schemeClr val="tx1">
+                    <a:tint val="75000"/>
+                  </a:schemeClr>
+                </a:solidFill>
+              </a:defRPr>
             </a:lvl6pPr>
             <a:lvl7pPr marL="2743200" indent="0" algn="ctr">
               <a:buNone/>
-              <a:defRPr sz="1600"/>
+              <a:defRPr>
+                <a:solidFill>
+                  <a:schemeClr val="tx1">
+                    <a:tint val="75000"/>
+                  </a:schemeClr>
+                </a:solidFill>
+              </a:defRPr>
             </a:lvl7pPr>
             <a:lvl8pPr marL="3200400" indent="0" algn="ctr">
               <a:buNone/>
-              <a:defRPr sz="1600"/>
+              <a:defRPr>
+                <a:solidFill>
+                  <a:schemeClr val="tx1">
+                    <a:tint val="75000"/>
+                  </a:schemeClr>
+                </a:solidFill>
+              </a:defRPr>
             </a:lvl8pPr>
             <a:lvl9pPr marL="3657600" indent="0" algn="ctr">
               <a:buNone/>
-              <a:defRPr sz="1600"/>
+              <a:defRPr>
+                <a:solidFill>
+                  <a:schemeClr val="tx1">
+                    <a:tint val="75000"/>
+                  </a:schemeClr>
+                </a:solidFill>
+              </a:defRPr>
             </a:lvl9pPr>
           </a:lstStyle>
           <a:p>
@@ -231,18 +381,13 @@
               <a:rPr lang="en-US"/>
               <a:t>Click to edit Master subtitle style</a:t>
             </a:r>
-          </a:p>
-        </p:txBody>
-      </p:sp>
-      <p:sp>
-        <p:nvSpPr>
-          <p:cNvPr id="4" name="Date Placeholder 3">
-            <a:extLst>
-              <a:ext uri="{FF2B5EF4-FFF2-40B4-BE49-F238E27FC236}">
-                <a16:creationId xmlns:a16="http://schemas.microsoft.com/office/drawing/2014/main" id="{E5C91A83-C383-F903-A911-19EF7746DAA0}"/>
-              </a:ext>
-            </a:extLst>
-          </p:cNvPr>
+            <a:endParaRPr lang="en-US" dirty="0"/>
+          </a:p>
+        </p:txBody>
+      </p:sp>
+      <p:sp>
+        <p:nvSpPr>
+          <p:cNvPr id="4" name="Date Placeholder 3"/>
           <p:cNvSpPr>
             <a:spLocks noGrp="1"/>
           </p:cNvSpPr>
@@ -265,13 +410,7 @@
       </p:sp>
       <p:sp>
         <p:nvSpPr>
-          <p:cNvPr id="5" name="Footer Placeholder 4">
-            <a:extLst>
-              <a:ext uri="{FF2B5EF4-FFF2-40B4-BE49-F238E27FC236}">
-                <a16:creationId xmlns:a16="http://schemas.microsoft.com/office/drawing/2014/main" id="{2B4F4187-1706-6C05-897A-8CBCC5CC2FF1}"/>
-              </a:ext>
-            </a:extLst>
-          </p:cNvPr>
+          <p:cNvPr id="5" name="Footer Placeholder 4"/>
           <p:cNvSpPr>
             <a:spLocks noGrp="1"/>
           </p:cNvSpPr>
@@ -290,13 +429,7 @@
       </p:sp>
       <p:sp>
         <p:nvSpPr>
-          <p:cNvPr id="6" name="Slide Number Placeholder 5">
-            <a:extLst>
-              <a:ext uri="{FF2B5EF4-FFF2-40B4-BE49-F238E27FC236}">
-                <a16:creationId xmlns:a16="http://schemas.microsoft.com/office/drawing/2014/main" id="{BA1E5AC8-3116-B978-F4CB-2B859728E159}"/>
-              </a:ext>
-            </a:extLst>
-          </p:cNvPr>
+          <p:cNvPr id="6" name="Slide Number Placeholder 5"/>
           <p:cNvSpPr>
             <a:spLocks noGrp="1"/>
           </p:cNvSpPr>
@@ -320,7 +453,7 @@
     </p:spTree>
     <p:extLst>
       <p:ext uri="{BB962C8B-B14F-4D97-AF65-F5344CB8AC3E}">
-        <p14:creationId xmlns:p14="http://schemas.microsoft.com/office/powerpoint/2010/main" val="2803568827"/>
+        <p14:creationId xmlns:p14="http://schemas.microsoft.com/office/powerpoint/2010/main" val="3009489387"/>
       </p:ext>
     </p:extLst>
   </p:cSld>
@@ -331,6 +464,1181 @@
 </file>
 
 <file path=ppt/slideLayouts/slideLayout10.xml><?xml version="1.0" encoding="utf-8"?>
+<p:sldLayout xmlns:a="http://schemas.openxmlformats.org/drawingml/2006/main" xmlns:r="http://schemas.openxmlformats.org/officeDocument/2006/relationships" xmlns:p="http://schemas.openxmlformats.org/presentationml/2006/main" preserve="1">
+  <p:cSld name="Panoramic Picture with Caption">
+    <p:spTree>
+      <p:nvGrpSpPr>
+        <p:cNvPr id="1" name=""/>
+        <p:cNvGrpSpPr/>
+        <p:nvPr/>
+      </p:nvGrpSpPr>
+      <p:grpSpPr>
+        <a:xfrm>
+          <a:off x="0" y="0"/>
+          <a:ext cx="0" cy="0"/>
+          <a:chOff x="0" y="0"/>
+          <a:chExt cx="0" cy="0"/>
+        </a:xfrm>
+      </p:grpSpPr>
+      <p:sp>
+        <p:nvSpPr>
+          <p:cNvPr id="2" name="Title 1"/>
+          <p:cNvSpPr>
+            <a:spLocks noGrp="1"/>
+          </p:cNvSpPr>
+          <p:nvPr>
+            <p:ph type="title"/>
+          </p:nvPr>
+        </p:nvSpPr>
+        <p:spPr>
+          <a:xfrm>
+            <a:off x="810000" y="4800600"/>
+            <a:ext cx="10561418" cy="566738"/>
+          </a:xfrm>
+        </p:spPr>
+        <p:txBody>
+          <a:bodyPr anchor="b">
+            <a:normAutofit/>
+          </a:bodyPr>
+          <a:lstStyle>
+            <a:lvl1pPr algn="l">
+              <a:defRPr sz="2400" b="0"/>
+            </a:lvl1pPr>
+          </a:lstStyle>
+          <a:p>
+            <a:r>
+              <a:rPr lang="en-US"/>
+              <a:t>Click to edit Master title style</a:t>
+            </a:r>
+            <a:endParaRPr lang="en-US" dirty="0"/>
+          </a:p>
+        </p:txBody>
+      </p:sp>
+      <p:sp>
+        <p:nvSpPr>
+          <p:cNvPr id="15" name="Picture Placeholder 14"/>
+          <p:cNvSpPr>
+            <a:spLocks noGrp="1" noChangeAspect="1"/>
+          </p:cNvSpPr>
+          <p:nvPr>
+            <p:ph type="pic" sz="quarter" idx="13"/>
+          </p:nvPr>
+        </p:nvSpPr>
+        <p:spPr bwMode="auto">
+          <a:xfrm>
+            <a:off x="0" y="0"/>
+            <a:ext cx="12192000" cy="4800600"/>
+          </a:xfrm>
+          <a:custGeom>
+            <a:avLst/>
+            <a:gdLst/>
+            <a:ahLst/>
+            <a:cxnLst/>
+            <a:rect l="0" t="0" r="r" b="b"/>
+            <a:pathLst>
+              <a:path w="5760" h="3289">
+                <a:moveTo>
+                  <a:pt x="5760" y="0"/>
+                </a:moveTo>
+                <a:lnTo>
+                  <a:pt x="0" y="0"/>
+                </a:lnTo>
+                <a:lnTo>
+                  <a:pt x="0" y="3100"/>
+                </a:lnTo>
+                <a:lnTo>
+                  <a:pt x="943" y="3100"/>
+                </a:lnTo>
+                <a:lnTo>
+                  <a:pt x="1123" y="3281"/>
+                </a:lnTo>
+                <a:lnTo>
+                  <a:pt x="1123" y="3281"/>
+                </a:lnTo>
+                <a:lnTo>
+                  <a:pt x="1127" y="3283"/>
+                </a:lnTo>
+                <a:lnTo>
+                  <a:pt x="1133" y="3286"/>
+                </a:lnTo>
+                <a:lnTo>
+                  <a:pt x="1139" y="3289"/>
+                </a:lnTo>
+                <a:lnTo>
+                  <a:pt x="1144" y="3289"/>
+                </a:lnTo>
+                <a:lnTo>
+                  <a:pt x="1150" y="3289"/>
+                </a:lnTo>
+                <a:lnTo>
+                  <a:pt x="1155" y="3286"/>
+                </a:lnTo>
+                <a:lnTo>
+                  <a:pt x="1161" y="3283"/>
+                </a:lnTo>
+                <a:lnTo>
+                  <a:pt x="1165" y="3281"/>
+                </a:lnTo>
+                <a:lnTo>
+                  <a:pt x="1345" y="3100"/>
+                </a:lnTo>
+                <a:lnTo>
+                  <a:pt x="5760" y="3100"/>
+                </a:lnTo>
+                <a:lnTo>
+                  <a:pt x="5760" y="0"/>
+                </a:lnTo>
+                <a:close/>
+              </a:path>
+            </a:pathLst>
+          </a:custGeom>
+          <a:noFill/>
+          <a:ln>
+            <a:solidFill>
+              <a:schemeClr val="tx2"/>
+            </a:solidFill>
+          </a:ln>
+        </p:spPr>
+        <p:style>
+          <a:lnRef idx="1">
+            <a:schemeClr val="accent1"/>
+          </a:lnRef>
+          <a:fillRef idx="3">
+            <a:schemeClr val="accent1"/>
+          </a:fillRef>
+          <a:effectRef idx="2">
+            <a:schemeClr val="accent1"/>
+          </a:effectRef>
+          <a:fontRef idx="minor">
+            <a:schemeClr val="lt1"/>
+          </a:fontRef>
+        </p:style>
+        <p:txBody>
+          <a:bodyPr wrap="square" numCol="1" anchor="t" anchorCtr="0" compatLnSpc="1">
+            <a:prstTxWarp prst="textNoShape">
+              <a:avLst/>
+            </a:prstTxWarp>
+            <a:normAutofit/>
+          </a:bodyPr>
+          <a:lstStyle>
+            <a:lvl1pPr marL="0" indent="0" algn="ctr">
+              <a:buFontTx/>
+              <a:buNone/>
+              <a:defRPr sz="1600"/>
+            </a:lvl1pPr>
+          </a:lstStyle>
+          <a:p>
+            <a:r>
+              <a:rPr lang="en-US"/>
+              <a:t>Click icon to add picture</a:t>
+            </a:r>
+            <a:endParaRPr lang="en-US" dirty="0"/>
+          </a:p>
+        </p:txBody>
+      </p:sp>
+      <p:sp>
+        <p:nvSpPr>
+          <p:cNvPr id="4" name="Text Placeholder 3"/>
+          <p:cNvSpPr>
+            <a:spLocks noGrp="1"/>
+          </p:cNvSpPr>
+          <p:nvPr>
+            <p:ph type="body" sz="half" idx="2"/>
+          </p:nvPr>
+        </p:nvSpPr>
+        <p:spPr>
+          <a:xfrm>
+            <a:off x="810000" y="5367338"/>
+            <a:ext cx="10561418" cy="493712"/>
+          </a:xfrm>
+        </p:spPr>
+        <p:txBody>
+          <a:bodyPr>
+            <a:normAutofit/>
+          </a:bodyPr>
+          <a:lstStyle>
+            <a:lvl1pPr marL="0" indent="0">
+              <a:buNone/>
+              <a:defRPr sz="1200"/>
+            </a:lvl1pPr>
+            <a:lvl2pPr marL="457200" indent="0">
+              <a:buNone/>
+              <a:defRPr sz="1200"/>
+            </a:lvl2pPr>
+            <a:lvl3pPr marL="914400" indent="0">
+              <a:buNone/>
+              <a:defRPr sz="1000"/>
+            </a:lvl3pPr>
+            <a:lvl4pPr marL="1371600" indent="0">
+              <a:buNone/>
+              <a:defRPr sz="900"/>
+            </a:lvl4pPr>
+            <a:lvl5pPr marL="1828800" indent="0">
+              <a:buNone/>
+              <a:defRPr sz="900"/>
+            </a:lvl5pPr>
+            <a:lvl6pPr marL="2286000" indent="0">
+              <a:buNone/>
+              <a:defRPr sz="900"/>
+            </a:lvl6pPr>
+            <a:lvl7pPr marL="2743200" indent="0">
+              <a:buNone/>
+              <a:defRPr sz="900"/>
+            </a:lvl7pPr>
+            <a:lvl8pPr marL="3200400" indent="0">
+              <a:buNone/>
+              <a:defRPr sz="900"/>
+            </a:lvl8pPr>
+            <a:lvl9pPr marL="3657600" indent="0">
+              <a:buNone/>
+              <a:defRPr sz="900"/>
+            </a:lvl9pPr>
+          </a:lstStyle>
+          <a:p>
+            <a:pPr lvl="0"/>
+            <a:r>
+              <a:rPr lang="en-US"/>
+              <a:t>Click to edit Master text styles</a:t>
+            </a:r>
+          </a:p>
+        </p:txBody>
+      </p:sp>
+      <p:sp>
+        <p:nvSpPr>
+          <p:cNvPr id="5" name="Date Placeholder 4"/>
+          <p:cNvSpPr>
+            <a:spLocks noGrp="1"/>
+          </p:cNvSpPr>
+          <p:nvPr>
+            <p:ph type="dt" sz="half" idx="10"/>
+          </p:nvPr>
+        </p:nvSpPr>
+        <p:spPr/>
+        <p:txBody>
+          <a:bodyPr/>
+          <a:lstStyle/>
+          <a:p>
+            <a:fld id="{93597383-FF0D-4A1A-B5B3-BA01475641A1}" type="datetimeFigureOut">
+              <a:rPr lang="en-US" smtClean="0"/>
+              <a:t>3/17/2024</a:t>
+            </a:fld>
+            <a:endParaRPr lang="en-US"/>
+          </a:p>
+        </p:txBody>
+      </p:sp>
+      <p:sp>
+        <p:nvSpPr>
+          <p:cNvPr id="6" name="Footer Placeholder 5"/>
+          <p:cNvSpPr>
+            <a:spLocks noGrp="1"/>
+          </p:cNvSpPr>
+          <p:nvPr>
+            <p:ph type="ftr" sz="quarter" idx="11"/>
+          </p:nvPr>
+        </p:nvSpPr>
+        <p:spPr/>
+        <p:txBody>
+          <a:bodyPr/>
+          <a:lstStyle/>
+          <a:p>
+            <a:endParaRPr lang="en-US"/>
+          </a:p>
+        </p:txBody>
+      </p:sp>
+      <p:sp>
+        <p:nvSpPr>
+          <p:cNvPr id="7" name="Slide Number Placeholder 6"/>
+          <p:cNvSpPr>
+            <a:spLocks noGrp="1"/>
+          </p:cNvSpPr>
+          <p:nvPr>
+            <p:ph type="sldNum" sz="quarter" idx="12"/>
+          </p:nvPr>
+        </p:nvSpPr>
+        <p:spPr/>
+        <p:txBody>
+          <a:bodyPr/>
+          <a:lstStyle/>
+          <a:p>
+            <a:fld id="{B0D2CF31-5595-463B-9773-2EB93A1E7C1A}" type="slidenum">
+              <a:rPr lang="en-US" smtClean="0"/>
+              <a:t>‹#›</a:t>
+            </a:fld>
+            <a:endParaRPr lang="en-US"/>
+          </a:p>
+        </p:txBody>
+      </p:sp>
+    </p:spTree>
+    <p:extLst>
+      <p:ext uri="{BB962C8B-B14F-4D97-AF65-F5344CB8AC3E}">
+        <p14:creationId xmlns:p14="http://schemas.microsoft.com/office/powerpoint/2010/main" val="2117241422"/>
+      </p:ext>
+    </p:extLst>
+  </p:cSld>
+  <p:clrMapOvr>
+    <a:masterClrMapping/>
+  </p:clrMapOvr>
+</p:sldLayout>
+</file>
+
+<file path=ppt/slideLayouts/slideLayout11.xml><?xml version="1.0" encoding="utf-8"?>
+<p:sldLayout xmlns:a="http://schemas.openxmlformats.org/drawingml/2006/main" xmlns:r="http://schemas.openxmlformats.org/officeDocument/2006/relationships" xmlns:p="http://schemas.openxmlformats.org/presentationml/2006/main" preserve="1">
+  <p:cSld name="Quote with Caption">
+    <p:spTree>
+      <p:nvGrpSpPr>
+        <p:cNvPr id="1" name=""/>
+        <p:cNvGrpSpPr/>
+        <p:nvPr/>
+      </p:nvGrpSpPr>
+      <p:grpSpPr>
+        <a:xfrm>
+          <a:off x="0" y="0"/>
+          <a:ext cx="0" cy="0"/>
+          <a:chOff x="0" y="0"/>
+          <a:chExt cx="0" cy="0"/>
+        </a:xfrm>
+      </p:grpSpPr>
+      <p:sp>
+        <p:nvSpPr>
+          <p:cNvPr id="8" name="Freeform 6"/>
+          <p:cNvSpPr>
+            <a:spLocks noChangeAspect="1"/>
+          </p:cNvSpPr>
+          <p:nvPr/>
+        </p:nvSpPr>
+        <p:spPr bwMode="auto">
+          <a:xfrm>
+            <a:off x="631697" y="1081456"/>
+            <a:ext cx="6332416" cy="3239188"/>
+          </a:xfrm>
+          <a:custGeom>
+            <a:avLst/>
+            <a:gdLst/>
+            <a:ahLst/>
+            <a:cxnLst/>
+            <a:rect l="0" t="0" r="r" b="b"/>
+            <a:pathLst>
+              <a:path w="3384" h="2308">
+                <a:moveTo>
+                  <a:pt x="3340" y="0"/>
+                </a:moveTo>
+                <a:lnTo>
+                  <a:pt x="44" y="0"/>
+                </a:lnTo>
+                <a:lnTo>
+                  <a:pt x="44" y="0"/>
+                </a:lnTo>
+                <a:lnTo>
+                  <a:pt x="34" y="0"/>
+                </a:lnTo>
+                <a:lnTo>
+                  <a:pt x="26" y="4"/>
+                </a:lnTo>
+                <a:lnTo>
+                  <a:pt x="20" y="8"/>
+                </a:lnTo>
+                <a:lnTo>
+                  <a:pt x="12" y="12"/>
+                </a:lnTo>
+                <a:lnTo>
+                  <a:pt x="8" y="20"/>
+                </a:lnTo>
+                <a:lnTo>
+                  <a:pt x="4" y="26"/>
+                </a:lnTo>
+                <a:lnTo>
+                  <a:pt x="0" y="34"/>
+                </a:lnTo>
+                <a:lnTo>
+                  <a:pt x="0" y="44"/>
+                </a:lnTo>
+                <a:lnTo>
+                  <a:pt x="0" y="2076"/>
+                </a:lnTo>
+                <a:lnTo>
+                  <a:pt x="0" y="2076"/>
+                </a:lnTo>
+                <a:lnTo>
+                  <a:pt x="0" y="2086"/>
+                </a:lnTo>
+                <a:lnTo>
+                  <a:pt x="4" y="2094"/>
+                </a:lnTo>
+                <a:lnTo>
+                  <a:pt x="8" y="2100"/>
+                </a:lnTo>
+                <a:lnTo>
+                  <a:pt x="12" y="2108"/>
+                </a:lnTo>
+                <a:lnTo>
+                  <a:pt x="20" y="2112"/>
+                </a:lnTo>
+                <a:lnTo>
+                  <a:pt x="26" y="2116"/>
+                </a:lnTo>
+                <a:lnTo>
+                  <a:pt x="34" y="2120"/>
+                </a:lnTo>
+                <a:lnTo>
+                  <a:pt x="44" y="2120"/>
+                </a:lnTo>
+                <a:lnTo>
+                  <a:pt x="474" y="2120"/>
+                </a:lnTo>
+                <a:lnTo>
+                  <a:pt x="650" y="2296"/>
+                </a:lnTo>
+                <a:lnTo>
+                  <a:pt x="650" y="2296"/>
+                </a:lnTo>
+                <a:lnTo>
+                  <a:pt x="656" y="2300"/>
+                </a:lnTo>
+                <a:lnTo>
+                  <a:pt x="664" y="2304"/>
+                </a:lnTo>
+                <a:lnTo>
+                  <a:pt x="672" y="2308"/>
+                </a:lnTo>
+                <a:lnTo>
+                  <a:pt x="680" y="2308"/>
+                </a:lnTo>
+                <a:lnTo>
+                  <a:pt x="688" y="2308"/>
+                </a:lnTo>
+                <a:lnTo>
+                  <a:pt x="696" y="2304"/>
+                </a:lnTo>
+                <a:lnTo>
+                  <a:pt x="704" y="2300"/>
+                </a:lnTo>
+                <a:lnTo>
+                  <a:pt x="710" y="2296"/>
+                </a:lnTo>
+                <a:lnTo>
+                  <a:pt x="886" y="2120"/>
+                </a:lnTo>
+                <a:lnTo>
+                  <a:pt x="3340" y="2120"/>
+                </a:lnTo>
+                <a:lnTo>
+                  <a:pt x="3340" y="2120"/>
+                </a:lnTo>
+                <a:lnTo>
+                  <a:pt x="3350" y="2120"/>
+                </a:lnTo>
+                <a:lnTo>
+                  <a:pt x="3358" y="2116"/>
+                </a:lnTo>
+                <a:lnTo>
+                  <a:pt x="3364" y="2112"/>
+                </a:lnTo>
+                <a:lnTo>
+                  <a:pt x="3372" y="2108"/>
+                </a:lnTo>
+                <a:lnTo>
+                  <a:pt x="3376" y="2100"/>
+                </a:lnTo>
+                <a:lnTo>
+                  <a:pt x="3380" y="2094"/>
+                </a:lnTo>
+                <a:lnTo>
+                  <a:pt x="3384" y="2086"/>
+                </a:lnTo>
+                <a:lnTo>
+                  <a:pt x="3384" y="2076"/>
+                </a:lnTo>
+                <a:lnTo>
+                  <a:pt x="3384" y="44"/>
+                </a:lnTo>
+                <a:lnTo>
+                  <a:pt x="3384" y="44"/>
+                </a:lnTo>
+                <a:lnTo>
+                  <a:pt x="3384" y="34"/>
+                </a:lnTo>
+                <a:lnTo>
+                  <a:pt x="3380" y="26"/>
+                </a:lnTo>
+                <a:lnTo>
+                  <a:pt x="3376" y="20"/>
+                </a:lnTo>
+                <a:lnTo>
+                  <a:pt x="3372" y="12"/>
+                </a:lnTo>
+                <a:lnTo>
+                  <a:pt x="3364" y="8"/>
+                </a:lnTo>
+                <a:lnTo>
+                  <a:pt x="3358" y="4"/>
+                </a:lnTo>
+                <a:lnTo>
+                  <a:pt x="3350" y="0"/>
+                </a:lnTo>
+                <a:lnTo>
+                  <a:pt x="3340" y="0"/>
+                </a:lnTo>
+                <a:lnTo>
+                  <a:pt x="3340" y="0"/>
+                </a:lnTo>
+                <a:close/>
+              </a:path>
+            </a:pathLst>
+          </a:custGeom>
+          <a:ln>
+            <a:solidFill>
+              <a:schemeClr val="accent1"/>
+            </a:solidFill>
+          </a:ln>
+        </p:spPr>
+        <p:style>
+          <a:lnRef idx="1">
+            <a:schemeClr val="accent1"/>
+          </a:lnRef>
+          <a:fillRef idx="3">
+            <a:schemeClr val="accent1"/>
+          </a:fillRef>
+          <a:effectRef idx="2">
+            <a:schemeClr val="accent1"/>
+          </a:effectRef>
+          <a:fontRef idx="minor">
+            <a:schemeClr val="lt1"/>
+          </a:fontRef>
+        </p:style>
+      </p:sp>
+      <p:sp>
+        <p:nvSpPr>
+          <p:cNvPr id="2" name="Title 1"/>
+          <p:cNvSpPr>
+            <a:spLocks noGrp="1"/>
+          </p:cNvSpPr>
+          <p:nvPr>
+            <p:ph type="title"/>
+          </p:nvPr>
+        </p:nvSpPr>
+        <p:spPr>
+          <a:xfrm>
+            <a:off x="850985" y="1238502"/>
+            <a:ext cx="5893840" cy="2645912"/>
+          </a:xfrm>
+        </p:spPr>
+        <p:txBody>
+          <a:bodyPr anchor="b"/>
+          <a:lstStyle>
+            <a:lvl1pPr algn="l">
+              <a:defRPr sz="4200" b="1" cap="none"/>
+            </a:lvl1pPr>
+          </a:lstStyle>
+          <a:p>
+            <a:r>
+              <a:rPr lang="en-US"/>
+              <a:t>Click to edit Master title style</a:t>
+            </a:r>
+            <a:endParaRPr lang="en-US" dirty="0"/>
+          </a:p>
+        </p:txBody>
+      </p:sp>
+      <p:sp>
+        <p:nvSpPr>
+          <p:cNvPr id="3" name="Text Placeholder 2"/>
+          <p:cNvSpPr>
+            <a:spLocks noGrp="1"/>
+          </p:cNvSpPr>
+          <p:nvPr>
+            <p:ph type="body" idx="1"/>
+          </p:nvPr>
+        </p:nvSpPr>
+        <p:spPr>
+          <a:xfrm>
+            <a:off x="853190" y="4443680"/>
+            <a:ext cx="5891636" cy="713241"/>
+          </a:xfrm>
+        </p:spPr>
+        <p:txBody>
+          <a:bodyPr anchor="t">
+            <a:noAutofit/>
+          </a:bodyPr>
+          <a:lstStyle>
+            <a:lvl1pPr marL="0" indent="0" algn="l">
+              <a:buNone/>
+              <a:defRPr sz="1800">
+                <a:solidFill>
+                  <a:schemeClr val="tx1"/>
+                </a:solidFill>
+              </a:defRPr>
+            </a:lvl1pPr>
+            <a:lvl2pPr marL="457200" indent="0">
+              <a:buNone/>
+              <a:defRPr sz="1800">
+                <a:solidFill>
+                  <a:schemeClr val="tx1">
+                    <a:tint val="75000"/>
+                  </a:schemeClr>
+                </a:solidFill>
+              </a:defRPr>
+            </a:lvl2pPr>
+            <a:lvl3pPr marL="914400" indent="0">
+              <a:buNone/>
+              <a:defRPr sz="1600">
+                <a:solidFill>
+                  <a:schemeClr val="tx1">
+                    <a:tint val="75000"/>
+                  </a:schemeClr>
+                </a:solidFill>
+              </a:defRPr>
+            </a:lvl3pPr>
+            <a:lvl4pPr marL="1371600" indent="0">
+              <a:buNone/>
+              <a:defRPr sz="1400">
+                <a:solidFill>
+                  <a:schemeClr val="tx1">
+                    <a:tint val="75000"/>
+                  </a:schemeClr>
+                </a:solidFill>
+              </a:defRPr>
+            </a:lvl4pPr>
+            <a:lvl5pPr marL="1828800" indent="0">
+              <a:buNone/>
+              <a:defRPr sz="1400">
+                <a:solidFill>
+                  <a:schemeClr val="tx1">
+                    <a:tint val="75000"/>
+                  </a:schemeClr>
+                </a:solidFill>
+              </a:defRPr>
+            </a:lvl5pPr>
+            <a:lvl6pPr marL="2286000" indent="0">
+              <a:buNone/>
+              <a:defRPr sz="1400">
+                <a:solidFill>
+                  <a:schemeClr val="tx1">
+                    <a:tint val="75000"/>
+                  </a:schemeClr>
+                </a:solidFill>
+              </a:defRPr>
+            </a:lvl6pPr>
+            <a:lvl7pPr marL="2743200" indent="0">
+              <a:buNone/>
+              <a:defRPr sz="1400">
+                <a:solidFill>
+                  <a:schemeClr val="tx1">
+                    <a:tint val="75000"/>
+                  </a:schemeClr>
+                </a:solidFill>
+              </a:defRPr>
+            </a:lvl7pPr>
+            <a:lvl8pPr marL="3200400" indent="0">
+              <a:buNone/>
+              <a:defRPr sz="1400">
+                <a:solidFill>
+                  <a:schemeClr val="tx1">
+                    <a:tint val="75000"/>
+                  </a:schemeClr>
+                </a:solidFill>
+              </a:defRPr>
+            </a:lvl8pPr>
+            <a:lvl9pPr marL="3657600" indent="0">
+              <a:buNone/>
+              <a:defRPr sz="1400">
+                <a:solidFill>
+                  <a:schemeClr val="tx1">
+                    <a:tint val="75000"/>
+                  </a:schemeClr>
+                </a:solidFill>
+              </a:defRPr>
+            </a:lvl9pPr>
+          </a:lstStyle>
+          <a:p>
+            <a:pPr lvl="0"/>
+            <a:r>
+              <a:rPr lang="en-US"/>
+              <a:t>Click to edit Master text styles</a:t>
+            </a:r>
+          </a:p>
+        </p:txBody>
+      </p:sp>
+      <p:sp>
+        <p:nvSpPr>
+          <p:cNvPr id="9" name="Text Placeholder 5"/>
+          <p:cNvSpPr>
+            <a:spLocks noGrp="1"/>
+          </p:cNvSpPr>
+          <p:nvPr>
+            <p:ph type="body" sz="quarter" idx="16"/>
+          </p:nvPr>
+        </p:nvSpPr>
+        <p:spPr>
+          <a:xfrm>
+            <a:off x="7574642" y="1081456"/>
+            <a:ext cx="3810001" cy="4075465"/>
+          </a:xfrm>
+        </p:spPr>
+        <p:txBody>
+          <a:bodyPr anchor="t"/>
+          <a:lstStyle>
+            <a:lvl1pPr marL="0" indent="0">
+              <a:buFontTx/>
+              <a:buNone/>
+              <a:defRPr/>
+            </a:lvl1pPr>
+          </a:lstStyle>
+          <a:p>
+            <a:pPr lvl="0"/>
+            <a:r>
+              <a:rPr lang="en-US"/>
+              <a:t>Click to edit Master text styles</a:t>
+            </a:r>
+          </a:p>
+        </p:txBody>
+      </p:sp>
+      <p:sp>
+        <p:nvSpPr>
+          <p:cNvPr id="4" name="Date Placeholder 3"/>
+          <p:cNvSpPr>
+            <a:spLocks noGrp="1"/>
+          </p:cNvSpPr>
+          <p:nvPr>
+            <p:ph type="dt" sz="half" idx="10"/>
+          </p:nvPr>
+        </p:nvSpPr>
+        <p:spPr/>
+        <p:txBody>
+          <a:bodyPr/>
+          <a:lstStyle/>
+          <a:p>
+            <a:fld id="{93597383-FF0D-4A1A-B5B3-BA01475641A1}" type="datetimeFigureOut">
+              <a:rPr lang="en-US" smtClean="0"/>
+              <a:t>3/17/2024</a:t>
+            </a:fld>
+            <a:endParaRPr lang="en-US"/>
+          </a:p>
+        </p:txBody>
+      </p:sp>
+      <p:sp>
+        <p:nvSpPr>
+          <p:cNvPr id="5" name="Footer Placeholder 4"/>
+          <p:cNvSpPr>
+            <a:spLocks noGrp="1"/>
+          </p:cNvSpPr>
+          <p:nvPr>
+            <p:ph type="ftr" sz="quarter" idx="11"/>
+          </p:nvPr>
+        </p:nvSpPr>
+        <p:spPr/>
+        <p:txBody>
+          <a:bodyPr/>
+          <a:lstStyle/>
+          <a:p>
+            <a:endParaRPr lang="en-US"/>
+          </a:p>
+        </p:txBody>
+      </p:sp>
+      <p:sp>
+        <p:nvSpPr>
+          <p:cNvPr id="6" name="Slide Number Placeholder 5"/>
+          <p:cNvSpPr>
+            <a:spLocks noGrp="1"/>
+          </p:cNvSpPr>
+          <p:nvPr>
+            <p:ph type="sldNum" sz="quarter" idx="12"/>
+          </p:nvPr>
+        </p:nvSpPr>
+        <p:spPr/>
+        <p:txBody>
+          <a:bodyPr/>
+          <a:lstStyle/>
+          <a:p>
+            <a:fld id="{B0D2CF31-5595-463B-9773-2EB93A1E7C1A}" type="slidenum">
+              <a:rPr lang="en-US" smtClean="0"/>
+              <a:t>‹#›</a:t>
+            </a:fld>
+            <a:endParaRPr lang="en-US"/>
+          </a:p>
+        </p:txBody>
+      </p:sp>
+    </p:spTree>
+    <p:extLst>
+      <p:ext uri="{BB962C8B-B14F-4D97-AF65-F5344CB8AC3E}">
+        <p14:creationId xmlns:p14="http://schemas.microsoft.com/office/powerpoint/2010/main" val="3920632353"/>
+      </p:ext>
+    </p:extLst>
+  </p:cSld>
+  <p:clrMapOvr>
+    <a:masterClrMapping/>
+  </p:clrMapOvr>
+</p:sldLayout>
+</file>
+
+<file path=ppt/slideLayouts/slideLayout12.xml><?xml version="1.0" encoding="utf-8"?>
+<p:sldLayout xmlns:a="http://schemas.openxmlformats.org/drawingml/2006/main" xmlns:r="http://schemas.openxmlformats.org/officeDocument/2006/relationships" xmlns:p="http://schemas.openxmlformats.org/presentationml/2006/main" preserve="1">
+  <p:cSld name="Name Card">
+    <p:spTree>
+      <p:nvGrpSpPr>
+        <p:cNvPr id="1" name=""/>
+        <p:cNvGrpSpPr/>
+        <p:nvPr/>
+      </p:nvGrpSpPr>
+      <p:grpSpPr>
+        <a:xfrm>
+          <a:off x="0" y="0"/>
+          <a:ext cx="0" cy="0"/>
+          <a:chOff x="0" y="0"/>
+          <a:chExt cx="0" cy="0"/>
+        </a:xfrm>
+      </p:grpSpPr>
+      <p:sp>
+        <p:nvSpPr>
+          <p:cNvPr id="9" name="Freeform 6"/>
+          <p:cNvSpPr>
+            <a:spLocks noChangeAspect="1"/>
+          </p:cNvSpPr>
+          <p:nvPr/>
+        </p:nvSpPr>
+        <p:spPr bwMode="auto">
+          <a:xfrm>
+            <a:off x="1140884" y="2286585"/>
+            <a:ext cx="4895115" cy="2503972"/>
+          </a:xfrm>
+          <a:custGeom>
+            <a:avLst/>
+            <a:gdLst/>
+            <a:ahLst/>
+            <a:cxnLst/>
+            <a:rect l="0" t="0" r="r" b="b"/>
+            <a:pathLst>
+              <a:path w="3384" h="2308">
+                <a:moveTo>
+                  <a:pt x="3340" y="0"/>
+                </a:moveTo>
+                <a:lnTo>
+                  <a:pt x="44" y="0"/>
+                </a:lnTo>
+                <a:lnTo>
+                  <a:pt x="44" y="0"/>
+                </a:lnTo>
+                <a:lnTo>
+                  <a:pt x="34" y="0"/>
+                </a:lnTo>
+                <a:lnTo>
+                  <a:pt x="26" y="4"/>
+                </a:lnTo>
+                <a:lnTo>
+                  <a:pt x="20" y="8"/>
+                </a:lnTo>
+                <a:lnTo>
+                  <a:pt x="12" y="12"/>
+                </a:lnTo>
+                <a:lnTo>
+                  <a:pt x="8" y="20"/>
+                </a:lnTo>
+                <a:lnTo>
+                  <a:pt x="4" y="26"/>
+                </a:lnTo>
+                <a:lnTo>
+                  <a:pt x="0" y="34"/>
+                </a:lnTo>
+                <a:lnTo>
+                  <a:pt x="0" y="44"/>
+                </a:lnTo>
+                <a:lnTo>
+                  <a:pt x="0" y="2076"/>
+                </a:lnTo>
+                <a:lnTo>
+                  <a:pt x="0" y="2076"/>
+                </a:lnTo>
+                <a:lnTo>
+                  <a:pt x="0" y="2086"/>
+                </a:lnTo>
+                <a:lnTo>
+                  <a:pt x="4" y="2094"/>
+                </a:lnTo>
+                <a:lnTo>
+                  <a:pt x="8" y="2100"/>
+                </a:lnTo>
+                <a:lnTo>
+                  <a:pt x="12" y="2108"/>
+                </a:lnTo>
+                <a:lnTo>
+                  <a:pt x="20" y="2112"/>
+                </a:lnTo>
+                <a:lnTo>
+                  <a:pt x="26" y="2116"/>
+                </a:lnTo>
+                <a:lnTo>
+                  <a:pt x="34" y="2120"/>
+                </a:lnTo>
+                <a:lnTo>
+                  <a:pt x="44" y="2120"/>
+                </a:lnTo>
+                <a:lnTo>
+                  <a:pt x="474" y="2120"/>
+                </a:lnTo>
+                <a:lnTo>
+                  <a:pt x="650" y="2296"/>
+                </a:lnTo>
+                <a:lnTo>
+                  <a:pt x="650" y="2296"/>
+                </a:lnTo>
+                <a:lnTo>
+                  <a:pt x="656" y="2300"/>
+                </a:lnTo>
+                <a:lnTo>
+                  <a:pt x="664" y="2304"/>
+                </a:lnTo>
+                <a:lnTo>
+                  <a:pt x="672" y="2308"/>
+                </a:lnTo>
+                <a:lnTo>
+                  <a:pt x="680" y="2308"/>
+                </a:lnTo>
+                <a:lnTo>
+                  <a:pt x="688" y="2308"/>
+                </a:lnTo>
+                <a:lnTo>
+                  <a:pt x="696" y="2304"/>
+                </a:lnTo>
+                <a:lnTo>
+                  <a:pt x="704" y="2300"/>
+                </a:lnTo>
+                <a:lnTo>
+                  <a:pt x="710" y="2296"/>
+                </a:lnTo>
+                <a:lnTo>
+                  <a:pt x="886" y="2120"/>
+                </a:lnTo>
+                <a:lnTo>
+                  <a:pt x="3340" y="2120"/>
+                </a:lnTo>
+                <a:lnTo>
+                  <a:pt x="3340" y="2120"/>
+                </a:lnTo>
+                <a:lnTo>
+                  <a:pt x="3350" y="2120"/>
+                </a:lnTo>
+                <a:lnTo>
+                  <a:pt x="3358" y="2116"/>
+                </a:lnTo>
+                <a:lnTo>
+                  <a:pt x="3364" y="2112"/>
+                </a:lnTo>
+                <a:lnTo>
+                  <a:pt x="3372" y="2108"/>
+                </a:lnTo>
+                <a:lnTo>
+                  <a:pt x="3376" y="2100"/>
+                </a:lnTo>
+                <a:lnTo>
+                  <a:pt x="3380" y="2094"/>
+                </a:lnTo>
+                <a:lnTo>
+                  <a:pt x="3384" y="2086"/>
+                </a:lnTo>
+                <a:lnTo>
+                  <a:pt x="3384" y="2076"/>
+                </a:lnTo>
+                <a:lnTo>
+                  <a:pt x="3384" y="44"/>
+                </a:lnTo>
+                <a:lnTo>
+                  <a:pt x="3384" y="44"/>
+                </a:lnTo>
+                <a:lnTo>
+                  <a:pt x="3384" y="34"/>
+                </a:lnTo>
+                <a:lnTo>
+                  <a:pt x="3380" y="26"/>
+                </a:lnTo>
+                <a:lnTo>
+                  <a:pt x="3376" y="20"/>
+                </a:lnTo>
+                <a:lnTo>
+                  <a:pt x="3372" y="12"/>
+                </a:lnTo>
+                <a:lnTo>
+                  <a:pt x="3364" y="8"/>
+                </a:lnTo>
+                <a:lnTo>
+                  <a:pt x="3358" y="4"/>
+                </a:lnTo>
+                <a:lnTo>
+                  <a:pt x="3350" y="0"/>
+                </a:lnTo>
+                <a:lnTo>
+                  <a:pt x="3340" y="0"/>
+                </a:lnTo>
+                <a:lnTo>
+                  <a:pt x="3340" y="0"/>
+                </a:lnTo>
+                <a:close/>
+              </a:path>
+            </a:pathLst>
+          </a:custGeom>
+          <a:ln>
+            <a:solidFill>
+              <a:schemeClr val="accent1"/>
+            </a:solidFill>
+          </a:ln>
+        </p:spPr>
+        <p:style>
+          <a:lnRef idx="1">
+            <a:schemeClr val="accent1"/>
+          </a:lnRef>
+          <a:fillRef idx="3">
+            <a:schemeClr val="accent1"/>
+          </a:fillRef>
+          <a:effectRef idx="2">
+            <a:schemeClr val="accent1"/>
+          </a:effectRef>
+          <a:fontRef idx="minor">
+            <a:schemeClr val="lt1"/>
+          </a:fontRef>
+        </p:style>
+      </p:sp>
+      <p:sp>
+        <p:nvSpPr>
+          <p:cNvPr id="38" name="Title 1"/>
+          <p:cNvSpPr>
+            <a:spLocks noGrp="1"/>
+          </p:cNvSpPr>
+          <p:nvPr>
+            <p:ph type="title"/>
+          </p:nvPr>
+        </p:nvSpPr>
+        <p:spPr>
+          <a:xfrm>
+            <a:off x="1357089" y="2435957"/>
+            <a:ext cx="4382521" cy="2007789"/>
+          </a:xfrm>
+        </p:spPr>
+        <p:txBody>
+          <a:bodyPr/>
+          <a:lstStyle>
+            <a:lvl1pPr>
+              <a:defRPr sz="3200"/>
+            </a:lvl1pPr>
+          </a:lstStyle>
+          <a:p>
+            <a:r>
+              <a:rPr lang="en-US"/>
+              <a:t>Click to edit Master title style</a:t>
+            </a:r>
+            <a:endParaRPr lang="en-US" dirty="0"/>
+          </a:p>
+        </p:txBody>
+      </p:sp>
+      <p:sp>
+        <p:nvSpPr>
+          <p:cNvPr id="6" name="Text Placeholder 5"/>
+          <p:cNvSpPr>
+            <a:spLocks noGrp="1"/>
+          </p:cNvSpPr>
+          <p:nvPr>
+            <p:ph type="body" sz="quarter" idx="16"/>
+          </p:nvPr>
+        </p:nvSpPr>
+        <p:spPr>
+          <a:xfrm>
+            <a:off x="6156000" y="2286000"/>
+            <a:ext cx="4880300" cy="2295525"/>
+          </a:xfrm>
+        </p:spPr>
+        <p:txBody>
+          <a:bodyPr anchor="t"/>
+          <a:lstStyle>
+            <a:lvl1pPr marL="0" indent="0">
+              <a:buFontTx/>
+              <a:buNone/>
+              <a:defRPr/>
+            </a:lvl1pPr>
+          </a:lstStyle>
+          <a:p>
+            <a:pPr lvl="0"/>
+            <a:r>
+              <a:rPr lang="en-US"/>
+              <a:t>Click to edit Master text styles</a:t>
+            </a:r>
+          </a:p>
+        </p:txBody>
+      </p:sp>
+      <p:sp>
+        <p:nvSpPr>
+          <p:cNvPr id="2" name="Date Placeholder 1"/>
+          <p:cNvSpPr>
+            <a:spLocks noGrp="1"/>
+          </p:cNvSpPr>
+          <p:nvPr>
+            <p:ph type="dt" sz="half" idx="10"/>
+          </p:nvPr>
+        </p:nvSpPr>
+        <p:spPr/>
+        <p:txBody>
+          <a:bodyPr/>
+          <a:lstStyle/>
+          <a:p>
+            <a:fld id="{93597383-FF0D-4A1A-B5B3-BA01475641A1}" type="datetimeFigureOut">
+              <a:rPr lang="en-US" smtClean="0"/>
+              <a:t>3/17/2024</a:t>
+            </a:fld>
+            <a:endParaRPr lang="en-US"/>
+          </a:p>
+        </p:txBody>
+      </p:sp>
+      <p:sp>
+        <p:nvSpPr>
+          <p:cNvPr id="3" name="Footer Placeholder 2"/>
+          <p:cNvSpPr>
+            <a:spLocks noGrp="1"/>
+          </p:cNvSpPr>
+          <p:nvPr>
+            <p:ph type="ftr" sz="quarter" idx="11"/>
+          </p:nvPr>
+        </p:nvSpPr>
+        <p:spPr/>
+        <p:txBody>
+          <a:bodyPr/>
+          <a:lstStyle/>
+          <a:p>
+            <a:endParaRPr lang="en-US"/>
+          </a:p>
+        </p:txBody>
+      </p:sp>
+      <p:sp>
+        <p:nvSpPr>
+          <p:cNvPr id="4" name="Slide Number Placeholder 3"/>
+          <p:cNvSpPr>
+            <a:spLocks noGrp="1"/>
+          </p:cNvSpPr>
+          <p:nvPr>
+            <p:ph type="sldNum" sz="quarter" idx="12"/>
+          </p:nvPr>
+        </p:nvSpPr>
+        <p:spPr/>
+        <p:txBody>
+          <a:bodyPr/>
+          <a:lstStyle/>
+          <a:p>
+            <a:fld id="{B0D2CF31-5595-463B-9773-2EB93A1E7C1A}" type="slidenum">
+              <a:rPr lang="en-US" smtClean="0"/>
+              <a:t>‹#›</a:t>
+            </a:fld>
+            <a:endParaRPr lang="en-US"/>
+          </a:p>
+        </p:txBody>
+      </p:sp>
+    </p:spTree>
+    <p:extLst>
+      <p:ext uri="{BB962C8B-B14F-4D97-AF65-F5344CB8AC3E}">
+        <p14:creationId xmlns:p14="http://schemas.microsoft.com/office/powerpoint/2010/main" val="466190066"/>
+      </p:ext>
+    </p:extLst>
+  </p:cSld>
+  <p:clrMapOvr>
+    <a:masterClrMapping/>
+  </p:clrMapOvr>
+</p:sldLayout>
+</file>
+
+<file path=ppt/slideLayouts/slideLayout13.xml><?xml version="1.0" encoding="utf-8"?>
 <p:sldLayout xmlns:a="http://schemas.openxmlformats.org/drawingml/2006/main" xmlns:r="http://schemas.openxmlformats.org/officeDocument/2006/relationships" xmlns:p="http://schemas.openxmlformats.org/presentationml/2006/main" type="vertTx" preserve="1">
   <p:cSld name="Title and Vertical Text">
     <p:spTree>
@@ -349,13 +1657,110 @@
       </p:grpSpPr>
       <p:sp>
         <p:nvSpPr>
-          <p:cNvPr id="2" name="Title 1">
-            <a:extLst>
-              <a:ext uri="{FF2B5EF4-FFF2-40B4-BE49-F238E27FC236}">
-                <a16:creationId xmlns:a16="http://schemas.microsoft.com/office/drawing/2014/main" id="{CBE564AA-0184-CE1F-BD96-DD5F7FACDAA9}"/>
-              </a:ext>
-            </a:extLst>
-          </p:cNvPr>
+          <p:cNvPr id="7" name="Freeform 6"/>
+          <p:cNvSpPr/>
+          <p:nvPr/>
+        </p:nvSpPr>
+        <p:spPr bwMode="auto">
+          <a:xfrm>
+            <a:off x="0" y="0"/>
+            <a:ext cx="12192000" cy="2185988"/>
+          </a:xfrm>
+          <a:custGeom>
+            <a:avLst/>
+            <a:gdLst/>
+            <a:ahLst/>
+            <a:cxnLst/>
+            <a:rect l="0" t="0" r="r" b="b"/>
+            <a:pathLst>
+              <a:path w="5760" h="1377">
+                <a:moveTo>
+                  <a:pt x="5760" y="0"/>
+                </a:moveTo>
+                <a:lnTo>
+                  <a:pt x="0" y="0"/>
+                </a:lnTo>
+                <a:lnTo>
+                  <a:pt x="0" y="1189"/>
+                </a:lnTo>
+                <a:lnTo>
+                  <a:pt x="943" y="1189"/>
+                </a:lnTo>
+                <a:lnTo>
+                  <a:pt x="1123" y="1369"/>
+                </a:lnTo>
+                <a:lnTo>
+                  <a:pt x="1123" y="1369"/>
+                </a:lnTo>
+                <a:lnTo>
+                  <a:pt x="1127" y="1371"/>
+                </a:lnTo>
+                <a:lnTo>
+                  <a:pt x="1133" y="1374"/>
+                </a:lnTo>
+                <a:lnTo>
+                  <a:pt x="1139" y="1377"/>
+                </a:lnTo>
+                <a:lnTo>
+                  <a:pt x="1144" y="1377"/>
+                </a:lnTo>
+                <a:lnTo>
+                  <a:pt x="1150" y="1377"/>
+                </a:lnTo>
+                <a:lnTo>
+                  <a:pt x="1155" y="1374"/>
+                </a:lnTo>
+                <a:lnTo>
+                  <a:pt x="1161" y="1371"/>
+                </a:lnTo>
+                <a:lnTo>
+                  <a:pt x="1165" y="1369"/>
+                </a:lnTo>
+                <a:lnTo>
+                  <a:pt x="1345" y="1189"/>
+                </a:lnTo>
+                <a:lnTo>
+                  <a:pt x="5760" y="1189"/>
+                </a:lnTo>
+                <a:lnTo>
+                  <a:pt x="5760" y="0"/>
+                </a:lnTo>
+                <a:close/>
+              </a:path>
+            </a:pathLst>
+          </a:custGeom>
+          <a:ln/>
+          <a:extLst>
+            <a:ext uri="{91240B29-F687-4f45-9708-019B960494DF}">
+              <a14:hiddenLine xmlns:a14="http://schemas.microsoft.com/office/drawing/2010/main" xmlns="" w="9525">
+                <a:solidFill>
+                  <a:srgbClr val="000000"/>
+                </a:solidFill>
+                <a:round/>
+                <a:headEnd/>
+                <a:tailEnd/>
+              </a14:hiddenLine>
+            </a:ext>
+          </a:extLst>
+        </p:spPr>
+        <p:style>
+          <a:lnRef idx="1">
+            <a:schemeClr val="accent1"/>
+          </a:lnRef>
+          <a:fillRef idx="3">
+            <a:schemeClr val="accent1"/>
+          </a:fillRef>
+          <a:effectRef idx="2">
+            <a:schemeClr val="accent1"/>
+          </a:effectRef>
+          <a:fontRef idx="minor">
+            <a:schemeClr val="lt1"/>
+          </a:fontRef>
+        </p:style>
+      </p:sp>
+      <p:sp>
+        <p:nvSpPr>
+          <p:cNvPr id="2" name="Title 1"/>
           <p:cNvSpPr>
             <a:spLocks noGrp="1"/>
           </p:cNvSpPr>
@@ -372,18 +1777,13 @@
               <a:rPr lang="en-US"/>
               <a:t>Click to edit Master title style</a:t>
             </a:r>
-          </a:p>
-        </p:txBody>
-      </p:sp>
-      <p:sp>
-        <p:nvSpPr>
-          <p:cNvPr id="3" name="Vertical Text Placeholder 2">
-            <a:extLst>
-              <a:ext uri="{FF2B5EF4-FFF2-40B4-BE49-F238E27FC236}">
-                <a16:creationId xmlns:a16="http://schemas.microsoft.com/office/drawing/2014/main" id="{237633E9-DB25-A7EE-DAA6-68B52A5CF291}"/>
-              </a:ext>
-            </a:extLst>
-          </p:cNvPr>
+            <a:endParaRPr lang="en-US" dirty="0"/>
+          </a:p>
+        </p:txBody>
+      </p:sp>
+      <p:sp>
+        <p:nvSpPr>
+          <p:cNvPr id="3" name="Vertical Text Placeholder 2"/>
           <p:cNvSpPr>
             <a:spLocks noGrp="1"/>
           </p:cNvSpPr>
@@ -393,7 +1793,7 @@
         </p:nvSpPr>
         <p:spPr/>
         <p:txBody>
-          <a:bodyPr vert="eaVert"/>
+          <a:bodyPr vert="eaVert" anchor="t"/>
           <a:lstStyle/>
           <a:p>
             <a:pPr lvl="0"/>
@@ -429,18 +1829,13 @@
               <a:rPr lang="en-US"/>
               <a:t>Fifth level</a:t>
             </a:r>
-          </a:p>
-        </p:txBody>
-      </p:sp>
-      <p:sp>
-        <p:nvSpPr>
-          <p:cNvPr id="4" name="Date Placeholder 3">
-            <a:extLst>
-              <a:ext uri="{FF2B5EF4-FFF2-40B4-BE49-F238E27FC236}">
-                <a16:creationId xmlns:a16="http://schemas.microsoft.com/office/drawing/2014/main" id="{B0523D6D-D647-0BD2-CF2F-45EF4D8520C9}"/>
-              </a:ext>
-            </a:extLst>
-          </p:cNvPr>
+            <a:endParaRPr lang="en-US" dirty="0"/>
+          </a:p>
+        </p:txBody>
+      </p:sp>
+      <p:sp>
+        <p:nvSpPr>
+          <p:cNvPr id="4" name="Date Placeholder 3"/>
           <p:cNvSpPr>
             <a:spLocks noGrp="1"/>
           </p:cNvSpPr>
@@ -463,13 +1858,7 @@
       </p:sp>
       <p:sp>
         <p:nvSpPr>
-          <p:cNvPr id="5" name="Footer Placeholder 4">
-            <a:extLst>
-              <a:ext uri="{FF2B5EF4-FFF2-40B4-BE49-F238E27FC236}">
-                <a16:creationId xmlns:a16="http://schemas.microsoft.com/office/drawing/2014/main" id="{88EDC241-F995-C061-FBF3-84B0357E5778}"/>
-              </a:ext>
-            </a:extLst>
-          </p:cNvPr>
+          <p:cNvPr id="5" name="Footer Placeholder 4"/>
           <p:cNvSpPr>
             <a:spLocks noGrp="1"/>
           </p:cNvSpPr>
@@ -488,13 +1877,7 @@
       </p:sp>
       <p:sp>
         <p:nvSpPr>
-          <p:cNvPr id="6" name="Slide Number Placeholder 5">
-            <a:extLst>
-              <a:ext uri="{FF2B5EF4-FFF2-40B4-BE49-F238E27FC236}">
-                <a16:creationId xmlns:a16="http://schemas.microsoft.com/office/drawing/2014/main" id="{D4762753-B3A0-3C1B-78CC-C8607DA942B4}"/>
-              </a:ext>
-            </a:extLst>
-          </p:cNvPr>
+          <p:cNvPr id="6" name="Slide Number Placeholder 5"/>
           <p:cNvSpPr>
             <a:spLocks noGrp="1"/>
           </p:cNvSpPr>
@@ -518,7 +1901,7 @@
     </p:spTree>
     <p:extLst>
       <p:ext uri="{BB962C8B-B14F-4D97-AF65-F5344CB8AC3E}">
-        <p14:creationId xmlns:p14="http://schemas.microsoft.com/office/powerpoint/2010/main" val="2683903557"/>
+        <p14:creationId xmlns:p14="http://schemas.microsoft.com/office/powerpoint/2010/main" val="2233614994"/>
       </p:ext>
     </p:extLst>
   </p:cSld>
@@ -528,7 +1911,7 @@
 </p:sldLayout>
 </file>
 
-<file path=ppt/slideLayouts/slideLayout11.xml><?xml version="1.0" encoding="utf-8"?>
+<file path=ppt/slideLayouts/slideLayout14.xml><?xml version="1.0" encoding="utf-8"?>
 <p:sldLayout xmlns:a="http://schemas.openxmlformats.org/drawingml/2006/main" xmlns:r="http://schemas.openxmlformats.org/officeDocument/2006/relationships" xmlns:p="http://schemas.openxmlformats.org/presentationml/2006/main" type="vertTitleAndTx" preserve="1">
   <p:cSld name="Vertical Title and Text">
     <p:spTree>
@@ -547,13 +1930,112 @@
       </p:grpSpPr>
       <p:sp>
         <p:nvSpPr>
-          <p:cNvPr id="2" name="Vertical Title 1">
-            <a:extLst>
-              <a:ext uri="{FF2B5EF4-FFF2-40B4-BE49-F238E27FC236}">
-                <a16:creationId xmlns:a16="http://schemas.microsoft.com/office/drawing/2014/main" id="{B19B21BD-4B4E-72E3-0B63-1104EAE6291A}"/>
-              </a:ext>
-            </a:extLst>
-          </p:cNvPr>
+          <p:cNvPr id="12" name="Freeform 6"/>
+          <p:cNvSpPr>
+            <a:spLocks noChangeAspect="1"/>
+          </p:cNvSpPr>
+          <p:nvPr/>
+        </p:nvSpPr>
+        <p:spPr bwMode="auto">
+          <a:xfrm>
+            <a:off x="7669651" y="446089"/>
+            <a:ext cx="4522349" cy="5414962"/>
+          </a:xfrm>
+          <a:custGeom>
+            <a:avLst/>
+            <a:gdLst/>
+            <a:ahLst/>
+            <a:cxnLst/>
+            <a:rect l="0" t="0" r="r" b="b"/>
+            <a:pathLst>
+              <a:path w="2879" h="4320">
+                <a:moveTo>
+                  <a:pt x="183" y="0"/>
+                </a:moveTo>
+                <a:lnTo>
+                  <a:pt x="183" y="1197"/>
+                </a:lnTo>
+                <a:lnTo>
+                  <a:pt x="8" y="1372"/>
+                </a:lnTo>
+                <a:lnTo>
+                  <a:pt x="8" y="1372"/>
+                </a:lnTo>
+                <a:lnTo>
+                  <a:pt x="6" y="1376"/>
+                </a:lnTo>
+                <a:lnTo>
+                  <a:pt x="3" y="1382"/>
+                </a:lnTo>
+                <a:lnTo>
+                  <a:pt x="0" y="1387"/>
+                </a:lnTo>
+                <a:lnTo>
+                  <a:pt x="0" y="1393"/>
+                </a:lnTo>
+                <a:lnTo>
+                  <a:pt x="0" y="1399"/>
+                </a:lnTo>
+                <a:lnTo>
+                  <a:pt x="3" y="1404"/>
+                </a:lnTo>
+                <a:lnTo>
+                  <a:pt x="6" y="1410"/>
+                </a:lnTo>
+                <a:lnTo>
+                  <a:pt x="8" y="1414"/>
+                </a:lnTo>
+                <a:lnTo>
+                  <a:pt x="183" y="1589"/>
+                </a:lnTo>
+                <a:lnTo>
+                  <a:pt x="183" y="4320"/>
+                </a:lnTo>
+                <a:lnTo>
+                  <a:pt x="2879" y="4320"/>
+                </a:lnTo>
+                <a:lnTo>
+                  <a:pt x="2879" y="0"/>
+                </a:lnTo>
+                <a:lnTo>
+                  <a:pt x="183" y="0"/>
+                </a:lnTo>
+                <a:close/>
+              </a:path>
+            </a:pathLst>
+          </a:custGeom>
+          <a:ln/>
+          <a:extLst>
+            <a:ext uri="{91240B29-F687-4f45-9708-019B960494DF}">
+              <a14:hiddenLine xmlns:a14="http://schemas.microsoft.com/office/drawing/2010/main" xmlns="" w="9525">
+                <a:solidFill>
+                  <a:srgbClr val="000000"/>
+                </a:solidFill>
+                <a:round/>
+                <a:headEnd/>
+                <a:tailEnd/>
+              </a14:hiddenLine>
+            </a:ext>
+          </a:extLst>
+        </p:spPr>
+        <p:style>
+          <a:lnRef idx="1">
+            <a:schemeClr val="accent1"/>
+          </a:lnRef>
+          <a:fillRef idx="3">
+            <a:schemeClr val="accent1"/>
+          </a:fillRef>
+          <a:effectRef idx="2">
+            <a:schemeClr val="accent1"/>
+          </a:effectRef>
+          <a:fontRef idx="minor">
+            <a:schemeClr val="lt1"/>
+          </a:fontRef>
+        </p:style>
+      </p:sp>
+      <p:sp>
+        <p:nvSpPr>
+          <p:cNvPr id="2" name="Vertical Title 1"/>
           <p:cNvSpPr>
             <a:spLocks noGrp="1"/>
           </p:cNvSpPr>
@@ -563,8 +2045,8 @@
         </p:nvSpPr>
         <p:spPr>
           <a:xfrm>
-            <a:off x="8724900" y="365125"/>
-            <a:ext cx="2628900" cy="5811838"/>
+            <a:off x="8183540" y="586171"/>
+            <a:ext cx="2494791" cy="5134798"/>
           </a:xfrm>
         </p:spPr>
         <p:txBody>
@@ -575,18 +2057,13 @@
               <a:rPr lang="en-US"/>
               <a:t>Click to edit Master title style</a:t>
             </a:r>
-          </a:p>
-        </p:txBody>
-      </p:sp>
-      <p:sp>
-        <p:nvSpPr>
-          <p:cNvPr id="3" name="Vertical Text Placeholder 2">
-            <a:extLst>
-              <a:ext uri="{FF2B5EF4-FFF2-40B4-BE49-F238E27FC236}">
-                <a16:creationId xmlns:a16="http://schemas.microsoft.com/office/drawing/2014/main" id="{F61E7333-11D9-FDDD-1E24-922C18A1AD83}"/>
-              </a:ext>
-            </a:extLst>
-          </p:cNvPr>
+            <a:endParaRPr lang="en-US" dirty="0"/>
+          </a:p>
+        </p:txBody>
+      </p:sp>
+      <p:sp>
+        <p:nvSpPr>
+          <p:cNvPr id="3" name="Vertical Text Placeholder 2"/>
           <p:cNvSpPr>
             <a:spLocks noGrp="1"/>
           </p:cNvSpPr>
@@ -596,12 +2073,12 @@
         </p:nvSpPr>
         <p:spPr>
           <a:xfrm>
-            <a:off x="838200" y="365125"/>
-            <a:ext cx="7734300" cy="5811838"/>
+            <a:off x="810001" y="446089"/>
+            <a:ext cx="6611540" cy="5414962"/>
           </a:xfrm>
         </p:spPr>
         <p:txBody>
-          <a:bodyPr vert="eaVert"/>
+          <a:bodyPr vert="eaVert" anchor="t"/>
           <a:lstStyle/>
           <a:p>
             <a:pPr lvl="0"/>
@@ -637,18 +2114,13 @@
               <a:rPr lang="en-US"/>
               <a:t>Fifth level</a:t>
             </a:r>
-          </a:p>
-        </p:txBody>
-      </p:sp>
-      <p:sp>
-        <p:nvSpPr>
-          <p:cNvPr id="4" name="Date Placeholder 3">
-            <a:extLst>
-              <a:ext uri="{FF2B5EF4-FFF2-40B4-BE49-F238E27FC236}">
-                <a16:creationId xmlns:a16="http://schemas.microsoft.com/office/drawing/2014/main" id="{160FE70E-2A5D-8BD7-94B2-3E1E0D9FDB39}"/>
-              </a:ext>
-            </a:extLst>
-          </p:cNvPr>
+            <a:endParaRPr lang="en-US" dirty="0"/>
+          </a:p>
+        </p:txBody>
+      </p:sp>
+      <p:sp>
+        <p:nvSpPr>
+          <p:cNvPr id="4" name="Date Placeholder 3"/>
           <p:cNvSpPr>
             <a:spLocks noGrp="1"/>
           </p:cNvSpPr>
@@ -671,13 +2143,7 @@
       </p:sp>
       <p:sp>
         <p:nvSpPr>
-          <p:cNvPr id="5" name="Footer Placeholder 4">
-            <a:extLst>
-              <a:ext uri="{FF2B5EF4-FFF2-40B4-BE49-F238E27FC236}">
-                <a16:creationId xmlns:a16="http://schemas.microsoft.com/office/drawing/2014/main" id="{DA410207-A30F-5C99-3744-452CA5C6C70D}"/>
-              </a:ext>
-            </a:extLst>
-          </p:cNvPr>
+          <p:cNvPr id="5" name="Footer Placeholder 4"/>
           <p:cNvSpPr>
             <a:spLocks noGrp="1"/>
           </p:cNvSpPr>
@@ -696,13 +2162,7 @@
       </p:sp>
       <p:sp>
         <p:nvSpPr>
-          <p:cNvPr id="6" name="Slide Number Placeholder 5">
-            <a:extLst>
-              <a:ext uri="{FF2B5EF4-FFF2-40B4-BE49-F238E27FC236}">
-                <a16:creationId xmlns:a16="http://schemas.microsoft.com/office/drawing/2014/main" id="{C44B0F6D-4C9E-43D9-8F9B-88EFDA6A2D6A}"/>
-              </a:ext>
-            </a:extLst>
-          </p:cNvPr>
+          <p:cNvPr id="6" name="Slide Number Placeholder 5"/>
           <p:cNvSpPr>
             <a:spLocks noGrp="1"/>
           </p:cNvSpPr>
@@ -726,7 +2186,7 @@
     </p:spTree>
     <p:extLst>
       <p:ext uri="{BB962C8B-B14F-4D97-AF65-F5344CB8AC3E}">
-        <p14:creationId xmlns:p14="http://schemas.microsoft.com/office/powerpoint/2010/main" val="4289024154"/>
+        <p14:creationId xmlns:p14="http://schemas.microsoft.com/office/powerpoint/2010/main" val="4106386712"/>
       </p:ext>
     </p:extLst>
   </p:cSld>
@@ -755,13 +2215,110 @@
       </p:grpSpPr>
       <p:sp>
         <p:nvSpPr>
-          <p:cNvPr id="2" name="Title 1">
-            <a:extLst>
-              <a:ext uri="{FF2B5EF4-FFF2-40B4-BE49-F238E27FC236}">
-                <a16:creationId xmlns:a16="http://schemas.microsoft.com/office/drawing/2014/main" id="{78427FF9-7A09-B0FA-036E-9344ED0A6C7A}"/>
-              </a:ext>
-            </a:extLst>
-          </p:cNvPr>
+          <p:cNvPr id="11" name="Freeform 6"/>
+          <p:cNvSpPr/>
+          <p:nvPr/>
+        </p:nvSpPr>
+        <p:spPr bwMode="auto">
+          <a:xfrm>
+            <a:off x="0" y="0"/>
+            <a:ext cx="12192000" cy="2185988"/>
+          </a:xfrm>
+          <a:custGeom>
+            <a:avLst/>
+            <a:gdLst/>
+            <a:ahLst/>
+            <a:cxnLst/>
+            <a:rect l="0" t="0" r="r" b="b"/>
+            <a:pathLst>
+              <a:path w="5760" h="1377">
+                <a:moveTo>
+                  <a:pt x="5760" y="0"/>
+                </a:moveTo>
+                <a:lnTo>
+                  <a:pt x="0" y="0"/>
+                </a:lnTo>
+                <a:lnTo>
+                  <a:pt x="0" y="1189"/>
+                </a:lnTo>
+                <a:lnTo>
+                  <a:pt x="943" y="1189"/>
+                </a:lnTo>
+                <a:lnTo>
+                  <a:pt x="1123" y="1369"/>
+                </a:lnTo>
+                <a:lnTo>
+                  <a:pt x="1123" y="1369"/>
+                </a:lnTo>
+                <a:lnTo>
+                  <a:pt x="1127" y="1371"/>
+                </a:lnTo>
+                <a:lnTo>
+                  <a:pt x="1133" y="1374"/>
+                </a:lnTo>
+                <a:lnTo>
+                  <a:pt x="1139" y="1377"/>
+                </a:lnTo>
+                <a:lnTo>
+                  <a:pt x="1144" y="1377"/>
+                </a:lnTo>
+                <a:lnTo>
+                  <a:pt x="1150" y="1377"/>
+                </a:lnTo>
+                <a:lnTo>
+                  <a:pt x="1155" y="1374"/>
+                </a:lnTo>
+                <a:lnTo>
+                  <a:pt x="1161" y="1371"/>
+                </a:lnTo>
+                <a:lnTo>
+                  <a:pt x="1165" y="1369"/>
+                </a:lnTo>
+                <a:lnTo>
+                  <a:pt x="1345" y="1189"/>
+                </a:lnTo>
+                <a:lnTo>
+                  <a:pt x="5760" y="1189"/>
+                </a:lnTo>
+                <a:lnTo>
+                  <a:pt x="5760" y="0"/>
+                </a:lnTo>
+                <a:close/>
+              </a:path>
+            </a:pathLst>
+          </a:custGeom>
+          <a:ln/>
+          <a:extLst>
+            <a:ext uri="{91240B29-F687-4f45-9708-019B960494DF}">
+              <a14:hiddenLine xmlns:a14="http://schemas.microsoft.com/office/drawing/2010/main" xmlns="" w="9525">
+                <a:solidFill>
+                  <a:srgbClr val="000000"/>
+                </a:solidFill>
+                <a:round/>
+                <a:headEnd/>
+                <a:tailEnd/>
+              </a14:hiddenLine>
+            </a:ext>
+          </a:extLst>
+        </p:spPr>
+        <p:style>
+          <a:lnRef idx="1">
+            <a:schemeClr val="accent1"/>
+          </a:lnRef>
+          <a:fillRef idx="3">
+            <a:schemeClr val="accent1"/>
+          </a:fillRef>
+          <a:effectRef idx="2">
+            <a:schemeClr val="accent1"/>
+          </a:effectRef>
+          <a:fontRef idx="minor">
+            <a:schemeClr val="lt1"/>
+          </a:fontRef>
+        </p:style>
+      </p:sp>
+      <p:sp>
+        <p:nvSpPr>
+          <p:cNvPr id="2" name="Title 1"/>
           <p:cNvSpPr>
             <a:spLocks noGrp="1"/>
           </p:cNvSpPr>
@@ -769,7 +2326,12 @@
             <p:ph type="title"/>
           </p:nvPr>
         </p:nvSpPr>
-        <p:spPr/>
+        <p:spPr>
+          <a:xfrm>
+            <a:off x="810000" y="447188"/>
+            <a:ext cx="10571998" cy="970450"/>
+          </a:xfrm>
+        </p:spPr>
         <p:txBody>
           <a:bodyPr/>
           <a:lstStyle/>
@@ -778,18 +2340,13 @@
               <a:rPr lang="en-US"/>
               <a:t>Click to edit Master title style</a:t>
             </a:r>
-          </a:p>
-        </p:txBody>
-      </p:sp>
-      <p:sp>
-        <p:nvSpPr>
-          <p:cNvPr id="3" name="Content Placeholder 2">
-            <a:extLst>
-              <a:ext uri="{FF2B5EF4-FFF2-40B4-BE49-F238E27FC236}">
-                <a16:creationId xmlns:a16="http://schemas.microsoft.com/office/drawing/2014/main" id="{7EC58E43-8530-9E72-44BA-304DAA2D488E}"/>
-              </a:ext>
-            </a:extLst>
-          </p:cNvPr>
+            <a:endParaRPr lang="en-US" dirty="0"/>
+          </a:p>
+        </p:txBody>
+      </p:sp>
+      <p:sp>
+        <p:nvSpPr>
+          <p:cNvPr id="3" name="Content Placeholder 2"/>
           <p:cNvSpPr>
             <a:spLocks noGrp="1"/>
           </p:cNvSpPr>
@@ -797,7 +2354,12 @@
             <p:ph idx="1"/>
           </p:nvPr>
         </p:nvSpPr>
-        <p:spPr/>
+        <p:spPr>
+          <a:xfrm>
+            <a:off x="818712" y="2222287"/>
+            <a:ext cx="10554574" cy="3636511"/>
+          </a:xfrm>
+        </p:spPr>
         <p:txBody>
           <a:bodyPr/>
           <a:lstStyle/>
@@ -835,18 +2397,13 @@
               <a:rPr lang="en-US"/>
               <a:t>Fifth level</a:t>
             </a:r>
-          </a:p>
-        </p:txBody>
-      </p:sp>
-      <p:sp>
-        <p:nvSpPr>
-          <p:cNvPr id="4" name="Date Placeholder 3">
-            <a:extLst>
-              <a:ext uri="{FF2B5EF4-FFF2-40B4-BE49-F238E27FC236}">
-                <a16:creationId xmlns:a16="http://schemas.microsoft.com/office/drawing/2014/main" id="{BD32AEB1-E4E8-2E2B-8B36-5FD8E68B56C8}"/>
-              </a:ext>
-            </a:extLst>
-          </p:cNvPr>
+            <a:endParaRPr lang="en-US" dirty="0"/>
+          </a:p>
+        </p:txBody>
+      </p:sp>
+      <p:sp>
+        <p:nvSpPr>
+          <p:cNvPr id="4" name="Date Placeholder 3"/>
           <p:cNvSpPr>
             <a:spLocks noGrp="1"/>
           </p:cNvSpPr>
@@ -869,13 +2426,7 @@
       </p:sp>
       <p:sp>
         <p:nvSpPr>
-          <p:cNvPr id="5" name="Footer Placeholder 4">
-            <a:extLst>
-              <a:ext uri="{FF2B5EF4-FFF2-40B4-BE49-F238E27FC236}">
-                <a16:creationId xmlns:a16="http://schemas.microsoft.com/office/drawing/2014/main" id="{F35BDA6B-1940-192C-0551-C15163D0BA74}"/>
-              </a:ext>
-            </a:extLst>
-          </p:cNvPr>
+          <p:cNvPr id="5" name="Footer Placeholder 4"/>
           <p:cNvSpPr>
             <a:spLocks noGrp="1"/>
           </p:cNvSpPr>
@@ -894,13 +2445,7 @@
       </p:sp>
       <p:sp>
         <p:nvSpPr>
-          <p:cNvPr id="6" name="Slide Number Placeholder 5">
-            <a:extLst>
-              <a:ext uri="{FF2B5EF4-FFF2-40B4-BE49-F238E27FC236}">
-                <a16:creationId xmlns:a16="http://schemas.microsoft.com/office/drawing/2014/main" id="{54D648CA-7CC3-CAED-4A73-0B41DE711960}"/>
-              </a:ext>
-            </a:extLst>
-          </p:cNvPr>
+          <p:cNvPr id="6" name="Slide Number Placeholder 5"/>
           <p:cNvSpPr>
             <a:spLocks noGrp="1"/>
           </p:cNvSpPr>
@@ -924,7 +2469,7 @@
     </p:spTree>
     <p:extLst>
       <p:ext uri="{BB962C8B-B14F-4D97-AF65-F5344CB8AC3E}">
-        <p14:creationId xmlns:p14="http://schemas.microsoft.com/office/powerpoint/2010/main" val="556766101"/>
+        <p14:creationId xmlns:p14="http://schemas.microsoft.com/office/powerpoint/2010/main" val="2448982218"/>
       </p:ext>
     </p:extLst>
   </p:cSld>
@@ -953,13 +2498,104 @@
       </p:grpSpPr>
       <p:sp>
         <p:nvSpPr>
-          <p:cNvPr id="2" name="Title 1">
-            <a:extLst>
-              <a:ext uri="{FF2B5EF4-FFF2-40B4-BE49-F238E27FC236}">
-                <a16:creationId xmlns:a16="http://schemas.microsoft.com/office/drawing/2014/main" id="{D0129955-92BA-A254-1EC2-4AEB8F32F64D}"/>
-              </a:ext>
-            </a:extLst>
-          </p:cNvPr>
+          <p:cNvPr id="10" name="Freeform 7"/>
+          <p:cNvSpPr/>
+          <p:nvPr/>
+        </p:nvSpPr>
+        <p:spPr bwMode="auto">
+          <a:xfrm>
+            <a:off x="0" y="1"/>
+            <a:ext cx="12192000" cy="5203825"/>
+          </a:xfrm>
+          <a:custGeom>
+            <a:avLst/>
+            <a:gdLst/>
+            <a:ahLst/>
+            <a:cxnLst/>
+            <a:rect l="0" t="0" r="r" b="b"/>
+            <a:pathLst>
+              <a:path w="5760" h="3278">
+                <a:moveTo>
+                  <a:pt x="0" y="0"/>
+                </a:moveTo>
+                <a:lnTo>
+                  <a:pt x="5760" y="0"/>
+                </a:lnTo>
+                <a:lnTo>
+                  <a:pt x="5760" y="3090"/>
+                </a:lnTo>
+                <a:lnTo>
+                  <a:pt x="4817" y="3090"/>
+                </a:lnTo>
+                <a:lnTo>
+                  <a:pt x="4637" y="3270"/>
+                </a:lnTo>
+                <a:lnTo>
+                  <a:pt x="4637" y="3270"/>
+                </a:lnTo>
+                <a:lnTo>
+                  <a:pt x="4633" y="3272"/>
+                </a:lnTo>
+                <a:lnTo>
+                  <a:pt x="4627" y="3275"/>
+                </a:lnTo>
+                <a:lnTo>
+                  <a:pt x="4621" y="3278"/>
+                </a:lnTo>
+                <a:lnTo>
+                  <a:pt x="4616" y="3278"/>
+                </a:lnTo>
+                <a:lnTo>
+                  <a:pt x="4610" y="3278"/>
+                </a:lnTo>
+                <a:lnTo>
+                  <a:pt x="4605" y="3275"/>
+                </a:lnTo>
+                <a:lnTo>
+                  <a:pt x="4599" y="3272"/>
+                </a:lnTo>
+                <a:lnTo>
+                  <a:pt x="4595" y="3270"/>
+                </a:lnTo>
+                <a:lnTo>
+                  <a:pt x="4415" y="3090"/>
+                </a:lnTo>
+                <a:lnTo>
+                  <a:pt x="0" y="3090"/>
+                </a:lnTo>
+                <a:lnTo>
+                  <a:pt x="0" y="0"/>
+                </a:lnTo>
+                <a:lnTo>
+                  <a:pt x="0" y="0"/>
+                </a:lnTo>
+                <a:close/>
+              </a:path>
+            </a:pathLst>
+          </a:custGeom>
+          <a:ln>
+            <a:headEnd/>
+            <a:tailEnd/>
+          </a:ln>
+        </p:spPr>
+        <p:style>
+          <a:lnRef idx="1">
+            <a:schemeClr val="accent1"/>
+          </a:lnRef>
+          <a:fillRef idx="3">
+            <a:schemeClr val="accent1"/>
+          </a:fillRef>
+          <a:effectRef idx="2">
+            <a:schemeClr val="accent1"/>
+          </a:effectRef>
+          <a:fontRef idx="minor">
+            <a:schemeClr val="lt1"/>
+          </a:fontRef>
+        </p:style>
+      </p:sp>
+      <p:sp>
+        <p:nvSpPr>
+          <p:cNvPr id="2" name="Title 1"/>
           <p:cNvSpPr>
             <a:spLocks noGrp="1"/>
           </p:cNvSpPr>
@@ -969,15 +2605,15 @@
         </p:nvSpPr>
         <p:spPr>
           <a:xfrm>
-            <a:off x="831850" y="1709738"/>
-            <a:ext cx="10515600" cy="2852737"/>
+            <a:off x="810000" y="2951396"/>
+            <a:ext cx="10561418" cy="1468800"/>
           </a:xfrm>
         </p:spPr>
         <p:txBody>
           <a:bodyPr anchor="b"/>
           <a:lstStyle>
-            <a:lvl1pPr>
-              <a:defRPr sz="6000"/>
+            <a:lvl1pPr algn="r">
+              <a:defRPr sz="4800" b="1" cap="none"/>
             </a:lvl1pPr>
           </a:lstStyle>
           <a:p>
@@ -985,18 +2621,13 @@
               <a:rPr lang="en-US"/>
               <a:t>Click to edit Master title style</a:t>
             </a:r>
-          </a:p>
-        </p:txBody>
-      </p:sp>
-      <p:sp>
-        <p:nvSpPr>
-          <p:cNvPr id="3" name="Text Placeholder 2">
-            <a:extLst>
-              <a:ext uri="{FF2B5EF4-FFF2-40B4-BE49-F238E27FC236}">
-                <a16:creationId xmlns:a16="http://schemas.microsoft.com/office/drawing/2014/main" id="{92F693C7-0DCD-3114-B336-1CFFDCD2FD11}"/>
-              </a:ext>
-            </a:extLst>
-          </p:cNvPr>
+            <a:endParaRPr lang="en-US" dirty="0"/>
+          </a:p>
+        </p:txBody>
+      </p:sp>
+      <p:sp>
+        <p:nvSpPr>
+          <p:cNvPr id="3" name="Text Placeholder 2"/>
           <p:cNvSpPr>
             <a:spLocks noGrp="1"/>
           </p:cNvSpPr>
@@ -1006,99 +2637,99 @@
         </p:nvSpPr>
         <p:spPr>
           <a:xfrm>
-            <a:off x="831850" y="4589463"/>
-            <a:ext cx="10515600" cy="1500187"/>
+            <a:off x="810000" y="5281201"/>
+            <a:ext cx="10561418" cy="433955"/>
           </a:xfrm>
         </p:spPr>
         <p:txBody>
-          <a:bodyPr/>
+          <a:bodyPr anchor="t">
+            <a:noAutofit/>
+          </a:bodyPr>
           <a:lstStyle>
-            <a:lvl1pPr marL="0" indent="0">
+            <a:lvl1pPr marL="0" indent="0" algn="r">
               <a:buNone/>
-              <a:defRPr sz="2400">
+              <a:defRPr sz="1800">
                 <a:solidFill>
-                  <a:schemeClr val="tx1">
-                    <a:tint val="82000"/>
-                  </a:schemeClr>
+                  <a:schemeClr val="tx1"/>
                 </a:solidFill>
               </a:defRPr>
             </a:lvl1pPr>
             <a:lvl2pPr marL="457200" indent="0">
               <a:buNone/>
-              <a:defRPr sz="2000">
+              <a:defRPr sz="1800">
                 <a:solidFill>
                   <a:schemeClr val="tx1">
-                    <a:tint val="82000"/>
+                    <a:tint val="75000"/>
                   </a:schemeClr>
                 </a:solidFill>
               </a:defRPr>
             </a:lvl2pPr>
             <a:lvl3pPr marL="914400" indent="0">
               <a:buNone/>
-              <a:defRPr sz="1800">
+              <a:defRPr sz="1600">
                 <a:solidFill>
                   <a:schemeClr val="tx1">
-                    <a:tint val="82000"/>
+                    <a:tint val="75000"/>
                   </a:schemeClr>
                 </a:solidFill>
               </a:defRPr>
             </a:lvl3pPr>
             <a:lvl4pPr marL="1371600" indent="0">
               <a:buNone/>
-              <a:defRPr sz="1600">
+              <a:defRPr sz="1400">
                 <a:solidFill>
                   <a:schemeClr val="tx1">
-                    <a:tint val="82000"/>
+                    <a:tint val="75000"/>
                   </a:schemeClr>
                 </a:solidFill>
               </a:defRPr>
             </a:lvl4pPr>
             <a:lvl5pPr marL="1828800" indent="0">
               <a:buNone/>
-              <a:defRPr sz="1600">
+              <a:defRPr sz="1400">
                 <a:solidFill>
                   <a:schemeClr val="tx1">
-                    <a:tint val="82000"/>
+                    <a:tint val="75000"/>
                   </a:schemeClr>
                 </a:solidFill>
               </a:defRPr>
             </a:lvl5pPr>
             <a:lvl6pPr marL="2286000" indent="0">
               <a:buNone/>
-              <a:defRPr sz="1600">
+              <a:defRPr sz="1400">
                 <a:solidFill>
                   <a:schemeClr val="tx1">
-                    <a:tint val="82000"/>
+                    <a:tint val="75000"/>
                   </a:schemeClr>
                 </a:solidFill>
               </a:defRPr>
             </a:lvl6pPr>
             <a:lvl7pPr marL="2743200" indent="0">
               <a:buNone/>
-              <a:defRPr sz="1600">
+              <a:defRPr sz="1400">
                 <a:solidFill>
                   <a:schemeClr val="tx1">
-                    <a:tint val="82000"/>
+                    <a:tint val="75000"/>
                   </a:schemeClr>
                 </a:solidFill>
               </a:defRPr>
             </a:lvl7pPr>
             <a:lvl8pPr marL="3200400" indent="0">
               <a:buNone/>
-              <a:defRPr sz="1600">
+              <a:defRPr sz="1400">
                 <a:solidFill>
                   <a:schemeClr val="tx1">
-                    <a:tint val="82000"/>
+                    <a:tint val="75000"/>
                   </a:schemeClr>
                 </a:solidFill>
               </a:defRPr>
             </a:lvl8pPr>
             <a:lvl9pPr marL="3657600" indent="0">
               <a:buNone/>
-              <a:defRPr sz="1600">
+              <a:defRPr sz="1400">
                 <a:solidFill>
                   <a:schemeClr val="tx1">
-                    <a:tint val="82000"/>
+                    <a:tint val="75000"/>
                   </a:schemeClr>
                 </a:solidFill>
               </a:defRPr>
@@ -1115,13 +2746,7 @@
       </p:sp>
       <p:sp>
         <p:nvSpPr>
-          <p:cNvPr id="4" name="Date Placeholder 3">
-            <a:extLst>
-              <a:ext uri="{FF2B5EF4-FFF2-40B4-BE49-F238E27FC236}">
-                <a16:creationId xmlns:a16="http://schemas.microsoft.com/office/drawing/2014/main" id="{32D94C55-97A7-ACC0-FDF1-A4BC04FC088C}"/>
-              </a:ext>
-            </a:extLst>
-          </p:cNvPr>
+          <p:cNvPr id="4" name="Date Placeholder 3"/>
           <p:cNvSpPr>
             <a:spLocks noGrp="1"/>
           </p:cNvSpPr>
@@ -1144,13 +2769,7 @@
       </p:sp>
       <p:sp>
         <p:nvSpPr>
-          <p:cNvPr id="5" name="Footer Placeholder 4">
-            <a:extLst>
-              <a:ext uri="{FF2B5EF4-FFF2-40B4-BE49-F238E27FC236}">
-                <a16:creationId xmlns:a16="http://schemas.microsoft.com/office/drawing/2014/main" id="{7C2119CE-CDD0-62B3-1820-E924705F4B50}"/>
-              </a:ext>
-            </a:extLst>
-          </p:cNvPr>
+          <p:cNvPr id="5" name="Footer Placeholder 4"/>
           <p:cNvSpPr>
             <a:spLocks noGrp="1"/>
           </p:cNvSpPr>
@@ -1169,13 +2788,7 @@
       </p:sp>
       <p:sp>
         <p:nvSpPr>
-          <p:cNvPr id="6" name="Slide Number Placeholder 5">
-            <a:extLst>
-              <a:ext uri="{FF2B5EF4-FFF2-40B4-BE49-F238E27FC236}">
-                <a16:creationId xmlns:a16="http://schemas.microsoft.com/office/drawing/2014/main" id="{5636B993-4921-02AB-E9F7-ACC67E490F25}"/>
-              </a:ext>
-            </a:extLst>
-          </p:cNvPr>
+          <p:cNvPr id="6" name="Slide Number Placeholder 5"/>
           <p:cNvSpPr>
             <a:spLocks noGrp="1"/>
           </p:cNvSpPr>
@@ -1199,7 +2812,7 @@
     </p:spTree>
     <p:extLst>
       <p:ext uri="{BB962C8B-B14F-4D97-AF65-F5344CB8AC3E}">
-        <p14:creationId xmlns:p14="http://schemas.microsoft.com/office/powerpoint/2010/main" val="3699995283"/>
+        <p14:creationId xmlns:p14="http://schemas.microsoft.com/office/powerpoint/2010/main" val="3194725895"/>
       </p:ext>
     </p:extLst>
   </p:cSld>
@@ -1228,13 +2841,110 @@
       </p:grpSpPr>
       <p:sp>
         <p:nvSpPr>
-          <p:cNvPr id="2" name="Title 1">
-            <a:extLst>
-              <a:ext uri="{FF2B5EF4-FFF2-40B4-BE49-F238E27FC236}">
-                <a16:creationId xmlns:a16="http://schemas.microsoft.com/office/drawing/2014/main" id="{BE03E246-9E66-318F-ADF0-8D1DC93BD83C}"/>
-              </a:ext>
-            </a:extLst>
-          </p:cNvPr>
+          <p:cNvPr id="8" name="Freeform 6"/>
+          <p:cNvSpPr/>
+          <p:nvPr/>
+        </p:nvSpPr>
+        <p:spPr bwMode="auto">
+          <a:xfrm>
+            <a:off x="0" y="0"/>
+            <a:ext cx="12192000" cy="2185988"/>
+          </a:xfrm>
+          <a:custGeom>
+            <a:avLst/>
+            <a:gdLst/>
+            <a:ahLst/>
+            <a:cxnLst/>
+            <a:rect l="0" t="0" r="r" b="b"/>
+            <a:pathLst>
+              <a:path w="5760" h="1377">
+                <a:moveTo>
+                  <a:pt x="5760" y="0"/>
+                </a:moveTo>
+                <a:lnTo>
+                  <a:pt x="0" y="0"/>
+                </a:lnTo>
+                <a:lnTo>
+                  <a:pt x="0" y="1189"/>
+                </a:lnTo>
+                <a:lnTo>
+                  <a:pt x="943" y="1189"/>
+                </a:lnTo>
+                <a:lnTo>
+                  <a:pt x="1123" y="1369"/>
+                </a:lnTo>
+                <a:lnTo>
+                  <a:pt x="1123" y="1369"/>
+                </a:lnTo>
+                <a:lnTo>
+                  <a:pt x="1127" y="1371"/>
+                </a:lnTo>
+                <a:lnTo>
+                  <a:pt x="1133" y="1374"/>
+                </a:lnTo>
+                <a:lnTo>
+                  <a:pt x="1139" y="1377"/>
+                </a:lnTo>
+                <a:lnTo>
+                  <a:pt x="1144" y="1377"/>
+                </a:lnTo>
+                <a:lnTo>
+                  <a:pt x="1150" y="1377"/>
+                </a:lnTo>
+                <a:lnTo>
+                  <a:pt x="1155" y="1374"/>
+                </a:lnTo>
+                <a:lnTo>
+                  <a:pt x="1161" y="1371"/>
+                </a:lnTo>
+                <a:lnTo>
+                  <a:pt x="1165" y="1369"/>
+                </a:lnTo>
+                <a:lnTo>
+                  <a:pt x="1345" y="1189"/>
+                </a:lnTo>
+                <a:lnTo>
+                  <a:pt x="5760" y="1189"/>
+                </a:lnTo>
+                <a:lnTo>
+                  <a:pt x="5760" y="0"/>
+                </a:lnTo>
+                <a:close/>
+              </a:path>
+            </a:pathLst>
+          </a:custGeom>
+          <a:ln/>
+          <a:extLst>
+            <a:ext uri="{91240B29-F687-4f45-9708-019B960494DF}">
+              <a14:hiddenLine xmlns:a14="http://schemas.microsoft.com/office/drawing/2010/main" xmlns="" w="9525">
+                <a:solidFill>
+                  <a:srgbClr val="000000"/>
+                </a:solidFill>
+                <a:round/>
+                <a:headEnd/>
+                <a:tailEnd/>
+              </a14:hiddenLine>
+            </a:ext>
+          </a:extLst>
+        </p:spPr>
+        <p:style>
+          <a:lnRef idx="1">
+            <a:schemeClr val="accent1"/>
+          </a:lnRef>
+          <a:fillRef idx="3">
+            <a:schemeClr val="accent1"/>
+          </a:fillRef>
+          <a:effectRef idx="2">
+            <a:schemeClr val="accent1"/>
+          </a:effectRef>
+          <a:fontRef idx="minor">
+            <a:schemeClr val="lt1"/>
+          </a:fontRef>
+        </p:style>
+      </p:sp>
+      <p:sp>
+        <p:nvSpPr>
+          <p:cNvPr id="2" name="Title 1"/>
           <p:cNvSpPr>
             <a:spLocks noGrp="1"/>
           </p:cNvSpPr>
@@ -1251,18 +2961,13 @@
               <a:rPr lang="en-US"/>
               <a:t>Click to edit Master title style</a:t>
             </a:r>
-          </a:p>
-        </p:txBody>
-      </p:sp>
-      <p:sp>
-        <p:nvSpPr>
-          <p:cNvPr id="3" name="Content Placeholder 2">
-            <a:extLst>
-              <a:ext uri="{FF2B5EF4-FFF2-40B4-BE49-F238E27FC236}">
-                <a16:creationId xmlns:a16="http://schemas.microsoft.com/office/drawing/2014/main" id="{E84CD0D0-B32E-19FD-9904-3B78D6C9B2A3}"/>
-              </a:ext>
-            </a:extLst>
-          </p:cNvPr>
+            <a:endParaRPr lang="en-US" dirty="0"/>
+          </a:p>
+        </p:txBody>
+      </p:sp>
+      <p:sp>
+        <p:nvSpPr>
+          <p:cNvPr id="3" name="Content Placeholder 2"/>
           <p:cNvSpPr>
             <a:spLocks noGrp="1"/>
           </p:cNvSpPr>
@@ -1272,12 +2977,14 @@
         </p:nvSpPr>
         <p:spPr>
           <a:xfrm>
-            <a:off x="838200" y="1825625"/>
-            <a:ext cx="5181600" cy="4351338"/>
+            <a:off x="818712" y="2222287"/>
+            <a:ext cx="5185873" cy="3638763"/>
           </a:xfrm>
         </p:spPr>
         <p:txBody>
-          <a:bodyPr/>
+          <a:bodyPr>
+            <a:normAutofit/>
+          </a:bodyPr>
           <a:lstStyle/>
           <a:p>
             <a:pPr lvl="0"/>
@@ -1313,18 +3020,13 @@
               <a:rPr lang="en-US"/>
               <a:t>Fifth level</a:t>
             </a:r>
-          </a:p>
-        </p:txBody>
-      </p:sp>
-      <p:sp>
-        <p:nvSpPr>
-          <p:cNvPr id="4" name="Content Placeholder 3">
-            <a:extLst>
-              <a:ext uri="{FF2B5EF4-FFF2-40B4-BE49-F238E27FC236}">
-                <a16:creationId xmlns:a16="http://schemas.microsoft.com/office/drawing/2014/main" id="{8D4AD5AA-AB69-498A-63AF-17788F3E08FB}"/>
-              </a:ext>
-            </a:extLst>
-          </p:cNvPr>
+            <a:endParaRPr lang="en-US" dirty="0"/>
+          </a:p>
+        </p:txBody>
+      </p:sp>
+      <p:sp>
+        <p:nvSpPr>
+          <p:cNvPr id="4" name="Content Placeholder 3"/>
           <p:cNvSpPr>
             <a:spLocks noGrp="1"/>
           </p:cNvSpPr>
@@ -1334,12 +3036,14 @@
         </p:nvSpPr>
         <p:spPr>
           <a:xfrm>
-            <a:off x="6172200" y="1825625"/>
-            <a:ext cx="5181600" cy="4351338"/>
+            <a:off x="6187415" y="2222287"/>
+            <a:ext cx="5194583" cy="3638764"/>
           </a:xfrm>
         </p:spPr>
         <p:txBody>
-          <a:bodyPr/>
+          <a:bodyPr>
+            <a:normAutofit/>
+          </a:bodyPr>
           <a:lstStyle/>
           <a:p>
             <a:pPr lvl="0"/>
@@ -1375,18 +3079,13 @@
               <a:rPr lang="en-US"/>
               <a:t>Fifth level</a:t>
             </a:r>
-          </a:p>
-        </p:txBody>
-      </p:sp>
-      <p:sp>
-        <p:nvSpPr>
-          <p:cNvPr id="5" name="Date Placeholder 4">
-            <a:extLst>
-              <a:ext uri="{FF2B5EF4-FFF2-40B4-BE49-F238E27FC236}">
-                <a16:creationId xmlns:a16="http://schemas.microsoft.com/office/drawing/2014/main" id="{F506BB30-AE2D-907E-7E21-C3F08742ED9C}"/>
-              </a:ext>
-            </a:extLst>
-          </p:cNvPr>
+            <a:endParaRPr lang="en-US" dirty="0"/>
+          </a:p>
+        </p:txBody>
+      </p:sp>
+      <p:sp>
+        <p:nvSpPr>
+          <p:cNvPr id="5" name="Date Placeholder 4"/>
           <p:cNvSpPr>
             <a:spLocks noGrp="1"/>
           </p:cNvSpPr>
@@ -1409,13 +3108,7 @@
       </p:sp>
       <p:sp>
         <p:nvSpPr>
-          <p:cNvPr id="6" name="Footer Placeholder 5">
-            <a:extLst>
-              <a:ext uri="{FF2B5EF4-FFF2-40B4-BE49-F238E27FC236}">
-                <a16:creationId xmlns:a16="http://schemas.microsoft.com/office/drawing/2014/main" id="{8409E7A6-7B22-35D7-7EB2-97E6547EC10C}"/>
-              </a:ext>
-            </a:extLst>
-          </p:cNvPr>
+          <p:cNvPr id="6" name="Footer Placeholder 5"/>
           <p:cNvSpPr>
             <a:spLocks noGrp="1"/>
           </p:cNvSpPr>
@@ -1434,13 +3127,7 @@
       </p:sp>
       <p:sp>
         <p:nvSpPr>
-          <p:cNvPr id="7" name="Slide Number Placeholder 6">
-            <a:extLst>
-              <a:ext uri="{FF2B5EF4-FFF2-40B4-BE49-F238E27FC236}">
-                <a16:creationId xmlns:a16="http://schemas.microsoft.com/office/drawing/2014/main" id="{C726DDBE-7337-3C9F-4DE9-ED692B5D30F3}"/>
-              </a:ext>
-            </a:extLst>
-          </p:cNvPr>
+          <p:cNvPr id="7" name="Slide Number Placeholder 6"/>
           <p:cNvSpPr>
             <a:spLocks noGrp="1"/>
           </p:cNvSpPr>
@@ -1464,7 +3151,7 @@
     </p:spTree>
     <p:extLst>
       <p:ext uri="{BB962C8B-B14F-4D97-AF65-F5344CB8AC3E}">
-        <p14:creationId xmlns:p14="http://schemas.microsoft.com/office/powerpoint/2010/main" val="3799484174"/>
+        <p14:creationId xmlns:p14="http://schemas.microsoft.com/office/powerpoint/2010/main" val="3461171031"/>
       </p:ext>
     </p:extLst>
   </p:cSld>
@@ -1493,65 +3180,158 @@
       </p:grpSpPr>
       <p:sp>
         <p:nvSpPr>
-          <p:cNvPr id="2" name="Title 1">
-            <a:extLst>
-              <a:ext uri="{FF2B5EF4-FFF2-40B4-BE49-F238E27FC236}">
-                <a16:creationId xmlns:a16="http://schemas.microsoft.com/office/drawing/2014/main" id="{F805FAF1-0D0B-6B18-FB25-BC9C46E5FA4F}"/>
-              </a:ext>
-            </a:extLst>
-          </p:cNvPr>
+          <p:cNvPr id="10" name="Freeform 6"/>
+          <p:cNvSpPr/>
+          <p:nvPr/>
+        </p:nvSpPr>
+        <p:spPr bwMode="auto">
+          <a:xfrm>
+            <a:off x="0" y="0"/>
+            <a:ext cx="12192000" cy="2185988"/>
+          </a:xfrm>
+          <a:custGeom>
+            <a:avLst/>
+            <a:gdLst/>
+            <a:ahLst/>
+            <a:cxnLst/>
+            <a:rect l="0" t="0" r="r" b="b"/>
+            <a:pathLst>
+              <a:path w="5760" h="1377">
+                <a:moveTo>
+                  <a:pt x="5760" y="0"/>
+                </a:moveTo>
+                <a:lnTo>
+                  <a:pt x="0" y="0"/>
+                </a:lnTo>
+                <a:lnTo>
+                  <a:pt x="0" y="1189"/>
+                </a:lnTo>
+                <a:lnTo>
+                  <a:pt x="943" y="1189"/>
+                </a:lnTo>
+                <a:lnTo>
+                  <a:pt x="1123" y="1369"/>
+                </a:lnTo>
+                <a:lnTo>
+                  <a:pt x="1123" y="1369"/>
+                </a:lnTo>
+                <a:lnTo>
+                  <a:pt x="1127" y="1371"/>
+                </a:lnTo>
+                <a:lnTo>
+                  <a:pt x="1133" y="1374"/>
+                </a:lnTo>
+                <a:lnTo>
+                  <a:pt x="1139" y="1377"/>
+                </a:lnTo>
+                <a:lnTo>
+                  <a:pt x="1144" y="1377"/>
+                </a:lnTo>
+                <a:lnTo>
+                  <a:pt x="1150" y="1377"/>
+                </a:lnTo>
+                <a:lnTo>
+                  <a:pt x="1155" y="1374"/>
+                </a:lnTo>
+                <a:lnTo>
+                  <a:pt x="1161" y="1371"/>
+                </a:lnTo>
+                <a:lnTo>
+                  <a:pt x="1165" y="1369"/>
+                </a:lnTo>
+                <a:lnTo>
+                  <a:pt x="1345" y="1189"/>
+                </a:lnTo>
+                <a:lnTo>
+                  <a:pt x="5760" y="1189"/>
+                </a:lnTo>
+                <a:lnTo>
+                  <a:pt x="5760" y="0"/>
+                </a:lnTo>
+                <a:close/>
+              </a:path>
+            </a:pathLst>
+          </a:custGeom>
+          <a:ln/>
+          <a:extLst>
+            <a:ext uri="{91240B29-F687-4f45-9708-019B960494DF}">
+              <a14:hiddenLine xmlns:a14="http://schemas.microsoft.com/office/drawing/2010/main" xmlns="" w="9525">
+                <a:solidFill>
+                  <a:srgbClr val="000000"/>
+                </a:solidFill>
+                <a:round/>
+                <a:headEnd/>
+                <a:tailEnd/>
+              </a14:hiddenLine>
+            </a:ext>
+          </a:extLst>
+        </p:spPr>
+        <p:style>
+          <a:lnRef idx="1">
+            <a:schemeClr val="accent1"/>
+          </a:lnRef>
+          <a:fillRef idx="3">
+            <a:schemeClr val="accent1"/>
+          </a:fillRef>
+          <a:effectRef idx="2">
+            <a:schemeClr val="accent1"/>
+          </a:effectRef>
+          <a:fontRef idx="minor">
+            <a:schemeClr val="lt1"/>
+          </a:fontRef>
+        </p:style>
+      </p:sp>
+      <p:sp>
+        <p:nvSpPr>
+          <p:cNvPr id="2" name="Title 1"/>
           <p:cNvSpPr>
             <a:spLocks noGrp="1"/>
           </p:cNvSpPr>
           <p:nvPr>
             <p:ph type="title"/>
+          </p:nvPr>
+        </p:nvSpPr>
+        <p:spPr/>
+        <p:txBody>
+          <a:bodyPr/>
+          <a:lstStyle>
+            <a:lvl1pPr>
+              <a:defRPr/>
+            </a:lvl1pPr>
+          </a:lstStyle>
+          <a:p>
+            <a:r>
+              <a:rPr lang="en-US"/>
+              <a:t>Click to edit Master title style</a:t>
+            </a:r>
+            <a:endParaRPr lang="en-US" dirty="0"/>
+          </a:p>
+        </p:txBody>
+      </p:sp>
+      <p:sp>
+        <p:nvSpPr>
+          <p:cNvPr id="3" name="Text Placeholder 2"/>
+          <p:cNvSpPr>
+            <a:spLocks noGrp="1"/>
+          </p:cNvSpPr>
+          <p:nvPr>
+            <p:ph type="body" idx="1"/>
           </p:nvPr>
         </p:nvSpPr>
         <p:spPr>
           <a:xfrm>
-            <a:off x="839788" y="365125"/>
-            <a:ext cx="10515600" cy="1325563"/>
+            <a:off x="814728" y="2174875"/>
+            <a:ext cx="5189857" cy="576262"/>
           </a:xfrm>
         </p:spPr>
         <p:txBody>
-          <a:bodyPr/>
-          <a:lstStyle/>
-          <a:p>
-            <a:r>
-              <a:rPr lang="en-US"/>
-              <a:t>Click to edit Master title style</a:t>
-            </a:r>
-          </a:p>
-        </p:txBody>
-      </p:sp>
-      <p:sp>
-        <p:nvSpPr>
-          <p:cNvPr id="3" name="Text Placeholder 2">
-            <a:extLst>
-              <a:ext uri="{FF2B5EF4-FFF2-40B4-BE49-F238E27FC236}">
-                <a16:creationId xmlns:a16="http://schemas.microsoft.com/office/drawing/2014/main" id="{EFFC2D6B-6C75-1E02-338E-B25902B35310}"/>
-              </a:ext>
-            </a:extLst>
-          </p:cNvPr>
-          <p:cNvSpPr>
-            <a:spLocks noGrp="1"/>
-          </p:cNvSpPr>
-          <p:nvPr>
-            <p:ph type="body" idx="1"/>
-          </p:nvPr>
-        </p:nvSpPr>
-        <p:spPr>
-          <a:xfrm>
-            <a:off x="839788" y="1681163"/>
-            <a:ext cx="5157787" cy="823912"/>
-          </a:xfrm>
-        </p:spPr>
-        <p:txBody>
-          <a:bodyPr anchor="b"/>
+          <a:bodyPr anchor="b">
+            <a:noAutofit/>
+          </a:bodyPr>
           <a:lstStyle>
-            <a:lvl1pPr marL="0" indent="0">
+            <a:lvl1pPr marL="0" indent="0" algn="ctr">
               <a:buNone/>
-              <a:defRPr sz="2400" b="1"/>
+              <a:defRPr sz="2000" b="0"/>
             </a:lvl1pPr>
             <a:lvl2pPr marL="457200" indent="0">
               <a:buNone/>
@@ -1597,13 +3377,7 @@
       </p:sp>
       <p:sp>
         <p:nvSpPr>
-          <p:cNvPr id="4" name="Content Placeholder 3">
-            <a:extLst>
-              <a:ext uri="{FF2B5EF4-FFF2-40B4-BE49-F238E27FC236}">
-                <a16:creationId xmlns:a16="http://schemas.microsoft.com/office/drawing/2014/main" id="{2458A791-264F-44EE-7AF5-2BAB19844240}"/>
-              </a:ext>
-            </a:extLst>
-          </p:cNvPr>
+          <p:cNvPr id="4" name="Content Placeholder 3"/>
           <p:cNvSpPr>
             <a:spLocks noGrp="1"/>
           </p:cNvSpPr>
@@ -1613,12 +3387,14 @@
         </p:nvSpPr>
         <p:spPr>
           <a:xfrm>
-            <a:off x="839788" y="2505075"/>
-            <a:ext cx="5157787" cy="3684588"/>
+            <a:off x="814729" y="2751138"/>
+            <a:ext cx="5189856" cy="3109913"/>
           </a:xfrm>
         </p:spPr>
         <p:txBody>
-          <a:bodyPr/>
+          <a:bodyPr anchor="t">
+            <a:normAutofit/>
+          </a:bodyPr>
           <a:lstStyle/>
           <a:p>
             <a:pPr lvl="0"/>
@@ -1654,18 +3430,13 @@
               <a:rPr lang="en-US"/>
               <a:t>Fifth level</a:t>
             </a:r>
-          </a:p>
-        </p:txBody>
-      </p:sp>
-      <p:sp>
-        <p:nvSpPr>
-          <p:cNvPr id="5" name="Text Placeholder 4">
-            <a:extLst>
-              <a:ext uri="{FF2B5EF4-FFF2-40B4-BE49-F238E27FC236}">
-                <a16:creationId xmlns:a16="http://schemas.microsoft.com/office/drawing/2014/main" id="{1D65C082-AF7C-82D1-E881-8DA39F24DA50}"/>
-              </a:ext>
-            </a:extLst>
-          </p:cNvPr>
+            <a:endParaRPr lang="en-US" dirty="0"/>
+          </a:p>
+        </p:txBody>
+      </p:sp>
+      <p:sp>
+        <p:nvSpPr>
+          <p:cNvPr id="5" name="Text Placeholder 4"/>
           <p:cNvSpPr>
             <a:spLocks noGrp="1"/>
           </p:cNvSpPr>
@@ -1675,16 +3446,18 @@
         </p:nvSpPr>
         <p:spPr>
           <a:xfrm>
-            <a:off x="6172200" y="1681163"/>
-            <a:ext cx="5183188" cy="823912"/>
+            <a:off x="6187415" y="2174875"/>
+            <a:ext cx="5194583" cy="576262"/>
           </a:xfrm>
         </p:spPr>
         <p:txBody>
-          <a:bodyPr anchor="b"/>
+          <a:bodyPr anchor="b">
+            <a:noAutofit/>
+          </a:bodyPr>
           <a:lstStyle>
-            <a:lvl1pPr marL="0" indent="0">
+            <a:lvl1pPr marL="0" indent="0" algn="ctr">
               <a:buNone/>
-              <a:defRPr sz="2400" b="1"/>
+              <a:defRPr sz="2000" b="0"/>
             </a:lvl1pPr>
             <a:lvl2pPr marL="457200" indent="0">
               <a:buNone/>
@@ -1730,13 +3503,7 @@
       </p:sp>
       <p:sp>
         <p:nvSpPr>
-          <p:cNvPr id="6" name="Content Placeholder 5">
-            <a:extLst>
-              <a:ext uri="{FF2B5EF4-FFF2-40B4-BE49-F238E27FC236}">
-                <a16:creationId xmlns:a16="http://schemas.microsoft.com/office/drawing/2014/main" id="{AFD075E8-75A1-D79F-71CF-4DC5127F958F}"/>
-              </a:ext>
-            </a:extLst>
-          </p:cNvPr>
+          <p:cNvPr id="6" name="Content Placeholder 5"/>
           <p:cNvSpPr>
             <a:spLocks noGrp="1"/>
           </p:cNvSpPr>
@@ -1746,12 +3513,14 @@
         </p:nvSpPr>
         <p:spPr>
           <a:xfrm>
-            <a:off x="6172200" y="2505075"/>
-            <a:ext cx="5183188" cy="3684588"/>
+            <a:off x="6187415" y="2751138"/>
+            <a:ext cx="5194583" cy="3109913"/>
           </a:xfrm>
         </p:spPr>
         <p:txBody>
-          <a:bodyPr/>
+          <a:bodyPr anchor="t">
+            <a:normAutofit/>
+          </a:bodyPr>
           <a:lstStyle/>
           <a:p>
             <a:pPr lvl="0"/>
@@ -1787,18 +3556,13 @@
               <a:rPr lang="en-US"/>
               <a:t>Fifth level</a:t>
             </a:r>
-          </a:p>
-        </p:txBody>
-      </p:sp>
-      <p:sp>
-        <p:nvSpPr>
-          <p:cNvPr id="7" name="Date Placeholder 6">
-            <a:extLst>
-              <a:ext uri="{FF2B5EF4-FFF2-40B4-BE49-F238E27FC236}">
-                <a16:creationId xmlns:a16="http://schemas.microsoft.com/office/drawing/2014/main" id="{AC1504B6-E185-F886-21F7-5A9F4C972389}"/>
-              </a:ext>
-            </a:extLst>
-          </p:cNvPr>
+            <a:endParaRPr lang="en-US" dirty="0"/>
+          </a:p>
+        </p:txBody>
+      </p:sp>
+      <p:sp>
+        <p:nvSpPr>
+          <p:cNvPr id="7" name="Date Placeholder 6"/>
           <p:cNvSpPr>
             <a:spLocks noGrp="1"/>
           </p:cNvSpPr>
@@ -1821,13 +3585,7 @@
       </p:sp>
       <p:sp>
         <p:nvSpPr>
-          <p:cNvPr id="8" name="Footer Placeholder 7">
-            <a:extLst>
-              <a:ext uri="{FF2B5EF4-FFF2-40B4-BE49-F238E27FC236}">
-                <a16:creationId xmlns:a16="http://schemas.microsoft.com/office/drawing/2014/main" id="{EAB5FC04-44A1-02CE-DD9B-ADB0E6BEEAC3}"/>
-              </a:ext>
-            </a:extLst>
-          </p:cNvPr>
+          <p:cNvPr id="8" name="Footer Placeholder 7"/>
           <p:cNvSpPr>
             <a:spLocks noGrp="1"/>
           </p:cNvSpPr>
@@ -1846,13 +3604,7 @@
       </p:sp>
       <p:sp>
         <p:nvSpPr>
-          <p:cNvPr id="9" name="Slide Number Placeholder 8">
-            <a:extLst>
-              <a:ext uri="{FF2B5EF4-FFF2-40B4-BE49-F238E27FC236}">
-                <a16:creationId xmlns:a16="http://schemas.microsoft.com/office/drawing/2014/main" id="{D7B61475-8A7C-CE5F-52AE-35A226B7AD48}"/>
-              </a:ext>
-            </a:extLst>
-          </p:cNvPr>
+          <p:cNvPr id="9" name="Slide Number Placeholder 8"/>
           <p:cNvSpPr>
             <a:spLocks noGrp="1"/>
           </p:cNvSpPr>
@@ -1876,7 +3628,7 @@
     </p:spTree>
     <p:extLst>
       <p:ext uri="{BB962C8B-B14F-4D97-AF65-F5344CB8AC3E}">
-        <p14:creationId xmlns:p14="http://schemas.microsoft.com/office/powerpoint/2010/main" val="2353375946"/>
+        <p14:creationId xmlns:p14="http://schemas.microsoft.com/office/powerpoint/2010/main" val="3589729134"/>
       </p:ext>
     </p:extLst>
   </p:cSld>
@@ -1905,13 +3657,110 @@
       </p:grpSpPr>
       <p:sp>
         <p:nvSpPr>
-          <p:cNvPr id="2" name="Title 1">
-            <a:extLst>
-              <a:ext uri="{FF2B5EF4-FFF2-40B4-BE49-F238E27FC236}">
-                <a16:creationId xmlns:a16="http://schemas.microsoft.com/office/drawing/2014/main" id="{10FBC13F-5955-2D5C-F3E2-CFE09FA5174B}"/>
-              </a:ext>
-            </a:extLst>
-          </p:cNvPr>
+          <p:cNvPr id="6" name="Freeform 6"/>
+          <p:cNvSpPr/>
+          <p:nvPr/>
+        </p:nvSpPr>
+        <p:spPr bwMode="auto">
+          <a:xfrm>
+            <a:off x="0" y="0"/>
+            <a:ext cx="12192000" cy="2185988"/>
+          </a:xfrm>
+          <a:custGeom>
+            <a:avLst/>
+            <a:gdLst/>
+            <a:ahLst/>
+            <a:cxnLst/>
+            <a:rect l="0" t="0" r="r" b="b"/>
+            <a:pathLst>
+              <a:path w="5760" h="1377">
+                <a:moveTo>
+                  <a:pt x="5760" y="0"/>
+                </a:moveTo>
+                <a:lnTo>
+                  <a:pt x="0" y="0"/>
+                </a:lnTo>
+                <a:lnTo>
+                  <a:pt x="0" y="1189"/>
+                </a:lnTo>
+                <a:lnTo>
+                  <a:pt x="943" y="1189"/>
+                </a:lnTo>
+                <a:lnTo>
+                  <a:pt x="1123" y="1369"/>
+                </a:lnTo>
+                <a:lnTo>
+                  <a:pt x="1123" y="1369"/>
+                </a:lnTo>
+                <a:lnTo>
+                  <a:pt x="1127" y="1371"/>
+                </a:lnTo>
+                <a:lnTo>
+                  <a:pt x="1133" y="1374"/>
+                </a:lnTo>
+                <a:lnTo>
+                  <a:pt x="1139" y="1377"/>
+                </a:lnTo>
+                <a:lnTo>
+                  <a:pt x="1144" y="1377"/>
+                </a:lnTo>
+                <a:lnTo>
+                  <a:pt x="1150" y="1377"/>
+                </a:lnTo>
+                <a:lnTo>
+                  <a:pt x="1155" y="1374"/>
+                </a:lnTo>
+                <a:lnTo>
+                  <a:pt x="1161" y="1371"/>
+                </a:lnTo>
+                <a:lnTo>
+                  <a:pt x="1165" y="1369"/>
+                </a:lnTo>
+                <a:lnTo>
+                  <a:pt x="1345" y="1189"/>
+                </a:lnTo>
+                <a:lnTo>
+                  <a:pt x="5760" y="1189"/>
+                </a:lnTo>
+                <a:lnTo>
+                  <a:pt x="5760" y="0"/>
+                </a:lnTo>
+                <a:close/>
+              </a:path>
+            </a:pathLst>
+          </a:custGeom>
+          <a:ln/>
+          <a:extLst>
+            <a:ext uri="{91240B29-F687-4f45-9708-019B960494DF}">
+              <a14:hiddenLine xmlns:a14="http://schemas.microsoft.com/office/drawing/2010/main" xmlns="" w="9525">
+                <a:solidFill>
+                  <a:srgbClr val="000000"/>
+                </a:solidFill>
+                <a:round/>
+                <a:headEnd/>
+                <a:tailEnd/>
+              </a14:hiddenLine>
+            </a:ext>
+          </a:extLst>
+        </p:spPr>
+        <p:style>
+          <a:lnRef idx="1">
+            <a:schemeClr val="accent1"/>
+          </a:lnRef>
+          <a:fillRef idx="3">
+            <a:schemeClr val="accent1"/>
+          </a:fillRef>
+          <a:effectRef idx="2">
+            <a:schemeClr val="accent1"/>
+          </a:effectRef>
+          <a:fontRef idx="minor">
+            <a:schemeClr val="lt1"/>
+          </a:fontRef>
+        </p:style>
+      </p:sp>
+      <p:sp>
+        <p:nvSpPr>
+          <p:cNvPr id="2" name="Title 1"/>
           <p:cNvSpPr>
             <a:spLocks noGrp="1"/>
           </p:cNvSpPr>
@@ -1928,18 +3777,13 @@
               <a:rPr lang="en-US"/>
               <a:t>Click to edit Master title style</a:t>
             </a:r>
-          </a:p>
-        </p:txBody>
-      </p:sp>
-      <p:sp>
-        <p:nvSpPr>
-          <p:cNvPr id="3" name="Date Placeholder 2">
-            <a:extLst>
-              <a:ext uri="{FF2B5EF4-FFF2-40B4-BE49-F238E27FC236}">
-                <a16:creationId xmlns:a16="http://schemas.microsoft.com/office/drawing/2014/main" id="{42625797-3C53-4200-7B55-2F6CA7CD9B50}"/>
-              </a:ext>
-            </a:extLst>
-          </p:cNvPr>
+            <a:endParaRPr lang="en-US" dirty="0"/>
+          </a:p>
+        </p:txBody>
+      </p:sp>
+      <p:sp>
+        <p:nvSpPr>
+          <p:cNvPr id="3" name="Date Placeholder 2"/>
           <p:cNvSpPr>
             <a:spLocks noGrp="1"/>
           </p:cNvSpPr>
@@ -1962,13 +3806,7 @@
       </p:sp>
       <p:sp>
         <p:nvSpPr>
-          <p:cNvPr id="4" name="Footer Placeholder 3">
-            <a:extLst>
-              <a:ext uri="{FF2B5EF4-FFF2-40B4-BE49-F238E27FC236}">
-                <a16:creationId xmlns:a16="http://schemas.microsoft.com/office/drawing/2014/main" id="{A9AABC9C-FE23-AEC0-AC0C-4F90B49BE1EB}"/>
-              </a:ext>
-            </a:extLst>
-          </p:cNvPr>
+          <p:cNvPr id="4" name="Footer Placeholder 3"/>
           <p:cNvSpPr>
             <a:spLocks noGrp="1"/>
           </p:cNvSpPr>
@@ -1987,13 +3825,7 @@
       </p:sp>
       <p:sp>
         <p:nvSpPr>
-          <p:cNvPr id="5" name="Slide Number Placeholder 4">
-            <a:extLst>
-              <a:ext uri="{FF2B5EF4-FFF2-40B4-BE49-F238E27FC236}">
-                <a16:creationId xmlns:a16="http://schemas.microsoft.com/office/drawing/2014/main" id="{10091BED-8F34-3EE2-0041-2979C48249D0}"/>
-              </a:ext>
-            </a:extLst>
-          </p:cNvPr>
+          <p:cNvPr id="5" name="Slide Number Placeholder 4"/>
           <p:cNvSpPr>
             <a:spLocks noGrp="1"/>
           </p:cNvSpPr>
@@ -2017,7 +3849,7 @@
     </p:spTree>
     <p:extLst>
       <p:ext uri="{BB962C8B-B14F-4D97-AF65-F5344CB8AC3E}">
-        <p14:creationId xmlns:p14="http://schemas.microsoft.com/office/powerpoint/2010/main" val="1318496205"/>
+        <p14:creationId xmlns:p14="http://schemas.microsoft.com/office/powerpoint/2010/main" val="449737732"/>
       </p:ext>
     </p:extLst>
   </p:cSld>
@@ -2046,13 +3878,7 @@
       </p:grpSpPr>
       <p:sp>
         <p:nvSpPr>
-          <p:cNvPr id="2" name="Date Placeholder 1">
-            <a:extLst>
-              <a:ext uri="{FF2B5EF4-FFF2-40B4-BE49-F238E27FC236}">
-                <a16:creationId xmlns:a16="http://schemas.microsoft.com/office/drawing/2014/main" id="{B54A062E-78B4-303D-6211-8E695F112336}"/>
-              </a:ext>
-            </a:extLst>
-          </p:cNvPr>
+          <p:cNvPr id="2" name="Date Placeholder 1"/>
           <p:cNvSpPr>
             <a:spLocks noGrp="1"/>
           </p:cNvSpPr>
@@ -2075,13 +3901,7 @@
       </p:sp>
       <p:sp>
         <p:nvSpPr>
-          <p:cNvPr id="3" name="Footer Placeholder 2">
-            <a:extLst>
-              <a:ext uri="{FF2B5EF4-FFF2-40B4-BE49-F238E27FC236}">
-                <a16:creationId xmlns:a16="http://schemas.microsoft.com/office/drawing/2014/main" id="{0FB543C6-584F-AB4E-6F6E-C88142CFDCC6}"/>
-              </a:ext>
-            </a:extLst>
-          </p:cNvPr>
+          <p:cNvPr id="3" name="Footer Placeholder 2"/>
           <p:cNvSpPr>
             <a:spLocks noGrp="1"/>
           </p:cNvSpPr>
@@ -2100,13 +3920,7 @@
       </p:sp>
       <p:sp>
         <p:nvSpPr>
-          <p:cNvPr id="4" name="Slide Number Placeholder 3">
-            <a:extLst>
-              <a:ext uri="{FF2B5EF4-FFF2-40B4-BE49-F238E27FC236}">
-                <a16:creationId xmlns:a16="http://schemas.microsoft.com/office/drawing/2014/main" id="{3BF3D7F7-E5B6-2DC3-EB01-A6888DBB2983}"/>
-              </a:ext>
-            </a:extLst>
-          </p:cNvPr>
+          <p:cNvPr id="4" name="Slide Number Placeholder 3"/>
           <p:cNvSpPr>
             <a:spLocks noGrp="1"/>
           </p:cNvSpPr>
@@ -2130,7 +3944,7 @@
     </p:spTree>
     <p:extLst>
       <p:ext uri="{BB962C8B-B14F-4D97-AF65-F5344CB8AC3E}">
-        <p14:creationId xmlns:p14="http://schemas.microsoft.com/office/powerpoint/2010/main" val="3840287550"/>
+        <p14:creationId xmlns:p14="http://schemas.microsoft.com/office/powerpoint/2010/main" val="3847268160"/>
       </p:ext>
     </p:extLst>
   </p:cSld>
@@ -2159,13 +3973,223 @@
       </p:grpSpPr>
       <p:sp>
         <p:nvSpPr>
-          <p:cNvPr id="2" name="Title 1">
-            <a:extLst>
-              <a:ext uri="{FF2B5EF4-FFF2-40B4-BE49-F238E27FC236}">
-                <a16:creationId xmlns:a16="http://schemas.microsoft.com/office/drawing/2014/main" id="{62085D2C-E818-67CD-7C96-5FBA57F01601}"/>
-              </a:ext>
-            </a:extLst>
-          </p:cNvPr>
+          <p:cNvPr id="12" name="Freeform 6"/>
+          <p:cNvSpPr>
+            <a:spLocks noChangeAspect="1"/>
+          </p:cNvSpPr>
+          <p:nvPr/>
+        </p:nvSpPr>
+        <p:spPr bwMode="auto">
+          <a:xfrm>
+            <a:off x="1073151" y="446087"/>
+            <a:ext cx="3547533" cy="1814651"/>
+          </a:xfrm>
+          <a:custGeom>
+            <a:avLst/>
+            <a:gdLst/>
+            <a:ahLst/>
+            <a:cxnLst/>
+            <a:rect l="0" t="0" r="r" b="b"/>
+            <a:pathLst>
+              <a:path w="3384" h="2308">
+                <a:moveTo>
+                  <a:pt x="3340" y="0"/>
+                </a:moveTo>
+                <a:lnTo>
+                  <a:pt x="44" y="0"/>
+                </a:lnTo>
+                <a:lnTo>
+                  <a:pt x="44" y="0"/>
+                </a:lnTo>
+                <a:lnTo>
+                  <a:pt x="34" y="0"/>
+                </a:lnTo>
+                <a:lnTo>
+                  <a:pt x="26" y="4"/>
+                </a:lnTo>
+                <a:lnTo>
+                  <a:pt x="20" y="8"/>
+                </a:lnTo>
+                <a:lnTo>
+                  <a:pt x="12" y="12"/>
+                </a:lnTo>
+                <a:lnTo>
+                  <a:pt x="8" y="20"/>
+                </a:lnTo>
+                <a:lnTo>
+                  <a:pt x="4" y="26"/>
+                </a:lnTo>
+                <a:lnTo>
+                  <a:pt x="0" y="34"/>
+                </a:lnTo>
+                <a:lnTo>
+                  <a:pt x="0" y="44"/>
+                </a:lnTo>
+                <a:lnTo>
+                  <a:pt x="0" y="2076"/>
+                </a:lnTo>
+                <a:lnTo>
+                  <a:pt x="0" y="2076"/>
+                </a:lnTo>
+                <a:lnTo>
+                  <a:pt x="0" y="2086"/>
+                </a:lnTo>
+                <a:lnTo>
+                  <a:pt x="4" y="2094"/>
+                </a:lnTo>
+                <a:lnTo>
+                  <a:pt x="8" y="2100"/>
+                </a:lnTo>
+                <a:lnTo>
+                  <a:pt x="12" y="2108"/>
+                </a:lnTo>
+                <a:lnTo>
+                  <a:pt x="20" y="2112"/>
+                </a:lnTo>
+                <a:lnTo>
+                  <a:pt x="26" y="2116"/>
+                </a:lnTo>
+                <a:lnTo>
+                  <a:pt x="34" y="2120"/>
+                </a:lnTo>
+                <a:lnTo>
+                  <a:pt x="44" y="2120"/>
+                </a:lnTo>
+                <a:lnTo>
+                  <a:pt x="474" y="2120"/>
+                </a:lnTo>
+                <a:lnTo>
+                  <a:pt x="650" y="2296"/>
+                </a:lnTo>
+                <a:lnTo>
+                  <a:pt x="650" y="2296"/>
+                </a:lnTo>
+                <a:lnTo>
+                  <a:pt x="656" y="2300"/>
+                </a:lnTo>
+                <a:lnTo>
+                  <a:pt x="664" y="2304"/>
+                </a:lnTo>
+                <a:lnTo>
+                  <a:pt x="672" y="2308"/>
+                </a:lnTo>
+                <a:lnTo>
+                  <a:pt x="680" y="2308"/>
+                </a:lnTo>
+                <a:lnTo>
+                  <a:pt x="688" y="2308"/>
+                </a:lnTo>
+                <a:lnTo>
+                  <a:pt x="696" y="2304"/>
+                </a:lnTo>
+                <a:lnTo>
+                  <a:pt x="704" y="2300"/>
+                </a:lnTo>
+                <a:lnTo>
+                  <a:pt x="710" y="2296"/>
+                </a:lnTo>
+                <a:lnTo>
+                  <a:pt x="886" y="2120"/>
+                </a:lnTo>
+                <a:lnTo>
+                  <a:pt x="3340" y="2120"/>
+                </a:lnTo>
+                <a:lnTo>
+                  <a:pt x="3340" y="2120"/>
+                </a:lnTo>
+                <a:lnTo>
+                  <a:pt x="3350" y="2120"/>
+                </a:lnTo>
+                <a:lnTo>
+                  <a:pt x="3358" y="2116"/>
+                </a:lnTo>
+                <a:lnTo>
+                  <a:pt x="3364" y="2112"/>
+                </a:lnTo>
+                <a:lnTo>
+                  <a:pt x="3372" y="2108"/>
+                </a:lnTo>
+                <a:lnTo>
+                  <a:pt x="3376" y="2100"/>
+                </a:lnTo>
+                <a:lnTo>
+                  <a:pt x="3380" y="2094"/>
+                </a:lnTo>
+                <a:lnTo>
+                  <a:pt x="3384" y="2086"/>
+                </a:lnTo>
+                <a:lnTo>
+                  <a:pt x="3384" y="2076"/>
+                </a:lnTo>
+                <a:lnTo>
+                  <a:pt x="3384" y="44"/>
+                </a:lnTo>
+                <a:lnTo>
+                  <a:pt x="3384" y="44"/>
+                </a:lnTo>
+                <a:lnTo>
+                  <a:pt x="3384" y="34"/>
+                </a:lnTo>
+                <a:lnTo>
+                  <a:pt x="3380" y="26"/>
+                </a:lnTo>
+                <a:lnTo>
+                  <a:pt x="3376" y="20"/>
+                </a:lnTo>
+                <a:lnTo>
+                  <a:pt x="3372" y="12"/>
+                </a:lnTo>
+                <a:lnTo>
+                  <a:pt x="3364" y="8"/>
+                </a:lnTo>
+                <a:lnTo>
+                  <a:pt x="3358" y="4"/>
+                </a:lnTo>
+                <a:lnTo>
+                  <a:pt x="3350" y="0"/>
+                </a:lnTo>
+                <a:lnTo>
+                  <a:pt x="3340" y="0"/>
+                </a:lnTo>
+                <a:lnTo>
+                  <a:pt x="3340" y="0"/>
+                </a:lnTo>
+                <a:close/>
+              </a:path>
+            </a:pathLst>
+          </a:custGeom>
+          <a:ln/>
+          <a:extLst>
+            <a:ext uri="{91240B29-F687-4f45-9708-019B960494DF}">
+              <a14:hiddenLine xmlns:a14="http://schemas.microsoft.com/office/drawing/2010/main" xmlns="" w="9525">
+                <a:solidFill>
+                  <a:srgbClr val="000000"/>
+                </a:solidFill>
+                <a:round/>
+                <a:headEnd/>
+                <a:tailEnd/>
+              </a14:hiddenLine>
+            </a:ext>
+          </a:extLst>
+        </p:spPr>
+        <p:style>
+          <a:lnRef idx="1">
+            <a:schemeClr val="accent1"/>
+          </a:lnRef>
+          <a:fillRef idx="3">
+            <a:schemeClr val="accent1"/>
+          </a:fillRef>
+          <a:effectRef idx="2">
+            <a:schemeClr val="accent1"/>
+          </a:effectRef>
+          <a:fontRef idx="minor">
+            <a:schemeClr val="lt1"/>
+          </a:fontRef>
+        </p:style>
+      </p:sp>
+      <p:sp>
+        <p:nvSpPr>
+          <p:cNvPr id="2" name="Title 1"/>
           <p:cNvSpPr>
             <a:spLocks noGrp="1"/>
           </p:cNvSpPr>
@@ -2175,15 +4199,15 @@
         </p:nvSpPr>
         <p:spPr>
           <a:xfrm>
-            <a:off x="839788" y="457200"/>
-            <a:ext cx="3932237" cy="1600200"/>
+            <a:off x="1073151" y="446088"/>
+            <a:ext cx="3547533" cy="1618396"/>
           </a:xfrm>
         </p:spPr>
         <p:txBody>
           <a:bodyPr anchor="b"/>
           <a:lstStyle>
-            <a:lvl1pPr>
-              <a:defRPr sz="3200"/>
+            <a:lvl1pPr algn="l">
+              <a:defRPr sz="2000" b="1"/>
             </a:lvl1pPr>
           </a:lstStyle>
           <a:p>
@@ -2191,18 +4215,13 @@
               <a:rPr lang="en-US"/>
               <a:t>Click to edit Master title style</a:t>
             </a:r>
-          </a:p>
-        </p:txBody>
-      </p:sp>
-      <p:sp>
-        <p:nvSpPr>
-          <p:cNvPr id="3" name="Content Placeholder 2">
-            <a:extLst>
-              <a:ext uri="{FF2B5EF4-FFF2-40B4-BE49-F238E27FC236}">
-                <a16:creationId xmlns:a16="http://schemas.microsoft.com/office/drawing/2014/main" id="{F502E1C1-399D-5121-2BD4-42D47CB261EB}"/>
-              </a:ext>
-            </a:extLst>
-          </p:cNvPr>
+            <a:endParaRPr lang="en-US" dirty="0"/>
+          </a:p>
+        </p:txBody>
+      </p:sp>
+      <p:sp>
+        <p:nvSpPr>
+          <p:cNvPr id="3" name="Content Placeholder 2"/>
           <p:cNvSpPr>
             <a:spLocks noGrp="1"/>
           </p:cNvSpPr>
@@ -2212,41 +4231,15 @@
         </p:nvSpPr>
         <p:spPr>
           <a:xfrm>
-            <a:off x="5183188" y="987425"/>
-            <a:ext cx="6172200" cy="4873625"/>
+            <a:off x="4855633" y="446088"/>
+            <a:ext cx="6252633" cy="5414963"/>
           </a:xfrm>
         </p:spPr>
         <p:txBody>
-          <a:bodyPr/>
-          <a:lstStyle>
-            <a:lvl1pPr>
-              <a:defRPr sz="3200"/>
-            </a:lvl1pPr>
-            <a:lvl2pPr>
-              <a:defRPr sz="2800"/>
-            </a:lvl2pPr>
-            <a:lvl3pPr>
-              <a:defRPr sz="2400"/>
-            </a:lvl3pPr>
-            <a:lvl4pPr>
-              <a:defRPr sz="2000"/>
-            </a:lvl4pPr>
-            <a:lvl5pPr>
-              <a:defRPr sz="2000"/>
-            </a:lvl5pPr>
-            <a:lvl6pPr>
-              <a:defRPr sz="2000"/>
-            </a:lvl6pPr>
-            <a:lvl7pPr>
-              <a:defRPr sz="2000"/>
-            </a:lvl7pPr>
-            <a:lvl8pPr>
-              <a:defRPr sz="2000"/>
-            </a:lvl8pPr>
-            <a:lvl9pPr>
-              <a:defRPr sz="2000"/>
-            </a:lvl9pPr>
-          </a:lstStyle>
+          <a:bodyPr>
+            <a:normAutofit/>
+          </a:bodyPr>
+          <a:lstStyle/>
           <a:p>
             <a:pPr lvl="0"/>
             <a:r>
@@ -2281,18 +4274,13 @@
               <a:rPr lang="en-US"/>
               <a:t>Fifth level</a:t>
             </a:r>
-          </a:p>
-        </p:txBody>
-      </p:sp>
-      <p:sp>
-        <p:nvSpPr>
-          <p:cNvPr id="4" name="Text Placeholder 3">
-            <a:extLst>
-              <a:ext uri="{FF2B5EF4-FFF2-40B4-BE49-F238E27FC236}">
-                <a16:creationId xmlns:a16="http://schemas.microsoft.com/office/drawing/2014/main" id="{1A291163-D3AD-DA98-BB02-E39B819C1325}"/>
-              </a:ext>
-            </a:extLst>
-          </p:cNvPr>
+            <a:endParaRPr lang="en-US" dirty="0"/>
+          </a:p>
+        </p:txBody>
+      </p:sp>
+      <p:sp>
+        <p:nvSpPr>
+          <p:cNvPr id="4" name="Text Placeholder 3"/>
           <p:cNvSpPr>
             <a:spLocks noGrp="1"/>
           </p:cNvSpPr>
@@ -2302,8 +4290,8 @@
         </p:nvSpPr>
         <p:spPr>
           <a:xfrm>
-            <a:off x="839788" y="2057400"/>
-            <a:ext cx="3932237" cy="3811588"/>
+            <a:off x="1073151" y="2260738"/>
+            <a:ext cx="3547533" cy="3600311"/>
           </a:xfrm>
         </p:spPr>
         <p:txBody>
@@ -2311,39 +4299,39 @@
           <a:lstStyle>
             <a:lvl1pPr marL="0" indent="0">
               <a:buNone/>
-              <a:defRPr sz="1600"/>
+              <a:defRPr sz="1400"/>
             </a:lvl1pPr>
             <a:lvl2pPr marL="457200" indent="0">
               <a:buNone/>
-              <a:defRPr sz="1400"/>
+              <a:defRPr sz="1200"/>
             </a:lvl2pPr>
             <a:lvl3pPr marL="914400" indent="0">
               <a:buNone/>
-              <a:defRPr sz="1200"/>
+              <a:defRPr sz="1000"/>
             </a:lvl3pPr>
             <a:lvl4pPr marL="1371600" indent="0">
               <a:buNone/>
-              <a:defRPr sz="1000"/>
+              <a:defRPr sz="900"/>
             </a:lvl4pPr>
             <a:lvl5pPr marL="1828800" indent="0">
               <a:buNone/>
-              <a:defRPr sz="1000"/>
+              <a:defRPr sz="900"/>
             </a:lvl5pPr>
             <a:lvl6pPr marL="2286000" indent="0">
               <a:buNone/>
-              <a:defRPr sz="1000"/>
+              <a:defRPr sz="900"/>
             </a:lvl6pPr>
             <a:lvl7pPr marL="2743200" indent="0">
               <a:buNone/>
-              <a:defRPr sz="1000"/>
+              <a:defRPr sz="900"/>
             </a:lvl7pPr>
             <a:lvl8pPr marL="3200400" indent="0">
               <a:buNone/>
-              <a:defRPr sz="1000"/>
+              <a:defRPr sz="900"/>
             </a:lvl8pPr>
             <a:lvl9pPr marL="3657600" indent="0">
               <a:buNone/>
-              <a:defRPr sz="1000"/>
+              <a:defRPr sz="900"/>
             </a:lvl9pPr>
           </a:lstStyle>
           <a:p>
@@ -2357,13 +4345,7 @@
       </p:sp>
       <p:sp>
         <p:nvSpPr>
-          <p:cNvPr id="5" name="Date Placeholder 4">
-            <a:extLst>
-              <a:ext uri="{FF2B5EF4-FFF2-40B4-BE49-F238E27FC236}">
-                <a16:creationId xmlns:a16="http://schemas.microsoft.com/office/drawing/2014/main" id="{463713A0-4988-2651-CE30-018D8192A7E3}"/>
-              </a:ext>
-            </a:extLst>
-          </p:cNvPr>
+          <p:cNvPr id="5" name="Date Placeholder 4"/>
           <p:cNvSpPr>
             <a:spLocks noGrp="1"/>
           </p:cNvSpPr>
@@ -2386,13 +4368,7 @@
       </p:sp>
       <p:sp>
         <p:nvSpPr>
-          <p:cNvPr id="6" name="Footer Placeholder 5">
-            <a:extLst>
-              <a:ext uri="{FF2B5EF4-FFF2-40B4-BE49-F238E27FC236}">
-                <a16:creationId xmlns:a16="http://schemas.microsoft.com/office/drawing/2014/main" id="{9FBBAB52-60A0-6D58-2ED6-A93295B005CE}"/>
-              </a:ext>
-            </a:extLst>
-          </p:cNvPr>
+          <p:cNvPr id="6" name="Footer Placeholder 5"/>
           <p:cNvSpPr>
             <a:spLocks noGrp="1"/>
           </p:cNvSpPr>
@@ -2411,13 +4387,7 @@
       </p:sp>
       <p:sp>
         <p:nvSpPr>
-          <p:cNvPr id="7" name="Slide Number Placeholder 6">
-            <a:extLst>
-              <a:ext uri="{FF2B5EF4-FFF2-40B4-BE49-F238E27FC236}">
-                <a16:creationId xmlns:a16="http://schemas.microsoft.com/office/drawing/2014/main" id="{8B422FA7-BE4A-9528-2D12-E262265347D0}"/>
-              </a:ext>
-            </a:extLst>
-          </p:cNvPr>
+          <p:cNvPr id="7" name="Slide Number Placeholder 6"/>
           <p:cNvSpPr>
             <a:spLocks noGrp="1"/>
           </p:cNvSpPr>
@@ -2441,7 +4411,7 @@
     </p:spTree>
     <p:extLst>
       <p:ext uri="{BB962C8B-B14F-4D97-AF65-F5344CB8AC3E}">
-        <p14:creationId xmlns:p14="http://schemas.microsoft.com/office/powerpoint/2010/main" val="2271291689"/>
+        <p14:creationId xmlns:p14="http://schemas.microsoft.com/office/powerpoint/2010/main" val="2902909758"/>
       </p:ext>
     </p:extLst>
   </p:cSld>
@@ -2470,13 +4440,7 @@
       </p:grpSpPr>
       <p:sp>
         <p:nvSpPr>
-          <p:cNvPr id="2" name="Title 1">
-            <a:extLst>
-              <a:ext uri="{FF2B5EF4-FFF2-40B4-BE49-F238E27FC236}">
-                <a16:creationId xmlns:a16="http://schemas.microsoft.com/office/drawing/2014/main" id="{6DA870C4-7B74-2806-DFAE-1564CBACB1EE}"/>
-              </a:ext>
-            </a:extLst>
-          </p:cNvPr>
+          <p:cNvPr id="2" name="Title 1"/>
           <p:cNvSpPr>
             <a:spLocks noGrp="1"/>
           </p:cNvSpPr>
@@ -2486,15 +4450,17 @@
         </p:nvSpPr>
         <p:spPr>
           <a:xfrm>
-            <a:off x="839788" y="457200"/>
-            <a:ext cx="3932237" cy="1600200"/>
+            <a:off x="814728" y="727522"/>
+            <a:ext cx="4852988" cy="1617163"/>
           </a:xfrm>
         </p:spPr>
         <p:txBody>
-          <a:bodyPr anchor="b"/>
+          <a:bodyPr anchor="b">
+            <a:normAutofit/>
+          </a:bodyPr>
           <a:lstStyle>
-            <a:lvl1pPr>
-              <a:defRPr sz="3200"/>
+            <a:lvl1pPr algn="l">
+              <a:defRPr sz="2400" b="0"/>
             </a:lvl1pPr>
           </a:lstStyle>
           <a:p>
@@ -2502,164 +4468,205 @@
               <a:rPr lang="en-US"/>
               <a:t>Click to edit Master title style</a:t>
             </a:r>
-          </a:p>
-        </p:txBody>
-      </p:sp>
-      <p:sp>
-        <p:nvSpPr>
-          <p:cNvPr id="3" name="Picture Placeholder 2">
-            <a:extLst>
-              <a:ext uri="{FF2B5EF4-FFF2-40B4-BE49-F238E27FC236}">
-                <a16:creationId xmlns:a16="http://schemas.microsoft.com/office/drawing/2014/main" id="{2ECEFDC7-A590-BAA7-06D1-6738C1FF9EC3}"/>
-              </a:ext>
-            </a:extLst>
-          </p:cNvPr>
-          <p:cNvSpPr>
-            <a:spLocks noGrp="1"/>
-          </p:cNvSpPr>
-          <p:nvPr>
-            <p:ph type="pic" idx="1"/>
+            <a:endParaRPr lang="en-US" dirty="0"/>
+          </a:p>
+        </p:txBody>
+      </p:sp>
+      <p:sp>
+        <p:nvSpPr>
+          <p:cNvPr id="9" name="Picture Placeholder 11"/>
+          <p:cNvSpPr>
+            <a:spLocks noGrp="1" noChangeAspect="1"/>
+          </p:cNvSpPr>
+          <p:nvPr>
+            <p:ph type="pic" sz="quarter" idx="13"/>
+          </p:nvPr>
+        </p:nvSpPr>
+        <p:spPr bwMode="auto">
+          <a:xfrm>
+            <a:off x="6098117" y="0"/>
+            <a:ext cx="6093883" cy="6858000"/>
+          </a:xfrm>
+          <a:custGeom>
+            <a:avLst/>
+            <a:gdLst/>
+            <a:ahLst/>
+            <a:cxnLst/>
+            <a:rect l="0" t="0" r="r" b="b"/>
+            <a:pathLst>
+              <a:path w="2879" h="4320">
+                <a:moveTo>
+                  <a:pt x="183" y="0"/>
+                </a:moveTo>
+                <a:lnTo>
+                  <a:pt x="183" y="1197"/>
+                </a:lnTo>
+                <a:lnTo>
+                  <a:pt x="8" y="1372"/>
+                </a:lnTo>
+                <a:lnTo>
+                  <a:pt x="8" y="1372"/>
+                </a:lnTo>
+                <a:lnTo>
+                  <a:pt x="6" y="1376"/>
+                </a:lnTo>
+                <a:lnTo>
+                  <a:pt x="3" y="1382"/>
+                </a:lnTo>
+                <a:lnTo>
+                  <a:pt x="0" y="1387"/>
+                </a:lnTo>
+                <a:lnTo>
+                  <a:pt x="0" y="1393"/>
+                </a:lnTo>
+                <a:lnTo>
+                  <a:pt x="0" y="1399"/>
+                </a:lnTo>
+                <a:lnTo>
+                  <a:pt x="3" y="1404"/>
+                </a:lnTo>
+                <a:lnTo>
+                  <a:pt x="6" y="1410"/>
+                </a:lnTo>
+                <a:lnTo>
+                  <a:pt x="8" y="1414"/>
+                </a:lnTo>
+                <a:lnTo>
+                  <a:pt x="183" y="1589"/>
+                </a:lnTo>
+                <a:lnTo>
+                  <a:pt x="183" y="4320"/>
+                </a:lnTo>
+                <a:lnTo>
+                  <a:pt x="2879" y="4320"/>
+                </a:lnTo>
+                <a:lnTo>
+                  <a:pt x="2879" y="0"/>
+                </a:lnTo>
+                <a:lnTo>
+                  <a:pt x="183" y="0"/>
+                </a:lnTo>
+                <a:close/>
+              </a:path>
+            </a:pathLst>
+          </a:custGeom>
+          <a:noFill/>
+          <a:ln w="9525">
+            <a:solidFill>
+              <a:schemeClr val="tx2"/>
+            </a:solidFill>
+            <a:round/>
+            <a:headEnd/>
+            <a:tailEnd/>
+          </a:ln>
+          <a:effectLst/>
+        </p:spPr>
+        <p:txBody>
+          <a:bodyPr wrap="square" numCol="1" anchor="t" anchorCtr="0" compatLnSpc="1">
+            <a:prstTxWarp prst="textNoShape">
+              <a:avLst/>
+            </a:prstTxWarp>
+            <a:normAutofit/>
+          </a:bodyPr>
+          <a:lstStyle>
+            <a:lvl1pPr algn="ctr">
+              <a:buFontTx/>
+              <a:buNone/>
+              <a:defRPr sz="1400"/>
+            </a:lvl1pPr>
+          </a:lstStyle>
+          <a:p>
+            <a:r>
+              <a:rPr lang="en-US"/>
+              <a:t>Click icon to add picture</a:t>
+            </a:r>
+            <a:endParaRPr lang="en-US" dirty="0"/>
+          </a:p>
+        </p:txBody>
+      </p:sp>
+      <p:sp>
+        <p:nvSpPr>
+          <p:cNvPr id="4" name="Text Placeholder 3"/>
+          <p:cNvSpPr>
+            <a:spLocks noGrp="1"/>
+          </p:cNvSpPr>
+          <p:nvPr>
+            <p:ph type="body" sz="half" idx="2"/>
           </p:nvPr>
         </p:nvSpPr>
         <p:spPr>
           <a:xfrm>
-            <a:off x="5183188" y="987425"/>
-            <a:ext cx="6172200" cy="4873625"/>
+            <a:off x="814728" y="2344684"/>
+            <a:ext cx="4852988" cy="3516365"/>
           </a:xfrm>
         </p:spPr>
         <p:txBody>
-          <a:bodyPr/>
+          <a:bodyPr anchor="t">
+            <a:normAutofit/>
+          </a:bodyPr>
           <a:lstStyle>
             <a:lvl1pPr marL="0" indent="0">
               <a:buNone/>
-              <a:defRPr sz="3200"/>
+              <a:defRPr sz="1200"/>
             </a:lvl1pPr>
             <a:lvl2pPr marL="457200" indent="0">
               <a:buNone/>
-              <a:defRPr sz="2800"/>
+              <a:defRPr sz="1200"/>
             </a:lvl2pPr>
             <a:lvl3pPr marL="914400" indent="0">
               <a:buNone/>
-              <a:defRPr sz="2400"/>
+              <a:defRPr sz="1000"/>
             </a:lvl3pPr>
             <a:lvl4pPr marL="1371600" indent="0">
               <a:buNone/>
-              <a:defRPr sz="2000"/>
+              <a:defRPr sz="900"/>
             </a:lvl4pPr>
             <a:lvl5pPr marL="1828800" indent="0">
               <a:buNone/>
-              <a:defRPr sz="2000"/>
+              <a:defRPr sz="900"/>
             </a:lvl5pPr>
             <a:lvl6pPr marL="2286000" indent="0">
               <a:buNone/>
-              <a:defRPr sz="2000"/>
+              <a:defRPr sz="900"/>
             </a:lvl6pPr>
             <a:lvl7pPr marL="2743200" indent="0">
               <a:buNone/>
-              <a:defRPr sz="2000"/>
+              <a:defRPr sz="900"/>
             </a:lvl7pPr>
             <a:lvl8pPr marL="3200400" indent="0">
               <a:buNone/>
-              <a:defRPr sz="2000"/>
+              <a:defRPr sz="900"/>
             </a:lvl8pPr>
             <a:lvl9pPr marL="3657600" indent="0">
               <a:buNone/>
-              <a:defRPr sz="2000"/>
+              <a:defRPr sz="900"/>
             </a:lvl9pPr>
           </a:lstStyle>
           <a:p>
-            <a:endParaRPr lang="en-US"/>
-          </a:p>
-        </p:txBody>
-      </p:sp>
-      <p:sp>
-        <p:nvSpPr>
-          <p:cNvPr id="4" name="Text Placeholder 3">
-            <a:extLst>
-              <a:ext uri="{FF2B5EF4-FFF2-40B4-BE49-F238E27FC236}">
-                <a16:creationId xmlns:a16="http://schemas.microsoft.com/office/drawing/2014/main" id="{13504451-62DC-0A40-2BC3-FD279B85E196}"/>
-              </a:ext>
-            </a:extLst>
-          </p:cNvPr>
-          <p:cNvSpPr>
-            <a:spLocks noGrp="1"/>
-          </p:cNvSpPr>
-          <p:nvPr>
-            <p:ph type="body" sz="half" idx="2"/>
+            <a:pPr lvl="0"/>
+            <a:r>
+              <a:rPr lang="en-US"/>
+              <a:t>Click to edit Master text styles</a:t>
+            </a:r>
+          </a:p>
+        </p:txBody>
+      </p:sp>
+      <p:sp>
+        <p:nvSpPr>
+          <p:cNvPr id="5" name="Date Placeholder 4"/>
+          <p:cNvSpPr>
+            <a:spLocks noGrp="1"/>
+          </p:cNvSpPr>
+          <p:nvPr>
+            <p:ph type="dt" sz="half" idx="10"/>
           </p:nvPr>
         </p:nvSpPr>
         <p:spPr>
           <a:xfrm>
-            <a:off x="839788" y="2057400"/>
-            <a:ext cx="3932237" cy="3811588"/>
+            <a:off x="3885810" y="6041362"/>
+            <a:ext cx="976879" cy="365125"/>
           </a:xfrm>
         </p:spPr>
-        <p:txBody>
-          <a:bodyPr/>
-          <a:lstStyle>
-            <a:lvl1pPr marL="0" indent="0">
-              <a:buNone/>
-              <a:defRPr sz="1600"/>
-            </a:lvl1pPr>
-            <a:lvl2pPr marL="457200" indent="0">
-              <a:buNone/>
-              <a:defRPr sz="1400"/>
-            </a:lvl2pPr>
-            <a:lvl3pPr marL="914400" indent="0">
-              <a:buNone/>
-              <a:defRPr sz="1200"/>
-            </a:lvl3pPr>
-            <a:lvl4pPr marL="1371600" indent="0">
-              <a:buNone/>
-              <a:defRPr sz="1000"/>
-            </a:lvl4pPr>
-            <a:lvl5pPr marL="1828800" indent="0">
-              <a:buNone/>
-              <a:defRPr sz="1000"/>
-            </a:lvl5pPr>
-            <a:lvl6pPr marL="2286000" indent="0">
-              <a:buNone/>
-              <a:defRPr sz="1000"/>
-            </a:lvl6pPr>
-            <a:lvl7pPr marL="2743200" indent="0">
-              <a:buNone/>
-              <a:defRPr sz="1000"/>
-            </a:lvl7pPr>
-            <a:lvl8pPr marL="3200400" indent="0">
-              <a:buNone/>
-              <a:defRPr sz="1000"/>
-            </a:lvl8pPr>
-            <a:lvl9pPr marL="3657600" indent="0">
-              <a:buNone/>
-              <a:defRPr sz="1000"/>
-            </a:lvl9pPr>
-          </a:lstStyle>
-          <a:p>
-            <a:pPr lvl="0"/>
-            <a:r>
-              <a:rPr lang="en-US"/>
-              <a:t>Click to edit Master text styles</a:t>
-            </a:r>
-          </a:p>
-        </p:txBody>
-      </p:sp>
-      <p:sp>
-        <p:nvSpPr>
-          <p:cNvPr id="5" name="Date Placeholder 4">
-            <a:extLst>
-              <a:ext uri="{FF2B5EF4-FFF2-40B4-BE49-F238E27FC236}">
-                <a16:creationId xmlns:a16="http://schemas.microsoft.com/office/drawing/2014/main" id="{3846D71C-0B4B-B39C-853C-EFC00CCEBA4F}"/>
-              </a:ext>
-            </a:extLst>
-          </p:cNvPr>
-          <p:cNvSpPr>
-            <a:spLocks noGrp="1"/>
-          </p:cNvSpPr>
-          <p:nvPr>
-            <p:ph type="dt" sz="half" idx="10"/>
-          </p:nvPr>
-        </p:nvSpPr>
-        <p:spPr/>
         <p:txBody>
           <a:bodyPr/>
           <a:lstStyle/>
@@ -2674,13 +4681,7 @@
       </p:sp>
       <p:sp>
         <p:nvSpPr>
-          <p:cNvPr id="6" name="Footer Placeholder 5">
-            <a:extLst>
-              <a:ext uri="{FF2B5EF4-FFF2-40B4-BE49-F238E27FC236}">
-                <a16:creationId xmlns:a16="http://schemas.microsoft.com/office/drawing/2014/main" id="{24966830-924B-13ED-D3E9-70AAEB54508F}"/>
-              </a:ext>
-            </a:extLst>
-          </p:cNvPr>
+          <p:cNvPr id="6" name="Footer Placeholder 5"/>
           <p:cNvSpPr>
             <a:spLocks noGrp="1"/>
           </p:cNvSpPr>
@@ -2688,7 +4689,12 @@
             <p:ph type="ftr" sz="quarter" idx="11"/>
           </p:nvPr>
         </p:nvSpPr>
-        <p:spPr/>
+        <p:spPr>
+          <a:xfrm>
+            <a:off x="590396" y="6041362"/>
+            <a:ext cx="3295413" cy="365125"/>
+          </a:xfrm>
+        </p:spPr>
         <p:txBody>
           <a:bodyPr/>
           <a:lstStyle/>
@@ -2699,13 +4705,7 @@
       </p:sp>
       <p:sp>
         <p:nvSpPr>
-          <p:cNvPr id="7" name="Slide Number Placeholder 6">
-            <a:extLst>
-              <a:ext uri="{FF2B5EF4-FFF2-40B4-BE49-F238E27FC236}">
-                <a16:creationId xmlns:a16="http://schemas.microsoft.com/office/drawing/2014/main" id="{79C14E25-AE8F-8C62-C66B-5839735748DB}"/>
-              </a:ext>
-            </a:extLst>
-          </p:cNvPr>
+          <p:cNvPr id="7" name="Slide Number Placeholder 6"/>
           <p:cNvSpPr>
             <a:spLocks noGrp="1"/>
           </p:cNvSpPr>
@@ -2713,7 +4713,12 @@
             <p:ph type="sldNum" sz="quarter" idx="12"/>
           </p:nvPr>
         </p:nvSpPr>
-        <p:spPr/>
+        <p:spPr>
+          <a:xfrm>
+            <a:off x="4862689" y="5915888"/>
+            <a:ext cx="1062155" cy="490599"/>
+          </a:xfrm>
+        </p:spPr>
         <p:txBody>
           <a:bodyPr/>
           <a:lstStyle/>
@@ -2729,7 +4734,7 @@
     </p:spTree>
     <p:extLst>
       <p:ext uri="{BB962C8B-B14F-4D97-AF65-F5344CB8AC3E}">
-        <p14:creationId xmlns:p14="http://schemas.microsoft.com/office/powerpoint/2010/main" val="2289747668"/>
+        <p14:creationId xmlns:p14="http://schemas.microsoft.com/office/powerpoint/2010/main" val="2649989269"/>
       </p:ext>
     </p:extLst>
   </p:cSld>
@@ -2744,7 +4749,7 @@
   <p:cSld>
     <p:bg>
       <p:bgRef idx="1001">
-        <a:schemeClr val="bg1"/>
+        <a:schemeClr val="bg2"/>
       </p:bgRef>
     </p:bg>
     <p:spTree>
@@ -2763,13 +4768,7 @@
       </p:grpSpPr>
       <p:sp>
         <p:nvSpPr>
-          <p:cNvPr id="2" name="Title Placeholder 1">
-            <a:extLst>
-              <a:ext uri="{FF2B5EF4-FFF2-40B4-BE49-F238E27FC236}">
-                <a16:creationId xmlns:a16="http://schemas.microsoft.com/office/drawing/2014/main" id="{6CBE5245-AF56-7D5C-7DA1-C6B5F159C2A2}"/>
-              </a:ext>
-            </a:extLst>
-          </p:cNvPr>
+          <p:cNvPr id="2" name="Title Placeholder 1"/>
           <p:cNvSpPr>
             <a:spLocks noGrp="1"/>
           </p:cNvSpPr>
@@ -2779,217 +4778,203 @@
         </p:nvSpPr>
         <p:spPr>
           <a:xfrm>
-            <a:off x="838200" y="365125"/>
-            <a:ext cx="10515600" cy="1325563"/>
+            <a:off x="810000" y="447188"/>
+            <a:ext cx="10571998" cy="970450"/>
+          </a:xfrm>
+          <a:prstGeom prst="rect">
+            <a:avLst/>
+          </a:prstGeom>
+          <a:effectLst>
+            <a:outerShdw blurRad="50800" dir="14400000">
+              <a:srgbClr val="000000">
+                <a:alpha val="60000"/>
+              </a:srgbClr>
+            </a:outerShdw>
+          </a:effectLst>
+        </p:spPr>
+        <p:txBody>
+          <a:bodyPr vert="horz" lIns="91440" tIns="45720" rIns="91440" bIns="45720" rtlCol="0" anchor="b">
+            <a:noAutofit/>
+          </a:bodyPr>
+          <a:lstStyle/>
+          <a:p>
+            <a:r>
+              <a:rPr lang="en-US"/>
+              <a:t>Click to edit Master title style</a:t>
+            </a:r>
+            <a:endParaRPr lang="en-US" dirty="0"/>
+          </a:p>
+        </p:txBody>
+      </p:sp>
+      <p:sp>
+        <p:nvSpPr>
+          <p:cNvPr id="3" name="Text Placeholder 2"/>
+          <p:cNvSpPr>
+            <a:spLocks noGrp="1"/>
+          </p:cNvSpPr>
+          <p:nvPr>
+            <p:ph type="body" idx="1"/>
+          </p:nvPr>
+        </p:nvSpPr>
+        <p:spPr>
+          <a:xfrm>
+            <a:off x="810000" y="2184401"/>
+            <a:ext cx="10563285" cy="3674397"/>
+          </a:xfrm>
+          <a:prstGeom prst="rect">
+            <a:avLst/>
+          </a:prstGeom>
+          <a:effectLst>
+            <a:outerShdw blurRad="50800" dir="14400000">
+              <a:srgbClr val="000000">
+                <a:alpha val="40000"/>
+              </a:srgbClr>
+            </a:outerShdw>
+          </a:effectLst>
+        </p:spPr>
+        <p:txBody>
+          <a:bodyPr vert="horz" lIns="91440" tIns="45720" rIns="91440" bIns="45720" rtlCol="0" anchor="ctr">
+            <a:normAutofit/>
+          </a:bodyPr>
+          <a:lstStyle/>
+          <a:p>
+            <a:pPr lvl="0"/>
+            <a:r>
+              <a:rPr lang="en-US"/>
+              <a:t>Click to edit Master text styles</a:t>
+            </a:r>
+          </a:p>
+          <a:p>
+            <a:pPr lvl="1"/>
+            <a:r>
+              <a:rPr lang="en-US"/>
+              <a:t>Second level</a:t>
+            </a:r>
+          </a:p>
+          <a:p>
+            <a:pPr lvl="2"/>
+            <a:r>
+              <a:rPr lang="en-US"/>
+              <a:t>Third level</a:t>
+            </a:r>
+          </a:p>
+          <a:p>
+            <a:pPr lvl="3"/>
+            <a:r>
+              <a:rPr lang="en-US"/>
+              <a:t>Fourth level</a:t>
+            </a:r>
+          </a:p>
+          <a:p>
+            <a:pPr lvl="4"/>
+            <a:r>
+              <a:rPr lang="en-US"/>
+              <a:t>Fifth level</a:t>
+            </a:r>
+            <a:endParaRPr lang="en-US" dirty="0"/>
+          </a:p>
+        </p:txBody>
+      </p:sp>
+      <p:sp>
+        <p:nvSpPr>
+          <p:cNvPr id="5" name="Footer Placeholder 4"/>
+          <p:cNvSpPr>
+            <a:spLocks noGrp="1"/>
+          </p:cNvSpPr>
+          <p:nvPr>
+            <p:ph type="ftr" sz="quarter" idx="3"/>
+          </p:nvPr>
+        </p:nvSpPr>
+        <p:spPr>
+          <a:xfrm>
+            <a:off x="451514" y="6041362"/>
+            <a:ext cx="8644320" cy="365125"/>
           </a:xfrm>
           <a:prstGeom prst="rect">
             <a:avLst/>
           </a:prstGeom>
         </p:spPr>
         <p:txBody>
-          <a:bodyPr vert="horz" lIns="91440" tIns="45720" rIns="91440" bIns="45720" rtlCol="0" anchor="ctr">
-            <a:normAutofit/>
-          </a:bodyPr>
-          <a:lstStyle/>
-          <a:p>
-            <a:r>
-              <a:rPr lang="en-US"/>
-              <a:t>Click to edit Master title style</a:t>
-            </a:r>
-          </a:p>
-        </p:txBody>
-      </p:sp>
-      <p:sp>
-        <p:nvSpPr>
-          <p:cNvPr id="3" name="Text Placeholder 2">
-            <a:extLst>
-              <a:ext uri="{FF2B5EF4-FFF2-40B4-BE49-F238E27FC236}">
-                <a16:creationId xmlns:a16="http://schemas.microsoft.com/office/drawing/2014/main" id="{0DCDC4B0-BC82-8F2B-4115-A4FAE3C73B7C}"/>
-              </a:ext>
-            </a:extLst>
-          </p:cNvPr>
-          <p:cNvSpPr>
-            <a:spLocks noGrp="1"/>
-          </p:cNvSpPr>
-          <p:nvPr>
-            <p:ph type="body" idx="1"/>
+          <a:bodyPr vert="horz" lIns="91440" tIns="45720" rIns="91440" bIns="45720" rtlCol="0" anchor="b"/>
+          <a:lstStyle>
+            <a:lvl1pPr algn="l">
+              <a:defRPr sz="900">
+                <a:solidFill>
+                  <a:schemeClr val="tx1"/>
+                </a:solidFill>
+              </a:defRPr>
+            </a:lvl1pPr>
+          </a:lstStyle>
+          <a:p>
+            <a:endParaRPr lang="en-US"/>
+          </a:p>
+        </p:txBody>
+      </p:sp>
+      <p:sp>
+        <p:nvSpPr>
+          <p:cNvPr id="4" name="Date Placeholder 3"/>
+          <p:cNvSpPr>
+            <a:spLocks noGrp="1"/>
+          </p:cNvSpPr>
+          <p:nvPr>
+            <p:ph type="dt" sz="half" idx="2"/>
           </p:nvPr>
         </p:nvSpPr>
         <p:spPr>
           <a:xfrm>
-            <a:off x="838200" y="1825625"/>
-            <a:ext cx="10515600" cy="4351338"/>
+            <a:off x="9334626" y="6041362"/>
+            <a:ext cx="1343706" cy="365125"/>
           </a:xfrm>
           <a:prstGeom prst="rect">
             <a:avLst/>
           </a:prstGeom>
         </p:spPr>
         <p:txBody>
-          <a:bodyPr vert="horz" lIns="91440" tIns="45720" rIns="91440" bIns="45720" rtlCol="0">
-            <a:normAutofit/>
-          </a:bodyPr>
-          <a:lstStyle/>
-          <a:p>
-            <a:pPr lvl="0"/>
-            <a:r>
-              <a:rPr lang="en-US"/>
-              <a:t>Click to edit Master text styles</a:t>
-            </a:r>
-          </a:p>
-          <a:p>
-            <a:pPr lvl="1"/>
-            <a:r>
-              <a:rPr lang="en-US"/>
-              <a:t>Second level</a:t>
-            </a:r>
-          </a:p>
-          <a:p>
-            <a:pPr lvl="2"/>
-            <a:r>
-              <a:rPr lang="en-US"/>
-              <a:t>Third level</a:t>
-            </a:r>
-          </a:p>
-          <a:p>
-            <a:pPr lvl="3"/>
-            <a:r>
-              <a:rPr lang="en-US"/>
-              <a:t>Fourth level</a:t>
-            </a:r>
-          </a:p>
-          <a:p>
-            <a:pPr lvl="4"/>
-            <a:r>
-              <a:rPr lang="en-US"/>
-              <a:t>Fifth level</a:t>
-            </a:r>
-          </a:p>
-        </p:txBody>
-      </p:sp>
-      <p:sp>
-        <p:nvSpPr>
-          <p:cNvPr id="4" name="Date Placeholder 3">
-            <a:extLst>
-              <a:ext uri="{FF2B5EF4-FFF2-40B4-BE49-F238E27FC236}">
-                <a16:creationId xmlns:a16="http://schemas.microsoft.com/office/drawing/2014/main" id="{AE8309C5-B9E5-E7C2-A442-F1C4BBDCEE5D}"/>
-              </a:ext>
-            </a:extLst>
-          </p:cNvPr>
-          <p:cNvSpPr>
-            <a:spLocks noGrp="1"/>
-          </p:cNvSpPr>
-          <p:nvPr>
-            <p:ph type="dt" sz="half" idx="2"/>
+          <a:bodyPr vert="horz" lIns="91440" tIns="45720" rIns="91440" bIns="45720" rtlCol="0" anchor="b"/>
+          <a:lstStyle>
+            <a:lvl1pPr algn="r">
+              <a:defRPr sz="900">
+                <a:solidFill>
+                  <a:schemeClr val="tx1"/>
+                </a:solidFill>
+              </a:defRPr>
+            </a:lvl1pPr>
+          </a:lstStyle>
+          <a:p>
+            <a:fld id="{93597383-FF0D-4A1A-B5B3-BA01475641A1}" type="datetimeFigureOut">
+              <a:rPr lang="en-US" smtClean="0"/>
+              <a:t>3/17/2024</a:t>
+            </a:fld>
+            <a:endParaRPr lang="en-US"/>
+          </a:p>
+        </p:txBody>
+      </p:sp>
+      <p:sp>
+        <p:nvSpPr>
+          <p:cNvPr id="6" name="Slide Number Placeholder 5"/>
+          <p:cNvSpPr>
+            <a:spLocks noGrp="1"/>
+          </p:cNvSpPr>
+          <p:nvPr>
+            <p:ph type="sldNum" sz="quarter" idx="4"/>
           </p:nvPr>
         </p:nvSpPr>
         <p:spPr>
           <a:xfrm>
-            <a:off x="838200" y="6356350"/>
-            <a:ext cx="2743200" cy="365125"/>
+            <a:off x="10678331" y="5915888"/>
+            <a:ext cx="1062155" cy="490599"/>
           </a:xfrm>
           <a:prstGeom prst="rect">
             <a:avLst/>
           </a:prstGeom>
         </p:spPr>
         <p:txBody>
-          <a:bodyPr vert="horz" lIns="91440" tIns="45720" rIns="91440" bIns="45720" rtlCol="0" anchor="ctr"/>
-          <a:lstStyle>
-            <a:lvl1pPr algn="l">
-              <a:defRPr sz="1200">
-                <a:solidFill>
-                  <a:schemeClr val="tx1">
-                    <a:tint val="82000"/>
-                  </a:schemeClr>
-                </a:solidFill>
-              </a:defRPr>
-            </a:lvl1pPr>
-          </a:lstStyle>
-          <a:p>
-            <a:fld id="{93597383-FF0D-4A1A-B5B3-BA01475641A1}" type="datetimeFigureOut">
-              <a:rPr lang="en-US" smtClean="0"/>
-              <a:t>3/17/2024</a:t>
-            </a:fld>
-            <a:endParaRPr lang="en-US"/>
-          </a:p>
-        </p:txBody>
-      </p:sp>
-      <p:sp>
-        <p:nvSpPr>
-          <p:cNvPr id="5" name="Footer Placeholder 4">
-            <a:extLst>
-              <a:ext uri="{FF2B5EF4-FFF2-40B4-BE49-F238E27FC236}">
-                <a16:creationId xmlns:a16="http://schemas.microsoft.com/office/drawing/2014/main" id="{5735EF5A-DAD5-CE61-21D7-1EEF4858E79E}"/>
-              </a:ext>
-            </a:extLst>
-          </p:cNvPr>
-          <p:cNvSpPr>
-            <a:spLocks noGrp="1"/>
-          </p:cNvSpPr>
-          <p:nvPr>
-            <p:ph type="ftr" sz="quarter" idx="3"/>
-          </p:nvPr>
-        </p:nvSpPr>
-        <p:spPr>
-          <a:xfrm>
-            <a:off x="4038600" y="6356350"/>
-            <a:ext cx="4114800" cy="365125"/>
-          </a:xfrm>
-          <a:prstGeom prst="rect">
-            <a:avLst/>
-          </a:prstGeom>
-        </p:spPr>
-        <p:txBody>
-          <a:bodyPr vert="horz" lIns="91440" tIns="45720" rIns="91440" bIns="45720" rtlCol="0" anchor="ctr"/>
-          <a:lstStyle>
-            <a:lvl1pPr algn="ctr">
-              <a:defRPr sz="1200">
-                <a:solidFill>
-                  <a:schemeClr val="tx1">
-                    <a:tint val="82000"/>
-                  </a:schemeClr>
-                </a:solidFill>
-              </a:defRPr>
-            </a:lvl1pPr>
-          </a:lstStyle>
-          <a:p>
-            <a:endParaRPr lang="en-US"/>
-          </a:p>
-        </p:txBody>
-      </p:sp>
-      <p:sp>
-        <p:nvSpPr>
-          <p:cNvPr id="6" name="Slide Number Placeholder 5">
-            <a:extLst>
-              <a:ext uri="{FF2B5EF4-FFF2-40B4-BE49-F238E27FC236}">
-                <a16:creationId xmlns:a16="http://schemas.microsoft.com/office/drawing/2014/main" id="{999832B0-CC83-21AF-7444-5FEC892029C2}"/>
-              </a:ext>
-            </a:extLst>
-          </p:cNvPr>
-          <p:cNvSpPr>
-            <a:spLocks noGrp="1"/>
-          </p:cNvSpPr>
-          <p:nvPr>
-            <p:ph type="sldNum" sz="quarter" idx="4"/>
-          </p:nvPr>
-        </p:nvSpPr>
-        <p:spPr>
-          <a:xfrm>
-            <a:off x="8610600" y="6356350"/>
-            <a:ext cx="2743200" cy="365125"/>
-          </a:xfrm>
-          <a:prstGeom prst="rect">
-            <a:avLst/>
-          </a:prstGeom>
-        </p:spPr>
-        <p:txBody>
-          <a:bodyPr vert="horz" lIns="91440" tIns="45720" rIns="91440" bIns="45720" rtlCol="0" anchor="ctr"/>
+          <a:bodyPr vert="horz" lIns="91440" tIns="45720" rIns="91440" bIns="10800" rtlCol="0" anchor="b"/>
           <a:lstStyle>
             <a:lvl1pPr algn="r">
-              <a:defRPr sz="1200">
+              <a:defRPr sz="2000">
                 <a:solidFill>
-                  <a:schemeClr val="tx1">
-                    <a:tint val="82000"/>
-                  </a:schemeClr>
+                  <a:schemeClr val="accent1"/>
                 </a:solidFill>
               </a:defRPr>
             </a:lvl1pPr>
@@ -3006,55 +4991,114 @@
     </p:spTree>
     <p:extLst>
       <p:ext uri="{BB962C8B-B14F-4D97-AF65-F5344CB8AC3E}">
-        <p14:creationId xmlns:p14="http://schemas.microsoft.com/office/powerpoint/2010/main" val="3599034036"/>
+        <p14:creationId xmlns:p14="http://schemas.microsoft.com/office/powerpoint/2010/main" val="1871484467"/>
       </p:ext>
     </p:extLst>
   </p:cSld>
-  <p:clrMap bg1="lt1" tx1="dk1" bg2="lt2" tx2="dk2" accent1="accent1" accent2="accent2" accent3="accent3" accent4="accent4" accent5="accent5" accent6="accent6" hlink="hlink" folHlink="folHlink"/>
+  <p:clrMap bg1="dk1" tx1="lt1" bg2="dk2" tx2="lt2" accent1="accent1" accent2="accent2" accent3="accent3" accent4="accent4" accent5="accent5" accent6="accent6" hlink="hlink" folHlink="folHlink"/>
   <p:sldLayoutIdLst>
-    <p:sldLayoutId id="2147483649" r:id="rId1"/>
-    <p:sldLayoutId id="2147483650" r:id="rId2"/>
-    <p:sldLayoutId id="2147483651" r:id="rId3"/>
-    <p:sldLayoutId id="2147483652" r:id="rId4"/>
-    <p:sldLayoutId id="2147483653" r:id="rId5"/>
-    <p:sldLayoutId id="2147483654" r:id="rId6"/>
-    <p:sldLayoutId id="2147483655" r:id="rId7"/>
-    <p:sldLayoutId id="2147483656" r:id="rId8"/>
-    <p:sldLayoutId id="2147483657" r:id="rId9"/>
-    <p:sldLayoutId id="2147483658" r:id="rId10"/>
-    <p:sldLayoutId id="2147483659" r:id="rId11"/>
+    <p:sldLayoutId id="2147483661" r:id="rId1"/>
+    <p:sldLayoutId id="2147483662" r:id="rId2"/>
+    <p:sldLayoutId id="2147483663" r:id="rId3"/>
+    <p:sldLayoutId id="2147483664" r:id="rId4"/>
+    <p:sldLayoutId id="2147483665" r:id="rId5"/>
+    <p:sldLayoutId id="2147483666" r:id="rId6"/>
+    <p:sldLayoutId id="2147483667" r:id="rId7"/>
+    <p:sldLayoutId id="2147483668" r:id="rId8"/>
+    <p:sldLayoutId id="2147483669" r:id="rId9"/>
+    <p:sldLayoutId id="2147483670" r:id="rId10"/>
+    <p:sldLayoutId id="2147483671" r:id="rId11"/>
+    <p:sldLayoutId id="2147483672" r:id="rId12"/>
+    <p:sldLayoutId id="2147483673" r:id="rId13"/>
+    <p:sldLayoutId id="2147483674" r:id="rId14"/>
   </p:sldLayoutIdLst>
   <p:txStyles>
     <p:titleStyle>
-      <a:lvl1pPr algn="l" defTabSz="914400" rtl="0" eaLnBrk="1" latinLnBrk="0" hangingPunct="1">
-        <a:lnSpc>
-          <a:spcPct val="90000"/>
-        </a:lnSpc>
+      <a:lvl1pPr algn="l" defTabSz="457200" rtl="0" eaLnBrk="1" latinLnBrk="0" hangingPunct="1">
         <a:spcBef>
           <a:spcPct val="0"/>
         </a:spcBef>
         <a:buNone/>
-        <a:defRPr sz="4400" kern="1200">
+        <a:defRPr sz="4000" b="1" kern="1200">
           <a:solidFill>
-            <a:schemeClr val="tx1"/>
+            <a:srgbClr val="FEFEFE"/>
           </a:solidFill>
           <a:latin typeface="+mj-lt"/>
           <a:ea typeface="+mj-ea"/>
           <a:cs typeface="+mj-cs"/>
         </a:defRPr>
       </a:lvl1pPr>
+      <a:lvl2pPr eaLnBrk="1" hangingPunct="1">
+        <a:defRPr>
+          <a:solidFill>
+            <a:schemeClr val="tx2"/>
+          </a:solidFill>
+        </a:defRPr>
+      </a:lvl2pPr>
+      <a:lvl3pPr eaLnBrk="1" hangingPunct="1">
+        <a:defRPr>
+          <a:solidFill>
+            <a:schemeClr val="tx2"/>
+          </a:solidFill>
+        </a:defRPr>
+      </a:lvl3pPr>
+      <a:lvl4pPr eaLnBrk="1" hangingPunct="1">
+        <a:defRPr>
+          <a:solidFill>
+            <a:schemeClr val="tx2"/>
+          </a:solidFill>
+        </a:defRPr>
+      </a:lvl4pPr>
+      <a:lvl5pPr eaLnBrk="1" hangingPunct="1">
+        <a:defRPr>
+          <a:solidFill>
+            <a:schemeClr val="tx2"/>
+          </a:solidFill>
+        </a:defRPr>
+      </a:lvl5pPr>
+      <a:lvl6pPr eaLnBrk="1" hangingPunct="1">
+        <a:defRPr>
+          <a:solidFill>
+            <a:schemeClr val="tx2"/>
+          </a:solidFill>
+        </a:defRPr>
+      </a:lvl6pPr>
+      <a:lvl7pPr eaLnBrk="1" hangingPunct="1">
+        <a:defRPr>
+          <a:solidFill>
+            <a:schemeClr val="tx2"/>
+          </a:solidFill>
+        </a:defRPr>
+      </a:lvl7pPr>
+      <a:lvl8pPr eaLnBrk="1" hangingPunct="1">
+        <a:defRPr>
+          <a:solidFill>
+            <a:schemeClr val="tx2"/>
+          </a:solidFill>
+        </a:defRPr>
+      </a:lvl8pPr>
+      <a:lvl9pPr eaLnBrk="1" hangingPunct="1">
+        <a:defRPr>
+          <a:solidFill>
+            <a:schemeClr val="tx2"/>
+          </a:solidFill>
+        </a:defRPr>
+      </a:lvl9pPr>
     </p:titleStyle>
     <p:bodyStyle>
-      <a:lvl1pPr marL="228600" indent="-228600" algn="l" defTabSz="914400" rtl="0" eaLnBrk="1" latinLnBrk="0" hangingPunct="1">
-        <a:lnSpc>
-          <a:spcPct val="90000"/>
-        </a:lnSpc>
+      <a:lvl1pPr marL="342900" indent="-342900" algn="l" defTabSz="457200" rtl="0" eaLnBrk="1" latinLnBrk="0" hangingPunct="1">
         <a:spcBef>
-          <a:spcPts val="1000"/>
+          <a:spcPct val="20000"/>
         </a:spcBef>
-        <a:buFont typeface="Arial" panose="020B0604020202020204" pitchFamily="34" charset="0"/>
-        <a:buChar char="•"/>
-        <a:defRPr sz="2800" kern="1200">
+        <a:spcAft>
+          <a:spcPts val="600"/>
+        </a:spcAft>
+        <a:buClr>
+          <a:schemeClr val="accent1"/>
+        </a:buClr>
+        <a:buFont typeface="Wingdings 2" charset="2"/>
+        <a:buChar char=""/>
+        <a:defRPr sz="1800" kern="1200">
           <a:solidFill>
             <a:schemeClr val="tx1"/>
           </a:solidFill>
@@ -3063,16 +5107,19 @@
           <a:cs typeface="+mn-cs"/>
         </a:defRPr>
       </a:lvl1pPr>
-      <a:lvl2pPr marL="685800" indent="-228600" algn="l" defTabSz="914400" rtl="0" eaLnBrk="1" latinLnBrk="0" hangingPunct="1">
-        <a:lnSpc>
-          <a:spcPct val="90000"/>
-        </a:lnSpc>
+      <a:lvl2pPr marL="742950" indent="-285750" algn="l" defTabSz="457200" rtl="0" eaLnBrk="1" latinLnBrk="0" hangingPunct="1">
         <a:spcBef>
-          <a:spcPts val="500"/>
+          <a:spcPct val="20000"/>
         </a:spcBef>
-        <a:buFont typeface="Arial" panose="020B0604020202020204" pitchFamily="34" charset="0"/>
-        <a:buChar char="•"/>
-        <a:defRPr sz="2400" kern="1200">
+        <a:spcAft>
+          <a:spcPts val="600"/>
+        </a:spcAft>
+        <a:buClr>
+          <a:schemeClr val="accent1"/>
+        </a:buClr>
+        <a:buFont typeface="Wingdings 2" charset="2"/>
+        <a:buChar char=""/>
+        <a:defRPr sz="1600" kern="1200">
           <a:solidFill>
             <a:schemeClr val="tx1"/>
           </a:solidFill>
@@ -3081,16 +5128,19 @@
           <a:cs typeface="+mn-cs"/>
         </a:defRPr>
       </a:lvl2pPr>
-      <a:lvl3pPr marL="1143000" indent="-228600" algn="l" defTabSz="914400" rtl="0" eaLnBrk="1" latinLnBrk="0" hangingPunct="1">
-        <a:lnSpc>
-          <a:spcPct val="90000"/>
-        </a:lnSpc>
+      <a:lvl3pPr marL="1143000" indent="-228600" algn="l" defTabSz="457200" rtl="0" eaLnBrk="1" latinLnBrk="0" hangingPunct="1">
         <a:spcBef>
-          <a:spcPts val="500"/>
+          <a:spcPct val="20000"/>
         </a:spcBef>
-        <a:buFont typeface="Arial" panose="020B0604020202020204" pitchFamily="34" charset="0"/>
-        <a:buChar char="•"/>
-        <a:defRPr sz="2000" kern="1200">
+        <a:spcAft>
+          <a:spcPts val="600"/>
+        </a:spcAft>
+        <a:buClr>
+          <a:schemeClr val="accent1"/>
+        </a:buClr>
+        <a:buFont typeface="Wingdings 2" charset="2"/>
+        <a:buChar char=""/>
+        <a:defRPr sz="1400" kern="1200">
           <a:solidFill>
             <a:schemeClr val="tx1"/>
           </a:solidFill>
@@ -3099,16 +5149,19 @@
           <a:cs typeface="+mn-cs"/>
         </a:defRPr>
       </a:lvl3pPr>
-      <a:lvl4pPr marL="1600200" indent="-228600" algn="l" defTabSz="914400" rtl="0" eaLnBrk="1" latinLnBrk="0" hangingPunct="1">
-        <a:lnSpc>
-          <a:spcPct val="90000"/>
-        </a:lnSpc>
+      <a:lvl4pPr marL="1600200" indent="-228600" algn="l" defTabSz="457200" rtl="0" eaLnBrk="1" latinLnBrk="0" hangingPunct="1">
         <a:spcBef>
-          <a:spcPts val="500"/>
+          <a:spcPct val="20000"/>
         </a:spcBef>
-        <a:buFont typeface="Arial" panose="020B0604020202020204" pitchFamily="34" charset="0"/>
-        <a:buChar char="•"/>
-        <a:defRPr sz="1800" kern="1200">
+        <a:spcAft>
+          <a:spcPts val="600"/>
+        </a:spcAft>
+        <a:buClr>
+          <a:schemeClr val="accent1"/>
+        </a:buClr>
+        <a:buFont typeface="Wingdings 2" charset="2"/>
+        <a:buChar char=""/>
+        <a:defRPr sz="1200" kern="1200">
           <a:solidFill>
             <a:schemeClr val="tx1"/>
           </a:solidFill>
@@ -3117,16 +5170,19 @@
           <a:cs typeface="+mn-cs"/>
         </a:defRPr>
       </a:lvl4pPr>
-      <a:lvl5pPr marL="2057400" indent="-228600" algn="l" defTabSz="914400" rtl="0" eaLnBrk="1" latinLnBrk="0" hangingPunct="1">
-        <a:lnSpc>
-          <a:spcPct val="90000"/>
-        </a:lnSpc>
+      <a:lvl5pPr marL="2057400" indent="-228600" algn="l" defTabSz="457200" rtl="0" eaLnBrk="1" latinLnBrk="0" hangingPunct="1">
         <a:spcBef>
-          <a:spcPts val="500"/>
+          <a:spcPct val="20000"/>
         </a:spcBef>
-        <a:buFont typeface="Arial" panose="020B0604020202020204" pitchFamily="34" charset="0"/>
-        <a:buChar char="•"/>
-        <a:defRPr sz="1800" kern="1200">
+        <a:spcAft>
+          <a:spcPts val="600"/>
+        </a:spcAft>
+        <a:buClr>
+          <a:schemeClr val="accent1"/>
+        </a:buClr>
+        <a:buFont typeface="Wingdings 2" charset="2"/>
+        <a:buChar char=""/>
+        <a:defRPr sz="1200" kern="1200">
           <a:solidFill>
             <a:schemeClr val="tx1"/>
           </a:solidFill>
@@ -3135,16 +5191,19 @@
           <a:cs typeface="+mn-cs"/>
         </a:defRPr>
       </a:lvl5pPr>
-      <a:lvl6pPr marL="2514600" indent="-228600" algn="l" defTabSz="914400" rtl="0" eaLnBrk="1" latinLnBrk="0" hangingPunct="1">
-        <a:lnSpc>
-          <a:spcPct val="90000"/>
-        </a:lnSpc>
+      <a:lvl6pPr marL="2400000" indent="-228600" algn="l" defTabSz="457200" rtl="0" eaLnBrk="1" latinLnBrk="0" hangingPunct="1">
         <a:spcBef>
-          <a:spcPts val="500"/>
+          <a:spcPct val="20000"/>
         </a:spcBef>
-        <a:buFont typeface="Arial" panose="020B0604020202020204" pitchFamily="34" charset="0"/>
-        <a:buChar char="•"/>
-        <a:defRPr sz="1800" kern="1200">
+        <a:spcAft>
+          <a:spcPts val="600"/>
+        </a:spcAft>
+        <a:buClr>
+          <a:schemeClr val="accent1"/>
+        </a:buClr>
+        <a:buFont typeface="Wingdings 2" charset="2"/>
+        <a:buChar char=""/>
+        <a:defRPr sz="1200" kern="1200">
           <a:solidFill>
             <a:schemeClr val="tx1"/>
           </a:solidFill>
@@ -3153,16 +5212,19 @@
           <a:cs typeface="+mn-cs"/>
         </a:defRPr>
       </a:lvl6pPr>
-      <a:lvl7pPr marL="2971800" indent="-228600" algn="l" defTabSz="914400" rtl="0" eaLnBrk="1" latinLnBrk="0" hangingPunct="1">
-        <a:lnSpc>
-          <a:spcPct val="90000"/>
-        </a:lnSpc>
+      <a:lvl7pPr marL="2800000" indent="-228600" algn="l" defTabSz="457200" rtl="0" eaLnBrk="1" latinLnBrk="0" hangingPunct="1">
         <a:spcBef>
-          <a:spcPts val="500"/>
+          <a:spcPct val="20000"/>
         </a:spcBef>
-        <a:buFont typeface="Arial" panose="020B0604020202020204" pitchFamily="34" charset="0"/>
-        <a:buChar char="•"/>
-        <a:defRPr sz="1800" kern="1200">
+        <a:spcAft>
+          <a:spcPts val="600"/>
+        </a:spcAft>
+        <a:buClr>
+          <a:schemeClr val="accent1"/>
+        </a:buClr>
+        <a:buFont typeface="Wingdings 2" charset="2"/>
+        <a:buChar char=""/>
+        <a:defRPr sz="1200" kern="1200">
           <a:solidFill>
             <a:schemeClr val="tx1"/>
           </a:solidFill>
@@ -3171,16 +5233,19 @@
           <a:cs typeface="+mn-cs"/>
         </a:defRPr>
       </a:lvl7pPr>
-      <a:lvl8pPr marL="3429000" indent="-228600" algn="l" defTabSz="914400" rtl="0" eaLnBrk="1" latinLnBrk="0" hangingPunct="1">
-        <a:lnSpc>
-          <a:spcPct val="90000"/>
-        </a:lnSpc>
+      <a:lvl8pPr marL="3200000" indent="-228600" algn="l" defTabSz="457200" rtl="0" eaLnBrk="1" latinLnBrk="0" hangingPunct="1">
         <a:spcBef>
-          <a:spcPts val="500"/>
+          <a:spcPct val="20000"/>
         </a:spcBef>
-        <a:buFont typeface="Arial" panose="020B0604020202020204" pitchFamily="34" charset="0"/>
-        <a:buChar char="•"/>
-        <a:defRPr sz="1800" kern="1200">
+        <a:spcAft>
+          <a:spcPts val="600"/>
+        </a:spcAft>
+        <a:buClr>
+          <a:schemeClr val="accent1"/>
+        </a:buClr>
+        <a:buFont typeface="Wingdings 2" charset="2"/>
+        <a:buChar char=""/>
+        <a:defRPr sz="1200" kern="1200">
           <a:solidFill>
             <a:schemeClr val="tx1"/>
           </a:solidFill>
@@ -3189,16 +5254,19 @@
           <a:cs typeface="+mn-cs"/>
         </a:defRPr>
       </a:lvl8pPr>
-      <a:lvl9pPr marL="3886200" indent="-228600" algn="l" defTabSz="914400" rtl="0" eaLnBrk="1" latinLnBrk="0" hangingPunct="1">
-        <a:lnSpc>
-          <a:spcPct val="90000"/>
-        </a:lnSpc>
+      <a:lvl9pPr marL="3600000" indent="-228600" algn="l" defTabSz="457200" rtl="0" eaLnBrk="1" latinLnBrk="0" hangingPunct="1">
         <a:spcBef>
-          <a:spcPts val="500"/>
+          <a:spcPct val="20000"/>
         </a:spcBef>
-        <a:buFont typeface="Arial" panose="020B0604020202020204" pitchFamily="34" charset="0"/>
-        <a:buChar char="•"/>
-        <a:defRPr sz="1800" kern="1200">
+        <a:spcAft>
+          <a:spcPts val="600"/>
+        </a:spcAft>
+        <a:buClr>
+          <a:schemeClr val="accent1"/>
+        </a:buClr>
+        <a:buFont typeface="Wingdings 2" charset="2"/>
+        <a:buChar char=""/>
+        <a:defRPr sz="1200" kern="1200">
           <a:solidFill>
             <a:schemeClr val="tx1"/>
           </a:solidFill>
@@ -3212,7 +5280,7 @@
       <a:defPPr>
         <a:defRPr lang="en-US"/>
       </a:defPPr>
-      <a:lvl1pPr marL="0" algn="l" defTabSz="914400" rtl="0" eaLnBrk="1" latinLnBrk="0" hangingPunct="1">
+      <a:lvl1pPr marL="0" algn="l" defTabSz="457200" rtl="0" eaLnBrk="1" latinLnBrk="0" hangingPunct="1">
         <a:defRPr sz="1800" kern="1200">
           <a:solidFill>
             <a:schemeClr val="tx1"/>
@@ -3222,7 +5290,7 @@
           <a:cs typeface="+mn-cs"/>
         </a:defRPr>
       </a:lvl1pPr>
-      <a:lvl2pPr marL="457200" algn="l" defTabSz="914400" rtl="0" eaLnBrk="1" latinLnBrk="0" hangingPunct="1">
+      <a:lvl2pPr marL="457200" algn="l" defTabSz="457200" rtl="0" eaLnBrk="1" latinLnBrk="0" hangingPunct="1">
         <a:defRPr sz="1800" kern="1200">
           <a:solidFill>
             <a:schemeClr val="tx1"/>
@@ -3232,7 +5300,7 @@
           <a:cs typeface="+mn-cs"/>
         </a:defRPr>
       </a:lvl2pPr>
-      <a:lvl3pPr marL="914400" algn="l" defTabSz="914400" rtl="0" eaLnBrk="1" latinLnBrk="0" hangingPunct="1">
+      <a:lvl3pPr marL="914400" algn="l" defTabSz="457200" rtl="0" eaLnBrk="1" latinLnBrk="0" hangingPunct="1">
         <a:defRPr sz="1800" kern="1200">
           <a:solidFill>
             <a:schemeClr val="tx1"/>
@@ -3242,7 +5310,7 @@
           <a:cs typeface="+mn-cs"/>
         </a:defRPr>
       </a:lvl3pPr>
-      <a:lvl4pPr marL="1371600" algn="l" defTabSz="914400" rtl="0" eaLnBrk="1" latinLnBrk="0" hangingPunct="1">
+      <a:lvl4pPr marL="1371600" algn="l" defTabSz="457200" rtl="0" eaLnBrk="1" latinLnBrk="0" hangingPunct="1">
         <a:defRPr sz="1800" kern="1200">
           <a:solidFill>
             <a:schemeClr val="tx1"/>
@@ -3252,7 +5320,7 @@
           <a:cs typeface="+mn-cs"/>
         </a:defRPr>
       </a:lvl4pPr>
-      <a:lvl5pPr marL="1828800" algn="l" defTabSz="914400" rtl="0" eaLnBrk="1" latinLnBrk="0" hangingPunct="1">
+      <a:lvl5pPr marL="1828800" algn="l" defTabSz="457200" rtl="0" eaLnBrk="1" latinLnBrk="0" hangingPunct="1">
         <a:defRPr sz="1800" kern="1200">
           <a:solidFill>
             <a:schemeClr val="tx1"/>
@@ -3262,7 +5330,7 @@
           <a:cs typeface="+mn-cs"/>
         </a:defRPr>
       </a:lvl5pPr>
-      <a:lvl6pPr marL="2286000" algn="l" defTabSz="914400" rtl="0" eaLnBrk="1" latinLnBrk="0" hangingPunct="1">
+      <a:lvl6pPr marL="2286000" algn="l" defTabSz="457200" rtl="0" eaLnBrk="1" latinLnBrk="0" hangingPunct="1">
         <a:defRPr sz="1800" kern="1200">
           <a:solidFill>
             <a:schemeClr val="tx1"/>
@@ -3272,7 +5340,7 @@
           <a:cs typeface="+mn-cs"/>
         </a:defRPr>
       </a:lvl6pPr>
-      <a:lvl7pPr marL="2743200" algn="l" defTabSz="914400" rtl="0" eaLnBrk="1" latinLnBrk="0" hangingPunct="1">
+      <a:lvl7pPr marL="2743200" algn="l" defTabSz="457200" rtl="0" eaLnBrk="1" latinLnBrk="0" hangingPunct="1">
         <a:defRPr sz="1800" kern="1200">
           <a:solidFill>
             <a:schemeClr val="tx1"/>
@@ -3282,7 +5350,7 @@
           <a:cs typeface="+mn-cs"/>
         </a:defRPr>
       </a:lvl7pPr>
-      <a:lvl8pPr marL="3200400" algn="l" defTabSz="914400" rtl="0" eaLnBrk="1" latinLnBrk="0" hangingPunct="1">
+      <a:lvl8pPr marL="3200400" algn="l" defTabSz="457200" rtl="0" eaLnBrk="1" latinLnBrk="0" hangingPunct="1">
         <a:defRPr sz="1800" kern="1200">
           <a:solidFill>
             <a:schemeClr val="tx1"/>
@@ -3292,7 +5360,7 @@
           <a:cs typeface="+mn-cs"/>
         </a:defRPr>
       </a:lvl8pPr>
-      <a:lvl9pPr marL="3657600" algn="l" defTabSz="914400" rtl="0" eaLnBrk="1" latinLnBrk="0" hangingPunct="1">
+      <a:lvl9pPr marL="3657600" algn="l" defTabSz="457200" rtl="0" eaLnBrk="1" latinLnBrk="0" hangingPunct="1">
         <a:defRPr sz="1800" kern="1200">
           <a:solidFill>
             <a:schemeClr val="tx1"/>
@@ -3346,16 +5414,17 @@
           <a:lstStyle/>
           <a:p>
             <a:r>
-              <a:rPr lang="en-US" dirty="0"/>
+              <a:rPr lang="en-US"/>
               <a:t>Math 319 Final</a:t>
             </a:r>
             <a:br>
-              <a:rPr lang="en-US" dirty="0"/>
+              <a:rPr lang="en-US"/>
             </a:br>
             <a:r>
-              <a:rPr lang="en-US" dirty="0"/>
+              <a:rPr lang="en-US"/>
               <a:t>Automatic Differentiation</a:t>
             </a:r>
+            <a:endParaRPr lang="en-US" dirty="0"/>
           </a:p>
         </p:txBody>
       </p:sp>
@@ -3377,19 +5446,22 @@
         </p:nvSpPr>
         <p:spPr/>
         <p:txBody>
-          <a:bodyPr/>
+          <a:bodyPr>
+            <a:normAutofit fontScale="47500" lnSpcReduction="20000"/>
+          </a:bodyPr>
           <a:lstStyle/>
           <a:p>
             <a:r>
-              <a:rPr lang="en-US" dirty="0"/>
+              <a:rPr lang="en-US"/>
               <a:t>By: Christopher Berglund, Pierre Visconti, </a:t>
             </a:r>
           </a:p>
           <a:p>
             <a:r>
-              <a:rPr lang="en-US" dirty="0"/>
+              <a:rPr lang="en-US"/>
               <a:t>Benjamin Wachter</a:t>
             </a:r>
+            <a:endParaRPr lang="en-US" dirty="0"/>
           </a:p>
         </p:txBody>
       </p:sp>
@@ -3458,38 +5530,6 @@
           </a:p>
         </p:txBody>
       </p:sp>
-      <p:pic>
-        <p:nvPicPr>
-          <p:cNvPr id="5" name="Content Placeholder 4">
-            <a:extLst>
-              <a:ext uri="{FF2B5EF4-FFF2-40B4-BE49-F238E27FC236}">
-                <a16:creationId xmlns:a16="http://schemas.microsoft.com/office/drawing/2014/main" id="{53211570-1316-04B1-B35A-30B5AA8559B8}"/>
-              </a:ext>
-            </a:extLst>
-          </p:cNvPr>
-          <p:cNvPicPr>
-            <a:picLocks noGrp="1" noChangeAspect="1"/>
-          </p:cNvPicPr>
-          <p:nvPr>
-            <p:ph idx="1"/>
-          </p:nvPr>
-        </p:nvPicPr>
-        <p:blipFill>
-          <a:blip r:embed="rId2"/>
-          <a:stretch>
-            <a:fillRect/>
-          </a:stretch>
-        </p:blipFill>
-        <p:spPr>
-          <a:xfrm>
-            <a:off x="5033653" y="1310672"/>
-            <a:ext cx="6318559" cy="1673891"/>
-          </a:xfrm>
-          <a:prstGeom prst="rect">
-            <a:avLst/>
-          </a:prstGeom>
-        </p:spPr>
-      </p:pic>
       <p:sp>
         <p:nvSpPr>
           <p:cNvPr id="4" name="Text Placeholder 3">
@@ -3509,7 +5549,7 @@
         <p:spPr/>
         <p:txBody>
           <a:bodyPr>
-            <a:normAutofit/>
+            <a:normAutofit lnSpcReduction="10000"/>
           </a:bodyPr>
           <a:lstStyle/>
           <a:p>
@@ -3520,36 +5560,1250 @@
           </a:p>
         </p:txBody>
       </p:sp>
-      <p:pic>
-        <p:nvPicPr>
-          <p:cNvPr id="6" name="Picture 5">
-            <a:extLst>
-              <a:ext uri="{FF2B5EF4-FFF2-40B4-BE49-F238E27FC236}">
-                <a16:creationId xmlns:a16="http://schemas.microsoft.com/office/drawing/2014/main" id="{58C6D718-4495-861F-8749-0F4616097962}"/>
-              </a:ext>
-            </a:extLst>
-          </p:cNvPr>
-          <p:cNvPicPr>
-            <a:picLocks noChangeAspect="1"/>
-          </p:cNvPicPr>
-          <p:nvPr/>
-        </p:nvPicPr>
-        <p:blipFill>
-          <a:blip r:embed="rId3"/>
-          <a:stretch>
-            <a:fillRect/>
-          </a:stretch>
-        </p:blipFill>
-        <p:spPr>
-          <a:xfrm>
-            <a:off x="5033653" y="3873439"/>
-            <a:ext cx="5815322" cy="743820"/>
-          </a:xfrm>
-          <a:prstGeom prst="rect">
-            <a:avLst/>
-          </a:prstGeom>
-        </p:spPr>
-      </p:pic>
+      <mc:AlternateContent xmlns:mc="http://schemas.openxmlformats.org/markup-compatibility/2006">
+        <mc:Choice xmlns:a14="http://schemas.microsoft.com/office/drawing/2010/main" Requires="a14">
+          <p:sp>
+            <p:nvSpPr>
+              <p:cNvPr id="3" name="TextBox 2">
+                <a:extLst>
+                  <a:ext uri="{FF2B5EF4-FFF2-40B4-BE49-F238E27FC236}">
+                    <a16:creationId xmlns:a16="http://schemas.microsoft.com/office/drawing/2014/main" id="{747B2133-D943-92B6-BE26-92A9FEA51AFB}"/>
+                  </a:ext>
+                </a:extLst>
+              </p:cNvPr>
+              <p:cNvSpPr txBox="1"/>
+              <p:nvPr/>
+            </p:nvSpPr>
+            <p:spPr>
+              <a:xfrm>
+                <a:off x="5184559" y="1968617"/>
+                <a:ext cx="6059223" cy="1522533"/>
+              </a:xfrm>
+              <a:prstGeom prst="rect">
+                <a:avLst/>
+              </a:prstGeom>
+              <a:noFill/>
+            </p:spPr>
+            <p:txBody>
+              <a:bodyPr wrap="none" lIns="0" tIns="0" rIns="0" bIns="0" rtlCol="0">
+                <a:spAutoFit/>
+              </a:bodyPr>
+              <a:lstStyle/>
+              <a:p>
+                <a14:m>
+                  <m:oMathPara xmlns:m="http://schemas.openxmlformats.org/officeDocument/2006/math">
+                    <m:oMathParaPr>
+                      <m:jc m:val="centerGroup"/>
+                    </m:oMathParaPr>
+                    <m:oMath xmlns:m="http://schemas.openxmlformats.org/officeDocument/2006/math">
+                      <m:r>
+                        <a:rPr lang="en-US" b="0" i="1" smtClean="0">
+                          <a:latin typeface="Cambria Math" panose="02040503050406030204" pitchFamily="18" charset="0"/>
+                        </a:rPr>
+                        <m:t>𝑦</m:t>
+                      </m:r>
+                      <m:r>
+                        <a:rPr lang="en-US" b="0" i="1" smtClean="0">
+                          <a:latin typeface="Cambria Math" panose="02040503050406030204" pitchFamily="18" charset="0"/>
+                        </a:rPr>
+                        <m:t>=</m:t>
+                      </m:r>
+                      <m:r>
+                        <a:rPr lang="en-US" b="0" i="1" smtClean="0">
+                          <a:latin typeface="Cambria Math" panose="02040503050406030204" pitchFamily="18" charset="0"/>
+                        </a:rPr>
+                        <m:t>𝑓</m:t>
+                      </m:r>
+                      <m:d>
+                        <m:dPr>
+                          <m:ctrlPr>
+                            <a:rPr lang="en-US" b="0" i="1" smtClean="0">
+                              <a:latin typeface="Cambria Math" panose="02040503050406030204" pitchFamily="18" charset="0"/>
+                            </a:rPr>
+                          </m:ctrlPr>
+                        </m:dPr>
+                        <m:e>
+                          <m:r>
+                            <a:rPr lang="en-US" b="0" i="1" smtClean="0">
+                              <a:latin typeface="Cambria Math" panose="02040503050406030204" pitchFamily="18" charset="0"/>
+                            </a:rPr>
+                            <m:t>𝑔</m:t>
+                          </m:r>
+                          <m:d>
+                            <m:dPr>
+                              <m:ctrlPr>
+                                <a:rPr lang="en-US" b="0" i="1" smtClean="0">
+                                  <a:latin typeface="Cambria Math" panose="02040503050406030204" pitchFamily="18" charset="0"/>
+                                </a:rPr>
+                              </m:ctrlPr>
+                            </m:dPr>
+                            <m:e>
+                              <m:r>
+                                <a:rPr lang="en-US" b="0" i="1" smtClean="0">
+                                  <a:latin typeface="Cambria Math" panose="02040503050406030204" pitchFamily="18" charset="0"/>
+                                </a:rPr>
+                                <m:t>h</m:t>
+                              </m:r>
+                              <m:d>
+                                <m:dPr>
+                                  <m:ctrlPr>
+                                    <a:rPr lang="en-US" b="0" i="1" smtClean="0">
+                                      <a:latin typeface="Cambria Math" panose="02040503050406030204" pitchFamily="18" charset="0"/>
+                                    </a:rPr>
+                                  </m:ctrlPr>
+                                </m:dPr>
+                                <m:e>
+                                  <m:r>
+                                    <a:rPr lang="en-US" b="0" i="1" smtClean="0">
+                                      <a:latin typeface="Cambria Math" panose="02040503050406030204" pitchFamily="18" charset="0"/>
+                                    </a:rPr>
+                                    <m:t>𝑥</m:t>
+                                  </m:r>
+                                </m:e>
+                              </m:d>
+                            </m:e>
+                          </m:d>
+                        </m:e>
+                      </m:d>
+                      <m:r>
+                        <a:rPr lang="en-US" b="0" i="1" smtClean="0">
+                          <a:latin typeface="Cambria Math" panose="02040503050406030204" pitchFamily="18" charset="0"/>
+                        </a:rPr>
+                        <m:t>=</m:t>
+                      </m:r>
+                      <m:r>
+                        <a:rPr lang="en-US" b="0" i="1" smtClean="0">
+                          <a:latin typeface="Cambria Math" panose="02040503050406030204" pitchFamily="18" charset="0"/>
+                        </a:rPr>
+                        <m:t>𝑓</m:t>
+                      </m:r>
+                      <m:d>
+                        <m:dPr>
+                          <m:ctrlPr>
+                            <a:rPr lang="en-US" b="0" i="1" smtClean="0">
+                              <a:latin typeface="Cambria Math" panose="02040503050406030204" pitchFamily="18" charset="0"/>
+                            </a:rPr>
+                          </m:ctrlPr>
+                        </m:dPr>
+                        <m:e>
+                          <m:r>
+                            <a:rPr lang="en-US" b="0" i="1" smtClean="0">
+                              <a:latin typeface="Cambria Math" panose="02040503050406030204" pitchFamily="18" charset="0"/>
+                            </a:rPr>
+                            <m:t>𝑔</m:t>
+                          </m:r>
+                          <m:d>
+                            <m:dPr>
+                              <m:ctrlPr>
+                                <a:rPr lang="en-US" b="0" i="1" smtClean="0">
+                                  <a:latin typeface="Cambria Math" panose="02040503050406030204" pitchFamily="18" charset="0"/>
+                                </a:rPr>
+                              </m:ctrlPr>
+                            </m:dPr>
+                            <m:e>
+                              <m:r>
+                                <a:rPr lang="en-US" b="0" i="1" smtClean="0">
+                                  <a:latin typeface="Cambria Math" panose="02040503050406030204" pitchFamily="18" charset="0"/>
+                                </a:rPr>
+                                <m:t>h</m:t>
+                              </m:r>
+                              <m:d>
+                                <m:dPr>
+                                  <m:ctrlPr>
+                                    <a:rPr lang="en-US" b="0" i="1" smtClean="0">
+                                      <a:latin typeface="Cambria Math" panose="02040503050406030204" pitchFamily="18" charset="0"/>
+                                    </a:rPr>
+                                  </m:ctrlPr>
+                                </m:dPr>
+                                <m:e>
+                                  <m:sSub>
+                                    <m:sSubPr>
+                                      <m:ctrlPr>
+                                        <a:rPr lang="en-US" b="0" i="1" smtClean="0">
+                                          <a:latin typeface="Cambria Math" panose="02040503050406030204" pitchFamily="18" charset="0"/>
+                                        </a:rPr>
+                                      </m:ctrlPr>
+                                    </m:sSubPr>
+                                    <m:e>
+                                      <m:r>
+                                        <a:rPr lang="en-US" b="0" i="1" smtClean="0">
+                                          <a:latin typeface="Cambria Math" panose="02040503050406030204" pitchFamily="18" charset="0"/>
+                                        </a:rPr>
+                                        <m:t>𝑤</m:t>
+                                      </m:r>
+                                    </m:e>
+                                    <m:sub>
+                                      <m:r>
+                                        <a:rPr lang="en-US" b="0" i="1" smtClean="0">
+                                          <a:latin typeface="Cambria Math" panose="02040503050406030204" pitchFamily="18" charset="0"/>
+                                        </a:rPr>
+                                        <m:t>0</m:t>
+                                      </m:r>
+                                    </m:sub>
+                                  </m:sSub>
+                                </m:e>
+                              </m:d>
+                            </m:e>
+                          </m:d>
+                        </m:e>
+                      </m:d>
+                      <m:r>
+                        <a:rPr lang="en-US" b="0" i="1" smtClean="0">
+                          <a:latin typeface="Cambria Math" panose="02040503050406030204" pitchFamily="18" charset="0"/>
+                        </a:rPr>
+                        <m:t>=</m:t>
+                      </m:r>
+                      <m:r>
+                        <a:rPr lang="en-US" b="0" i="1" smtClean="0">
+                          <a:latin typeface="Cambria Math" panose="02040503050406030204" pitchFamily="18" charset="0"/>
+                        </a:rPr>
+                        <m:t>𝑓</m:t>
+                      </m:r>
+                      <m:d>
+                        <m:dPr>
+                          <m:ctrlPr>
+                            <a:rPr lang="en-US" b="0" i="1" smtClean="0">
+                              <a:latin typeface="Cambria Math" panose="02040503050406030204" pitchFamily="18" charset="0"/>
+                            </a:rPr>
+                          </m:ctrlPr>
+                        </m:dPr>
+                        <m:e>
+                          <m:r>
+                            <a:rPr lang="en-US" b="0" i="1" smtClean="0">
+                              <a:latin typeface="Cambria Math" panose="02040503050406030204" pitchFamily="18" charset="0"/>
+                            </a:rPr>
+                            <m:t>𝑔</m:t>
+                          </m:r>
+                          <m:d>
+                            <m:dPr>
+                              <m:ctrlPr>
+                                <a:rPr lang="en-US" b="0" i="1" smtClean="0">
+                                  <a:latin typeface="Cambria Math" panose="02040503050406030204" pitchFamily="18" charset="0"/>
+                                </a:rPr>
+                              </m:ctrlPr>
+                            </m:dPr>
+                            <m:e>
+                              <m:sSub>
+                                <m:sSubPr>
+                                  <m:ctrlPr>
+                                    <a:rPr lang="en-US" b="0" i="1" smtClean="0">
+                                      <a:latin typeface="Cambria Math" panose="02040503050406030204" pitchFamily="18" charset="0"/>
+                                    </a:rPr>
+                                  </m:ctrlPr>
+                                </m:sSubPr>
+                                <m:e>
+                                  <m:r>
+                                    <a:rPr lang="en-US" b="0" i="1" smtClean="0">
+                                      <a:latin typeface="Cambria Math" panose="02040503050406030204" pitchFamily="18" charset="0"/>
+                                    </a:rPr>
+                                    <m:t>𝑤</m:t>
+                                  </m:r>
+                                </m:e>
+                                <m:sub>
+                                  <m:r>
+                                    <a:rPr lang="en-US" b="0" i="1" smtClean="0">
+                                      <a:latin typeface="Cambria Math" panose="02040503050406030204" pitchFamily="18" charset="0"/>
+                                    </a:rPr>
+                                    <m:t>1</m:t>
+                                  </m:r>
+                                </m:sub>
+                              </m:sSub>
+                            </m:e>
+                          </m:d>
+                        </m:e>
+                      </m:d>
+                      <m:r>
+                        <a:rPr lang="en-US" b="0" i="1" smtClean="0">
+                          <a:latin typeface="Cambria Math" panose="02040503050406030204" pitchFamily="18" charset="0"/>
+                        </a:rPr>
+                        <m:t>=</m:t>
+                      </m:r>
+                      <m:r>
+                        <a:rPr lang="en-US" b="0" i="1" smtClean="0">
+                          <a:latin typeface="Cambria Math" panose="02040503050406030204" pitchFamily="18" charset="0"/>
+                        </a:rPr>
+                        <m:t>𝑓</m:t>
+                      </m:r>
+                      <m:d>
+                        <m:dPr>
+                          <m:ctrlPr>
+                            <a:rPr lang="en-US" b="0" i="1" smtClean="0">
+                              <a:latin typeface="Cambria Math" panose="02040503050406030204" pitchFamily="18" charset="0"/>
+                            </a:rPr>
+                          </m:ctrlPr>
+                        </m:dPr>
+                        <m:e>
+                          <m:sSub>
+                            <m:sSubPr>
+                              <m:ctrlPr>
+                                <a:rPr lang="en-US" b="0" i="1" smtClean="0">
+                                  <a:latin typeface="Cambria Math" panose="02040503050406030204" pitchFamily="18" charset="0"/>
+                                </a:rPr>
+                              </m:ctrlPr>
+                            </m:sSubPr>
+                            <m:e>
+                              <m:r>
+                                <a:rPr lang="en-US" b="0" i="1" smtClean="0">
+                                  <a:latin typeface="Cambria Math" panose="02040503050406030204" pitchFamily="18" charset="0"/>
+                                </a:rPr>
+                                <m:t>𝑤</m:t>
+                              </m:r>
+                            </m:e>
+                            <m:sub>
+                              <m:r>
+                                <a:rPr lang="en-US" b="0" i="1" smtClean="0">
+                                  <a:latin typeface="Cambria Math" panose="02040503050406030204" pitchFamily="18" charset="0"/>
+                                </a:rPr>
+                                <m:t>2</m:t>
+                              </m:r>
+                            </m:sub>
+                          </m:sSub>
+                        </m:e>
+                      </m:d>
+                      <m:r>
+                        <a:rPr lang="en-US" b="0" i="1" smtClean="0">
+                          <a:latin typeface="Cambria Math" panose="02040503050406030204" pitchFamily="18" charset="0"/>
+                        </a:rPr>
+                        <m:t>=</m:t>
+                      </m:r>
+                      <m:sSub>
+                        <m:sSubPr>
+                          <m:ctrlPr>
+                            <a:rPr lang="en-US" b="0" i="1" smtClean="0">
+                              <a:latin typeface="Cambria Math" panose="02040503050406030204" pitchFamily="18" charset="0"/>
+                            </a:rPr>
+                          </m:ctrlPr>
+                        </m:sSubPr>
+                        <m:e>
+                          <m:r>
+                            <a:rPr lang="en-US" b="0" i="1" smtClean="0">
+                              <a:latin typeface="Cambria Math" panose="02040503050406030204" pitchFamily="18" charset="0"/>
+                            </a:rPr>
+                            <m:t>𝑤</m:t>
+                          </m:r>
+                        </m:e>
+                        <m:sub>
+                          <m:r>
+                            <a:rPr lang="en-US" b="0" i="1" smtClean="0">
+                              <a:latin typeface="Cambria Math" panose="02040503050406030204" pitchFamily="18" charset="0"/>
+                            </a:rPr>
+                            <m:t>3</m:t>
+                          </m:r>
+                        </m:sub>
+                      </m:sSub>
+                    </m:oMath>
+                    <m:oMath xmlns:m="http://schemas.openxmlformats.org/officeDocument/2006/math">
+                      <m:sSub>
+                        <m:sSubPr>
+                          <m:ctrlPr>
+                            <a:rPr lang="en-US" b="0" i="1" smtClean="0">
+                              <a:latin typeface="Cambria Math" panose="02040503050406030204" pitchFamily="18" charset="0"/>
+                            </a:rPr>
+                          </m:ctrlPr>
+                        </m:sSubPr>
+                        <m:e>
+                          <m:r>
+                            <a:rPr lang="en-US" b="0" i="1" smtClean="0">
+                              <a:latin typeface="Cambria Math" panose="02040503050406030204" pitchFamily="18" charset="0"/>
+                            </a:rPr>
+                            <m:t>𝑤</m:t>
+                          </m:r>
+                        </m:e>
+                        <m:sub>
+                          <m:r>
+                            <a:rPr lang="en-US" b="0" i="1" smtClean="0">
+                              <a:latin typeface="Cambria Math" panose="02040503050406030204" pitchFamily="18" charset="0"/>
+                            </a:rPr>
+                            <m:t>0</m:t>
+                          </m:r>
+                        </m:sub>
+                      </m:sSub>
+                      <m:r>
+                        <a:rPr lang="en-US" b="0" i="1" smtClean="0">
+                          <a:latin typeface="Cambria Math" panose="02040503050406030204" pitchFamily="18" charset="0"/>
+                        </a:rPr>
+                        <m:t>=</m:t>
+                      </m:r>
+                      <m:r>
+                        <a:rPr lang="en-US" b="0" i="1" smtClean="0">
+                          <a:latin typeface="Cambria Math" panose="02040503050406030204" pitchFamily="18" charset="0"/>
+                        </a:rPr>
+                        <m:t>𝑥</m:t>
+                      </m:r>
+                    </m:oMath>
+                    <m:oMath xmlns:m="http://schemas.openxmlformats.org/officeDocument/2006/math">
+                      <m:sSub>
+                        <m:sSubPr>
+                          <m:ctrlPr>
+                            <a:rPr lang="en-US" b="0" i="1" smtClean="0">
+                              <a:latin typeface="Cambria Math" panose="02040503050406030204" pitchFamily="18" charset="0"/>
+                            </a:rPr>
+                          </m:ctrlPr>
+                        </m:sSubPr>
+                        <m:e>
+                          <m:r>
+                            <a:rPr lang="en-US" b="0" i="1" smtClean="0">
+                              <a:latin typeface="Cambria Math" panose="02040503050406030204" pitchFamily="18" charset="0"/>
+                            </a:rPr>
+                            <m:t>𝑤</m:t>
+                          </m:r>
+                        </m:e>
+                        <m:sub>
+                          <m:r>
+                            <a:rPr lang="en-US" b="0" i="1" smtClean="0">
+                              <a:latin typeface="Cambria Math" panose="02040503050406030204" pitchFamily="18" charset="0"/>
+                            </a:rPr>
+                            <m:t>1</m:t>
+                          </m:r>
+                        </m:sub>
+                      </m:sSub>
+                      <m:r>
+                        <a:rPr lang="en-US" b="0" i="1" smtClean="0">
+                          <a:latin typeface="Cambria Math" panose="02040503050406030204" pitchFamily="18" charset="0"/>
+                        </a:rPr>
+                        <m:t>=</m:t>
+                      </m:r>
+                      <m:r>
+                        <a:rPr lang="en-US" b="0" i="1" smtClean="0">
+                          <a:latin typeface="Cambria Math" panose="02040503050406030204" pitchFamily="18" charset="0"/>
+                        </a:rPr>
+                        <m:t>h</m:t>
+                      </m:r>
+                      <m:d>
+                        <m:dPr>
+                          <m:ctrlPr>
+                            <a:rPr lang="en-US" b="0" i="1" smtClean="0">
+                              <a:latin typeface="Cambria Math" panose="02040503050406030204" pitchFamily="18" charset="0"/>
+                            </a:rPr>
+                          </m:ctrlPr>
+                        </m:dPr>
+                        <m:e>
+                          <m:sSub>
+                            <m:sSubPr>
+                              <m:ctrlPr>
+                                <a:rPr lang="en-US" b="0" i="1" smtClean="0">
+                                  <a:latin typeface="Cambria Math" panose="02040503050406030204" pitchFamily="18" charset="0"/>
+                                </a:rPr>
+                              </m:ctrlPr>
+                            </m:sSubPr>
+                            <m:e>
+                              <m:r>
+                                <a:rPr lang="en-US" b="0" i="1" smtClean="0">
+                                  <a:latin typeface="Cambria Math" panose="02040503050406030204" pitchFamily="18" charset="0"/>
+                                </a:rPr>
+                                <m:t>𝑤</m:t>
+                              </m:r>
+                            </m:e>
+                            <m:sub>
+                              <m:r>
+                                <a:rPr lang="en-US" b="0" i="1" smtClean="0">
+                                  <a:latin typeface="Cambria Math" panose="02040503050406030204" pitchFamily="18" charset="0"/>
+                                </a:rPr>
+                                <m:t>0</m:t>
+                              </m:r>
+                            </m:sub>
+                          </m:sSub>
+                        </m:e>
+                      </m:d>
+                    </m:oMath>
+                    <m:oMath xmlns:m="http://schemas.openxmlformats.org/officeDocument/2006/math">
+                      <m:sSub>
+                        <m:sSubPr>
+                          <m:ctrlPr>
+                            <a:rPr lang="en-US" b="0" i="1" smtClean="0">
+                              <a:latin typeface="Cambria Math" panose="02040503050406030204" pitchFamily="18" charset="0"/>
+                            </a:rPr>
+                          </m:ctrlPr>
+                        </m:sSubPr>
+                        <m:e>
+                          <m:r>
+                            <a:rPr lang="en-US" b="0" i="1" smtClean="0">
+                              <a:latin typeface="Cambria Math" panose="02040503050406030204" pitchFamily="18" charset="0"/>
+                            </a:rPr>
+                            <m:t>𝑤</m:t>
+                          </m:r>
+                        </m:e>
+                        <m:sub>
+                          <m:r>
+                            <a:rPr lang="en-US" b="0" i="1" smtClean="0">
+                              <a:latin typeface="Cambria Math" panose="02040503050406030204" pitchFamily="18" charset="0"/>
+                            </a:rPr>
+                            <m:t>2</m:t>
+                          </m:r>
+                        </m:sub>
+                      </m:sSub>
+                      <m:r>
+                        <a:rPr lang="en-US" b="0" i="1" smtClean="0">
+                          <a:latin typeface="Cambria Math" panose="02040503050406030204" pitchFamily="18" charset="0"/>
+                        </a:rPr>
+                        <m:t>=</m:t>
+                      </m:r>
+                      <m:r>
+                        <a:rPr lang="en-US" b="0" i="1" smtClean="0">
+                          <a:latin typeface="Cambria Math" panose="02040503050406030204" pitchFamily="18" charset="0"/>
+                        </a:rPr>
+                        <m:t>𝑔</m:t>
+                      </m:r>
+                      <m:d>
+                        <m:dPr>
+                          <m:ctrlPr>
+                            <a:rPr lang="en-US" b="0" i="1" smtClean="0">
+                              <a:latin typeface="Cambria Math" panose="02040503050406030204" pitchFamily="18" charset="0"/>
+                            </a:rPr>
+                          </m:ctrlPr>
+                        </m:dPr>
+                        <m:e>
+                          <m:sSub>
+                            <m:sSubPr>
+                              <m:ctrlPr>
+                                <a:rPr lang="en-US" b="0" i="1" smtClean="0">
+                                  <a:latin typeface="Cambria Math" panose="02040503050406030204" pitchFamily="18" charset="0"/>
+                                </a:rPr>
+                              </m:ctrlPr>
+                            </m:sSubPr>
+                            <m:e>
+                              <m:r>
+                                <a:rPr lang="en-US" b="0" i="1" smtClean="0">
+                                  <a:latin typeface="Cambria Math" panose="02040503050406030204" pitchFamily="18" charset="0"/>
+                                </a:rPr>
+                                <m:t>𝑤</m:t>
+                              </m:r>
+                            </m:e>
+                            <m:sub>
+                              <m:r>
+                                <a:rPr lang="en-US" b="0" i="1" smtClean="0">
+                                  <a:latin typeface="Cambria Math" panose="02040503050406030204" pitchFamily="18" charset="0"/>
+                                </a:rPr>
+                                <m:t>2</m:t>
+                              </m:r>
+                            </m:sub>
+                          </m:sSub>
+                        </m:e>
+                      </m:d>
+                    </m:oMath>
+                    <m:oMath xmlns:m="http://schemas.openxmlformats.org/officeDocument/2006/math">
+                      <m:sSub>
+                        <m:sSubPr>
+                          <m:ctrlPr>
+                            <a:rPr lang="en-US" b="0" i="1" smtClean="0">
+                              <a:latin typeface="Cambria Math" panose="02040503050406030204" pitchFamily="18" charset="0"/>
+                            </a:rPr>
+                          </m:ctrlPr>
+                        </m:sSubPr>
+                        <m:e>
+                          <m:r>
+                            <a:rPr lang="en-US" b="0" i="1" smtClean="0">
+                              <a:latin typeface="Cambria Math" panose="02040503050406030204" pitchFamily="18" charset="0"/>
+                            </a:rPr>
+                            <m:t>𝑤</m:t>
+                          </m:r>
+                        </m:e>
+                        <m:sub>
+                          <m:r>
+                            <a:rPr lang="en-US" b="0" i="1" smtClean="0">
+                              <a:latin typeface="Cambria Math" panose="02040503050406030204" pitchFamily="18" charset="0"/>
+                            </a:rPr>
+                            <m:t>3</m:t>
+                          </m:r>
+                        </m:sub>
+                      </m:sSub>
+                      <m:r>
+                        <a:rPr lang="en-US" b="0" i="1" smtClean="0">
+                          <a:latin typeface="Cambria Math" panose="02040503050406030204" pitchFamily="18" charset="0"/>
+                        </a:rPr>
+                        <m:t>=</m:t>
+                      </m:r>
+                      <m:r>
+                        <a:rPr lang="en-US" b="0" i="1" smtClean="0">
+                          <a:latin typeface="Cambria Math" panose="02040503050406030204" pitchFamily="18" charset="0"/>
+                        </a:rPr>
+                        <m:t>𝑓</m:t>
+                      </m:r>
+                      <m:d>
+                        <m:dPr>
+                          <m:ctrlPr>
+                            <a:rPr lang="en-US" b="0" i="1" smtClean="0">
+                              <a:latin typeface="Cambria Math" panose="02040503050406030204" pitchFamily="18" charset="0"/>
+                            </a:rPr>
+                          </m:ctrlPr>
+                        </m:dPr>
+                        <m:e>
+                          <m:sSub>
+                            <m:sSubPr>
+                              <m:ctrlPr>
+                                <a:rPr lang="en-US" b="0" i="1" smtClean="0">
+                                  <a:latin typeface="Cambria Math" panose="02040503050406030204" pitchFamily="18" charset="0"/>
+                                </a:rPr>
+                              </m:ctrlPr>
+                            </m:sSubPr>
+                            <m:e>
+                              <m:r>
+                                <a:rPr lang="en-US" b="0" i="1" smtClean="0">
+                                  <a:latin typeface="Cambria Math" panose="02040503050406030204" pitchFamily="18" charset="0"/>
+                                </a:rPr>
+                                <m:t>𝑤</m:t>
+                              </m:r>
+                            </m:e>
+                            <m:sub>
+                              <m:r>
+                                <a:rPr lang="en-US" b="0" i="1" smtClean="0">
+                                  <a:latin typeface="Cambria Math" panose="02040503050406030204" pitchFamily="18" charset="0"/>
+                                </a:rPr>
+                                <m:t>2</m:t>
+                              </m:r>
+                            </m:sub>
+                          </m:sSub>
+                        </m:e>
+                      </m:d>
+                      <m:r>
+                        <a:rPr lang="en-US" b="0" i="1" smtClean="0">
+                          <a:latin typeface="Cambria Math" panose="02040503050406030204" pitchFamily="18" charset="0"/>
+                        </a:rPr>
+                        <m:t>=</m:t>
+                      </m:r>
+                      <m:r>
+                        <a:rPr lang="en-US" b="0" i="1" smtClean="0">
+                          <a:latin typeface="Cambria Math" panose="02040503050406030204" pitchFamily="18" charset="0"/>
+                        </a:rPr>
+                        <m:t>𝑦</m:t>
+                      </m:r>
+                    </m:oMath>
+                  </m:oMathPara>
+                </a14:m>
+                <a:endParaRPr lang="en-US" b="0" dirty="0"/>
+              </a:p>
+            </p:txBody>
+          </p:sp>
+        </mc:Choice>
+        <mc:Fallback>
+          <p:sp>
+            <p:nvSpPr>
+              <p:cNvPr id="3" name="TextBox 2">
+                <a:extLst>
+                  <a:ext uri="{FF2B5EF4-FFF2-40B4-BE49-F238E27FC236}">
+                    <a16:creationId xmlns:a16="http://schemas.microsoft.com/office/drawing/2014/main" id="{747B2133-D943-92B6-BE26-92A9FEA51AFB}"/>
+                  </a:ext>
+                </a:extLst>
+              </p:cNvPr>
+              <p:cNvSpPr txBox="1">
+                <a:spLocks noRot="1" noChangeAspect="1" noMove="1" noResize="1" noEditPoints="1" noAdjustHandles="1" noChangeArrowheads="1" noChangeShapeType="1" noTextEdit="1"/>
+              </p:cNvSpPr>
+              <p:nvPr/>
+            </p:nvSpPr>
+            <p:spPr>
+              <a:xfrm>
+                <a:off x="5184559" y="1968617"/>
+                <a:ext cx="6059223" cy="1522533"/>
+              </a:xfrm>
+              <a:prstGeom prst="rect">
+                <a:avLst/>
+              </a:prstGeom>
+              <a:blipFill>
+                <a:blip r:embed="rId2"/>
+                <a:stretch>
+                  <a:fillRect l="-402" b="-6000"/>
+                </a:stretch>
+              </a:blipFill>
+            </p:spPr>
+            <p:txBody>
+              <a:bodyPr/>
+              <a:lstStyle/>
+              <a:p>
+                <a:r>
+                  <a:rPr lang="en-US">
+                    <a:noFill/>
+                  </a:rPr>
+                  <a:t> </a:t>
+                </a:r>
+              </a:p>
+            </p:txBody>
+          </p:sp>
+        </mc:Fallback>
+      </mc:AlternateContent>
+      <mc:AlternateContent xmlns:mc="http://schemas.openxmlformats.org/markup-compatibility/2006">
+        <mc:Choice xmlns:a14="http://schemas.microsoft.com/office/drawing/2010/main" Requires="a14">
+          <p:sp>
+            <p:nvSpPr>
+              <p:cNvPr id="9" name="TextBox 8">
+                <a:extLst>
+                  <a:ext uri="{FF2B5EF4-FFF2-40B4-BE49-F238E27FC236}">
+                    <a16:creationId xmlns:a16="http://schemas.microsoft.com/office/drawing/2014/main" id="{AC0BE756-D4DB-DCCB-1F7D-4A15C8CFC856}"/>
+                  </a:ext>
+                </a:extLst>
+              </p:cNvPr>
+              <p:cNvSpPr txBox="1"/>
+              <p:nvPr/>
+            </p:nvSpPr>
+            <p:spPr>
+              <a:xfrm>
+                <a:off x="5042531" y="4128116"/>
+                <a:ext cx="6059223" cy="777200"/>
+              </a:xfrm>
+              <a:prstGeom prst="rect">
+                <a:avLst/>
+              </a:prstGeom>
+              <a:noFill/>
+            </p:spPr>
+            <p:txBody>
+              <a:bodyPr wrap="square" lIns="0" tIns="0" rIns="0" bIns="0" rtlCol="0">
+                <a:spAutoFit/>
+              </a:bodyPr>
+              <a:lstStyle/>
+              <a:p>
+                <a14:m>
+                  <m:oMathPara xmlns:m="http://schemas.openxmlformats.org/officeDocument/2006/math">
+                    <m:oMathParaPr>
+                      <m:jc m:val="centerGroup"/>
+                    </m:oMathParaPr>
+                    <m:oMath xmlns:m="http://schemas.openxmlformats.org/officeDocument/2006/math">
+                      <m:f>
+                        <m:fPr>
+                          <m:ctrlPr>
+                            <a:rPr lang="en-US" sz="2400" b="0" i="1" smtClean="0">
+                              <a:latin typeface="Cambria Math" panose="02040503050406030204" pitchFamily="18" charset="0"/>
+                            </a:rPr>
+                          </m:ctrlPr>
+                        </m:fPr>
+                        <m:num>
+                          <m:r>
+                            <a:rPr lang="en-US" sz="2400" b="0" i="1" smtClean="0">
+                              <a:latin typeface="Cambria Math" panose="02040503050406030204" pitchFamily="18" charset="0"/>
+                            </a:rPr>
+                            <m:t>𝜕</m:t>
+                          </m:r>
+                          <m:r>
+                            <a:rPr lang="en-US" sz="2400" b="0" i="1" smtClean="0">
+                              <a:latin typeface="Cambria Math" panose="02040503050406030204" pitchFamily="18" charset="0"/>
+                            </a:rPr>
+                            <m:t>𝑦</m:t>
+                          </m:r>
+                        </m:num>
+                        <m:den>
+                          <m:r>
+                            <a:rPr lang="en-US" sz="2400" b="0" i="1" smtClean="0">
+                              <a:latin typeface="Cambria Math" panose="02040503050406030204" pitchFamily="18" charset="0"/>
+                            </a:rPr>
+                            <m:t>𝜕</m:t>
+                          </m:r>
+                          <m:r>
+                            <a:rPr lang="en-US" sz="2400" b="0" i="1" smtClean="0">
+                              <a:latin typeface="Cambria Math" panose="02040503050406030204" pitchFamily="18" charset="0"/>
+                            </a:rPr>
+                            <m:t>𝑥</m:t>
+                          </m:r>
+                        </m:den>
+                      </m:f>
+                      <m:r>
+                        <a:rPr lang="en-US" sz="2400" b="0" i="1" smtClean="0">
+                          <a:latin typeface="Cambria Math" panose="02040503050406030204" pitchFamily="18" charset="0"/>
+                        </a:rPr>
+                        <m:t>=</m:t>
+                      </m:r>
+                      <m:f>
+                        <m:fPr>
+                          <m:ctrlPr>
+                            <a:rPr lang="en-US" sz="2400" b="0" i="1" smtClean="0">
+                              <a:latin typeface="Cambria Math" panose="02040503050406030204" pitchFamily="18" charset="0"/>
+                            </a:rPr>
+                          </m:ctrlPr>
+                        </m:fPr>
+                        <m:num>
+                          <m:r>
+                            <a:rPr lang="en-US" sz="2400" b="0" i="1" smtClean="0">
+                              <a:latin typeface="Cambria Math" panose="02040503050406030204" pitchFamily="18" charset="0"/>
+                            </a:rPr>
+                            <m:t>𝜕</m:t>
+                          </m:r>
+                          <m:r>
+                            <a:rPr lang="en-US" sz="2400" b="0" i="1" smtClean="0">
+                              <a:latin typeface="Cambria Math" panose="02040503050406030204" pitchFamily="18" charset="0"/>
+                            </a:rPr>
+                            <m:t>𝑦</m:t>
+                          </m:r>
+                        </m:num>
+                        <m:den>
+                          <m:r>
+                            <a:rPr lang="en-US" sz="2400" b="0" i="1" smtClean="0">
+                              <a:latin typeface="Cambria Math" panose="02040503050406030204" pitchFamily="18" charset="0"/>
+                            </a:rPr>
+                            <m:t>𝜕</m:t>
+                          </m:r>
+                          <m:sSub>
+                            <m:sSubPr>
+                              <m:ctrlPr>
+                                <a:rPr lang="en-US" sz="2400" b="0" i="1" smtClean="0">
+                                  <a:latin typeface="Cambria Math" panose="02040503050406030204" pitchFamily="18" charset="0"/>
+                                </a:rPr>
+                              </m:ctrlPr>
+                            </m:sSubPr>
+                            <m:e>
+                              <m:r>
+                                <a:rPr lang="en-US" sz="2400" b="0" i="1" smtClean="0">
+                                  <a:latin typeface="Cambria Math" panose="02040503050406030204" pitchFamily="18" charset="0"/>
+                                </a:rPr>
+                                <m:t>𝑤</m:t>
+                              </m:r>
+                            </m:e>
+                            <m:sub>
+                              <m:r>
+                                <a:rPr lang="en-US" sz="2400" b="0" i="1" smtClean="0">
+                                  <a:latin typeface="Cambria Math" panose="02040503050406030204" pitchFamily="18" charset="0"/>
+                                </a:rPr>
+                                <m:t>2</m:t>
+                              </m:r>
+                            </m:sub>
+                          </m:sSub>
+                        </m:den>
+                      </m:f>
+                      <m:f>
+                        <m:fPr>
+                          <m:ctrlPr>
+                            <a:rPr lang="en-US" sz="2400" b="0" i="1" smtClean="0">
+                              <a:latin typeface="Cambria Math" panose="02040503050406030204" pitchFamily="18" charset="0"/>
+                            </a:rPr>
+                          </m:ctrlPr>
+                        </m:fPr>
+                        <m:num>
+                          <m:r>
+                            <a:rPr lang="en-US" sz="2400" b="0" i="1" smtClean="0">
+                              <a:latin typeface="Cambria Math" panose="02040503050406030204" pitchFamily="18" charset="0"/>
+                            </a:rPr>
+                            <m:t>𝜕</m:t>
+                          </m:r>
+                          <m:sSub>
+                            <m:sSubPr>
+                              <m:ctrlPr>
+                                <a:rPr lang="en-US" sz="2400" b="0" i="1" smtClean="0">
+                                  <a:latin typeface="Cambria Math" panose="02040503050406030204" pitchFamily="18" charset="0"/>
+                                </a:rPr>
+                              </m:ctrlPr>
+                            </m:sSubPr>
+                            <m:e>
+                              <m:r>
+                                <a:rPr lang="en-US" sz="2400" b="0" i="1" smtClean="0">
+                                  <a:latin typeface="Cambria Math" panose="02040503050406030204" pitchFamily="18" charset="0"/>
+                                </a:rPr>
+                                <m:t>𝑤</m:t>
+                              </m:r>
+                            </m:e>
+                            <m:sub>
+                              <m:r>
+                                <a:rPr lang="en-US" sz="2400" b="0" i="1" smtClean="0">
+                                  <a:latin typeface="Cambria Math" panose="02040503050406030204" pitchFamily="18" charset="0"/>
+                                </a:rPr>
+                                <m:t>2</m:t>
+                              </m:r>
+                            </m:sub>
+                          </m:sSub>
+                        </m:num>
+                        <m:den>
+                          <m:r>
+                            <a:rPr lang="en-US" sz="2400" b="0" i="1" smtClean="0">
+                              <a:latin typeface="Cambria Math" panose="02040503050406030204" pitchFamily="18" charset="0"/>
+                            </a:rPr>
+                            <m:t>𝜕</m:t>
+                          </m:r>
+                          <m:sSub>
+                            <m:sSubPr>
+                              <m:ctrlPr>
+                                <a:rPr lang="en-US" sz="2400" b="0" i="1" smtClean="0">
+                                  <a:latin typeface="Cambria Math" panose="02040503050406030204" pitchFamily="18" charset="0"/>
+                                </a:rPr>
+                              </m:ctrlPr>
+                            </m:sSubPr>
+                            <m:e>
+                              <m:r>
+                                <a:rPr lang="en-US" sz="2400" b="0" i="1" smtClean="0">
+                                  <a:latin typeface="Cambria Math" panose="02040503050406030204" pitchFamily="18" charset="0"/>
+                                </a:rPr>
+                                <m:t>𝑤</m:t>
+                              </m:r>
+                            </m:e>
+                            <m:sub>
+                              <m:r>
+                                <a:rPr lang="en-US" sz="2400" b="0" i="1" smtClean="0">
+                                  <a:latin typeface="Cambria Math" panose="02040503050406030204" pitchFamily="18" charset="0"/>
+                                </a:rPr>
+                                <m:t>1</m:t>
+                              </m:r>
+                            </m:sub>
+                          </m:sSub>
+                        </m:den>
+                      </m:f>
+                      <m:f>
+                        <m:fPr>
+                          <m:ctrlPr>
+                            <a:rPr lang="en-US" sz="2400" b="0" i="1" smtClean="0">
+                              <a:latin typeface="Cambria Math" panose="02040503050406030204" pitchFamily="18" charset="0"/>
+                            </a:rPr>
+                          </m:ctrlPr>
+                        </m:fPr>
+                        <m:num>
+                          <m:r>
+                            <a:rPr lang="en-US" sz="2400" b="0" i="1" smtClean="0">
+                              <a:latin typeface="Cambria Math" panose="02040503050406030204" pitchFamily="18" charset="0"/>
+                            </a:rPr>
+                            <m:t>𝜕</m:t>
+                          </m:r>
+                          <m:sSub>
+                            <m:sSubPr>
+                              <m:ctrlPr>
+                                <a:rPr lang="en-US" sz="2400" b="0" i="1" smtClean="0">
+                                  <a:latin typeface="Cambria Math" panose="02040503050406030204" pitchFamily="18" charset="0"/>
+                                </a:rPr>
+                              </m:ctrlPr>
+                            </m:sSubPr>
+                            <m:e>
+                              <m:r>
+                                <a:rPr lang="en-US" sz="2400" b="0" i="1" smtClean="0">
+                                  <a:latin typeface="Cambria Math" panose="02040503050406030204" pitchFamily="18" charset="0"/>
+                                </a:rPr>
+                                <m:t>𝑤</m:t>
+                              </m:r>
+                            </m:e>
+                            <m:sub>
+                              <m:r>
+                                <a:rPr lang="en-US" sz="2400" b="0" i="1" smtClean="0">
+                                  <a:latin typeface="Cambria Math" panose="02040503050406030204" pitchFamily="18" charset="0"/>
+                                </a:rPr>
+                                <m:t>1</m:t>
+                              </m:r>
+                            </m:sub>
+                          </m:sSub>
+                        </m:num>
+                        <m:den>
+                          <m:r>
+                            <a:rPr lang="en-US" sz="2400" b="0" i="1" smtClean="0">
+                              <a:latin typeface="Cambria Math" panose="02040503050406030204" pitchFamily="18" charset="0"/>
+                            </a:rPr>
+                            <m:t>𝜕</m:t>
+                          </m:r>
+                          <m:r>
+                            <a:rPr lang="en-US" sz="2400" b="0" i="1" smtClean="0">
+                              <a:latin typeface="Cambria Math" panose="02040503050406030204" pitchFamily="18" charset="0"/>
+                            </a:rPr>
+                            <m:t>𝑥</m:t>
+                          </m:r>
+                        </m:den>
+                      </m:f>
+                      <m:r>
+                        <a:rPr lang="en-US" sz="2400" b="0" i="1" smtClean="0">
+                          <a:latin typeface="Cambria Math" panose="02040503050406030204" pitchFamily="18" charset="0"/>
+                        </a:rPr>
+                        <m:t>=</m:t>
+                      </m:r>
+                      <m:f>
+                        <m:fPr>
+                          <m:ctrlPr>
+                            <a:rPr lang="en-US" sz="2400" b="0" i="1" smtClean="0">
+                              <a:latin typeface="Cambria Math" panose="02040503050406030204" pitchFamily="18" charset="0"/>
+                            </a:rPr>
+                          </m:ctrlPr>
+                        </m:fPr>
+                        <m:num>
+                          <m:r>
+                            <a:rPr lang="en-US" sz="2400" b="0" i="1" smtClean="0">
+                              <a:latin typeface="Cambria Math" panose="02040503050406030204" pitchFamily="18" charset="0"/>
+                            </a:rPr>
+                            <m:t>𝜕</m:t>
+                          </m:r>
+                          <m:r>
+                            <a:rPr lang="en-US" sz="2400" b="0" i="1" smtClean="0">
+                              <a:latin typeface="Cambria Math" panose="02040503050406030204" pitchFamily="18" charset="0"/>
+                            </a:rPr>
+                            <m:t>𝑓</m:t>
+                          </m:r>
+                          <m:d>
+                            <m:dPr>
+                              <m:ctrlPr>
+                                <a:rPr lang="en-US" sz="2400" b="0" i="1" smtClean="0">
+                                  <a:latin typeface="Cambria Math" panose="02040503050406030204" pitchFamily="18" charset="0"/>
+                                </a:rPr>
+                              </m:ctrlPr>
+                            </m:dPr>
+                            <m:e>
+                              <m:sSub>
+                                <m:sSubPr>
+                                  <m:ctrlPr>
+                                    <a:rPr lang="en-US" sz="2400" b="0" i="1" smtClean="0">
+                                      <a:latin typeface="Cambria Math" panose="02040503050406030204" pitchFamily="18" charset="0"/>
+                                    </a:rPr>
+                                  </m:ctrlPr>
+                                </m:sSubPr>
+                                <m:e>
+                                  <m:r>
+                                    <a:rPr lang="en-US" sz="2400" b="0" i="1" smtClean="0">
+                                      <a:latin typeface="Cambria Math" panose="02040503050406030204" pitchFamily="18" charset="0"/>
+                                    </a:rPr>
+                                    <m:t>𝑤</m:t>
+                                  </m:r>
+                                </m:e>
+                                <m:sub>
+                                  <m:r>
+                                    <a:rPr lang="en-US" sz="2400" b="0" i="1" smtClean="0">
+                                      <a:latin typeface="Cambria Math" panose="02040503050406030204" pitchFamily="18" charset="0"/>
+                                    </a:rPr>
+                                    <m:t>2</m:t>
+                                  </m:r>
+                                </m:sub>
+                              </m:sSub>
+                            </m:e>
+                          </m:d>
+                        </m:num>
+                        <m:den>
+                          <m:r>
+                            <a:rPr lang="en-US" sz="2400" b="0" i="1" smtClean="0">
+                              <a:latin typeface="Cambria Math" panose="02040503050406030204" pitchFamily="18" charset="0"/>
+                            </a:rPr>
+                            <m:t>𝜕</m:t>
+                          </m:r>
+                          <m:sSub>
+                            <m:sSubPr>
+                              <m:ctrlPr>
+                                <a:rPr lang="en-US" sz="2400" b="0" i="1" smtClean="0">
+                                  <a:latin typeface="Cambria Math" panose="02040503050406030204" pitchFamily="18" charset="0"/>
+                                </a:rPr>
+                              </m:ctrlPr>
+                            </m:sSubPr>
+                            <m:e>
+                              <m:r>
+                                <a:rPr lang="en-US" sz="2400" b="0" i="1" smtClean="0">
+                                  <a:latin typeface="Cambria Math" panose="02040503050406030204" pitchFamily="18" charset="0"/>
+                                </a:rPr>
+                                <m:t>𝑤</m:t>
+                              </m:r>
+                            </m:e>
+                            <m:sub>
+                              <m:r>
+                                <a:rPr lang="en-US" sz="2400" b="0" i="1" smtClean="0">
+                                  <a:latin typeface="Cambria Math" panose="02040503050406030204" pitchFamily="18" charset="0"/>
+                                </a:rPr>
+                                <m:t>2</m:t>
+                              </m:r>
+                            </m:sub>
+                          </m:sSub>
+                        </m:den>
+                      </m:f>
+                      <m:f>
+                        <m:fPr>
+                          <m:ctrlPr>
+                            <a:rPr lang="en-US" sz="2400" b="0" i="1" smtClean="0">
+                              <a:latin typeface="Cambria Math" panose="02040503050406030204" pitchFamily="18" charset="0"/>
+                            </a:rPr>
+                          </m:ctrlPr>
+                        </m:fPr>
+                        <m:num>
+                          <m:r>
+                            <a:rPr lang="en-US" sz="2400" b="0" i="1" smtClean="0">
+                              <a:latin typeface="Cambria Math" panose="02040503050406030204" pitchFamily="18" charset="0"/>
+                            </a:rPr>
+                            <m:t>𝜕</m:t>
+                          </m:r>
+                          <m:r>
+                            <a:rPr lang="en-US" sz="2400" b="0" i="1" smtClean="0">
+                              <a:latin typeface="Cambria Math" panose="02040503050406030204" pitchFamily="18" charset="0"/>
+                            </a:rPr>
+                            <m:t>𝑔</m:t>
+                          </m:r>
+                          <m:r>
+                            <a:rPr lang="en-US" sz="2400" b="0" i="1" smtClean="0">
+                              <a:latin typeface="Cambria Math" panose="02040503050406030204" pitchFamily="18" charset="0"/>
+                            </a:rPr>
+                            <m:t>(</m:t>
+                          </m:r>
+                          <m:sSub>
+                            <m:sSubPr>
+                              <m:ctrlPr>
+                                <a:rPr lang="en-US" sz="2400" b="0" i="1" smtClean="0">
+                                  <a:latin typeface="Cambria Math" panose="02040503050406030204" pitchFamily="18" charset="0"/>
+                                </a:rPr>
+                              </m:ctrlPr>
+                            </m:sSubPr>
+                            <m:e>
+                              <m:r>
+                                <a:rPr lang="en-US" sz="2400" b="0" i="1" smtClean="0">
+                                  <a:latin typeface="Cambria Math" panose="02040503050406030204" pitchFamily="18" charset="0"/>
+                                </a:rPr>
+                                <m:t>𝑤</m:t>
+                              </m:r>
+                            </m:e>
+                            <m:sub>
+                              <m:r>
+                                <a:rPr lang="en-US" sz="2400" b="0" i="1" smtClean="0">
+                                  <a:latin typeface="Cambria Math" panose="02040503050406030204" pitchFamily="18" charset="0"/>
+                                </a:rPr>
+                                <m:t>1</m:t>
+                              </m:r>
+                            </m:sub>
+                          </m:sSub>
+                          <m:r>
+                            <a:rPr lang="en-US" sz="2400" b="0" i="1" smtClean="0">
+                              <a:latin typeface="Cambria Math" panose="02040503050406030204" pitchFamily="18" charset="0"/>
+                            </a:rPr>
+                            <m:t>)</m:t>
+                          </m:r>
+                        </m:num>
+                        <m:den>
+                          <m:r>
+                            <a:rPr lang="en-US" sz="2400" b="0" i="1" smtClean="0">
+                              <a:latin typeface="Cambria Math" panose="02040503050406030204" pitchFamily="18" charset="0"/>
+                            </a:rPr>
+                            <m:t>𝜕</m:t>
+                          </m:r>
+                          <m:sSub>
+                            <m:sSubPr>
+                              <m:ctrlPr>
+                                <a:rPr lang="en-US" sz="2400" b="0" i="1" smtClean="0">
+                                  <a:latin typeface="Cambria Math" panose="02040503050406030204" pitchFamily="18" charset="0"/>
+                                </a:rPr>
+                              </m:ctrlPr>
+                            </m:sSubPr>
+                            <m:e>
+                              <m:r>
+                                <a:rPr lang="en-US" sz="2400" b="0" i="1" smtClean="0">
+                                  <a:latin typeface="Cambria Math" panose="02040503050406030204" pitchFamily="18" charset="0"/>
+                                </a:rPr>
+                                <m:t>𝑤</m:t>
+                              </m:r>
+                            </m:e>
+                            <m:sub>
+                              <m:r>
+                                <a:rPr lang="en-US" sz="2400" b="0" i="1" smtClean="0">
+                                  <a:latin typeface="Cambria Math" panose="02040503050406030204" pitchFamily="18" charset="0"/>
+                                </a:rPr>
+                                <m:t>1</m:t>
+                              </m:r>
+                            </m:sub>
+                          </m:sSub>
+                        </m:den>
+                      </m:f>
+                      <m:f>
+                        <m:fPr>
+                          <m:ctrlPr>
+                            <a:rPr lang="en-US" sz="2400" b="0" i="1" smtClean="0">
+                              <a:latin typeface="Cambria Math" panose="02040503050406030204" pitchFamily="18" charset="0"/>
+                            </a:rPr>
+                          </m:ctrlPr>
+                        </m:fPr>
+                        <m:num>
+                          <m:r>
+                            <a:rPr lang="en-US" sz="2400" b="0" i="1" smtClean="0">
+                              <a:latin typeface="Cambria Math" panose="02040503050406030204" pitchFamily="18" charset="0"/>
+                            </a:rPr>
+                            <m:t>𝜕</m:t>
+                          </m:r>
+                          <m:r>
+                            <a:rPr lang="en-US" sz="2400" b="0" i="1" smtClean="0">
+                              <a:latin typeface="Cambria Math" panose="02040503050406030204" pitchFamily="18" charset="0"/>
+                            </a:rPr>
+                            <m:t>h</m:t>
+                          </m:r>
+                          <m:r>
+                            <a:rPr lang="en-US" sz="2400" b="0" i="1" smtClean="0">
+                              <a:latin typeface="Cambria Math" panose="02040503050406030204" pitchFamily="18" charset="0"/>
+                            </a:rPr>
+                            <m:t>(</m:t>
+                          </m:r>
+                          <m:sSub>
+                            <m:sSubPr>
+                              <m:ctrlPr>
+                                <a:rPr lang="en-US" sz="2400" b="0" i="1" smtClean="0">
+                                  <a:latin typeface="Cambria Math" panose="02040503050406030204" pitchFamily="18" charset="0"/>
+                                </a:rPr>
+                              </m:ctrlPr>
+                            </m:sSubPr>
+                            <m:e>
+                              <m:r>
+                                <a:rPr lang="en-US" sz="2400" b="0" i="1" smtClean="0">
+                                  <a:latin typeface="Cambria Math" panose="02040503050406030204" pitchFamily="18" charset="0"/>
+                                </a:rPr>
+                                <m:t>𝑤</m:t>
+                              </m:r>
+                            </m:e>
+                            <m:sub>
+                              <m:r>
+                                <a:rPr lang="en-US" sz="2400" b="0" i="1" smtClean="0">
+                                  <a:latin typeface="Cambria Math" panose="02040503050406030204" pitchFamily="18" charset="0"/>
+                                </a:rPr>
+                                <m:t>0</m:t>
+                              </m:r>
+                            </m:sub>
+                          </m:sSub>
+                          <m:r>
+                            <a:rPr lang="en-US" sz="2400" b="0" i="1" smtClean="0">
+                              <a:latin typeface="Cambria Math" panose="02040503050406030204" pitchFamily="18" charset="0"/>
+                            </a:rPr>
+                            <m:t>)</m:t>
+                          </m:r>
+                        </m:num>
+                        <m:den>
+                          <m:r>
+                            <a:rPr lang="en-US" sz="2400" b="0" i="1" smtClean="0">
+                              <a:latin typeface="Cambria Math" panose="02040503050406030204" pitchFamily="18" charset="0"/>
+                            </a:rPr>
+                            <m:t>𝜕</m:t>
+                          </m:r>
+                          <m:r>
+                            <a:rPr lang="en-US" sz="2400" b="0" i="1" smtClean="0">
+                              <a:latin typeface="Cambria Math" panose="02040503050406030204" pitchFamily="18" charset="0"/>
+                            </a:rPr>
+                            <m:t>𝑥</m:t>
+                          </m:r>
+                        </m:den>
+                      </m:f>
+                    </m:oMath>
+                  </m:oMathPara>
+                </a14:m>
+                <a:endParaRPr lang="en-US" sz="2400" dirty="0"/>
+              </a:p>
+            </p:txBody>
+          </p:sp>
+        </mc:Choice>
+        <mc:Fallback>
+          <p:sp>
+            <p:nvSpPr>
+              <p:cNvPr id="9" name="TextBox 8">
+                <a:extLst>
+                  <a:ext uri="{FF2B5EF4-FFF2-40B4-BE49-F238E27FC236}">
+                    <a16:creationId xmlns:a16="http://schemas.microsoft.com/office/drawing/2014/main" id="{AC0BE756-D4DB-DCCB-1F7D-4A15C8CFC856}"/>
+                  </a:ext>
+                </a:extLst>
+              </p:cNvPr>
+              <p:cNvSpPr txBox="1">
+                <a:spLocks noRot="1" noChangeAspect="1" noMove="1" noResize="1" noEditPoints="1" noAdjustHandles="1" noChangeArrowheads="1" noChangeShapeType="1" noTextEdit="1"/>
+              </p:cNvSpPr>
+              <p:nvPr/>
+            </p:nvSpPr>
+            <p:spPr>
+              <a:xfrm>
+                <a:off x="5042531" y="4128116"/>
+                <a:ext cx="6059223" cy="777200"/>
+              </a:xfrm>
+              <a:prstGeom prst="rect">
+                <a:avLst/>
+              </a:prstGeom>
+              <a:blipFill>
+                <a:blip r:embed="rId3"/>
+                <a:stretch>
+                  <a:fillRect/>
+                </a:stretch>
+              </a:blipFill>
+            </p:spPr>
+            <p:txBody>
+              <a:bodyPr/>
+              <a:lstStyle/>
+              <a:p>
+                <a:r>
+                  <a:rPr lang="en-US">
+                    <a:noFill/>
+                  </a:rPr>
+                  <a:t> </a:t>
+                </a:r>
+              </a:p>
+            </p:txBody>
+          </p:sp>
+        </mc:Fallback>
+      </mc:AlternateContent>
     </p:spTree>
     <p:extLst>
       <p:ext uri="{BB962C8B-B14F-4D97-AF65-F5344CB8AC3E}">
@@ -3608,8 +6862,8 @@
           </a:p>
         </p:txBody>
       </p:sp>
-      <mc:AlternateContent xmlns:mc="http://schemas.openxmlformats.org/markup-compatibility/2006">
-        <mc:Choice xmlns:a14="http://schemas.microsoft.com/office/drawing/2010/main" Requires="a14">
+      <mc:AlternateContent xmlns:mc="http://schemas.openxmlformats.org/markup-compatibility/2006" xmlns:a14="http://schemas.microsoft.com/office/drawing/2010/main">
+        <mc:Choice Requires="a14">
           <p:sp>
             <p:nvSpPr>
               <p:cNvPr id="3" name="Content Placeholder 2">
@@ -3923,7 +7177,7 @@
             </p:txBody>
           </p:sp>
         </mc:Choice>
-        <mc:Fallback>
+        <mc:Fallback xmlns="">
           <p:sp>
             <p:nvSpPr>
               <p:cNvPr id="3" name="Content Placeholder 2">
@@ -3963,8 +7217,8 @@
           </p:sp>
         </mc:Fallback>
       </mc:AlternateContent>
-      <mc:AlternateContent xmlns:mc="http://schemas.openxmlformats.org/markup-compatibility/2006">
-        <mc:Choice xmlns:a14="http://schemas.microsoft.com/office/drawing/2010/main" Requires="a14">
+      <mc:AlternateContent xmlns:mc="http://schemas.openxmlformats.org/markup-compatibility/2006" xmlns:a14="http://schemas.microsoft.com/office/drawing/2010/main">
+        <mc:Choice Requires="a14">
           <p:sp>
             <p:nvSpPr>
               <p:cNvPr id="4" name="Content Placeholder 3">
@@ -4125,13 +7379,7 @@
                                 <a:rPr lang="en-US" b="0" i="1" smtClean="0">
                                   <a:latin typeface="Cambria Math" panose="02040503050406030204" pitchFamily="18" charset="0"/>
                                 </a:rPr>
-                                <m:t>+</m:t>
-                              </m:r>
-                              <m:r>
-                                <a:rPr lang="en-US" b="0" i="1" smtClean="0">
-                                  <a:latin typeface="Cambria Math" panose="02040503050406030204" pitchFamily="18" charset="0"/>
-                                </a:rPr>
-                                <m:t>1</m:t>
+                                <m:t>+1</m:t>
                               </m:r>
                             </m:sub>
                           </m:sSub>
@@ -4179,13 +7427,7 @@
                                 <a:rPr lang="en-US" b="0" i="1" smtClean="0">
                                   <a:latin typeface="Cambria Math" panose="02040503050406030204" pitchFamily="18" charset="0"/>
                                 </a:rPr>
-                                <m:t>+</m:t>
-                              </m:r>
-                              <m:r>
-                                <a:rPr lang="en-US" b="0" i="1" smtClean="0">
-                                  <a:latin typeface="Cambria Math" panose="02040503050406030204" pitchFamily="18" charset="0"/>
-                                </a:rPr>
-                                <m:t>1</m:t>
+                                <m:t>+1</m:t>
                               </m:r>
                             </m:sub>
                           </m:sSub>
@@ -4287,7 +7529,7 @@
             </p:txBody>
           </p:sp>
         </mc:Choice>
-        <mc:Fallback>
+        <mc:Fallback xmlns="">
           <p:sp>
             <p:nvSpPr>
               <p:cNvPr id="4" name="Content Placeholder 3">
@@ -4427,9 +7669,9 @@
 </file>
 
 <file path=ppt/theme/theme1.xml><?xml version="1.0" encoding="utf-8"?>
-<a:theme xmlns:a="http://schemas.openxmlformats.org/drawingml/2006/main" name="Office Theme">
+<a:theme xmlns:a="http://schemas.openxmlformats.org/drawingml/2006/main" name="Quotable">
   <a:themeElements>
-    <a:clrScheme name="Office">
+    <a:clrScheme name="Office 2007 - 2010">
       <a:dk1>
         <a:sysClr val="windowText" lastClr="000000"/>
       </a:dk1>
@@ -4437,100 +7679,48 @@
         <a:sysClr val="window" lastClr="FFFFFF"/>
       </a:lt1>
       <a:dk2>
-        <a:srgbClr val="0E2841"/>
+        <a:srgbClr val="1F497D"/>
       </a:dk2>
       <a:lt2>
-        <a:srgbClr val="E8E8E8"/>
+        <a:srgbClr val="EEECE1"/>
       </a:lt2>
       <a:accent1>
-        <a:srgbClr val="156082"/>
+        <a:srgbClr val="4F81BD"/>
       </a:accent1>
       <a:accent2>
-        <a:srgbClr val="E97132"/>
+        <a:srgbClr val="C0504D"/>
       </a:accent2>
       <a:accent3>
-        <a:srgbClr val="196B24"/>
+        <a:srgbClr val="9BBB59"/>
       </a:accent3>
       <a:accent4>
-        <a:srgbClr val="0F9ED5"/>
+        <a:srgbClr val="8064A2"/>
       </a:accent4>
       <a:accent5>
-        <a:srgbClr val="A02B93"/>
+        <a:srgbClr val="4BACC6"/>
       </a:accent5>
       <a:accent6>
-        <a:srgbClr val="4EA72E"/>
+        <a:srgbClr val="F79646"/>
       </a:accent6>
       <a:hlink>
-        <a:srgbClr val="467886"/>
+        <a:srgbClr val="0000FF"/>
       </a:hlink>
       <a:folHlink>
-        <a:srgbClr val="96607D"/>
+        <a:srgbClr val="800080"/>
       </a:folHlink>
     </a:clrScheme>
-    <a:fontScheme name="Office">
+    <a:fontScheme name="Quotable">
       <a:majorFont>
-        <a:latin typeface="Aptos Display" panose="02110004020202020204"/>
+        <a:latin typeface="Century Gothic" panose="020B0502020202020204"/>
         <a:ea typeface=""/>
         <a:cs typeface=""/>
-        <a:font script="Jpan" typeface="游ゴシック Light"/>
+        <a:font script="Jpan" typeface="ＭＳ ゴシック"/>
         <a:font script="Hang" typeface="맑은 고딕"/>
-        <a:font script="Hans" typeface="等线 Light"/>
+        <a:font script="Hans" typeface="宋体"/>
         <a:font script="Hant" typeface="新細明體"/>
-        <a:font script="Arab" typeface="Times New Roman"/>
-        <a:font script="Hebr" typeface="Times New Roman"/>
-        <a:font script="Thai" typeface="Angsana New"/>
-        <a:font script="Ethi" typeface="Nyala"/>
-        <a:font script="Beng" typeface="Vrinda"/>
-        <a:font script="Gujr" typeface="Shruti"/>
-        <a:font script="Khmr" typeface="MoolBoran"/>
-        <a:font script="Knda" typeface="Tunga"/>
-        <a:font script="Guru" typeface="Raavi"/>
-        <a:font script="Cans" typeface="Euphemia"/>
-        <a:font script="Cher" typeface="Plantagenet Cherokee"/>
-        <a:font script="Yiii" typeface="Microsoft Yi Baiti"/>
-        <a:font script="Tibt" typeface="Microsoft Himalaya"/>
-        <a:font script="Thaa" typeface="MV Boli"/>
-        <a:font script="Deva" typeface="Mangal"/>
-        <a:font script="Telu" typeface="Gautami"/>
-        <a:font script="Taml" typeface="Latha"/>
-        <a:font script="Syrc" typeface="Estrangelo Edessa"/>
-        <a:font script="Orya" typeface="Kalinga"/>
-        <a:font script="Mlym" typeface="Kartika"/>
-        <a:font script="Laoo" typeface="DokChampa"/>
-        <a:font script="Sinh" typeface="Iskoola Pota"/>
-        <a:font script="Mong" typeface="Mongolian Baiti"/>
-        <a:font script="Viet" typeface="Times New Roman"/>
-        <a:font script="Uigh" typeface="Microsoft Uighur"/>
-        <a:font script="Geor" typeface="Sylfaen"/>
-        <a:font script="Armn" typeface="Arial"/>
-        <a:font script="Bugi" typeface="Leelawadee UI"/>
-        <a:font script="Bopo" typeface="Microsoft JhengHei"/>
-        <a:font script="Java" typeface="Javanese Text"/>
-        <a:font script="Lisu" typeface="Segoe UI"/>
-        <a:font script="Mymr" typeface="Myanmar Text"/>
-        <a:font script="Nkoo" typeface="Ebrima"/>
-        <a:font script="Olck" typeface="Nirmala UI"/>
-        <a:font script="Osma" typeface="Ebrima"/>
-        <a:font script="Phag" typeface="Phagspa"/>
-        <a:font script="Syrn" typeface="Estrangelo Edessa"/>
-        <a:font script="Syrj" typeface="Estrangelo Edessa"/>
-        <a:font script="Syre" typeface="Estrangelo Edessa"/>
-        <a:font script="Sora" typeface="Nirmala UI"/>
-        <a:font script="Tale" typeface="Microsoft Tai Le"/>
-        <a:font script="Talu" typeface="Microsoft New Tai Lue"/>
-        <a:font script="Tfng" typeface="Ebrima"/>
-      </a:majorFont>
-      <a:minorFont>
-        <a:latin typeface="Aptos" panose="02110004020202020204"/>
-        <a:ea typeface=""/>
-        <a:cs typeface=""/>
-        <a:font script="Jpan" typeface="游ゴシック"/>
-        <a:font script="Hang" typeface="맑은 고딕"/>
-        <a:font script="Hans" typeface="等线"/>
-        <a:font script="Hant" typeface="新細明體"/>
-        <a:font script="Arab" typeface="Arial"/>
-        <a:font script="Hebr" typeface="Arial"/>
-        <a:font script="Thai" typeface="Cordia New"/>
+        <a:font script="Arab" typeface="Tahoma"/>
+        <a:font script="Hebr" typeface="Gisha"/>
+        <a:font script="Thai" typeface="DilleniaUPC"/>
         <a:font script="Ethi" typeface="Nyala"/>
         <a:font script="Beng" typeface="Vrinda"/>
         <a:font script="Gujr" typeface="Shruti"/>
@@ -4551,29 +7741,47 @@
         <a:font script="Laoo" typeface="DokChampa"/>
         <a:font script="Sinh" typeface="Iskoola Pota"/>
         <a:font script="Mong" typeface="Mongolian Baiti"/>
-        <a:font script="Viet" typeface="Arial"/>
+        <a:font script="Viet" typeface="Tahoma"/>
         <a:font script="Uigh" typeface="Microsoft Uighur"/>
         <a:font script="Geor" typeface="Sylfaen"/>
-        <a:font script="Armn" typeface="Arial"/>
-        <a:font script="Bugi" typeface="Leelawadee UI"/>
-        <a:font script="Bopo" typeface="Microsoft JhengHei"/>
-        <a:font script="Java" typeface="Javanese Text"/>
-        <a:font script="Lisu" typeface="Segoe UI"/>
-        <a:font script="Mymr" typeface="Myanmar Text"/>
-        <a:font script="Nkoo" typeface="Ebrima"/>
-        <a:font script="Olck" typeface="Nirmala UI"/>
-        <a:font script="Osma" typeface="Ebrima"/>
-        <a:font script="Phag" typeface="Phagspa"/>
-        <a:font script="Syrn" typeface="Estrangelo Edessa"/>
-        <a:font script="Syrj" typeface="Estrangelo Edessa"/>
-        <a:font script="Syre" typeface="Estrangelo Edessa"/>
-        <a:font script="Sora" typeface="Nirmala UI"/>
-        <a:font script="Tale" typeface="Microsoft Tai Le"/>
-        <a:font script="Talu" typeface="Microsoft New Tai Lue"/>
-        <a:font script="Tfng" typeface="Ebrima"/>
+      </a:majorFont>
+      <a:minorFont>
+        <a:latin typeface="Century Gothic" panose="020B0502020202020204"/>
+        <a:ea typeface=""/>
+        <a:cs typeface=""/>
+        <a:font script="Jpan" typeface="ＭＳ ゴシック"/>
+        <a:font script="Hang" typeface="맑은 고딕"/>
+        <a:font script="Hans" typeface="宋体"/>
+        <a:font script="Hant" typeface="新細明體"/>
+        <a:font script="Arab" typeface="Tahoma"/>
+        <a:font script="Hebr" typeface="Gisha"/>
+        <a:font script="Thai" typeface="DilleniaUPC"/>
+        <a:font script="Ethi" typeface="Nyala"/>
+        <a:font script="Beng" typeface="Vrinda"/>
+        <a:font script="Gujr" typeface="Shruti"/>
+        <a:font script="Khmr" typeface="DaunPenh"/>
+        <a:font script="Knda" typeface="Tunga"/>
+        <a:font script="Guru" typeface="Raavi"/>
+        <a:font script="Cans" typeface="Euphemia"/>
+        <a:font script="Cher" typeface="Plantagenet Cherokee"/>
+        <a:font script="Yiii" typeface="Microsoft Yi Baiti"/>
+        <a:font script="Tibt" typeface="Microsoft Himalaya"/>
+        <a:font script="Thaa" typeface="MV Boli"/>
+        <a:font script="Deva" typeface="Mangal"/>
+        <a:font script="Telu" typeface="Gautami"/>
+        <a:font script="Taml" typeface="Latha"/>
+        <a:font script="Syrc" typeface="Estrangelo Edessa"/>
+        <a:font script="Orya" typeface="Kalinga"/>
+        <a:font script="Mlym" typeface="Kartika"/>
+        <a:font script="Laoo" typeface="DokChampa"/>
+        <a:font script="Sinh" typeface="Iskoola Pota"/>
+        <a:font script="Mong" typeface="Mongolian Baiti"/>
+        <a:font script="Viet" typeface="Verdana"/>
+        <a:font script="Uigh" typeface="Microsoft Uighur"/>
+        <a:font script="Geor" typeface="Sylfaen"/>
       </a:minorFont>
     </a:fontScheme>
-    <a:fmtScheme name="Office">
+    <a:fmtScheme name="Quotable">
       <a:fillStyleLst>
         <a:solidFill>
           <a:schemeClr val="phClr"/>
@@ -4582,76 +7790,52 @@
           <a:gsLst>
             <a:gs pos="0">
               <a:schemeClr val="phClr">
-                <a:lumMod val="110000"/>
-                <a:satMod val="105000"/>
-                <a:tint val="67000"/>
-              </a:schemeClr>
-            </a:gs>
-            <a:gs pos="50000">
-              <a:schemeClr val="phClr">
+                <a:tint val="80000"/>
                 <a:lumMod val="105000"/>
-                <a:satMod val="103000"/>
-                <a:tint val="73000"/>
               </a:schemeClr>
             </a:gs>
             <a:gs pos="100000">
               <a:schemeClr val="phClr">
-                <a:lumMod val="105000"/>
-                <a:satMod val="109000"/>
-                <a:tint val="81000"/>
+                <a:tint val="90000"/>
               </a:schemeClr>
             </a:gs>
           </a:gsLst>
           <a:lin ang="5400000" scaled="0"/>
         </a:gradFill>
-        <a:gradFill rotWithShape="1">
-          <a:gsLst>
-            <a:gs pos="0">
+        <a:blipFill rotWithShape="1">
+          <a:blip xmlns:r="http://schemas.openxmlformats.org/officeDocument/2006/relationships" r:embed="rId1">
+            <a:duotone>
               <a:schemeClr val="phClr">
-                <a:satMod val="103000"/>
+                <a:tint val="98000"/>
                 <a:lumMod val="102000"/>
-                <a:tint val="94000"/>
               </a:schemeClr>
-            </a:gs>
-            <a:gs pos="50000">
               <a:schemeClr val="phClr">
-                <a:satMod val="110000"/>
-                <a:lumMod val="100000"/>
-                <a:shade val="100000"/>
+                <a:shade val="98000"/>
+                <a:lumMod val="98000"/>
               </a:schemeClr>
-            </a:gs>
-            <a:gs pos="100000">
-              <a:schemeClr val="phClr">
-                <a:lumMod val="99000"/>
-                <a:satMod val="120000"/>
-                <a:shade val="78000"/>
-              </a:schemeClr>
-            </a:gs>
-          </a:gsLst>
-          <a:lin ang="5400000" scaled="0"/>
-        </a:gradFill>
+            </a:duotone>
+          </a:blip>
+          <a:tile tx="0" ty="0" sx="100000" sy="100000" flip="none" algn="tl"/>
+        </a:blipFill>
       </a:fillStyleLst>
       <a:lnStyleLst>
-        <a:ln w="12700" cap="flat" cmpd="sng" algn="ctr">
+        <a:ln w="9525" cap="rnd" cmpd="sng" algn="ctr">
           <a:solidFill>
             <a:schemeClr val="phClr"/>
           </a:solidFill>
           <a:prstDash val="solid"/>
-          <a:miter lim="800000"/>
         </a:ln>
-        <a:ln w="19050" cap="flat" cmpd="sng" algn="ctr">
+        <a:ln w="15875" cap="rnd" cmpd="sng" algn="ctr">
           <a:solidFill>
             <a:schemeClr val="phClr"/>
           </a:solidFill>
           <a:prstDash val="solid"/>
-          <a:miter lim="800000"/>
         </a:ln>
-        <a:ln w="25400" cap="flat" cmpd="sng" algn="ctr">
+        <a:ln w="25400" cap="rnd" cmpd="sng" algn="ctr">
           <a:solidFill>
             <a:schemeClr val="phClr"/>
           </a:solidFill>
           <a:prstDash val="solid"/>
-          <a:miter lim="800000"/>
         </a:ln>
       </a:lnStyleLst>
       <a:effectStyleLst>
@@ -4663,11 +7847,11 @@
         </a:effectStyle>
         <a:effectStyle>
           <a:effectLst>
-            <a:outerShdw blurRad="57150" dist="19050" dir="5400000" algn="ctr" rotWithShape="0">
+            <a:innerShdw blurRad="63500" dist="25400" dir="13500000">
               <a:srgbClr val="000000">
-                <a:alpha val="63000"/>
+                <a:alpha val="75000"/>
               </a:srgbClr>
-            </a:outerShdw>
+            </a:innerShdw>
           </a:effectLst>
         </a:effectStyle>
       </a:effectStyleLst>
@@ -4675,35 +7859,35 @@
         <a:solidFill>
           <a:schemeClr val="phClr"/>
         </a:solidFill>
-        <a:solidFill>
-          <a:schemeClr val="phClr">
-            <a:tint val="95000"/>
-            <a:satMod val="170000"/>
-          </a:schemeClr>
-        </a:solidFill>
         <a:gradFill rotWithShape="1">
           <a:gsLst>
             <a:gs pos="0">
               <a:schemeClr val="phClr">
-                <a:tint val="93000"/>
-                <a:satMod val="150000"/>
-                <a:shade val="98000"/>
-                <a:lumMod val="102000"/>
-              </a:schemeClr>
-            </a:gs>
-            <a:gs pos="50000">
-              <a:schemeClr val="phClr">
-                <a:tint val="98000"/>
-                <a:satMod val="130000"/>
-                <a:shade val="90000"/>
-                <a:lumMod val="103000"/>
+                <a:tint val="100000"/>
               </a:schemeClr>
             </a:gs>
             <a:gs pos="100000">
               <a:schemeClr val="phClr">
-                <a:shade val="63000"/>
+                <a:tint val="84000"/>
+                <a:shade val="84000"/>
+                <a:lumMod val="90000"/>
+              </a:schemeClr>
+            </a:gs>
+          </a:gsLst>
+          <a:lin ang="5400000" scaled="0"/>
+        </a:gradFill>
+        <a:gradFill rotWithShape="1">
+          <a:gsLst>
+            <a:gs pos="0">
+              <a:schemeClr val="phClr">
+                <a:tint val="84000"/>
+                <a:shade val="90000"/>
                 <a:satMod val="120000"/>
+                <a:lumMod val="90000"/>
               </a:schemeClr>
+            </a:gs>
+            <a:gs pos="100000">
+              <a:schemeClr val="phClr"/>
             </a:gs>
           </a:gsLst>
           <a:lin ang="5400000" scaled="0"/>
@@ -4711,31 +7895,11 @@
       </a:bgFillStyleLst>
     </a:fmtScheme>
   </a:themeElements>
-  <a:objectDefaults>
-    <a:lnDef>
-      <a:spPr/>
-      <a:bodyPr/>
-      <a:lstStyle/>
-      <a:style>
-        <a:lnRef idx="2">
-          <a:schemeClr val="accent1"/>
-        </a:lnRef>
-        <a:fillRef idx="0">
-          <a:schemeClr val="accent1"/>
-        </a:fillRef>
-        <a:effectRef idx="1">
-          <a:schemeClr val="accent1"/>
-        </a:effectRef>
-        <a:fontRef idx="minor">
-          <a:schemeClr val="tx1"/>
-        </a:fontRef>
-      </a:style>
-    </a:lnDef>
-  </a:objectDefaults>
+  <a:objectDefaults/>
   <a:extraClrSchemeLst/>
   <a:extLst>
     <a:ext uri="{05A4C25C-085E-4340-85A3-A5531E510DB2}">
-      <thm15:themeFamily xmlns:thm15="http://schemas.microsoft.com/office/thememl/2012/main" name="Office Theme" id="{2E142A2C-CD16-42D6-873A-C26D2A0506FA}" vid="{1BDDFF52-6CD6-40A5-AB3C-68EB2F1E4D0A}"/>
+      <thm15:themeFamily xmlns:thm15="http://schemas.microsoft.com/office/thememl/2012/main" name="Quotable" id="{39EC5628-30ED-4578-ACD8-9820EDB8E15A}" vid="{6F3559E9-1A4C-49D8-94D4-F41003531C49}"/>
     </a:ext>
   </a:extLst>
 </a:theme>

--- a/Math 319 Final.pptx
+++ b/Math 319 Final.pptx
@@ -8,7 +8,8 @@
     <p:sldId id="256" r:id="rId2"/>
     <p:sldId id="257" r:id="rId3"/>
     <p:sldId id="259" r:id="rId4"/>
-    <p:sldId id="258" r:id="rId5"/>
+    <p:sldId id="261" r:id="rId5"/>
+    <p:sldId id="258" r:id="rId6"/>
   </p:sldIdLst>
   <p:sldSz cx="12192000" cy="6858000"/>
   <p:notesSz cx="6858000" cy="9144000"/>
@@ -210,7 +211,7 @@
           <a:effectLst/>
           <a:extLst>
             <a:ext uri="{91240B29-F687-4f45-9708-019B960494DF}">
-              <a14:hiddenLine xmlns:a14="http://schemas.microsoft.com/office/drawing/2010/main" xmlns="" w="9525">
+              <a14:hiddenLine xmlns="" xmlns:a14="http://schemas.microsoft.com/office/drawing/2010/main" w="9525">
                 <a:solidFill>
                   <a:srgbClr val="000000"/>
                 </a:solidFill>
@@ -402,7 +403,7 @@
           <a:p>
             <a:fld id="{93597383-FF0D-4A1A-B5B3-BA01475641A1}" type="datetimeFigureOut">
               <a:rPr lang="en-US" smtClean="0"/>
-              <a:t>3/17/2024</a:t>
+              <a:t>3/18/2024</a:t>
             </a:fld>
             <a:endParaRPr lang="en-US"/>
           </a:p>
@@ -720,7 +721,7 @@
           <a:p>
             <a:fld id="{93597383-FF0D-4A1A-B5B3-BA01475641A1}" type="datetimeFigureOut">
               <a:rPr lang="en-US" smtClean="0"/>
-              <a:t>3/17/2024</a:t>
+              <a:t>3/18/2024</a:t>
             </a:fld>
             <a:endParaRPr lang="en-US"/>
           </a:p>
@@ -1208,7 +1209,7 @@
           <a:p>
             <a:fld id="{93597383-FF0D-4A1A-B5B3-BA01475641A1}" type="datetimeFigureOut">
               <a:rPr lang="en-US" smtClean="0"/>
-              <a:t>3/17/2024</a:t>
+              <a:t>3/18/2024</a:t>
             </a:fld>
             <a:endParaRPr lang="en-US"/>
           </a:p>
@@ -1577,7 +1578,7 @@
           <a:p>
             <a:fld id="{93597383-FF0D-4A1A-B5B3-BA01475641A1}" type="datetimeFigureOut">
               <a:rPr lang="en-US" smtClean="0"/>
-              <a:t>3/17/2024</a:t>
+              <a:t>3/18/2024</a:t>
             </a:fld>
             <a:endParaRPr lang="en-US"/>
           </a:p>
@@ -1732,7 +1733,7 @@
           <a:ln/>
           <a:extLst>
             <a:ext uri="{91240B29-F687-4f45-9708-019B960494DF}">
-              <a14:hiddenLine xmlns:a14="http://schemas.microsoft.com/office/drawing/2010/main" xmlns="" w="9525">
+              <a14:hiddenLine xmlns="" xmlns:a14="http://schemas.microsoft.com/office/drawing/2010/main" w="9525">
                 <a:solidFill>
                   <a:srgbClr val="000000"/>
                 </a:solidFill>
@@ -1850,7 +1851,7 @@
           <a:p>
             <a:fld id="{93597383-FF0D-4A1A-B5B3-BA01475641A1}" type="datetimeFigureOut">
               <a:rPr lang="en-US" smtClean="0"/>
-              <a:t>3/17/2024</a:t>
+              <a:t>3/18/2024</a:t>
             </a:fld>
             <a:endParaRPr lang="en-US"/>
           </a:p>
@@ -2007,7 +2008,7 @@
           <a:ln/>
           <a:extLst>
             <a:ext uri="{91240B29-F687-4f45-9708-019B960494DF}">
-              <a14:hiddenLine xmlns:a14="http://schemas.microsoft.com/office/drawing/2010/main" xmlns="" w="9525">
+              <a14:hiddenLine xmlns="" xmlns:a14="http://schemas.microsoft.com/office/drawing/2010/main" w="9525">
                 <a:solidFill>
                   <a:srgbClr val="000000"/>
                 </a:solidFill>
@@ -2135,7 +2136,7 @@
           <a:p>
             <a:fld id="{93597383-FF0D-4A1A-B5B3-BA01475641A1}" type="datetimeFigureOut">
               <a:rPr lang="en-US" smtClean="0"/>
-              <a:t>3/17/2024</a:t>
+              <a:t>3/18/2024</a:t>
             </a:fld>
             <a:endParaRPr lang="en-US"/>
           </a:p>
@@ -2290,7 +2291,7 @@
           <a:ln/>
           <a:extLst>
             <a:ext uri="{91240B29-F687-4f45-9708-019B960494DF}">
-              <a14:hiddenLine xmlns:a14="http://schemas.microsoft.com/office/drawing/2010/main" xmlns="" w="9525">
+              <a14:hiddenLine xmlns="" xmlns:a14="http://schemas.microsoft.com/office/drawing/2010/main" w="9525">
                 <a:solidFill>
                   <a:srgbClr val="000000"/>
                 </a:solidFill>
@@ -2418,7 +2419,7 @@
           <a:p>
             <a:fld id="{93597383-FF0D-4A1A-B5B3-BA01475641A1}" type="datetimeFigureOut">
               <a:rPr lang="en-US" smtClean="0"/>
-              <a:t>3/17/2024</a:t>
+              <a:t>3/18/2024</a:t>
             </a:fld>
             <a:endParaRPr lang="en-US"/>
           </a:p>
@@ -2761,7 +2762,7 @@
           <a:p>
             <a:fld id="{93597383-FF0D-4A1A-B5B3-BA01475641A1}" type="datetimeFigureOut">
               <a:rPr lang="en-US" smtClean="0"/>
-              <a:t>3/17/2024</a:t>
+              <a:t>3/18/2024</a:t>
             </a:fld>
             <a:endParaRPr lang="en-US"/>
           </a:p>
@@ -2916,7 +2917,7 @@
           <a:ln/>
           <a:extLst>
             <a:ext uri="{91240B29-F687-4f45-9708-019B960494DF}">
-              <a14:hiddenLine xmlns:a14="http://schemas.microsoft.com/office/drawing/2010/main" xmlns="" w="9525">
+              <a14:hiddenLine xmlns="" xmlns:a14="http://schemas.microsoft.com/office/drawing/2010/main" w="9525">
                 <a:solidFill>
                   <a:srgbClr val="000000"/>
                 </a:solidFill>
@@ -3100,7 +3101,7 @@
           <a:p>
             <a:fld id="{93597383-FF0D-4A1A-B5B3-BA01475641A1}" type="datetimeFigureOut">
               <a:rPr lang="en-US" smtClean="0"/>
-              <a:t>3/17/2024</a:t>
+              <a:t>3/18/2024</a:t>
             </a:fld>
             <a:endParaRPr lang="en-US"/>
           </a:p>
@@ -3255,7 +3256,7 @@
           <a:ln/>
           <a:extLst>
             <a:ext uri="{91240B29-F687-4f45-9708-019B960494DF}">
-              <a14:hiddenLine xmlns:a14="http://schemas.microsoft.com/office/drawing/2010/main" xmlns="" w="9525">
+              <a14:hiddenLine xmlns="" xmlns:a14="http://schemas.microsoft.com/office/drawing/2010/main" w="9525">
                 <a:solidFill>
                   <a:srgbClr val="000000"/>
                 </a:solidFill>
@@ -3577,7 +3578,7 @@
           <a:p>
             <a:fld id="{93597383-FF0D-4A1A-B5B3-BA01475641A1}" type="datetimeFigureOut">
               <a:rPr lang="en-US" smtClean="0"/>
-              <a:t>3/17/2024</a:t>
+              <a:t>3/18/2024</a:t>
             </a:fld>
             <a:endParaRPr lang="en-US"/>
           </a:p>
@@ -3732,7 +3733,7 @@
           <a:ln/>
           <a:extLst>
             <a:ext uri="{91240B29-F687-4f45-9708-019B960494DF}">
-              <a14:hiddenLine xmlns:a14="http://schemas.microsoft.com/office/drawing/2010/main" xmlns="" w="9525">
+              <a14:hiddenLine xmlns="" xmlns:a14="http://schemas.microsoft.com/office/drawing/2010/main" w="9525">
                 <a:solidFill>
                   <a:srgbClr val="000000"/>
                 </a:solidFill>
@@ -3798,7 +3799,7 @@
           <a:p>
             <a:fld id="{93597383-FF0D-4A1A-B5B3-BA01475641A1}" type="datetimeFigureOut">
               <a:rPr lang="en-US" smtClean="0"/>
-              <a:t>3/17/2024</a:t>
+              <a:t>3/18/2024</a:t>
             </a:fld>
             <a:endParaRPr lang="en-US"/>
           </a:p>
@@ -3893,7 +3894,7 @@
           <a:p>
             <a:fld id="{93597383-FF0D-4A1A-B5B3-BA01475641A1}" type="datetimeFigureOut">
               <a:rPr lang="en-US" smtClean="0"/>
-              <a:t>3/17/2024</a:t>
+              <a:t>3/18/2024</a:t>
             </a:fld>
             <a:endParaRPr lang="en-US"/>
           </a:p>
@@ -4161,7 +4162,7 @@
           <a:ln/>
           <a:extLst>
             <a:ext uri="{91240B29-F687-4f45-9708-019B960494DF}">
-              <a14:hiddenLine xmlns:a14="http://schemas.microsoft.com/office/drawing/2010/main" xmlns="" w="9525">
+              <a14:hiddenLine xmlns="" xmlns:a14="http://schemas.microsoft.com/office/drawing/2010/main" w="9525">
                 <a:solidFill>
                   <a:srgbClr val="000000"/>
                 </a:solidFill>
@@ -4360,7 +4361,7 @@
           <a:p>
             <a:fld id="{93597383-FF0D-4A1A-B5B3-BA01475641A1}" type="datetimeFigureOut">
               <a:rPr lang="en-US" smtClean="0"/>
-              <a:t>3/17/2024</a:t>
+              <a:t>3/18/2024</a:t>
             </a:fld>
             <a:endParaRPr lang="en-US"/>
           </a:p>
@@ -4673,7 +4674,7 @@
           <a:p>
             <a:fld id="{93597383-FF0D-4A1A-B5B3-BA01475641A1}" type="datetimeFigureOut">
               <a:rPr lang="en-US" smtClean="0"/>
-              <a:t>3/17/2024</a:t>
+              <a:t>3/18/2024</a:t>
             </a:fld>
             <a:endParaRPr lang="en-US"/>
           </a:p>
@@ -4943,7 +4944,7 @@
           <a:p>
             <a:fld id="{93597383-FF0D-4A1A-B5B3-BA01475641A1}" type="datetimeFigureOut">
               <a:rPr lang="en-US" smtClean="0"/>
-              <a:t>3/17/2024</a:t>
+              <a:t>3/18/2024</a:t>
             </a:fld>
             <a:endParaRPr lang="en-US"/>
           </a:p>
@@ -5560,8 +5561,8 @@
           </a:p>
         </p:txBody>
       </p:sp>
-      <mc:AlternateContent xmlns:mc="http://schemas.openxmlformats.org/markup-compatibility/2006">
-        <mc:Choice xmlns:a14="http://schemas.microsoft.com/office/drawing/2010/main" Requires="a14">
+      <mc:AlternateContent xmlns:mc="http://schemas.openxmlformats.org/markup-compatibility/2006" xmlns:a14="http://schemas.microsoft.com/office/drawing/2010/main">
+        <mc:Choice Requires="a14">
           <p:sp>
             <p:nvSpPr>
               <p:cNvPr id="3" name="TextBox 2">
@@ -5590,6 +5591,7 @@
               </a:bodyPr>
               <a:lstStyle/>
               <a:p>
+                <a:pPr/>
                 <a14:m>
                   <m:oMathPara xmlns:m="http://schemas.openxmlformats.org/officeDocument/2006/math">
                     <m:oMathParaPr>
@@ -6175,7 +6177,7 @@
             </p:txBody>
           </p:sp>
         </mc:Choice>
-        <mc:Fallback>
+        <mc:Fallback xmlns="">
           <p:sp>
             <p:nvSpPr>
               <p:cNvPr id="3" name="TextBox 2">
@@ -6220,8 +6222,8 @@
           </p:sp>
         </mc:Fallback>
       </mc:AlternateContent>
-      <mc:AlternateContent xmlns:mc="http://schemas.openxmlformats.org/markup-compatibility/2006">
-        <mc:Choice xmlns:a14="http://schemas.microsoft.com/office/drawing/2010/main" Requires="a14">
+      <mc:AlternateContent xmlns:mc="http://schemas.openxmlformats.org/markup-compatibility/2006" xmlns:a14="http://schemas.microsoft.com/office/drawing/2010/main">
+        <mc:Choice Requires="a14">
           <p:sp>
             <p:nvSpPr>
               <p:cNvPr id="9" name="TextBox 8">
@@ -6250,6 +6252,7 @@
               </a:bodyPr>
               <a:lstStyle/>
               <a:p>
+                <a:pPr/>
                 <a14:m>
                   <m:oMathPara xmlns:m="http://schemas.openxmlformats.org/officeDocument/2006/math">
                     <m:oMathParaPr>
@@ -6759,7 +6762,7 @@
             </p:txBody>
           </p:sp>
         </mc:Choice>
-        <mc:Fallback>
+        <mc:Fallback xmlns="">
           <p:sp>
             <p:nvSpPr>
               <p:cNvPr id="9" name="TextBox 8">
@@ -7599,6 +7602,3294 @@
           <a:chExt cx="0" cy="0"/>
         </a:xfrm>
       </p:grpSpPr>
+      <mc:AlternateContent xmlns:mc="http://schemas.openxmlformats.org/markup-compatibility/2006">
+        <mc:Choice xmlns:a14="http://schemas.microsoft.com/office/drawing/2010/main" Requires="a14">
+          <p:sp>
+            <p:nvSpPr>
+              <p:cNvPr id="2" name="Title 1">
+                <a:extLst>
+                  <a:ext uri="{FF2B5EF4-FFF2-40B4-BE49-F238E27FC236}">
+                    <a16:creationId xmlns:a16="http://schemas.microsoft.com/office/drawing/2014/main" id="{D2C325A0-54F4-18DD-24F3-20969343D410}"/>
+                  </a:ext>
+                </a:extLst>
+              </p:cNvPr>
+              <p:cNvSpPr>
+                <a:spLocks noGrp="1"/>
+              </p:cNvSpPr>
+              <p:nvPr>
+                <p:ph type="title"/>
+              </p:nvPr>
+            </p:nvSpPr>
+            <p:spPr>
+              <a:xfrm>
+                <a:off x="810000" y="447187"/>
+                <a:ext cx="10571998" cy="1310591"/>
+              </a:xfrm>
+            </p:spPr>
+            <p:txBody>
+              <a:bodyPr/>
+              <a:lstStyle/>
+              <a:p>
+                <a:pPr/>
+                <a:r>
+                  <a:rPr lang="en-US" dirty="0"/>
+                  <a:t>Example: Forward Method</a:t>
+                </a:r>
+                <a:br>
+                  <a:rPr lang="en-US" dirty="0"/>
+                </a:br>
+                <a14:m>
+                  <m:oMathPara xmlns:m="http://schemas.openxmlformats.org/officeDocument/2006/math">
+                    <m:oMathParaPr>
+                      <m:jc m:val="left"/>
+                    </m:oMathParaPr>
+                    <m:oMath xmlns:m="http://schemas.openxmlformats.org/officeDocument/2006/math">
+                      <m:r>
+                        <a:rPr lang="en-US" b="1" i="0" smtClean="0">
+                          <a:latin typeface="Cambria Math" panose="02040503050406030204" pitchFamily="18" charset="0"/>
+                        </a:rPr>
+                        <m:t>𝐟</m:t>
+                      </m:r>
+                      <m:d>
+                        <m:dPr>
+                          <m:ctrlPr>
+                            <a:rPr lang="en-US" b="1" i="0" smtClean="0">
+                              <a:latin typeface="Cambria Math" panose="02040503050406030204" pitchFamily="18" charset="0"/>
+                            </a:rPr>
+                          </m:ctrlPr>
+                        </m:dPr>
+                        <m:e>
+                          <m:sSub>
+                            <m:sSubPr>
+                              <m:ctrlPr>
+                                <a:rPr lang="en-US" b="1" i="0" smtClean="0">
+                                  <a:latin typeface="Cambria Math" panose="02040503050406030204" pitchFamily="18" charset="0"/>
+                                </a:rPr>
+                              </m:ctrlPr>
+                            </m:sSubPr>
+                            <m:e>
+                              <m:r>
+                                <a:rPr lang="en-US" b="1" i="0" smtClean="0">
+                                  <a:latin typeface="Cambria Math" panose="02040503050406030204" pitchFamily="18" charset="0"/>
+                                </a:rPr>
+                                <m:t>𝐱</m:t>
+                              </m:r>
+                            </m:e>
+                            <m:sub>
+                              <m:r>
+                                <a:rPr lang="en-US" b="1" i="0" smtClean="0">
+                                  <a:latin typeface="Cambria Math" panose="02040503050406030204" pitchFamily="18" charset="0"/>
+                                </a:rPr>
+                                <m:t>𝟏</m:t>
+                              </m:r>
+                            </m:sub>
+                          </m:sSub>
+                          <m:r>
+                            <a:rPr lang="en-US" b="1" i="0" smtClean="0">
+                              <a:latin typeface="Cambria Math" panose="02040503050406030204" pitchFamily="18" charset="0"/>
+                            </a:rPr>
+                            <m:t>,</m:t>
+                          </m:r>
+                          <m:sSub>
+                            <m:sSubPr>
+                              <m:ctrlPr>
+                                <a:rPr lang="en-US" b="1" i="0" smtClean="0">
+                                  <a:latin typeface="Cambria Math" panose="02040503050406030204" pitchFamily="18" charset="0"/>
+                                </a:rPr>
+                              </m:ctrlPr>
+                            </m:sSubPr>
+                            <m:e>
+                              <m:r>
+                                <a:rPr lang="en-US" b="1" i="0" smtClean="0">
+                                  <a:latin typeface="Cambria Math" panose="02040503050406030204" pitchFamily="18" charset="0"/>
+                                </a:rPr>
+                                <m:t>𝐱</m:t>
+                              </m:r>
+                            </m:e>
+                            <m:sub>
+                              <m:r>
+                                <a:rPr lang="en-US" b="1" i="0" smtClean="0">
+                                  <a:latin typeface="Cambria Math" panose="02040503050406030204" pitchFamily="18" charset="0"/>
+                                </a:rPr>
+                                <m:t>𝟐</m:t>
+                              </m:r>
+                            </m:sub>
+                          </m:sSub>
+                        </m:e>
+                      </m:d>
+                      <m:r>
+                        <a:rPr lang="en-US" b="1" i="0" smtClean="0">
+                          <a:latin typeface="Cambria Math" panose="02040503050406030204" pitchFamily="18" charset="0"/>
+                        </a:rPr>
+                        <m:t>=</m:t>
+                      </m:r>
+                      <m:sSub>
+                        <m:sSubPr>
+                          <m:ctrlPr>
+                            <a:rPr lang="en-US" b="1" i="1" smtClean="0">
+                              <a:latin typeface="Cambria Math" panose="02040503050406030204" pitchFamily="18" charset="0"/>
+                            </a:rPr>
+                          </m:ctrlPr>
+                        </m:sSubPr>
+                        <m:e>
+                          <m:r>
+                            <a:rPr lang="en-US" b="1" i="1" smtClean="0">
+                              <a:latin typeface="Cambria Math" panose="02040503050406030204" pitchFamily="18" charset="0"/>
+                            </a:rPr>
+                            <m:t>𝒙</m:t>
+                          </m:r>
+                        </m:e>
+                        <m:sub>
+                          <m:r>
+                            <a:rPr lang="en-US" b="1" i="1" smtClean="0">
+                              <a:latin typeface="Cambria Math" panose="02040503050406030204" pitchFamily="18" charset="0"/>
+                            </a:rPr>
+                            <m:t>𝟏</m:t>
+                          </m:r>
+                        </m:sub>
+                      </m:sSub>
+                      <m:sSub>
+                        <m:sSubPr>
+                          <m:ctrlPr>
+                            <a:rPr lang="en-US" b="1" i="1" smtClean="0">
+                              <a:latin typeface="Cambria Math" panose="02040503050406030204" pitchFamily="18" charset="0"/>
+                            </a:rPr>
+                          </m:ctrlPr>
+                        </m:sSubPr>
+                        <m:e>
+                          <m:r>
+                            <a:rPr lang="en-US" b="1" i="1" smtClean="0">
+                              <a:latin typeface="Cambria Math" panose="02040503050406030204" pitchFamily="18" charset="0"/>
+                            </a:rPr>
+                            <m:t>𝒙</m:t>
+                          </m:r>
+                        </m:e>
+                        <m:sub>
+                          <m:r>
+                            <a:rPr lang="en-US" b="1" i="1" smtClean="0">
+                              <a:latin typeface="Cambria Math" panose="02040503050406030204" pitchFamily="18" charset="0"/>
+                            </a:rPr>
+                            <m:t>𝟐</m:t>
+                          </m:r>
+                        </m:sub>
+                      </m:sSub>
+                      <m:r>
+                        <a:rPr lang="en-US" b="1" i="1" smtClean="0">
+                          <a:latin typeface="Cambria Math" panose="02040503050406030204" pitchFamily="18" charset="0"/>
+                        </a:rPr>
+                        <m:t>+</m:t>
+                      </m:r>
+                      <m:r>
+                        <a:rPr lang="en-US" b="1" i="1" smtClean="0">
+                          <a:latin typeface="Cambria Math" panose="02040503050406030204" pitchFamily="18" charset="0"/>
+                        </a:rPr>
+                        <m:t>𝒔𝒊𝒏</m:t>
+                      </m:r>
+                      <m:r>
+                        <a:rPr lang="en-US" b="1" i="1" smtClean="0">
+                          <a:latin typeface="Cambria Math" panose="02040503050406030204" pitchFamily="18" charset="0"/>
+                        </a:rPr>
+                        <m:t> </m:t>
+                      </m:r>
+                      <m:sSub>
+                        <m:sSubPr>
+                          <m:ctrlPr>
+                            <a:rPr lang="en-US" b="1" i="1" smtClean="0">
+                              <a:latin typeface="Cambria Math" panose="02040503050406030204" pitchFamily="18" charset="0"/>
+                            </a:rPr>
+                          </m:ctrlPr>
+                        </m:sSubPr>
+                        <m:e>
+                          <m:r>
+                            <a:rPr lang="en-US" b="1" i="1" smtClean="0">
+                              <a:latin typeface="Cambria Math" panose="02040503050406030204" pitchFamily="18" charset="0"/>
+                            </a:rPr>
+                            <m:t>𝒙</m:t>
+                          </m:r>
+                        </m:e>
+                        <m:sub>
+                          <m:r>
+                            <a:rPr lang="en-US" b="1" i="1" smtClean="0">
+                              <a:latin typeface="Cambria Math" panose="02040503050406030204" pitchFamily="18" charset="0"/>
+                            </a:rPr>
+                            <m:t>𝟏</m:t>
+                          </m:r>
+                        </m:sub>
+                      </m:sSub>
+                    </m:oMath>
+                  </m:oMathPara>
+                </a14:m>
+                <a:endParaRPr lang="en-US" dirty="0"/>
+              </a:p>
+            </p:txBody>
+          </p:sp>
+        </mc:Choice>
+        <mc:Fallback>
+          <p:sp>
+            <p:nvSpPr>
+              <p:cNvPr id="2" name="Title 1">
+                <a:extLst>
+                  <a:ext uri="{FF2B5EF4-FFF2-40B4-BE49-F238E27FC236}">
+                    <a16:creationId xmlns:a16="http://schemas.microsoft.com/office/drawing/2014/main" id="{D2C325A0-54F4-18DD-24F3-20969343D410}"/>
+                  </a:ext>
+                </a:extLst>
+              </p:cNvPr>
+              <p:cNvSpPr>
+                <a:spLocks noGrp="1" noRot="1" noChangeAspect="1" noMove="1" noResize="1" noEditPoints="1" noAdjustHandles="1" noChangeArrowheads="1" noChangeShapeType="1" noTextEdit="1"/>
+              </p:cNvSpPr>
+              <p:nvPr>
+                <p:ph type="title"/>
+              </p:nvPr>
+            </p:nvSpPr>
+            <p:spPr>
+              <a:xfrm>
+                <a:off x="810000" y="447187"/>
+                <a:ext cx="10571998" cy="1310591"/>
+              </a:xfrm>
+              <a:blipFill>
+                <a:blip r:embed="rId2"/>
+                <a:stretch>
+                  <a:fillRect/>
+                </a:stretch>
+              </a:blipFill>
+            </p:spPr>
+            <p:txBody>
+              <a:bodyPr/>
+              <a:lstStyle/>
+              <a:p>
+                <a:r>
+                  <a:rPr lang="en-US">
+                    <a:noFill/>
+                  </a:rPr>
+                  <a:t> </a:t>
+                </a:r>
+              </a:p>
+            </p:txBody>
+          </p:sp>
+        </mc:Fallback>
+      </mc:AlternateContent>
+      <mc:AlternateContent xmlns:mc="http://schemas.openxmlformats.org/markup-compatibility/2006">
+        <mc:Choice xmlns:a14="http://schemas.microsoft.com/office/drawing/2010/main" Requires="a14">
+          <p:graphicFrame>
+            <p:nvGraphicFramePr>
+              <p:cNvPr id="5" name="Content Placeholder 4">
+                <a:extLst>
+                  <a:ext uri="{FF2B5EF4-FFF2-40B4-BE49-F238E27FC236}">
+                    <a16:creationId xmlns:a16="http://schemas.microsoft.com/office/drawing/2014/main" id="{71F5B4B4-9FF0-B537-F54F-A3E8461802D8}"/>
+                  </a:ext>
+                </a:extLst>
+              </p:cNvPr>
+              <p:cNvGraphicFramePr>
+                <a:graphicFrameLocks/>
+              </p:cNvGraphicFramePr>
+              <p:nvPr>
+                <p:extLst>
+                  <p:ext uri="{D42A27DB-BD31-4B8C-83A1-F6EECF244321}">
+                    <p14:modId xmlns:p14="http://schemas.microsoft.com/office/powerpoint/2010/main" val="1046294447"/>
+                  </p:ext>
+                </p:extLst>
+              </p:nvPr>
+            </p:nvGraphicFramePr>
+            <p:xfrm>
+              <a:off x="6467171" y="2881190"/>
+              <a:ext cx="5462576" cy="2867369"/>
+            </p:xfrm>
+            <a:graphic>
+              <a:graphicData uri="http://schemas.openxmlformats.org/drawingml/2006/table">
+                <a:tbl>
+                  <a:tblPr firstRow="1" bandRow="1"/>
+                  <a:tblGrid>
+                    <a:gridCol w="2950196">
+                      <a:extLst>
+                        <a:ext uri="{9D8B030D-6E8A-4147-A177-3AD203B41FA5}">
+                          <a16:colId xmlns:a16="http://schemas.microsoft.com/office/drawing/2014/main" val="1589143707"/>
+                        </a:ext>
+                      </a:extLst>
+                    </a:gridCol>
+                    <a:gridCol w="2512380">
+                      <a:extLst>
+                        <a:ext uri="{9D8B030D-6E8A-4147-A177-3AD203B41FA5}">
+                          <a16:colId xmlns:a16="http://schemas.microsoft.com/office/drawing/2014/main" val="1482505580"/>
+                        </a:ext>
+                      </a:extLst>
+                    </a:gridCol>
+                  </a:tblGrid>
+                  <a:tr h="563633">
+                    <a:tc>
+                      <a:txBody>
+                        <a:bodyPr/>
+                        <a:lstStyle/>
+                        <a:p>
+                          <a:pPr algn="ctr"/>
+                          <a:r>
+                            <a:rPr lang="en-US" sz="1900">
+                              <a:solidFill>
+                                <a:srgbClr val="000000"/>
+                              </a:solidFill>
+                              <a:effectLst/>
+                            </a:rPr>
+                            <a:t>Operations to compute value</a:t>
+                          </a:r>
+                        </a:p>
+                      </a:txBody>
+                      <a:tcPr marL="92927" marR="92927" marT="46463" marB="46463" anchor="ctr">
+                        <a:lnL w="7620" cap="flat" cmpd="sng" algn="ctr">
+                          <a:solidFill>
+                            <a:srgbClr val="A2A9B1"/>
+                          </a:solidFill>
+                          <a:prstDash val="solid"/>
+                          <a:round/>
+                          <a:headEnd type="none" w="med" len="med"/>
+                          <a:tailEnd type="none" w="med" len="med"/>
+                        </a:lnL>
+                        <a:lnR w="7620" cap="flat" cmpd="sng" algn="ctr">
+                          <a:solidFill>
+                            <a:srgbClr val="A2A9B1"/>
+                          </a:solidFill>
+                          <a:prstDash val="solid"/>
+                          <a:round/>
+                          <a:headEnd type="none" w="med" len="med"/>
+                          <a:tailEnd type="none" w="med" len="med"/>
+                        </a:lnR>
+                        <a:lnT w="7620" cap="flat" cmpd="sng" algn="ctr">
+                          <a:solidFill>
+                            <a:srgbClr val="A2A9B1"/>
+                          </a:solidFill>
+                          <a:prstDash val="solid"/>
+                          <a:round/>
+                          <a:headEnd type="none" w="med" len="med"/>
+                          <a:tailEnd type="none" w="med" len="med"/>
+                        </a:lnT>
+                        <a:lnB w="7620" cap="flat" cmpd="sng" algn="ctr">
+                          <a:solidFill>
+                            <a:srgbClr val="A2A9B1"/>
+                          </a:solidFill>
+                          <a:prstDash val="solid"/>
+                          <a:round/>
+                          <a:headEnd type="none" w="med" len="med"/>
+                          <a:tailEnd type="none" w="med" len="med"/>
+                        </a:lnB>
+                        <a:solidFill>
+                          <a:srgbClr val="EAECF0"/>
+                        </a:solidFill>
+                      </a:tcPr>
+                    </a:tc>
+                    <a:tc>
+                      <a:txBody>
+                        <a:bodyPr/>
+                        <a:lstStyle/>
+                        <a:p>
+                          <a:pPr algn="ctr"/>
+                          <a:r>
+                            <a:rPr lang="en-US" sz="1900">
+                              <a:solidFill>
+                                <a:srgbClr val="000000"/>
+                              </a:solidFill>
+                              <a:effectLst/>
+                            </a:rPr>
+                            <a:t>Operations to compute derivative</a:t>
+                          </a:r>
+                        </a:p>
+                      </a:txBody>
+                      <a:tcPr marL="92927" marR="92927" marT="46463" marB="46463" anchor="ctr">
+                        <a:lnL w="7620" cap="flat" cmpd="sng" algn="ctr">
+                          <a:solidFill>
+                            <a:srgbClr val="A2A9B1"/>
+                          </a:solidFill>
+                          <a:prstDash val="solid"/>
+                          <a:round/>
+                          <a:headEnd type="none" w="med" len="med"/>
+                          <a:tailEnd type="none" w="med" len="med"/>
+                        </a:lnL>
+                        <a:lnR w="7620" cap="flat" cmpd="sng" algn="ctr">
+                          <a:solidFill>
+                            <a:srgbClr val="A2A9B1"/>
+                          </a:solidFill>
+                          <a:prstDash val="solid"/>
+                          <a:round/>
+                          <a:headEnd type="none" w="med" len="med"/>
+                          <a:tailEnd type="none" w="med" len="med"/>
+                        </a:lnR>
+                        <a:lnT w="7620" cap="flat" cmpd="sng" algn="ctr">
+                          <a:solidFill>
+                            <a:srgbClr val="A2A9B1"/>
+                          </a:solidFill>
+                          <a:prstDash val="solid"/>
+                          <a:round/>
+                          <a:headEnd type="none" w="med" len="med"/>
+                          <a:tailEnd type="none" w="med" len="med"/>
+                        </a:lnT>
+                        <a:lnB w="7620" cap="flat" cmpd="sng" algn="ctr">
+                          <a:solidFill>
+                            <a:srgbClr val="A2A9B1"/>
+                          </a:solidFill>
+                          <a:prstDash val="solid"/>
+                          <a:round/>
+                          <a:headEnd type="none" w="med" len="med"/>
+                          <a:tailEnd type="none" w="med" len="med"/>
+                        </a:lnB>
+                        <a:solidFill>
+                          <a:srgbClr val="EAECF0"/>
+                        </a:solidFill>
+                      </a:tcPr>
+                    </a:tc>
+                    <a:extLst>
+                      <a:ext uri="{0D108BD9-81ED-4DB2-BD59-A6C34878D82A}">
+                        <a16:rowId xmlns:a16="http://schemas.microsoft.com/office/drawing/2014/main" val="1189137635"/>
+                      </a:ext>
+                    </a:extLst>
+                  </a:tr>
+                  <a:tr h="341817">
+                    <a:tc>
+                      <a:txBody>
+                        <a:bodyPr/>
+                        <a:lstStyle/>
+                        <a:p>
+                          <a14:m>
+                            <m:oMathPara xmlns:m="http://schemas.openxmlformats.org/officeDocument/2006/math">
+                              <m:oMathParaPr>
+                                <m:jc m:val="centerGroup"/>
+                              </m:oMathParaPr>
+                              <m:oMath xmlns:m="http://schemas.openxmlformats.org/officeDocument/2006/math">
+                                <m:sSub>
+                                  <m:sSubPr>
+                                    <m:ctrlPr>
+                                      <a:rPr lang="en-US" sz="1900" b="0" i="1" smtClean="0">
+                                        <a:solidFill>
+                                          <a:srgbClr val="000000"/>
+                                        </a:solidFill>
+                                        <a:effectLst/>
+                                        <a:latin typeface="Cambria Math" panose="02040503050406030204" pitchFamily="18" charset="0"/>
+                                      </a:rPr>
+                                    </m:ctrlPr>
+                                  </m:sSubPr>
+                                  <m:e>
+                                    <m:r>
+                                      <a:rPr lang="en-US" sz="1900" b="0" i="1" smtClean="0">
+                                        <a:solidFill>
+                                          <a:srgbClr val="000000"/>
+                                        </a:solidFill>
+                                        <a:effectLst/>
+                                        <a:latin typeface="Cambria Math" panose="02040503050406030204" pitchFamily="18" charset="0"/>
+                                      </a:rPr>
+                                      <m:t>𝑤</m:t>
+                                    </m:r>
+                                  </m:e>
+                                  <m:sub>
+                                    <m:r>
+                                      <a:rPr lang="en-US" sz="1900" b="0" i="1" smtClean="0">
+                                        <a:solidFill>
+                                          <a:srgbClr val="000000"/>
+                                        </a:solidFill>
+                                        <a:effectLst/>
+                                        <a:latin typeface="Cambria Math" panose="02040503050406030204" pitchFamily="18" charset="0"/>
+                                      </a:rPr>
+                                      <m:t>1</m:t>
+                                    </m:r>
+                                  </m:sub>
+                                </m:sSub>
+                                <m:r>
+                                  <a:rPr lang="en-US" sz="1900" b="0" i="1" smtClean="0">
+                                    <a:solidFill>
+                                      <a:srgbClr val="000000"/>
+                                    </a:solidFill>
+                                    <a:effectLst/>
+                                    <a:latin typeface="Cambria Math" panose="02040503050406030204" pitchFamily="18" charset="0"/>
+                                  </a:rPr>
+                                  <m:t>=</m:t>
+                                </m:r>
+                                <m:sSub>
+                                  <m:sSubPr>
+                                    <m:ctrlPr>
+                                      <a:rPr lang="en-US" sz="1900" b="0" i="1" smtClean="0">
+                                        <a:solidFill>
+                                          <a:srgbClr val="000000"/>
+                                        </a:solidFill>
+                                        <a:effectLst/>
+                                        <a:latin typeface="Cambria Math" panose="02040503050406030204" pitchFamily="18" charset="0"/>
+                                      </a:rPr>
+                                    </m:ctrlPr>
+                                  </m:sSubPr>
+                                  <m:e>
+                                    <m:r>
+                                      <a:rPr lang="en-US" sz="1900" b="0" i="1" smtClean="0">
+                                        <a:solidFill>
+                                          <a:srgbClr val="000000"/>
+                                        </a:solidFill>
+                                        <a:effectLst/>
+                                        <a:latin typeface="Cambria Math" panose="02040503050406030204" pitchFamily="18" charset="0"/>
+                                      </a:rPr>
+                                      <m:t>𝑥</m:t>
+                                    </m:r>
+                                  </m:e>
+                                  <m:sub>
+                                    <m:r>
+                                      <a:rPr lang="en-US" sz="1900" b="0" i="1" smtClean="0">
+                                        <a:solidFill>
+                                          <a:srgbClr val="000000"/>
+                                        </a:solidFill>
+                                        <a:effectLst/>
+                                        <a:latin typeface="Cambria Math" panose="02040503050406030204" pitchFamily="18" charset="0"/>
+                                      </a:rPr>
+                                      <m:t>1</m:t>
+                                    </m:r>
+                                  </m:sub>
+                                </m:sSub>
+                              </m:oMath>
+                            </m:oMathPara>
+                          </a14:m>
+                          <a:endParaRPr lang="en-US" sz="1900" dirty="0">
+                            <a:solidFill>
+                              <a:srgbClr val="000000"/>
+                            </a:solidFill>
+                            <a:effectLst/>
+                          </a:endParaRPr>
+                        </a:p>
+                      </a:txBody>
+                      <a:tcPr marL="92927" marR="92927" marT="46463" marB="46463" anchor="ctr">
+                        <a:lnL w="7620" cap="flat" cmpd="sng" algn="ctr">
+                          <a:solidFill>
+                            <a:srgbClr val="A2A9B1"/>
+                          </a:solidFill>
+                          <a:prstDash val="solid"/>
+                          <a:round/>
+                          <a:headEnd type="none" w="med" len="med"/>
+                          <a:tailEnd type="none" w="med" len="med"/>
+                        </a:lnL>
+                        <a:lnR w="7620" cap="flat" cmpd="sng" algn="ctr">
+                          <a:solidFill>
+                            <a:srgbClr val="A2A9B1"/>
+                          </a:solidFill>
+                          <a:prstDash val="solid"/>
+                          <a:round/>
+                          <a:headEnd type="none" w="med" len="med"/>
+                          <a:tailEnd type="none" w="med" len="med"/>
+                        </a:lnR>
+                        <a:lnT w="7620" cap="flat" cmpd="sng" algn="ctr">
+                          <a:solidFill>
+                            <a:srgbClr val="A2A9B1"/>
+                          </a:solidFill>
+                          <a:prstDash val="solid"/>
+                          <a:round/>
+                          <a:headEnd type="none" w="med" len="med"/>
+                          <a:tailEnd type="none" w="med" len="med"/>
+                        </a:lnT>
+                        <a:lnB w="7620" cap="flat" cmpd="sng" algn="ctr">
+                          <a:solidFill>
+                            <a:srgbClr val="A2A9B1"/>
+                          </a:solidFill>
+                          <a:prstDash val="solid"/>
+                          <a:round/>
+                          <a:headEnd type="none" w="med" len="med"/>
+                          <a:tailEnd type="none" w="med" len="med"/>
+                        </a:lnB>
+                        <a:solidFill>
+                          <a:srgbClr val="F8F9FA"/>
+                        </a:solidFill>
+                      </a:tcPr>
+                    </a:tc>
+                    <a:tc>
+                      <a:txBody>
+                        <a:bodyPr/>
+                        <a:lstStyle/>
+                        <a:p>
+                          <a14:m>
+                            <m:oMathPara xmlns:m="http://schemas.openxmlformats.org/officeDocument/2006/math">
+                              <m:oMathParaPr>
+                                <m:jc m:val="centerGroup"/>
+                              </m:oMathParaPr>
+                              <m:oMath xmlns:m="http://schemas.openxmlformats.org/officeDocument/2006/math">
+                                <m:acc>
+                                  <m:accPr>
+                                    <m:chr m:val="̇"/>
+                                    <m:ctrlPr>
+                                      <a:rPr lang="en-US" sz="1900" b="0" i="1" smtClean="0">
+                                        <a:solidFill>
+                                          <a:srgbClr val="000000"/>
+                                        </a:solidFill>
+                                        <a:effectLst/>
+                                        <a:latin typeface="Cambria Math" panose="02040503050406030204" pitchFamily="18" charset="0"/>
+                                      </a:rPr>
+                                    </m:ctrlPr>
+                                  </m:accPr>
+                                  <m:e>
+                                    <m:sSub>
+                                      <m:sSubPr>
+                                        <m:ctrlPr>
+                                          <a:rPr lang="en-US" sz="1900" b="0" i="1" smtClean="0">
+                                            <a:solidFill>
+                                              <a:srgbClr val="000000"/>
+                                            </a:solidFill>
+                                            <a:effectLst/>
+                                            <a:latin typeface="Cambria Math" panose="02040503050406030204" pitchFamily="18" charset="0"/>
+                                          </a:rPr>
+                                        </m:ctrlPr>
+                                      </m:sSubPr>
+                                      <m:e>
+                                        <m:r>
+                                          <a:rPr lang="en-US" sz="1900" b="0" i="1" smtClean="0">
+                                            <a:solidFill>
+                                              <a:srgbClr val="000000"/>
+                                            </a:solidFill>
+                                            <a:effectLst/>
+                                            <a:latin typeface="Cambria Math" panose="02040503050406030204" pitchFamily="18" charset="0"/>
+                                          </a:rPr>
+                                          <m:t>𝑤</m:t>
+                                        </m:r>
+                                      </m:e>
+                                      <m:sub>
+                                        <m:r>
+                                          <a:rPr lang="en-US" sz="1900" b="0" i="1" smtClean="0">
+                                            <a:solidFill>
+                                              <a:srgbClr val="000000"/>
+                                            </a:solidFill>
+                                            <a:effectLst/>
+                                            <a:latin typeface="Cambria Math" panose="02040503050406030204" pitchFamily="18" charset="0"/>
+                                          </a:rPr>
+                                          <m:t>1</m:t>
+                                        </m:r>
+                                      </m:sub>
+                                    </m:sSub>
+                                  </m:e>
+                                </m:acc>
+                                <m:r>
+                                  <a:rPr lang="en-US" sz="1900" b="0" i="1" smtClean="0">
+                                    <a:solidFill>
+                                      <a:srgbClr val="000000"/>
+                                    </a:solidFill>
+                                    <a:effectLst/>
+                                    <a:latin typeface="Cambria Math" panose="02040503050406030204" pitchFamily="18" charset="0"/>
+                                  </a:rPr>
+                                  <m:t>=1 (</m:t>
+                                </m:r>
+                                <m:r>
+                                  <a:rPr lang="en-US" sz="1900" b="0" i="1" smtClean="0">
+                                    <a:solidFill>
+                                      <a:srgbClr val="000000"/>
+                                    </a:solidFill>
+                                    <a:effectLst/>
+                                    <a:latin typeface="Cambria Math" panose="02040503050406030204" pitchFamily="18" charset="0"/>
+                                  </a:rPr>
+                                  <m:t>𝑠𝑒𝑒𝑑</m:t>
+                                </m:r>
+                                <m:r>
+                                  <a:rPr lang="en-US" sz="1900" b="0" i="1" smtClean="0">
+                                    <a:solidFill>
+                                      <a:srgbClr val="000000"/>
+                                    </a:solidFill>
+                                    <a:effectLst/>
+                                    <a:latin typeface="Cambria Math" panose="02040503050406030204" pitchFamily="18" charset="0"/>
+                                  </a:rPr>
+                                  <m:t>)</m:t>
+                                </m:r>
+                              </m:oMath>
+                            </m:oMathPara>
+                          </a14:m>
+                          <a:endParaRPr lang="en-US" sz="1900" dirty="0">
+                            <a:solidFill>
+                              <a:srgbClr val="000000"/>
+                            </a:solidFill>
+                            <a:effectLst/>
+                          </a:endParaRPr>
+                        </a:p>
+                      </a:txBody>
+                      <a:tcPr marL="92927" marR="92927" marT="46463" marB="46463" anchor="ctr">
+                        <a:lnL w="7620" cap="flat" cmpd="sng" algn="ctr">
+                          <a:solidFill>
+                            <a:srgbClr val="A2A9B1"/>
+                          </a:solidFill>
+                          <a:prstDash val="solid"/>
+                          <a:round/>
+                          <a:headEnd type="none" w="med" len="med"/>
+                          <a:tailEnd type="none" w="med" len="med"/>
+                        </a:lnL>
+                        <a:lnR w="7620" cap="flat" cmpd="sng" algn="ctr">
+                          <a:solidFill>
+                            <a:srgbClr val="A2A9B1"/>
+                          </a:solidFill>
+                          <a:prstDash val="solid"/>
+                          <a:round/>
+                          <a:headEnd type="none" w="med" len="med"/>
+                          <a:tailEnd type="none" w="med" len="med"/>
+                        </a:lnR>
+                        <a:lnT w="7620" cap="flat" cmpd="sng" algn="ctr">
+                          <a:solidFill>
+                            <a:srgbClr val="A2A9B1"/>
+                          </a:solidFill>
+                          <a:prstDash val="solid"/>
+                          <a:round/>
+                          <a:headEnd type="none" w="med" len="med"/>
+                          <a:tailEnd type="none" w="med" len="med"/>
+                        </a:lnT>
+                        <a:lnB w="7620" cap="flat" cmpd="sng" algn="ctr">
+                          <a:solidFill>
+                            <a:srgbClr val="A2A9B1"/>
+                          </a:solidFill>
+                          <a:prstDash val="solid"/>
+                          <a:round/>
+                          <a:headEnd type="none" w="med" len="med"/>
+                          <a:tailEnd type="none" w="med" len="med"/>
+                        </a:lnB>
+                        <a:solidFill>
+                          <a:srgbClr val="F8F9FA"/>
+                        </a:solidFill>
+                      </a:tcPr>
+                    </a:tc>
+                    <a:extLst>
+                      <a:ext uri="{0D108BD9-81ED-4DB2-BD59-A6C34878D82A}">
+                        <a16:rowId xmlns:a16="http://schemas.microsoft.com/office/drawing/2014/main" val="3899758922"/>
+                      </a:ext>
+                    </a:extLst>
+                  </a:tr>
+                  <a:tr h="341817">
+                    <a:tc>
+                      <a:txBody>
+                        <a:bodyPr/>
+                        <a:lstStyle/>
+                        <a:p>
+                          <a14:m>
+                            <m:oMathPara xmlns:m="http://schemas.openxmlformats.org/officeDocument/2006/math">
+                              <m:oMathParaPr>
+                                <m:jc m:val="centerGroup"/>
+                              </m:oMathParaPr>
+                              <m:oMath xmlns:m="http://schemas.openxmlformats.org/officeDocument/2006/math">
+                                <m:sSub>
+                                  <m:sSubPr>
+                                    <m:ctrlPr>
+                                      <a:rPr lang="en-US" sz="1900" b="0" i="1" smtClean="0">
+                                        <a:solidFill>
+                                          <a:srgbClr val="000000"/>
+                                        </a:solidFill>
+                                        <a:effectLst/>
+                                        <a:latin typeface="Cambria Math" panose="02040503050406030204" pitchFamily="18" charset="0"/>
+                                      </a:rPr>
+                                    </m:ctrlPr>
+                                  </m:sSubPr>
+                                  <m:e>
+                                    <m:r>
+                                      <a:rPr lang="en-US" sz="1900" b="0" i="1" smtClean="0">
+                                        <a:solidFill>
+                                          <a:srgbClr val="000000"/>
+                                        </a:solidFill>
+                                        <a:effectLst/>
+                                        <a:latin typeface="Cambria Math" panose="02040503050406030204" pitchFamily="18" charset="0"/>
+                                      </a:rPr>
+                                      <m:t>𝑤</m:t>
+                                    </m:r>
+                                  </m:e>
+                                  <m:sub>
+                                    <m:r>
+                                      <a:rPr lang="en-US" sz="1900" b="0" i="1" smtClean="0">
+                                        <a:solidFill>
+                                          <a:srgbClr val="000000"/>
+                                        </a:solidFill>
+                                        <a:effectLst/>
+                                        <a:latin typeface="Cambria Math" panose="02040503050406030204" pitchFamily="18" charset="0"/>
+                                      </a:rPr>
+                                      <m:t>2</m:t>
+                                    </m:r>
+                                  </m:sub>
+                                </m:sSub>
+                                <m:r>
+                                  <a:rPr lang="en-US" sz="1900" b="0" i="1" smtClean="0">
+                                    <a:solidFill>
+                                      <a:srgbClr val="000000"/>
+                                    </a:solidFill>
+                                    <a:effectLst/>
+                                    <a:latin typeface="Cambria Math" panose="02040503050406030204" pitchFamily="18" charset="0"/>
+                                  </a:rPr>
+                                  <m:t>=</m:t>
+                                </m:r>
+                                <m:sSub>
+                                  <m:sSubPr>
+                                    <m:ctrlPr>
+                                      <a:rPr lang="en-US" sz="1900" b="0" i="1" smtClean="0">
+                                        <a:solidFill>
+                                          <a:srgbClr val="000000"/>
+                                        </a:solidFill>
+                                        <a:effectLst/>
+                                        <a:latin typeface="Cambria Math" panose="02040503050406030204" pitchFamily="18" charset="0"/>
+                                      </a:rPr>
+                                    </m:ctrlPr>
+                                  </m:sSubPr>
+                                  <m:e>
+                                    <m:r>
+                                      <a:rPr lang="en-US" sz="1900" b="0" i="1" smtClean="0">
+                                        <a:solidFill>
+                                          <a:srgbClr val="000000"/>
+                                        </a:solidFill>
+                                        <a:effectLst/>
+                                        <a:latin typeface="Cambria Math" panose="02040503050406030204" pitchFamily="18" charset="0"/>
+                                      </a:rPr>
+                                      <m:t>𝑥</m:t>
+                                    </m:r>
+                                  </m:e>
+                                  <m:sub>
+                                    <m:r>
+                                      <a:rPr lang="en-US" sz="1900" b="0" i="1" smtClean="0">
+                                        <a:solidFill>
+                                          <a:srgbClr val="000000"/>
+                                        </a:solidFill>
+                                        <a:effectLst/>
+                                        <a:latin typeface="Cambria Math" panose="02040503050406030204" pitchFamily="18" charset="0"/>
+                                      </a:rPr>
+                                      <m:t>2</m:t>
+                                    </m:r>
+                                  </m:sub>
+                                </m:sSub>
+                              </m:oMath>
+                            </m:oMathPara>
+                          </a14:m>
+                          <a:endParaRPr lang="en-US" sz="1900" dirty="0">
+                            <a:solidFill>
+                              <a:srgbClr val="000000"/>
+                            </a:solidFill>
+                            <a:effectLst/>
+                          </a:endParaRPr>
+                        </a:p>
+                      </a:txBody>
+                      <a:tcPr marL="92927" marR="92927" marT="46463" marB="46463" anchor="ctr">
+                        <a:lnL w="7620" cap="flat" cmpd="sng" algn="ctr">
+                          <a:solidFill>
+                            <a:srgbClr val="A2A9B1"/>
+                          </a:solidFill>
+                          <a:prstDash val="solid"/>
+                          <a:round/>
+                          <a:headEnd type="none" w="med" len="med"/>
+                          <a:tailEnd type="none" w="med" len="med"/>
+                        </a:lnL>
+                        <a:lnR w="7620" cap="flat" cmpd="sng" algn="ctr">
+                          <a:solidFill>
+                            <a:srgbClr val="A2A9B1"/>
+                          </a:solidFill>
+                          <a:prstDash val="solid"/>
+                          <a:round/>
+                          <a:headEnd type="none" w="med" len="med"/>
+                          <a:tailEnd type="none" w="med" len="med"/>
+                        </a:lnR>
+                        <a:lnT w="7620" cap="flat" cmpd="sng" algn="ctr">
+                          <a:solidFill>
+                            <a:srgbClr val="A2A9B1"/>
+                          </a:solidFill>
+                          <a:prstDash val="solid"/>
+                          <a:round/>
+                          <a:headEnd type="none" w="med" len="med"/>
+                          <a:tailEnd type="none" w="med" len="med"/>
+                        </a:lnT>
+                        <a:lnB w="7620" cap="flat" cmpd="sng" algn="ctr">
+                          <a:solidFill>
+                            <a:srgbClr val="A2A9B1"/>
+                          </a:solidFill>
+                          <a:prstDash val="solid"/>
+                          <a:round/>
+                          <a:headEnd type="none" w="med" len="med"/>
+                          <a:tailEnd type="none" w="med" len="med"/>
+                        </a:lnB>
+                        <a:solidFill>
+                          <a:srgbClr val="F8F9FA"/>
+                        </a:solidFill>
+                      </a:tcPr>
+                    </a:tc>
+                    <a:tc>
+                      <a:txBody>
+                        <a:bodyPr/>
+                        <a:lstStyle/>
+                        <a:p>
+                          <a14:m>
+                            <m:oMathPara xmlns:m="http://schemas.openxmlformats.org/officeDocument/2006/math">
+                              <m:oMathParaPr>
+                                <m:jc m:val="centerGroup"/>
+                              </m:oMathParaPr>
+                              <m:oMath xmlns:m="http://schemas.openxmlformats.org/officeDocument/2006/math">
+                                <m:acc>
+                                  <m:accPr>
+                                    <m:chr m:val="̇"/>
+                                    <m:ctrlPr>
+                                      <a:rPr lang="en-US" sz="1900" b="0" i="1" smtClean="0">
+                                        <a:solidFill>
+                                          <a:srgbClr val="000000"/>
+                                        </a:solidFill>
+                                        <a:effectLst/>
+                                        <a:latin typeface="Cambria Math" panose="02040503050406030204" pitchFamily="18" charset="0"/>
+                                      </a:rPr>
+                                    </m:ctrlPr>
+                                  </m:accPr>
+                                  <m:e>
+                                    <m:sSub>
+                                      <m:sSubPr>
+                                        <m:ctrlPr>
+                                          <a:rPr lang="en-US" sz="1900" b="0" i="1" smtClean="0">
+                                            <a:solidFill>
+                                              <a:srgbClr val="000000"/>
+                                            </a:solidFill>
+                                            <a:effectLst/>
+                                            <a:latin typeface="Cambria Math" panose="02040503050406030204" pitchFamily="18" charset="0"/>
+                                          </a:rPr>
+                                        </m:ctrlPr>
+                                      </m:sSubPr>
+                                      <m:e>
+                                        <m:r>
+                                          <a:rPr lang="en-US" sz="1900" b="0" i="1" smtClean="0">
+                                            <a:solidFill>
+                                              <a:srgbClr val="000000"/>
+                                            </a:solidFill>
+                                            <a:effectLst/>
+                                            <a:latin typeface="Cambria Math" panose="02040503050406030204" pitchFamily="18" charset="0"/>
+                                          </a:rPr>
+                                          <m:t>𝑤</m:t>
+                                        </m:r>
+                                      </m:e>
+                                      <m:sub>
+                                        <m:r>
+                                          <a:rPr lang="en-US" sz="1900" b="0" i="1" smtClean="0">
+                                            <a:solidFill>
+                                              <a:srgbClr val="000000"/>
+                                            </a:solidFill>
+                                            <a:effectLst/>
+                                            <a:latin typeface="Cambria Math" panose="02040503050406030204" pitchFamily="18" charset="0"/>
+                                          </a:rPr>
+                                          <m:t>2</m:t>
+                                        </m:r>
+                                      </m:sub>
+                                    </m:sSub>
+                                  </m:e>
+                                </m:acc>
+                                <m:r>
+                                  <a:rPr lang="en-US" sz="1900" b="0" i="1" smtClean="0">
+                                    <a:solidFill>
+                                      <a:srgbClr val="000000"/>
+                                    </a:solidFill>
+                                    <a:effectLst/>
+                                    <a:latin typeface="Cambria Math" panose="02040503050406030204" pitchFamily="18" charset="0"/>
+                                  </a:rPr>
+                                  <m:t>=0 (</m:t>
+                                </m:r>
+                                <m:r>
+                                  <a:rPr lang="en-US" sz="1900" b="0" i="1" smtClean="0">
+                                    <a:solidFill>
+                                      <a:srgbClr val="000000"/>
+                                    </a:solidFill>
+                                    <a:effectLst/>
+                                    <a:latin typeface="Cambria Math" panose="02040503050406030204" pitchFamily="18" charset="0"/>
+                                  </a:rPr>
+                                  <m:t>𝑠𝑒𝑒𝑑</m:t>
+                                </m:r>
+                                <m:r>
+                                  <a:rPr lang="en-US" sz="1900" b="0" i="1" smtClean="0">
+                                    <a:solidFill>
+                                      <a:srgbClr val="000000"/>
+                                    </a:solidFill>
+                                    <a:effectLst/>
+                                    <a:latin typeface="Cambria Math" panose="02040503050406030204" pitchFamily="18" charset="0"/>
+                                  </a:rPr>
+                                  <m:t>)</m:t>
+                                </m:r>
+                              </m:oMath>
+                            </m:oMathPara>
+                          </a14:m>
+                          <a:endParaRPr lang="en-US" sz="1900" dirty="0">
+                            <a:solidFill>
+                              <a:srgbClr val="000000"/>
+                            </a:solidFill>
+                            <a:effectLst/>
+                          </a:endParaRPr>
+                        </a:p>
+                      </a:txBody>
+                      <a:tcPr marL="92927" marR="92927" marT="46463" marB="46463" anchor="ctr">
+                        <a:lnL w="7620" cap="flat" cmpd="sng" algn="ctr">
+                          <a:solidFill>
+                            <a:srgbClr val="A2A9B1"/>
+                          </a:solidFill>
+                          <a:prstDash val="solid"/>
+                          <a:round/>
+                          <a:headEnd type="none" w="med" len="med"/>
+                          <a:tailEnd type="none" w="med" len="med"/>
+                        </a:lnL>
+                        <a:lnR w="7620" cap="flat" cmpd="sng" algn="ctr">
+                          <a:solidFill>
+                            <a:srgbClr val="A2A9B1"/>
+                          </a:solidFill>
+                          <a:prstDash val="solid"/>
+                          <a:round/>
+                          <a:headEnd type="none" w="med" len="med"/>
+                          <a:tailEnd type="none" w="med" len="med"/>
+                        </a:lnR>
+                        <a:lnT w="7620" cap="flat" cmpd="sng" algn="ctr">
+                          <a:solidFill>
+                            <a:srgbClr val="A2A9B1"/>
+                          </a:solidFill>
+                          <a:prstDash val="solid"/>
+                          <a:round/>
+                          <a:headEnd type="none" w="med" len="med"/>
+                          <a:tailEnd type="none" w="med" len="med"/>
+                        </a:lnT>
+                        <a:lnB w="7620" cap="flat" cmpd="sng" algn="ctr">
+                          <a:solidFill>
+                            <a:srgbClr val="A2A9B1"/>
+                          </a:solidFill>
+                          <a:prstDash val="solid"/>
+                          <a:round/>
+                          <a:headEnd type="none" w="med" len="med"/>
+                          <a:tailEnd type="none" w="med" len="med"/>
+                        </a:lnB>
+                        <a:solidFill>
+                          <a:srgbClr val="F8F9FA"/>
+                        </a:solidFill>
+                      </a:tcPr>
+                    </a:tc>
+                    <a:extLst>
+                      <a:ext uri="{0D108BD9-81ED-4DB2-BD59-A6C34878D82A}">
+                        <a16:rowId xmlns:a16="http://schemas.microsoft.com/office/drawing/2014/main" val="3091021615"/>
+                      </a:ext>
+                    </a:extLst>
+                  </a:tr>
+                  <a:tr h="341817">
+                    <a:tc>
+                      <a:txBody>
+                        <a:bodyPr/>
+                        <a:lstStyle/>
+                        <a:p>
+                          <a14:m>
+                            <m:oMathPara xmlns:m="http://schemas.openxmlformats.org/officeDocument/2006/math">
+                              <m:oMathParaPr>
+                                <m:jc m:val="centerGroup"/>
+                              </m:oMathParaPr>
+                              <m:oMath xmlns:m="http://schemas.openxmlformats.org/officeDocument/2006/math">
+                                <m:sSub>
+                                  <m:sSubPr>
+                                    <m:ctrlPr>
+                                      <a:rPr lang="en-US" sz="1900" b="0" i="1" smtClean="0">
+                                        <a:solidFill>
+                                          <a:srgbClr val="000000"/>
+                                        </a:solidFill>
+                                        <a:effectLst/>
+                                        <a:latin typeface="Cambria Math" panose="02040503050406030204" pitchFamily="18" charset="0"/>
+                                      </a:rPr>
+                                    </m:ctrlPr>
+                                  </m:sSubPr>
+                                  <m:e>
+                                    <m:r>
+                                      <a:rPr lang="en-US" sz="1900" b="0" i="1" smtClean="0">
+                                        <a:solidFill>
+                                          <a:srgbClr val="000000"/>
+                                        </a:solidFill>
+                                        <a:effectLst/>
+                                        <a:latin typeface="Cambria Math" panose="02040503050406030204" pitchFamily="18" charset="0"/>
+                                      </a:rPr>
+                                      <m:t>𝑤</m:t>
+                                    </m:r>
+                                  </m:e>
+                                  <m:sub>
+                                    <m:r>
+                                      <a:rPr lang="en-US" sz="1900" b="0" i="1" smtClean="0">
+                                        <a:solidFill>
+                                          <a:srgbClr val="000000"/>
+                                        </a:solidFill>
+                                        <a:effectLst/>
+                                        <a:latin typeface="Cambria Math" panose="02040503050406030204" pitchFamily="18" charset="0"/>
+                                      </a:rPr>
+                                      <m:t>3</m:t>
+                                    </m:r>
+                                  </m:sub>
+                                </m:sSub>
+                                <m:r>
+                                  <a:rPr lang="en-US" sz="1900" b="0" i="1" smtClean="0">
+                                    <a:solidFill>
+                                      <a:srgbClr val="000000"/>
+                                    </a:solidFill>
+                                    <a:effectLst/>
+                                    <a:latin typeface="Cambria Math" panose="02040503050406030204" pitchFamily="18" charset="0"/>
+                                  </a:rPr>
+                                  <m:t>=</m:t>
+                                </m:r>
+                                <m:sSub>
+                                  <m:sSubPr>
+                                    <m:ctrlPr>
+                                      <a:rPr lang="en-US" sz="1900" b="0" i="1" smtClean="0">
+                                        <a:solidFill>
+                                          <a:srgbClr val="000000"/>
+                                        </a:solidFill>
+                                        <a:effectLst/>
+                                        <a:latin typeface="Cambria Math" panose="02040503050406030204" pitchFamily="18" charset="0"/>
+                                      </a:rPr>
+                                    </m:ctrlPr>
+                                  </m:sSubPr>
+                                  <m:e>
+                                    <m:r>
+                                      <a:rPr lang="en-US" sz="1900" b="0" i="1" smtClean="0">
+                                        <a:solidFill>
+                                          <a:srgbClr val="000000"/>
+                                        </a:solidFill>
+                                        <a:effectLst/>
+                                        <a:latin typeface="Cambria Math" panose="02040503050406030204" pitchFamily="18" charset="0"/>
+                                      </a:rPr>
+                                      <m:t>𝑤</m:t>
+                                    </m:r>
+                                  </m:e>
+                                  <m:sub>
+                                    <m:r>
+                                      <a:rPr lang="en-US" sz="1900" b="0" i="1" smtClean="0">
+                                        <a:solidFill>
+                                          <a:srgbClr val="000000"/>
+                                        </a:solidFill>
+                                        <a:effectLst/>
+                                        <a:latin typeface="Cambria Math" panose="02040503050406030204" pitchFamily="18" charset="0"/>
+                                      </a:rPr>
+                                      <m:t>1</m:t>
+                                    </m:r>
+                                  </m:sub>
+                                </m:sSub>
+                                <m:r>
+                                  <a:rPr lang="en-US" sz="1900" b="0" i="1" smtClean="0">
+                                    <a:solidFill>
+                                      <a:srgbClr val="000000"/>
+                                    </a:solidFill>
+                                    <a:effectLst/>
+                                    <a:latin typeface="Cambria Math" panose="02040503050406030204" pitchFamily="18" charset="0"/>
+                                  </a:rPr>
+                                  <m:t>∗</m:t>
+                                </m:r>
+                                <m:sSub>
+                                  <m:sSubPr>
+                                    <m:ctrlPr>
+                                      <a:rPr lang="en-US" sz="1900" b="0" i="1" smtClean="0">
+                                        <a:solidFill>
+                                          <a:srgbClr val="000000"/>
+                                        </a:solidFill>
+                                        <a:effectLst/>
+                                        <a:latin typeface="Cambria Math" panose="02040503050406030204" pitchFamily="18" charset="0"/>
+                                      </a:rPr>
+                                    </m:ctrlPr>
+                                  </m:sSubPr>
+                                  <m:e>
+                                    <m:r>
+                                      <a:rPr lang="en-US" sz="1900" b="0" i="1" smtClean="0">
+                                        <a:solidFill>
+                                          <a:srgbClr val="000000"/>
+                                        </a:solidFill>
+                                        <a:effectLst/>
+                                        <a:latin typeface="Cambria Math" panose="02040503050406030204" pitchFamily="18" charset="0"/>
+                                      </a:rPr>
+                                      <m:t>𝑤</m:t>
+                                    </m:r>
+                                  </m:e>
+                                  <m:sub>
+                                    <m:r>
+                                      <a:rPr lang="en-US" sz="1900" b="0" i="1" smtClean="0">
+                                        <a:solidFill>
+                                          <a:srgbClr val="000000"/>
+                                        </a:solidFill>
+                                        <a:effectLst/>
+                                        <a:latin typeface="Cambria Math" panose="02040503050406030204" pitchFamily="18" charset="0"/>
+                                      </a:rPr>
+                                      <m:t>2</m:t>
+                                    </m:r>
+                                  </m:sub>
+                                </m:sSub>
+                              </m:oMath>
+                            </m:oMathPara>
+                          </a14:m>
+                          <a:endParaRPr lang="en-US" sz="1900" dirty="0">
+                            <a:solidFill>
+                              <a:srgbClr val="000000"/>
+                            </a:solidFill>
+                            <a:effectLst/>
+                          </a:endParaRPr>
+                        </a:p>
+                      </a:txBody>
+                      <a:tcPr marL="92927" marR="92927" marT="46463" marB="46463" anchor="ctr">
+                        <a:lnL w="7620" cap="flat" cmpd="sng" algn="ctr">
+                          <a:solidFill>
+                            <a:srgbClr val="A2A9B1"/>
+                          </a:solidFill>
+                          <a:prstDash val="solid"/>
+                          <a:round/>
+                          <a:headEnd type="none" w="med" len="med"/>
+                          <a:tailEnd type="none" w="med" len="med"/>
+                        </a:lnL>
+                        <a:lnR w="7620" cap="flat" cmpd="sng" algn="ctr">
+                          <a:solidFill>
+                            <a:srgbClr val="A2A9B1"/>
+                          </a:solidFill>
+                          <a:prstDash val="solid"/>
+                          <a:round/>
+                          <a:headEnd type="none" w="med" len="med"/>
+                          <a:tailEnd type="none" w="med" len="med"/>
+                        </a:lnR>
+                        <a:lnT w="7620" cap="flat" cmpd="sng" algn="ctr">
+                          <a:solidFill>
+                            <a:srgbClr val="A2A9B1"/>
+                          </a:solidFill>
+                          <a:prstDash val="solid"/>
+                          <a:round/>
+                          <a:headEnd type="none" w="med" len="med"/>
+                          <a:tailEnd type="none" w="med" len="med"/>
+                        </a:lnT>
+                        <a:lnB w="7620" cap="flat" cmpd="sng" algn="ctr">
+                          <a:solidFill>
+                            <a:srgbClr val="A2A9B1"/>
+                          </a:solidFill>
+                          <a:prstDash val="solid"/>
+                          <a:round/>
+                          <a:headEnd type="none" w="med" len="med"/>
+                          <a:tailEnd type="none" w="med" len="med"/>
+                        </a:lnB>
+                        <a:solidFill>
+                          <a:srgbClr val="F8F9FA"/>
+                        </a:solidFill>
+                      </a:tcPr>
+                    </a:tc>
+                    <a:tc>
+                      <a:txBody>
+                        <a:bodyPr/>
+                        <a:lstStyle/>
+                        <a:p>
+                          <a14:m>
+                            <m:oMathPara xmlns:m="http://schemas.openxmlformats.org/officeDocument/2006/math">
+                              <m:oMathParaPr>
+                                <m:jc m:val="centerGroup"/>
+                              </m:oMathParaPr>
+                              <m:oMath xmlns:m="http://schemas.openxmlformats.org/officeDocument/2006/math">
+                                <m:acc>
+                                  <m:accPr>
+                                    <m:chr m:val="̇"/>
+                                    <m:ctrlPr>
+                                      <a:rPr lang="en-US" sz="1900" b="0" i="1" smtClean="0">
+                                        <a:solidFill>
+                                          <a:srgbClr val="000000"/>
+                                        </a:solidFill>
+                                        <a:effectLst/>
+                                        <a:latin typeface="Cambria Math" panose="02040503050406030204" pitchFamily="18" charset="0"/>
+                                      </a:rPr>
+                                    </m:ctrlPr>
+                                  </m:accPr>
+                                  <m:e>
+                                    <m:sSub>
+                                      <m:sSubPr>
+                                        <m:ctrlPr>
+                                          <a:rPr lang="en-US" sz="1900" b="0" i="1" smtClean="0">
+                                            <a:solidFill>
+                                              <a:srgbClr val="000000"/>
+                                            </a:solidFill>
+                                            <a:effectLst/>
+                                            <a:latin typeface="Cambria Math" panose="02040503050406030204" pitchFamily="18" charset="0"/>
+                                          </a:rPr>
+                                        </m:ctrlPr>
+                                      </m:sSubPr>
+                                      <m:e>
+                                        <m:r>
+                                          <a:rPr lang="en-US" sz="1900" b="0" i="1" smtClean="0">
+                                            <a:solidFill>
+                                              <a:srgbClr val="000000"/>
+                                            </a:solidFill>
+                                            <a:effectLst/>
+                                            <a:latin typeface="Cambria Math" panose="02040503050406030204" pitchFamily="18" charset="0"/>
+                                          </a:rPr>
+                                          <m:t>𝑤</m:t>
+                                        </m:r>
+                                      </m:e>
+                                      <m:sub>
+                                        <m:r>
+                                          <a:rPr lang="en-US" sz="1900" b="0" i="1" smtClean="0">
+                                            <a:solidFill>
+                                              <a:srgbClr val="000000"/>
+                                            </a:solidFill>
+                                            <a:effectLst/>
+                                            <a:latin typeface="Cambria Math" panose="02040503050406030204" pitchFamily="18" charset="0"/>
+                                          </a:rPr>
+                                          <m:t>3</m:t>
+                                        </m:r>
+                                      </m:sub>
+                                    </m:sSub>
+                                  </m:e>
+                                </m:acc>
+                                <m:r>
+                                  <a:rPr lang="en-US" sz="1900" b="0" i="1" smtClean="0">
+                                    <a:solidFill>
+                                      <a:srgbClr val="000000"/>
+                                    </a:solidFill>
+                                    <a:effectLst/>
+                                    <a:latin typeface="Cambria Math" panose="02040503050406030204" pitchFamily="18" charset="0"/>
+                                  </a:rPr>
+                                  <m:t>=</m:t>
+                                </m:r>
+                                <m:sSub>
+                                  <m:sSubPr>
+                                    <m:ctrlPr>
+                                      <a:rPr lang="en-US" sz="1900" b="0" i="1" smtClean="0">
+                                        <a:solidFill>
+                                          <a:srgbClr val="000000"/>
+                                        </a:solidFill>
+                                        <a:effectLst/>
+                                        <a:latin typeface="Cambria Math" panose="02040503050406030204" pitchFamily="18" charset="0"/>
+                                      </a:rPr>
+                                    </m:ctrlPr>
+                                  </m:sSubPr>
+                                  <m:e>
+                                    <m:r>
+                                      <a:rPr lang="en-US" sz="1900" b="0" i="1" smtClean="0">
+                                        <a:solidFill>
+                                          <a:srgbClr val="000000"/>
+                                        </a:solidFill>
+                                        <a:effectLst/>
+                                        <a:latin typeface="Cambria Math" panose="02040503050406030204" pitchFamily="18" charset="0"/>
+                                      </a:rPr>
+                                      <m:t>𝑤</m:t>
+                                    </m:r>
+                                  </m:e>
+                                  <m:sub>
+                                    <m:r>
+                                      <a:rPr lang="en-US" sz="1900" b="0" i="1" smtClean="0">
+                                        <a:solidFill>
+                                          <a:srgbClr val="000000"/>
+                                        </a:solidFill>
+                                        <a:effectLst/>
+                                        <a:latin typeface="Cambria Math" panose="02040503050406030204" pitchFamily="18" charset="0"/>
+                                      </a:rPr>
+                                      <m:t>2</m:t>
+                                    </m:r>
+                                  </m:sub>
+                                </m:sSub>
+                                <m:r>
+                                  <a:rPr lang="en-US" sz="1900" b="0" i="1" smtClean="0">
+                                    <a:solidFill>
+                                      <a:srgbClr val="000000"/>
+                                    </a:solidFill>
+                                    <a:effectLst/>
+                                    <a:latin typeface="Cambria Math" panose="02040503050406030204" pitchFamily="18" charset="0"/>
+                                  </a:rPr>
+                                  <m:t>∗</m:t>
+                                </m:r>
+                                <m:acc>
+                                  <m:accPr>
+                                    <m:chr m:val="̇"/>
+                                    <m:ctrlPr>
+                                      <a:rPr lang="en-US" sz="1900" b="0" i="1" smtClean="0">
+                                        <a:solidFill>
+                                          <a:srgbClr val="000000"/>
+                                        </a:solidFill>
+                                        <a:effectLst/>
+                                        <a:latin typeface="Cambria Math" panose="02040503050406030204" pitchFamily="18" charset="0"/>
+                                      </a:rPr>
+                                    </m:ctrlPr>
+                                  </m:accPr>
+                                  <m:e>
+                                    <m:sSub>
+                                      <m:sSubPr>
+                                        <m:ctrlPr>
+                                          <a:rPr lang="en-US" sz="1900" b="0" i="1" smtClean="0">
+                                            <a:solidFill>
+                                              <a:srgbClr val="000000"/>
+                                            </a:solidFill>
+                                            <a:effectLst/>
+                                            <a:latin typeface="Cambria Math" panose="02040503050406030204" pitchFamily="18" charset="0"/>
+                                          </a:rPr>
+                                        </m:ctrlPr>
+                                      </m:sSubPr>
+                                      <m:e>
+                                        <m:r>
+                                          <a:rPr lang="en-US" sz="1900" b="0" i="1" smtClean="0">
+                                            <a:solidFill>
+                                              <a:srgbClr val="000000"/>
+                                            </a:solidFill>
+                                            <a:effectLst/>
+                                            <a:latin typeface="Cambria Math" panose="02040503050406030204" pitchFamily="18" charset="0"/>
+                                          </a:rPr>
+                                          <m:t>𝑤</m:t>
+                                        </m:r>
+                                      </m:e>
+                                      <m:sub>
+                                        <m:r>
+                                          <a:rPr lang="en-US" sz="1900" b="0" i="1" smtClean="0">
+                                            <a:solidFill>
+                                              <a:srgbClr val="000000"/>
+                                            </a:solidFill>
+                                            <a:effectLst/>
+                                            <a:latin typeface="Cambria Math" panose="02040503050406030204" pitchFamily="18" charset="0"/>
+                                          </a:rPr>
+                                          <m:t>1</m:t>
+                                        </m:r>
+                                      </m:sub>
+                                    </m:sSub>
+                                  </m:e>
+                                </m:acc>
+                                <m:r>
+                                  <a:rPr lang="en-US" sz="1900" b="0" i="1" smtClean="0">
+                                    <a:solidFill>
+                                      <a:srgbClr val="000000"/>
+                                    </a:solidFill>
+                                    <a:effectLst/>
+                                    <a:latin typeface="Cambria Math" panose="02040503050406030204" pitchFamily="18" charset="0"/>
+                                  </a:rPr>
+                                  <m:t>+</m:t>
+                                </m:r>
+                                <m:sSub>
+                                  <m:sSubPr>
+                                    <m:ctrlPr>
+                                      <a:rPr lang="en-US" sz="1900" b="0" i="1" smtClean="0">
+                                        <a:solidFill>
+                                          <a:srgbClr val="000000"/>
+                                        </a:solidFill>
+                                        <a:effectLst/>
+                                        <a:latin typeface="Cambria Math" panose="02040503050406030204" pitchFamily="18" charset="0"/>
+                                      </a:rPr>
+                                    </m:ctrlPr>
+                                  </m:sSubPr>
+                                  <m:e>
+                                    <m:r>
+                                      <a:rPr lang="en-US" sz="1900" b="0" i="1" smtClean="0">
+                                        <a:solidFill>
+                                          <a:srgbClr val="000000"/>
+                                        </a:solidFill>
+                                        <a:effectLst/>
+                                        <a:latin typeface="Cambria Math" panose="02040503050406030204" pitchFamily="18" charset="0"/>
+                                      </a:rPr>
+                                      <m:t>𝑤</m:t>
+                                    </m:r>
+                                  </m:e>
+                                  <m:sub>
+                                    <m:r>
+                                      <a:rPr lang="en-US" sz="1900" b="0" i="1" smtClean="0">
+                                        <a:solidFill>
+                                          <a:srgbClr val="000000"/>
+                                        </a:solidFill>
+                                        <a:effectLst/>
+                                        <a:latin typeface="Cambria Math" panose="02040503050406030204" pitchFamily="18" charset="0"/>
+                                      </a:rPr>
+                                      <m:t>1</m:t>
+                                    </m:r>
+                                  </m:sub>
+                                </m:sSub>
+                                <m:r>
+                                  <a:rPr lang="en-US" sz="1900" b="0" i="1" smtClean="0">
+                                    <a:solidFill>
+                                      <a:srgbClr val="000000"/>
+                                    </a:solidFill>
+                                    <a:effectLst/>
+                                    <a:latin typeface="Cambria Math" panose="02040503050406030204" pitchFamily="18" charset="0"/>
+                                  </a:rPr>
+                                  <m:t>∗</m:t>
+                                </m:r>
+                                <m:acc>
+                                  <m:accPr>
+                                    <m:chr m:val="̇"/>
+                                    <m:ctrlPr>
+                                      <a:rPr lang="en-US" sz="1900" b="0" i="1" smtClean="0">
+                                        <a:solidFill>
+                                          <a:srgbClr val="000000"/>
+                                        </a:solidFill>
+                                        <a:effectLst/>
+                                        <a:latin typeface="Cambria Math" panose="02040503050406030204" pitchFamily="18" charset="0"/>
+                                      </a:rPr>
+                                    </m:ctrlPr>
+                                  </m:accPr>
+                                  <m:e>
+                                    <m:sSub>
+                                      <m:sSubPr>
+                                        <m:ctrlPr>
+                                          <a:rPr lang="en-US" sz="1900" b="0" i="1" smtClean="0">
+                                            <a:solidFill>
+                                              <a:srgbClr val="000000"/>
+                                            </a:solidFill>
+                                            <a:effectLst/>
+                                            <a:latin typeface="Cambria Math" panose="02040503050406030204" pitchFamily="18" charset="0"/>
+                                          </a:rPr>
+                                        </m:ctrlPr>
+                                      </m:sSubPr>
+                                      <m:e>
+                                        <m:r>
+                                          <a:rPr lang="en-US" sz="1900" b="0" i="1" smtClean="0">
+                                            <a:solidFill>
+                                              <a:srgbClr val="000000"/>
+                                            </a:solidFill>
+                                            <a:effectLst/>
+                                            <a:latin typeface="Cambria Math" panose="02040503050406030204" pitchFamily="18" charset="0"/>
+                                          </a:rPr>
+                                          <m:t>𝑤</m:t>
+                                        </m:r>
+                                      </m:e>
+                                      <m:sub>
+                                        <m:r>
+                                          <a:rPr lang="en-US" sz="1900" b="0" i="1" smtClean="0">
+                                            <a:solidFill>
+                                              <a:srgbClr val="000000"/>
+                                            </a:solidFill>
+                                            <a:effectLst/>
+                                            <a:latin typeface="Cambria Math" panose="02040503050406030204" pitchFamily="18" charset="0"/>
+                                          </a:rPr>
+                                          <m:t>2</m:t>
+                                        </m:r>
+                                      </m:sub>
+                                    </m:sSub>
+                                  </m:e>
+                                </m:acc>
+                              </m:oMath>
+                            </m:oMathPara>
+                          </a14:m>
+                          <a:endParaRPr lang="en-US" sz="1900" dirty="0">
+                            <a:solidFill>
+                              <a:srgbClr val="000000"/>
+                            </a:solidFill>
+                            <a:effectLst/>
+                          </a:endParaRPr>
+                        </a:p>
+                      </a:txBody>
+                      <a:tcPr marL="92927" marR="92927" marT="46463" marB="46463" anchor="ctr">
+                        <a:lnL w="7620" cap="flat" cmpd="sng" algn="ctr">
+                          <a:solidFill>
+                            <a:srgbClr val="A2A9B1"/>
+                          </a:solidFill>
+                          <a:prstDash val="solid"/>
+                          <a:round/>
+                          <a:headEnd type="none" w="med" len="med"/>
+                          <a:tailEnd type="none" w="med" len="med"/>
+                        </a:lnL>
+                        <a:lnR w="7620" cap="flat" cmpd="sng" algn="ctr">
+                          <a:solidFill>
+                            <a:srgbClr val="A2A9B1"/>
+                          </a:solidFill>
+                          <a:prstDash val="solid"/>
+                          <a:round/>
+                          <a:headEnd type="none" w="med" len="med"/>
+                          <a:tailEnd type="none" w="med" len="med"/>
+                        </a:lnR>
+                        <a:lnT w="7620" cap="flat" cmpd="sng" algn="ctr">
+                          <a:solidFill>
+                            <a:srgbClr val="A2A9B1"/>
+                          </a:solidFill>
+                          <a:prstDash val="solid"/>
+                          <a:round/>
+                          <a:headEnd type="none" w="med" len="med"/>
+                          <a:tailEnd type="none" w="med" len="med"/>
+                        </a:lnT>
+                        <a:lnB w="7620" cap="flat" cmpd="sng" algn="ctr">
+                          <a:solidFill>
+                            <a:srgbClr val="A2A9B1"/>
+                          </a:solidFill>
+                          <a:prstDash val="solid"/>
+                          <a:round/>
+                          <a:headEnd type="none" w="med" len="med"/>
+                          <a:tailEnd type="none" w="med" len="med"/>
+                        </a:lnB>
+                        <a:solidFill>
+                          <a:srgbClr val="F8F9FA"/>
+                        </a:solidFill>
+                      </a:tcPr>
+                    </a:tc>
+                    <a:extLst>
+                      <a:ext uri="{0D108BD9-81ED-4DB2-BD59-A6C34878D82A}">
+                        <a16:rowId xmlns:a16="http://schemas.microsoft.com/office/drawing/2014/main" val="3530891132"/>
+                      </a:ext>
+                    </a:extLst>
+                  </a:tr>
+                  <a:tr h="341817">
+                    <a:tc>
+                      <a:txBody>
+                        <a:bodyPr/>
+                        <a:lstStyle/>
+                        <a:p>
+                          <a14:m>
+                            <m:oMathPara xmlns:m="http://schemas.openxmlformats.org/officeDocument/2006/math">
+                              <m:oMathParaPr>
+                                <m:jc m:val="centerGroup"/>
+                              </m:oMathParaPr>
+                              <m:oMath xmlns:m="http://schemas.openxmlformats.org/officeDocument/2006/math">
+                                <m:sSub>
+                                  <m:sSubPr>
+                                    <m:ctrlPr>
+                                      <a:rPr lang="en-US" sz="1900" b="0" i="1" smtClean="0">
+                                        <a:solidFill>
+                                          <a:srgbClr val="000000"/>
+                                        </a:solidFill>
+                                        <a:effectLst/>
+                                        <a:latin typeface="Cambria Math" panose="02040503050406030204" pitchFamily="18" charset="0"/>
+                                      </a:rPr>
+                                    </m:ctrlPr>
+                                  </m:sSubPr>
+                                  <m:e>
+                                    <m:r>
+                                      <a:rPr lang="en-US" sz="1900" b="0" i="1" smtClean="0">
+                                        <a:solidFill>
+                                          <a:srgbClr val="000000"/>
+                                        </a:solidFill>
+                                        <a:effectLst/>
+                                        <a:latin typeface="Cambria Math" panose="02040503050406030204" pitchFamily="18" charset="0"/>
+                                      </a:rPr>
+                                      <m:t>𝑤</m:t>
+                                    </m:r>
+                                  </m:e>
+                                  <m:sub>
+                                    <m:r>
+                                      <a:rPr lang="en-US" sz="1900" b="0" i="1" smtClean="0">
+                                        <a:solidFill>
+                                          <a:srgbClr val="000000"/>
+                                        </a:solidFill>
+                                        <a:effectLst/>
+                                        <a:latin typeface="Cambria Math" panose="02040503050406030204" pitchFamily="18" charset="0"/>
+                                      </a:rPr>
+                                      <m:t>4</m:t>
+                                    </m:r>
+                                  </m:sub>
+                                </m:sSub>
+                                <m:r>
+                                  <a:rPr lang="en-US" sz="1900" b="0" i="1" smtClean="0">
+                                    <a:solidFill>
+                                      <a:srgbClr val="000000"/>
+                                    </a:solidFill>
+                                    <a:effectLst/>
+                                    <a:latin typeface="Cambria Math" panose="02040503050406030204" pitchFamily="18" charset="0"/>
+                                  </a:rPr>
+                                  <m:t>=</m:t>
+                                </m:r>
+                                <m:func>
+                                  <m:funcPr>
+                                    <m:ctrlPr>
+                                      <a:rPr lang="en-US" sz="1900" b="0" i="1" smtClean="0">
+                                        <a:solidFill>
+                                          <a:srgbClr val="000000"/>
+                                        </a:solidFill>
+                                        <a:effectLst/>
+                                        <a:latin typeface="Cambria Math" panose="02040503050406030204" pitchFamily="18" charset="0"/>
+                                      </a:rPr>
+                                    </m:ctrlPr>
+                                  </m:funcPr>
+                                  <m:fName>
+                                    <m:r>
+                                      <m:rPr>
+                                        <m:sty m:val="p"/>
+                                      </m:rPr>
+                                      <a:rPr lang="en-US" sz="1900" b="0" i="0" smtClean="0">
+                                        <a:solidFill>
+                                          <a:srgbClr val="000000"/>
+                                        </a:solidFill>
+                                        <a:effectLst/>
+                                        <a:latin typeface="Cambria Math" panose="02040503050406030204" pitchFamily="18" charset="0"/>
+                                      </a:rPr>
+                                      <m:t>sin</m:t>
+                                    </m:r>
+                                  </m:fName>
+                                  <m:e>
+                                    <m:sSub>
+                                      <m:sSubPr>
+                                        <m:ctrlPr>
+                                          <a:rPr lang="en-US" sz="1900" b="0" i="1" smtClean="0">
+                                            <a:solidFill>
+                                              <a:srgbClr val="000000"/>
+                                            </a:solidFill>
+                                            <a:effectLst/>
+                                            <a:latin typeface="Cambria Math" panose="02040503050406030204" pitchFamily="18" charset="0"/>
+                                          </a:rPr>
+                                        </m:ctrlPr>
+                                      </m:sSubPr>
+                                      <m:e>
+                                        <m:r>
+                                          <a:rPr lang="en-US" sz="1900" b="0" i="1" smtClean="0">
+                                            <a:solidFill>
+                                              <a:srgbClr val="000000"/>
+                                            </a:solidFill>
+                                            <a:effectLst/>
+                                            <a:latin typeface="Cambria Math" panose="02040503050406030204" pitchFamily="18" charset="0"/>
+                                          </a:rPr>
+                                          <m:t>𝑤</m:t>
+                                        </m:r>
+                                      </m:e>
+                                      <m:sub>
+                                        <m:r>
+                                          <a:rPr lang="en-US" sz="1900" b="0" i="1" smtClean="0">
+                                            <a:solidFill>
+                                              <a:srgbClr val="000000"/>
+                                            </a:solidFill>
+                                            <a:effectLst/>
+                                            <a:latin typeface="Cambria Math" panose="02040503050406030204" pitchFamily="18" charset="0"/>
+                                          </a:rPr>
+                                          <m:t>1</m:t>
+                                        </m:r>
+                                      </m:sub>
+                                    </m:sSub>
+                                  </m:e>
+                                </m:func>
+                              </m:oMath>
+                            </m:oMathPara>
+                          </a14:m>
+                          <a:endParaRPr lang="en-US" sz="1900" dirty="0">
+                            <a:solidFill>
+                              <a:srgbClr val="000000"/>
+                            </a:solidFill>
+                            <a:effectLst/>
+                          </a:endParaRPr>
+                        </a:p>
+                      </a:txBody>
+                      <a:tcPr marL="92927" marR="92927" marT="46463" marB="46463" anchor="ctr">
+                        <a:lnL w="7620" cap="flat" cmpd="sng" algn="ctr">
+                          <a:solidFill>
+                            <a:srgbClr val="A2A9B1"/>
+                          </a:solidFill>
+                          <a:prstDash val="solid"/>
+                          <a:round/>
+                          <a:headEnd type="none" w="med" len="med"/>
+                          <a:tailEnd type="none" w="med" len="med"/>
+                        </a:lnL>
+                        <a:lnR w="7620" cap="flat" cmpd="sng" algn="ctr">
+                          <a:solidFill>
+                            <a:srgbClr val="A2A9B1"/>
+                          </a:solidFill>
+                          <a:prstDash val="solid"/>
+                          <a:round/>
+                          <a:headEnd type="none" w="med" len="med"/>
+                          <a:tailEnd type="none" w="med" len="med"/>
+                        </a:lnR>
+                        <a:lnT w="7620" cap="flat" cmpd="sng" algn="ctr">
+                          <a:solidFill>
+                            <a:srgbClr val="A2A9B1"/>
+                          </a:solidFill>
+                          <a:prstDash val="solid"/>
+                          <a:round/>
+                          <a:headEnd type="none" w="med" len="med"/>
+                          <a:tailEnd type="none" w="med" len="med"/>
+                        </a:lnT>
+                        <a:lnB w="7620" cap="flat" cmpd="sng" algn="ctr">
+                          <a:solidFill>
+                            <a:srgbClr val="A2A9B1"/>
+                          </a:solidFill>
+                          <a:prstDash val="solid"/>
+                          <a:round/>
+                          <a:headEnd type="none" w="med" len="med"/>
+                          <a:tailEnd type="none" w="med" len="med"/>
+                        </a:lnB>
+                        <a:solidFill>
+                          <a:srgbClr val="F8F9FA"/>
+                        </a:solidFill>
+                      </a:tcPr>
+                    </a:tc>
+                    <a:tc>
+                      <a:txBody>
+                        <a:bodyPr/>
+                        <a:lstStyle/>
+                        <a:p>
+                          <a14:m>
+                            <m:oMathPara xmlns:m="http://schemas.openxmlformats.org/officeDocument/2006/math">
+                              <m:oMathParaPr>
+                                <m:jc m:val="centerGroup"/>
+                              </m:oMathParaPr>
+                              <m:oMath xmlns:m="http://schemas.openxmlformats.org/officeDocument/2006/math">
+                                <m:acc>
+                                  <m:accPr>
+                                    <m:chr m:val="̇"/>
+                                    <m:ctrlPr>
+                                      <a:rPr lang="en-US" sz="1900" b="0" i="1" smtClean="0">
+                                        <a:solidFill>
+                                          <a:srgbClr val="000000"/>
+                                        </a:solidFill>
+                                        <a:effectLst/>
+                                        <a:latin typeface="Cambria Math" panose="02040503050406030204" pitchFamily="18" charset="0"/>
+                                      </a:rPr>
+                                    </m:ctrlPr>
+                                  </m:accPr>
+                                  <m:e>
+                                    <m:sSub>
+                                      <m:sSubPr>
+                                        <m:ctrlPr>
+                                          <a:rPr lang="en-US" sz="1900" b="0" i="1" smtClean="0">
+                                            <a:solidFill>
+                                              <a:srgbClr val="000000"/>
+                                            </a:solidFill>
+                                            <a:effectLst/>
+                                            <a:latin typeface="Cambria Math" panose="02040503050406030204" pitchFamily="18" charset="0"/>
+                                          </a:rPr>
+                                        </m:ctrlPr>
+                                      </m:sSubPr>
+                                      <m:e>
+                                        <m:r>
+                                          <a:rPr lang="en-US" sz="1900" b="0" i="1" smtClean="0">
+                                            <a:solidFill>
+                                              <a:srgbClr val="000000"/>
+                                            </a:solidFill>
+                                            <a:effectLst/>
+                                            <a:latin typeface="Cambria Math" panose="02040503050406030204" pitchFamily="18" charset="0"/>
+                                          </a:rPr>
+                                          <m:t>𝑤</m:t>
+                                        </m:r>
+                                      </m:e>
+                                      <m:sub>
+                                        <m:r>
+                                          <a:rPr lang="en-US" sz="1900" b="0" i="1" smtClean="0">
+                                            <a:solidFill>
+                                              <a:srgbClr val="000000"/>
+                                            </a:solidFill>
+                                            <a:effectLst/>
+                                            <a:latin typeface="Cambria Math" panose="02040503050406030204" pitchFamily="18" charset="0"/>
+                                          </a:rPr>
+                                          <m:t>4</m:t>
+                                        </m:r>
+                                      </m:sub>
+                                    </m:sSub>
+                                  </m:e>
+                                </m:acc>
+                                <m:r>
+                                  <a:rPr lang="en-US" sz="1900" b="0" i="1" smtClean="0">
+                                    <a:solidFill>
+                                      <a:srgbClr val="000000"/>
+                                    </a:solidFill>
+                                    <a:effectLst/>
+                                    <a:latin typeface="Cambria Math" panose="02040503050406030204" pitchFamily="18" charset="0"/>
+                                  </a:rPr>
+                                  <m:t>=</m:t>
+                                </m:r>
+                                <m:func>
+                                  <m:funcPr>
+                                    <m:ctrlPr>
+                                      <a:rPr lang="en-US" sz="1900" b="0" i="1" smtClean="0">
+                                        <a:solidFill>
+                                          <a:srgbClr val="000000"/>
+                                        </a:solidFill>
+                                        <a:effectLst/>
+                                        <a:latin typeface="Cambria Math" panose="02040503050406030204" pitchFamily="18" charset="0"/>
+                                      </a:rPr>
+                                    </m:ctrlPr>
+                                  </m:funcPr>
+                                  <m:fName>
+                                    <m:r>
+                                      <m:rPr>
+                                        <m:sty m:val="p"/>
+                                      </m:rPr>
+                                      <a:rPr lang="en-US" sz="1900" b="0" i="0" smtClean="0">
+                                        <a:solidFill>
+                                          <a:srgbClr val="000000"/>
+                                        </a:solidFill>
+                                        <a:effectLst/>
+                                        <a:latin typeface="Cambria Math" panose="02040503050406030204" pitchFamily="18" charset="0"/>
+                                      </a:rPr>
+                                      <m:t>cos</m:t>
+                                    </m:r>
+                                  </m:fName>
+                                  <m:e>
+                                    <m:sSub>
+                                      <m:sSubPr>
+                                        <m:ctrlPr>
+                                          <a:rPr lang="en-US" sz="1900" b="0" i="1" smtClean="0">
+                                            <a:solidFill>
+                                              <a:srgbClr val="000000"/>
+                                            </a:solidFill>
+                                            <a:effectLst/>
+                                            <a:latin typeface="Cambria Math" panose="02040503050406030204" pitchFamily="18" charset="0"/>
+                                          </a:rPr>
+                                        </m:ctrlPr>
+                                      </m:sSubPr>
+                                      <m:e>
+                                        <m:r>
+                                          <a:rPr lang="en-US" sz="1900" b="0" i="1" smtClean="0">
+                                            <a:solidFill>
+                                              <a:srgbClr val="000000"/>
+                                            </a:solidFill>
+                                            <a:effectLst/>
+                                            <a:latin typeface="Cambria Math" panose="02040503050406030204" pitchFamily="18" charset="0"/>
+                                          </a:rPr>
+                                          <m:t>𝑤</m:t>
+                                        </m:r>
+                                      </m:e>
+                                      <m:sub>
+                                        <m:r>
+                                          <a:rPr lang="en-US" sz="1900" b="0" i="1" smtClean="0">
+                                            <a:solidFill>
+                                              <a:srgbClr val="000000"/>
+                                            </a:solidFill>
+                                            <a:effectLst/>
+                                            <a:latin typeface="Cambria Math" panose="02040503050406030204" pitchFamily="18" charset="0"/>
+                                          </a:rPr>
+                                          <m:t>1</m:t>
+                                        </m:r>
+                                      </m:sub>
+                                    </m:sSub>
+                                  </m:e>
+                                </m:func>
+                                <m:r>
+                                  <a:rPr lang="en-US" sz="1900" b="0" i="1" smtClean="0">
+                                    <a:solidFill>
+                                      <a:srgbClr val="000000"/>
+                                    </a:solidFill>
+                                    <a:effectLst/>
+                                    <a:latin typeface="Cambria Math" panose="02040503050406030204" pitchFamily="18" charset="0"/>
+                                  </a:rPr>
+                                  <m:t>∗</m:t>
+                                </m:r>
+                                <m:acc>
+                                  <m:accPr>
+                                    <m:chr m:val="̇"/>
+                                    <m:ctrlPr>
+                                      <a:rPr lang="en-US" sz="1900" b="0" i="1" smtClean="0">
+                                        <a:solidFill>
+                                          <a:srgbClr val="000000"/>
+                                        </a:solidFill>
+                                        <a:effectLst/>
+                                        <a:latin typeface="Cambria Math" panose="02040503050406030204" pitchFamily="18" charset="0"/>
+                                      </a:rPr>
+                                    </m:ctrlPr>
+                                  </m:accPr>
+                                  <m:e>
+                                    <m:sSub>
+                                      <m:sSubPr>
+                                        <m:ctrlPr>
+                                          <a:rPr lang="en-US" sz="1900" b="0" i="1" smtClean="0">
+                                            <a:solidFill>
+                                              <a:srgbClr val="000000"/>
+                                            </a:solidFill>
+                                            <a:effectLst/>
+                                            <a:latin typeface="Cambria Math" panose="02040503050406030204" pitchFamily="18" charset="0"/>
+                                          </a:rPr>
+                                        </m:ctrlPr>
+                                      </m:sSubPr>
+                                      <m:e>
+                                        <m:r>
+                                          <a:rPr lang="en-US" sz="1900" b="0" i="1" smtClean="0">
+                                            <a:solidFill>
+                                              <a:srgbClr val="000000"/>
+                                            </a:solidFill>
+                                            <a:effectLst/>
+                                            <a:latin typeface="Cambria Math" panose="02040503050406030204" pitchFamily="18" charset="0"/>
+                                          </a:rPr>
+                                          <m:t>𝑤</m:t>
+                                        </m:r>
+                                      </m:e>
+                                      <m:sub>
+                                        <m:r>
+                                          <a:rPr lang="en-US" sz="1900" b="0" i="1" smtClean="0">
+                                            <a:solidFill>
+                                              <a:srgbClr val="000000"/>
+                                            </a:solidFill>
+                                            <a:effectLst/>
+                                            <a:latin typeface="Cambria Math" panose="02040503050406030204" pitchFamily="18" charset="0"/>
+                                          </a:rPr>
+                                          <m:t>1</m:t>
+                                        </m:r>
+                                      </m:sub>
+                                    </m:sSub>
+                                  </m:e>
+                                </m:acc>
+                              </m:oMath>
+                            </m:oMathPara>
+                          </a14:m>
+                          <a:endParaRPr lang="en-US" sz="1900" dirty="0">
+                            <a:solidFill>
+                              <a:srgbClr val="000000"/>
+                            </a:solidFill>
+                            <a:effectLst/>
+                          </a:endParaRPr>
+                        </a:p>
+                      </a:txBody>
+                      <a:tcPr marL="92927" marR="92927" marT="46463" marB="46463" anchor="ctr">
+                        <a:lnL w="7620" cap="flat" cmpd="sng" algn="ctr">
+                          <a:solidFill>
+                            <a:srgbClr val="A2A9B1"/>
+                          </a:solidFill>
+                          <a:prstDash val="solid"/>
+                          <a:round/>
+                          <a:headEnd type="none" w="med" len="med"/>
+                          <a:tailEnd type="none" w="med" len="med"/>
+                        </a:lnL>
+                        <a:lnR w="7620" cap="flat" cmpd="sng" algn="ctr">
+                          <a:solidFill>
+                            <a:srgbClr val="A2A9B1"/>
+                          </a:solidFill>
+                          <a:prstDash val="solid"/>
+                          <a:round/>
+                          <a:headEnd type="none" w="med" len="med"/>
+                          <a:tailEnd type="none" w="med" len="med"/>
+                        </a:lnR>
+                        <a:lnT w="7620" cap="flat" cmpd="sng" algn="ctr">
+                          <a:solidFill>
+                            <a:srgbClr val="A2A9B1"/>
+                          </a:solidFill>
+                          <a:prstDash val="solid"/>
+                          <a:round/>
+                          <a:headEnd type="none" w="med" len="med"/>
+                          <a:tailEnd type="none" w="med" len="med"/>
+                        </a:lnT>
+                        <a:lnB w="7620" cap="flat" cmpd="sng" algn="ctr">
+                          <a:solidFill>
+                            <a:srgbClr val="A2A9B1"/>
+                          </a:solidFill>
+                          <a:prstDash val="solid"/>
+                          <a:round/>
+                          <a:headEnd type="none" w="med" len="med"/>
+                          <a:tailEnd type="none" w="med" len="med"/>
+                        </a:lnB>
+                        <a:solidFill>
+                          <a:srgbClr val="F8F9FA"/>
+                        </a:solidFill>
+                      </a:tcPr>
+                    </a:tc>
+                    <a:extLst>
+                      <a:ext uri="{0D108BD9-81ED-4DB2-BD59-A6C34878D82A}">
+                        <a16:rowId xmlns:a16="http://schemas.microsoft.com/office/drawing/2014/main" val="347833273"/>
+                      </a:ext>
+                    </a:extLst>
+                  </a:tr>
+                  <a:tr h="341817">
+                    <a:tc>
+                      <a:txBody>
+                        <a:bodyPr/>
+                        <a:lstStyle/>
+                        <a:p>
+                          <a14:m>
+                            <m:oMathPara xmlns:m="http://schemas.openxmlformats.org/officeDocument/2006/math">
+                              <m:oMathParaPr>
+                                <m:jc m:val="centerGroup"/>
+                              </m:oMathParaPr>
+                              <m:oMath xmlns:m="http://schemas.openxmlformats.org/officeDocument/2006/math">
+                                <m:sSub>
+                                  <m:sSubPr>
+                                    <m:ctrlPr>
+                                      <a:rPr lang="en-US" sz="1900" b="0" i="1" smtClean="0">
+                                        <a:solidFill>
+                                          <a:srgbClr val="000000"/>
+                                        </a:solidFill>
+                                        <a:effectLst/>
+                                        <a:latin typeface="Cambria Math" panose="02040503050406030204" pitchFamily="18" charset="0"/>
+                                      </a:rPr>
+                                    </m:ctrlPr>
+                                  </m:sSubPr>
+                                  <m:e>
+                                    <m:r>
+                                      <a:rPr lang="en-US" sz="1900" b="0" i="1" smtClean="0">
+                                        <a:solidFill>
+                                          <a:srgbClr val="000000"/>
+                                        </a:solidFill>
+                                        <a:effectLst/>
+                                        <a:latin typeface="Cambria Math" panose="02040503050406030204" pitchFamily="18" charset="0"/>
+                                      </a:rPr>
+                                      <m:t>𝑤</m:t>
+                                    </m:r>
+                                  </m:e>
+                                  <m:sub>
+                                    <m:r>
+                                      <a:rPr lang="en-US" sz="1900" b="0" i="1" smtClean="0">
+                                        <a:solidFill>
+                                          <a:srgbClr val="000000"/>
+                                        </a:solidFill>
+                                        <a:effectLst/>
+                                        <a:latin typeface="Cambria Math" panose="02040503050406030204" pitchFamily="18" charset="0"/>
+                                      </a:rPr>
+                                      <m:t>5</m:t>
+                                    </m:r>
+                                  </m:sub>
+                                </m:sSub>
+                                <m:r>
+                                  <a:rPr lang="en-US" sz="1900" b="0" i="1" smtClean="0">
+                                    <a:solidFill>
+                                      <a:srgbClr val="000000"/>
+                                    </a:solidFill>
+                                    <a:effectLst/>
+                                    <a:latin typeface="Cambria Math" panose="02040503050406030204" pitchFamily="18" charset="0"/>
+                                  </a:rPr>
+                                  <m:t>=</m:t>
+                                </m:r>
+                                <m:sSub>
+                                  <m:sSubPr>
+                                    <m:ctrlPr>
+                                      <a:rPr lang="en-US" sz="1900" b="0" i="1" smtClean="0">
+                                        <a:solidFill>
+                                          <a:srgbClr val="000000"/>
+                                        </a:solidFill>
+                                        <a:effectLst/>
+                                        <a:latin typeface="Cambria Math" panose="02040503050406030204" pitchFamily="18" charset="0"/>
+                                      </a:rPr>
+                                    </m:ctrlPr>
+                                  </m:sSubPr>
+                                  <m:e>
+                                    <m:r>
+                                      <a:rPr lang="en-US" sz="1900" b="0" i="1" smtClean="0">
+                                        <a:solidFill>
+                                          <a:srgbClr val="000000"/>
+                                        </a:solidFill>
+                                        <a:effectLst/>
+                                        <a:latin typeface="Cambria Math" panose="02040503050406030204" pitchFamily="18" charset="0"/>
+                                      </a:rPr>
+                                      <m:t>𝑤</m:t>
+                                    </m:r>
+                                  </m:e>
+                                  <m:sub>
+                                    <m:r>
+                                      <a:rPr lang="en-US" sz="1900" b="0" i="1" smtClean="0">
+                                        <a:solidFill>
+                                          <a:srgbClr val="000000"/>
+                                        </a:solidFill>
+                                        <a:effectLst/>
+                                        <a:latin typeface="Cambria Math" panose="02040503050406030204" pitchFamily="18" charset="0"/>
+                                      </a:rPr>
+                                      <m:t>3</m:t>
+                                    </m:r>
+                                  </m:sub>
+                                </m:sSub>
+                                <m:r>
+                                  <a:rPr lang="en-US" sz="1900" b="0" i="1" smtClean="0">
+                                    <a:solidFill>
+                                      <a:srgbClr val="000000"/>
+                                    </a:solidFill>
+                                    <a:effectLst/>
+                                    <a:latin typeface="Cambria Math" panose="02040503050406030204" pitchFamily="18" charset="0"/>
+                                  </a:rPr>
+                                  <m:t>+</m:t>
+                                </m:r>
+                                <m:sSub>
+                                  <m:sSubPr>
+                                    <m:ctrlPr>
+                                      <a:rPr lang="en-US" sz="1900" b="0" i="1" smtClean="0">
+                                        <a:solidFill>
+                                          <a:srgbClr val="000000"/>
+                                        </a:solidFill>
+                                        <a:effectLst/>
+                                        <a:latin typeface="Cambria Math" panose="02040503050406030204" pitchFamily="18" charset="0"/>
+                                      </a:rPr>
+                                    </m:ctrlPr>
+                                  </m:sSubPr>
+                                  <m:e>
+                                    <m:r>
+                                      <a:rPr lang="en-US" sz="1900" b="0" i="1" smtClean="0">
+                                        <a:solidFill>
+                                          <a:srgbClr val="000000"/>
+                                        </a:solidFill>
+                                        <a:effectLst/>
+                                        <a:latin typeface="Cambria Math" panose="02040503050406030204" pitchFamily="18" charset="0"/>
+                                      </a:rPr>
+                                      <m:t>𝑤</m:t>
+                                    </m:r>
+                                  </m:e>
+                                  <m:sub>
+                                    <m:r>
+                                      <a:rPr lang="en-US" sz="1900" b="0" i="1" smtClean="0">
+                                        <a:solidFill>
+                                          <a:srgbClr val="000000"/>
+                                        </a:solidFill>
+                                        <a:effectLst/>
+                                        <a:latin typeface="Cambria Math" panose="02040503050406030204" pitchFamily="18" charset="0"/>
+                                      </a:rPr>
+                                      <m:t>4</m:t>
+                                    </m:r>
+                                  </m:sub>
+                                </m:sSub>
+                              </m:oMath>
+                            </m:oMathPara>
+                          </a14:m>
+                          <a:endParaRPr lang="en-US" sz="1900" dirty="0">
+                            <a:solidFill>
+                              <a:srgbClr val="000000"/>
+                            </a:solidFill>
+                            <a:effectLst/>
+                          </a:endParaRPr>
+                        </a:p>
+                      </a:txBody>
+                      <a:tcPr marL="92927" marR="92927" marT="46463" marB="46463" anchor="ctr">
+                        <a:lnL w="7620" cap="flat" cmpd="sng" algn="ctr">
+                          <a:solidFill>
+                            <a:srgbClr val="A2A9B1"/>
+                          </a:solidFill>
+                          <a:prstDash val="solid"/>
+                          <a:round/>
+                          <a:headEnd type="none" w="med" len="med"/>
+                          <a:tailEnd type="none" w="med" len="med"/>
+                        </a:lnL>
+                        <a:lnR w="7620" cap="flat" cmpd="sng" algn="ctr">
+                          <a:solidFill>
+                            <a:srgbClr val="A2A9B1"/>
+                          </a:solidFill>
+                          <a:prstDash val="solid"/>
+                          <a:round/>
+                          <a:headEnd type="none" w="med" len="med"/>
+                          <a:tailEnd type="none" w="med" len="med"/>
+                        </a:lnR>
+                        <a:lnT w="7620" cap="flat" cmpd="sng" algn="ctr">
+                          <a:solidFill>
+                            <a:srgbClr val="A2A9B1"/>
+                          </a:solidFill>
+                          <a:prstDash val="solid"/>
+                          <a:round/>
+                          <a:headEnd type="none" w="med" len="med"/>
+                          <a:tailEnd type="none" w="med" len="med"/>
+                        </a:lnT>
+                        <a:lnB w="7620" cap="flat" cmpd="sng" algn="ctr">
+                          <a:solidFill>
+                            <a:srgbClr val="A2A9B1"/>
+                          </a:solidFill>
+                          <a:prstDash val="solid"/>
+                          <a:round/>
+                          <a:headEnd type="none" w="med" len="med"/>
+                          <a:tailEnd type="none" w="med" len="med"/>
+                        </a:lnB>
+                        <a:solidFill>
+                          <a:srgbClr val="F8F9FA"/>
+                        </a:solidFill>
+                      </a:tcPr>
+                    </a:tc>
+                    <a:tc>
+                      <a:txBody>
+                        <a:bodyPr/>
+                        <a:lstStyle/>
+                        <a:p>
+                          <a14:m>
+                            <m:oMathPara xmlns:m="http://schemas.openxmlformats.org/officeDocument/2006/math">
+                              <m:oMathParaPr>
+                                <m:jc m:val="centerGroup"/>
+                              </m:oMathParaPr>
+                              <m:oMath xmlns:m="http://schemas.openxmlformats.org/officeDocument/2006/math">
+                                <m:acc>
+                                  <m:accPr>
+                                    <m:chr m:val="̇"/>
+                                    <m:ctrlPr>
+                                      <a:rPr lang="en-US" sz="1900" b="0" i="1" smtClean="0">
+                                        <a:solidFill>
+                                          <a:srgbClr val="000000"/>
+                                        </a:solidFill>
+                                        <a:effectLst/>
+                                        <a:latin typeface="Cambria Math" panose="02040503050406030204" pitchFamily="18" charset="0"/>
+                                      </a:rPr>
+                                    </m:ctrlPr>
+                                  </m:accPr>
+                                  <m:e>
+                                    <m:sSub>
+                                      <m:sSubPr>
+                                        <m:ctrlPr>
+                                          <a:rPr lang="en-US" sz="1900" b="0" i="1" smtClean="0">
+                                            <a:solidFill>
+                                              <a:srgbClr val="000000"/>
+                                            </a:solidFill>
+                                            <a:effectLst/>
+                                            <a:latin typeface="Cambria Math" panose="02040503050406030204" pitchFamily="18" charset="0"/>
+                                          </a:rPr>
+                                        </m:ctrlPr>
+                                      </m:sSubPr>
+                                      <m:e>
+                                        <m:r>
+                                          <a:rPr lang="en-US" sz="1900" b="0" i="1" smtClean="0">
+                                            <a:solidFill>
+                                              <a:srgbClr val="000000"/>
+                                            </a:solidFill>
+                                            <a:effectLst/>
+                                            <a:latin typeface="Cambria Math" panose="02040503050406030204" pitchFamily="18" charset="0"/>
+                                          </a:rPr>
+                                          <m:t>𝑤</m:t>
+                                        </m:r>
+                                      </m:e>
+                                      <m:sub>
+                                        <m:r>
+                                          <a:rPr lang="en-US" sz="1900" b="0" i="1" smtClean="0">
+                                            <a:solidFill>
+                                              <a:srgbClr val="000000"/>
+                                            </a:solidFill>
+                                            <a:effectLst/>
+                                            <a:latin typeface="Cambria Math" panose="02040503050406030204" pitchFamily="18" charset="0"/>
+                                          </a:rPr>
+                                          <m:t>5</m:t>
+                                        </m:r>
+                                      </m:sub>
+                                    </m:sSub>
+                                  </m:e>
+                                </m:acc>
+                                <m:r>
+                                  <a:rPr lang="en-US" sz="1900" b="0" i="1" smtClean="0">
+                                    <a:solidFill>
+                                      <a:srgbClr val="000000"/>
+                                    </a:solidFill>
+                                    <a:effectLst/>
+                                    <a:latin typeface="Cambria Math" panose="02040503050406030204" pitchFamily="18" charset="0"/>
+                                  </a:rPr>
+                                  <m:t>=</m:t>
+                                </m:r>
+                                <m:acc>
+                                  <m:accPr>
+                                    <m:chr m:val="̇"/>
+                                    <m:ctrlPr>
+                                      <a:rPr lang="en-US" sz="1900" b="0" i="1" smtClean="0">
+                                        <a:solidFill>
+                                          <a:srgbClr val="000000"/>
+                                        </a:solidFill>
+                                        <a:effectLst/>
+                                        <a:latin typeface="Cambria Math" panose="02040503050406030204" pitchFamily="18" charset="0"/>
+                                      </a:rPr>
+                                    </m:ctrlPr>
+                                  </m:accPr>
+                                  <m:e>
+                                    <m:sSub>
+                                      <m:sSubPr>
+                                        <m:ctrlPr>
+                                          <a:rPr lang="en-US" sz="1900" b="0" i="1" smtClean="0">
+                                            <a:solidFill>
+                                              <a:srgbClr val="000000"/>
+                                            </a:solidFill>
+                                            <a:effectLst/>
+                                            <a:latin typeface="Cambria Math" panose="02040503050406030204" pitchFamily="18" charset="0"/>
+                                          </a:rPr>
+                                        </m:ctrlPr>
+                                      </m:sSubPr>
+                                      <m:e>
+                                        <m:r>
+                                          <a:rPr lang="en-US" sz="1900" b="0" i="1" smtClean="0">
+                                            <a:solidFill>
+                                              <a:srgbClr val="000000"/>
+                                            </a:solidFill>
+                                            <a:effectLst/>
+                                            <a:latin typeface="Cambria Math" panose="02040503050406030204" pitchFamily="18" charset="0"/>
+                                          </a:rPr>
+                                          <m:t>𝑤</m:t>
+                                        </m:r>
+                                      </m:e>
+                                      <m:sub>
+                                        <m:r>
+                                          <a:rPr lang="en-US" sz="1900" b="0" i="1" smtClean="0">
+                                            <a:solidFill>
+                                              <a:srgbClr val="000000"/>
+                                            </a:solidFill>
+                                            <a:effectLst/>
+                                            <a:latin typeface="Cambria Math" panose="02040503050406030204" pitchFamily="18" charset="0"/>
+                                          </a:rPr>
+                                          <m:t>3</m:t>
+                                        </m:r>
+                                      </m:sub>
+                                    </m:sSub>
+                                  </m:e>
+                                </m:acc>
+                                <m:r>
+                                  <a:rPr lang="en-US" sz="1900" b="0" i="1" smtClean="0">
+                                    <a:solidFill>
+                                      <a:srgbClr val="000000"/>
+                                    </a:solidFill>
+                                    <a:effectLst/>
+                                    <a:latin typeface="Cambria Math" panose="02040503050406030204" pitchFamily="18" charset="0"/>
+                                  </a:rPr>
+                                  <m:t>+</m:t>
+                                </m:r>
+                                <m:acc>
+                                  <m:accPr>
+                                    <m:chr m:val="̇"/>
+                                    <m:ctrlPr>
+                                      <a:rPr lang="en-US" sz="1900" b="0" i="1" smtClean="0">
+                                        <a:solidFill>
+                                          <a:srgbClr val="000000"/>
+                                        </a:solidFill>
+                                        <a:effectLst/>
+                                        <a:latin typeface="Cambria Math" panose="02040503050406030204" pitchFamily="18" charset="0"/>
+                                      </a:rPr>
+                                    </m:ctrlPr>
+                                  </m:accPr>
+                                  <m:e>
+                                    <m:sSub>
+                                      <m:sSubPr>
+                                        <m:ctrlPr>
+                                          <a:rPr lang="en-US" sz="1900" b="0" i="1" smtClean="0">
+                                            <a:solidFill>
+                                              <a:srgbClr val="000000"/>
+                                            </a:solidFill>
+                                            <a:effectLst/>
+                                            <a:latin typeface="Cambria Math" panose="02040503050406030204" pitchFamily="18" charset="0"/>
+                                          </a:rPr>
+                                        </m:ctrlPr>
+                                      </m:sSubPr>
+                                      <m:e>
+                                        <m:r>
+                                          <a:rPr lang="en-US" sz="1900" b="0" i="1" smtClean="0">
+                                            <a:solidFill>
+                                              <a:srgbClr val="000000"/>
+                                            </a:solidFill>
+                                            <a:effectLst/>
+                                            <a:latin typeface="Cambria Math" panose="02040503050406030204" pitchFamily="18" charset="0"/>
+                                          </a:rPr>
+                                          <m:t>𝑤</m:t>
+                                        </m:r>
+                                      </m:e>
+                                      <m:sub>
+                                        <m:r>
+                                          <a:rPr lang="en-US" sz="1900" b="0" i="1" smtClean="0">
+                                            <a:solidFill>
+                                              <a:srgbClr val="000000"/>
+                                            </a:solidFill>
+                                            <a:effectLst/>
+                                            <a:latin typeface="Cambria Math" panose="02040503050406030204" pitchFamily="18" charset="0"/>
+                                          </a:rPr>
+                                          <m:t>4</m:t>
+                                        </m:r>
+                                      </m:sub>
+                                    </m:sSub>
+                                  </m:e>
+                                </m:acc>
+                              </m:oMath>
+                            </m:oMathPara>
+                          </a14:m>
+                          <a:endParaRPr lang="en-US" sz="1900" dirty="0">
+                            <a:solidFill>
+                              <a:srgbClr val="000000"/>
+                            </a:solidFill>
+                            <a:effectLst/>
+                          </a:endParaRPr>
+                        </a:p>
+                      </a:txBody>
+                      <a:tcPr marL="92927" marR="92927" marT="46463" marB="46463" anchor="ctr">
+                        <a:lnL w="7620" cap="flat" cmpd="sng" algn="ctr">
+                          <a:solidFill>
+                            <a:srgbClr val="A2A9B1"/>
+                          </a:solidFill>
+                          <a:prstDash val="solid"/>
+                          <a:round/>
+                          <a:headEnd type="none" w="med" len="med"/>
+                          <a:tailEnd type="none" w="med" len="med"/>
+                        </a:lnL>
+                        <a:lnR w="7620" cap="flat" cmpd="sng" algn="ctr">
+                          <a:solidFill>
+                            <a:srgbClr val="A2A9B1"/>
+                          </a:solidFill>
+                          <a:prstDash val="solid"/>
+                          <a:round/>
+                          <a:headEnd type="none" w="med" len="med"/>
+                          <a:tailEnd type="none" w="med" len="med"/>
+                        </a:lnR>
+                        <a:lnT w="7620" cap="flat" cmpd="sng" algn="ctr">
+                          <a:solidFill>
+                            <a:srgbClr val="A2A9B1"/>
+                          </a:solidFill>
+                          <a:prstDash val="solid"/>
+                          <a:round/>
+                          <a:headEnd type="none" w="med" len="med"/>
+                          <a:tailEnd type="none" w="med" len="med"/>
+                        </a:lnT>
+                        <a:lnB w="7620" cap="flat" cmpd="sng" algn="ctr">
+                          <a:solidFill>
+                            <a:srgbClr val="A2A9B1"/>
+                          </a:solidFill>
+                          <a:prstDash val="solid"/>
+                          <a:round/>
+                          <a:headEnd type="none" w="med" len="med"/>
+                          <a:tailEnd type="none" w="med" len="med"/>
+                        </a:lnB>
+                        <a:solidFill>
+                          <a:srgbClr val="F8F9FA"/>
+                        </a:solidFill>
+                      </a:tcPr>
+                    </a:tc>
+                    <a:extLst>
+                      <a:ext uri="{0D108BD9-81ED-4DB2-BD59-A6C34878D82A}">
+                        <a16:rowId xmlns:a16="http://schemas.microsoft.com/office/drawing/2014/main" val="2799954568"/>
+                      </a:ext>
+                    </a:extLst>
+                  </a:tr>
+                </a:tbl>
+              </a:graphicData>
+            </a:graphic>
+          </p:graphicFrame>
+        </mc:Choice>
+        <mc:Fallback>
+          <p:graphicFrame>
+            <p:nvGraphicFramePr>
+              <p:cNvPr id="5" name="Content Placeholder 4">
+                <a:extLst>
+                  <a:ext uri="{FF2B5EF4-FFF2-40B4-BE49-F238E27FC236}">
+                    <a16:creationId xmlns:a16="http://schemas.microsoft.com/office/drawing/2014/main" id="{71F5B4B4-9FF0-B537-F54F-A3E8461802D8}"/>
+                  </a:ext>
+                </a:extLst>
+              </p:cNvPr>
+              <p:cNvGraphicFramePr>
+                <a:graphicFrameLocks/>
+              </p:cNvGraphicFramePr>
+              <p:nvPr>
+                <p:extLst>
+                  <p:ext uri="{D42A27DB-BD31-4B8C-83A1-F6EECF244321}">
+                    <p14:modId xmlns:p14="http://schemas.microsoft.com/office/powerpoint/2010/main" val="1046294447"/>
+                  </p:ext>
+                </p:extLst>
+              </p:nvPr>
+            </p:nvGraphicFramePr>
+            <p:xfrm>
+              <a:off x="6467171" y="2881190"/>
+              <a:ext cx="5462576" cy="2867369"/>
+            </p:xfrm>
+            <a:graphic>
+              <a:graphicData uri="http://schemas.openxmlformats.org/drawingml/2006/table">
+                <a:tbl>
+                  <a:tblPr firstRow="1" bandRow="1"/>
+                  <a:tblGrid>
+                    <a:gridCol w="2950196">
+                      <a:extLst>
+                        <a:ext uri="{9D8B030D-6E8A-4147-A177-3AD203B41FA5}">
+                          <a16:colId xmlns:a16="http://schemas.microsoft.com/office/drawing/2014/main" val="1589143707"/>
+                        </a:ext>
+                      </a:extLst>
+                    </a:gridCol>
+                    <a:gridCol w="2512380">
+                      <a:extLst>
+                        <a:ext uri="{9D8B030D-6E8A-4147-A177-3AD203B41FA5}">
+                          <a16:colId xmlns:a16="http://schemas.microsoft.com/office/drawing/2014/main" val="1482505580"/>
+                        </a:ext>
+                      </a:extLst>
+                    </a:gridCol>
+                  </a:tblGrid>
+                  <a:tr h="672046">
+                    <a:tc>
+                      <a:txBody>
+                        <a:bodyPr/>
+                        <a:lstStyle/>
+                        <a:p>
+                          <a:pPr algn="ctr"/>
+                          <a:r>
+                            <a:rPr lang="en-US" sz="1900">
+                              <a:solidFill>
+                                <a:srgbClr val="000000"/>
+                              </a:solidFill>
+                              <a:effectLst/>
+                            </a:rPr>
+                            <a:t>Operations to compute value</a:t>
+                          </a:r>
+                        </a:p>
+                      </a:txBody>
+                      <a:tcPr marL="92927" marR="92927" marT="46463" marB="46463" anchor="ctr">
+                        <a:lnL w="7620" cap="flat" cmpd="sng" algn="ctr">
+                          <a:solidFill>
+                            <a:srgbClr val="A2A9B1"/>
+                          </a:solidFill>
+                          <a:prstDash val="solid"/>
+                          <a:round/>
+                          <a:headEnd type="none" w="med" len="med"/>
+                          <a:tailEnd type="none" w="med" len="med"/>
+                        </a:lnL>
+                        <a:lnR w="7620" cap="flat" cmpd="sng" algn="ctr">
+                          <a:solidFill>
+                            <a:srgbClr val="A2A9B1"/>
+                          </a:solidFill>
+                          <a:prstDash val="solid"/>
+                          <a:round/>
+                          <a:headEnd type="none" w="med" len="med"/>
+                          <a:tailEnd type="none" w="med" len="med"/>
+                        </a:lnR>
+                        <a:lnT w="7620" cap="flat" cmpd="sng" algn="ctr">
+                          <a:solidFill>
+                            <a:srgbClr val="A2A9B1"/>
+                          </a:solidFill>
+                          <a:prstDash val="solid"/>
+                          <a:round/>
+                          <a:headEnd type="none" w="med" len="med"/>
+                          <a:tailEnd type="none" w="med" len="med"/>
+                        </a:lnT>
+                        <a:lnB w="7620" cap="flat" cmpd="sng" algn="ctr">
+                          <a:solidFill>
+                            <a:srgbClr val="A2A9B1"/>
+                          </a:solidFill>
+                          <a:prstDash val="solid"/>
+                          <a:round/>
+                          <a:headEnd type="none" w="med" len="med"/>
+                          <a:tailEnd type="none" w="med" len="med"/>
+                        </a:lnB>
+                        <a:solidFill>
+                          <a:srgbClr val="EAECF0"/>
+                        </a:solidFill>
+                      </a:tcPr>
+                    </a:tc>
+                    <a:tc>
+                      <a:txBody>
+                        <a:bodyPr/>
+                        <a:lstStyle/>
+                        <a:p>
+                          <a:pPr algn="ctr"/>
+                          <a:r>
+                            <a:rPr lang="en-US" sz="1900">
+                              <a:solidFill>
+                                <a:srgbClr val="000000"/>
+                              </a:solidFill>
+                              <a:effectLst/>
+                            </a:rPr>
+                            <a:t>Operations to compute derivative</a:t>
+                          </a:r>
+                        </a:p>
+                      </a:txBody>
+                      <a:tcPr marL="92927" marR="92927" marT="46463" marB="46463" anchor="ctr">
+                        <a:lnL w="7620" cap="flat" cmpd="sng" algn="ctr">
+                          <a:solidFill>
+                            <a:srgbClr val="A2A9B1"/>
+                          </a:solidFill>
+                          <a:prstDash val="solid"/>
+                          <a:round/>
+                          <a:headEnd type="none" w="med" len="med"/>
+                          <a:tailEnd type="none" w="med" len="med"/>
+                        </a:lnL>
+                        <a:lnR w="7620" cap="flat" cmpd="sng" algn="ctr">
+                          <a:solidFill>
+                            <a:srgbClr val="A2A9B1"/>
+                          </a:solidFill>
+                          <a:prstDash val="solid"/>
+                          <a:round/>
+                          <a:headEnd type="none" w="med" len="med"/>
+                          <a:tailEnd type="none" w="med" len="med"/>
+                        </a:lnR>
+                        <a:lnT w="7620" cap="flat" cmpd="sng" algn="ctr">
+                          <a:solidFill>
+                            <a:srgbClr val="A2A9B1"/>
+                          </a:solidFill>
+                          <a:prstDash val="solid"/>
+                          <a:round/>
+                          <a:headEnd type="none" w="med" len="med"/>
+                          <a:tailEnd type="none" w="med" len="med"/>
+                        </a:lnT>
+                        <a:lnB w="7620" cap="flat" cmpd="sng" algn="ctr">
+                          <a:solidFill>
+                            <a:srgbClr val="A2A9B1"/>
+                          </a:solidFill>
+                          <a:prstDash val="solid"/>
+                          <a:round/>
+                          <a:headEnd type="none" w="med" len="med"/>
+                          <a:tailEnd type="none" w="med" len="med"/>
+                        </a:lnB>
+                        <a:solidFill>
+                          <a:srgbClr val="EAECF0"/>
+                        </a:solidFill>
+                      </a:tcPr>
+                    </a:tc>
+                    <a:extLst>
+                      <a:ext uri="{0D108BD9-81ED-4DB2-BD59-A6C34878D82A}">
+                        <a16:rowId xmlns:a16="http://schemas.microsoft.com/office/drawing/2014/main" val="1189137635"/>
+                      </a:ext>
+                    </a:extLst>
+                  </a:tr>
+                  <a:tr h="382486">
+                    <a:tc>
+                      <a:txBody>
+                        <a:bodyPr/>
+                        <a:lstStyle/>
+                        <a:p>
+                          <a:endParaRPr lang="en-US"/>
+                        </a:p>
+                      </a:txBody>
+                      <a:tcPr marL="92927" marR="92927" marT="46463" marB="46463" anchor="ctr">
+                        <a:lnL w="7620" cap="flat" cmpd="sng" algn="ctr">
+                          <a:solidFill>
+                            <a:srgbClr val="A2A9B1"/>
+                          </a:solidFill>
+                          <a:prstDash val="solid"/>
+                          <a:round/>
+                          <a:headEnd type="none" w="med" len="med"/>
+                          <a:tailEnd type="none" w="med" len="med"/>
+                        </a:lnL>
+                        <a:lnR w="7620" cap="flat" cmpd="sng" algn="ctr">
+                          <a:solidFill>
+                            <a:srgbClr val="A2A9B1"/>
+                          </a:solidFill>
+                          <a:prstDash val="solid"/>
+                          <a:round/>
+                          <a:headEnd type="none" w="med" len="med"/>
+                          <a:tailEnd type="none" w="med" len="med"/>
+                        </a:lnR>
+                        <a:lnT w="7620" cap="flat" cmpd="sng" algn="ctr">
+                          <a:solidFill>
+                            <a:srgbClr val="A2A9B1"/>
+                          </a:solidFill>
+                          <a:prstDash val="solid"/>
+                          <a:round/>
+                          <a:headEnd type="none" w="med" len="med"/>
+                          <a:tailEnd type="none" w="med" len="med"/>
+                        </a:lnT>
+                        <a:lnB w="7620" cap="flat" cmpd="sng" algn="ctr">
+                          <a:solidFill>
+                            <a:srgbClr val="A2A9B1"/>
+                          </a:solidFill>
+                          <a:prstDash val="solid"/>
+                          <a:round/>
+                          <a:headEnd type="none" w="med" len="med"/>
+                          <a:tailEnd type="none" w="med" len="med"/>
+                        </a:lnB>
+                        <a:blipFill>
+                          <a:blip r:embed="rId3"/>
+                          <a:stretch>
+                            <a:fillRect t="-182540" r="-85744" b="-474603"/>
+                          </a:stretch>
+                        </a:blipFill>
+                      </a:tcPr>
+                    </a:tc>
+                    <a:tc>
+                      <a:txBody>
+                        <a:bodyPr/>
+                        <a:lstStyle/>
+                        <a:p>
+                          <a:endParaRPr lang="en-US"/>
+                        </a:p>
+                      </a:txBody>
+                      <a:tcPr marL="92927" marR="92927" marT="46463" marB="46463" anchor="ctr">
+                        <a:lnL w="7620" cap="flat" cmpd="sng" algn="ctr">
+                          <a:solidFill>
+                            <a:srgbClr val="A2A9B1"/>
+                          </a:solidFill>
+                          <a:prstDash val="solid"/>
+                          <a:round/>
+                          <a:headEnd type="none" w="med" len="med"/>
+                          <a:tailEnd type="none" w="med" len="med"/>
+                        </a:lnL>
+                        <a:lnR w="7620" cap="flat" cmpd="sng" algn="ctr">
+                          <a:solidFill>
+                            <a:srgbClr val="A2A9B1"/>
+                          </a:solidFill>
+                          <a:prstDash val="solid"/>
+                          <a:round/>
+                          <a:headEnd type="none" w="med" len="med"/>
+                          <a:tailEnd type="none" w="med" len="med"/>
+                        </a:lnR>
+                        <a:lnT w="7620" cap="flat" cmpd="sng" algn="ctr">
+                          <a:solidFill>
+                            <a:srgbClr val="A2A9B1"/>
+                          </a:solidFill>
+                          <a:prstDash val="solid"/>
+                          <a:round/>
+                          <a:headEnd type="none" w="med" len="med"/>
+                          <a:tailEnd type="none" w="med" len="med"/>
+                        </a:lnT>
+                        <a:lnB w="7620" cap="flat" cmpd="sng" algn="ctr">
+                          <a:solidFill>
+                            <a:srgbClr val="A2A9B1"/>
+                          </a:solidFill>
+                          <a:prstDash val="solid"/>
+                          <a:round/>
+                          <a:headEnd type="none" w="med" len="med"/>
+                          <a:tailEnd type="none" w="med" len="med"/>
+                        </a:lnB>
+                        <a:blipFill>
+                          <a:blip r:embed="rId3"/>
+                          <a:stretch>
+                            <a:fillRect l="-117191" t="-182540" r="-484" b="-474603"/>
+                          </a:stretch>
+                        </a:blipFill>
+                      </a:tcPr>
+                    </a:tc>
+                    <a:extLst>
+                      <a:ext uri="{0D108BD9-81ED-4DB2-BD59-A6C34878D82A}">
+                        <a16:rowId xmlns:a16="http://schemas.microsoft.com/office/drawing/2014/main" val="3899758922"/>
+                      </a:ext>
+                    </a:extLst>
+                  </a:tr>
+                  <a:tr h="382486">
+                    <a:tc>
+                      <a:txBody>
+                        <a:bodyPr/>
+                        <a:lstStyle/>
+                        <a:p>
+                          <a:endParaRPr lang="en-US"/>
+                        </a:p>
+                      </a:txBody>
+                      <a:tcPr marL="92927" marR="92927" marT="46463" marB="46463" anchor="ctr">
+                        <a:lnL w="7620" cap="flat" cmpd="sng" algn="ctr">
+                          <a:solidFill>
+                            <a:srgbClr val="A2A9B1"/>
+                          </a:solidFill>
+                          <a:prstDash val="solid"/>
+                          <a:round/>
+                          <a:headEnd type="none" w="med" len="med"/>
+                          <a:tailEnd type="none" w="med" len="med"/>
+                        </a:lnL>
+                        <a:lnR w="7620" cap="flat" cmpd="sng" algn="ctr">
+                          <a:solidFill>
+                            <a:srgbClr val="A2A9B1"/>
+                          </a:solidFill>
+                          <a:prstDash val="solid"/>
+                          <a:round/>
+                          <a:headEnd type="none" w="med" len="med"/>
+                          <a:tailEnd type="none" w="med" len="med"/>
+                        </a:lnR>
+                        <a:lnT w="7620" cap="flat" cmpd="sng" algn="ctr">
+                          <a:solidFill>
+                            <a:srgbClr val="A2A9B1"/>
+                          </a:solidFill>
+                          <a:prstDash val="solid"/>
+                          <a:round/>
+                          <a:headEnd type="none" w="med" len="med"/>
+                          <a:tailEnd type="none" w="med" len="med"/>
+                        </a:lnT>
+                        <a:lnB w="7620" cap="flat" cmpd="sng" algn="ctr">
+                          <a:solidFill>
+                            <a:srgbClr val="A2A9B1"/>
+                          </a:solidFill>
+                          <a:prstDash val="solid"/>
+                          <a:round/>
+                          <a:headEnd type="none" w="med" len="med"/>
+                          <a:tailEnd type="none" w="med" len="med"/>
+                        </a:lnB>
+                        <a:blipFill>
+                          <a:blip r:embed="rId3"/>
+                          <a:stretch>
+                            <a:fillRect t="-282540" r="-85744" b="-374603"/>
+                          </a:stretch>
+                        </a:blipFill>
+                      </a:tcPr>
+                    </a:tc>
+                    <a:tc>
+                      <a:txBody>
+                        <a:bodyPr/>
+                        <a:lstStyle/>
+                        <a:p>
+                          <a:endParaRPr lang="en-US"/>
+                        </a:p>
+                      </a:txBody>
+                      <a:tcPr marL="92927" marR="92927" marT="46463" marB="46463" anchor="ctr">
+                        <a:lnL w="7620" cap="flat" cmpd="sng" algn="ctr">
+                          <a:solidFill>
+                            <a:srgbClr val="A2A9B1"/>
+                          </a:solidFill>
+                          <a:prstDash val="solid"/>
+                          <a:round/>
+                          <a:headEnd type="none" w="med" len="med"/>
+                          <a:tailEnd type="none" w="med" len="med"/>
+                        </a:lnL>
+                        <a:lnR w="7620" cap="flat" cmpd="sng" algn="ctr">
+                          <a:solidFill>
+                            <a:srgbClr val="A2A9B1"/>
+                          </a:solidFill>
+                          <a:prstDash val="solid"/>
+                          <a:round/>
+                          <a:headEnd type="none" w="med" len="med"/>
+                          <a:tailEnd type="none" w="med" len="med"/>
+                        </a:lnR>
+                        <a:lnT w="7620" cap="flat" cmpd="sng" algn="ctr">
+                          <a:solidFill>
+                            <a:srgbClr val="A2A9B1"/>
+                          </a:solidFill>
+                          <a:prstDash val="solid"/>
+                          <a:round/>
+                          <a:headEnd type="none" w="med" len="med"/>
+                          <a:tailEnd type="none" w="med" len="med"/>
+                        </a:lnT>
+                        <a:lnB w="7620" cap="flat" cmpd="sng" algn="ctr">
+                          <a:solidFill>
+                            <a:srgbClr val="A2A9B1"/>
+                          </a:solidFill>
+                          <a:prstDash val="solid"/>
+                          <a:round/>
+                          <a:headEnd type="none" w="med" len="med"/>
+                          <a:tailEnd type="none" w="med" len="med"/>
+                        </a:lnB>
+                        <a:blipFill>
+                          <a:blip r:embed="rId3"/>
+                          <a:stretch>
+                            <a:fillRect l="-117191" t="-282540" r="-484" b="-374603"/>
+                          </a:stretch>
+                        </a:blipFill>
+                      </a:tcPr>
+                    </a:tc>
+                    <a:extLst>
+                      <a:ext uri="{0D108BD9-81ED-4DB2-BD59-A6C34878D82A}">
+                        <a16:rowId xmlns:a16="http://schemas.microsoft.com/office/drawing/2014/main" val="3091021615"/>
+                      </a:ext>
+                    </a:extLst>
+                  </a:tr>
+                  <a:tr h="665379">
+                    <a:tc>
+                      <a:txBody>
+                        <a:bodyPr/>
+                        <a:lstStyle/>
+                        <a:p>
+                          <a:endParaRPr lang="en-US"/>
+                        </a:p>
+                      </a:txBody>
+                      <a:tcPr marL="92927" marR="92927" marT="46463" marB="46463" anchor="ctr">
+                        <a:lnL w="7620" cap="flat" cmpd="sng" algn="ctr">
+                          <a:solidFill>
+                            <a:srgbClr val="A2A9B1"/>
+                          </a:solidFill>
+                          <a:prstDash val="solid"/>
+                          <a:round/>
+                          <a:headEnd type="none" w="med" len="med"/>
+                          <a:tailEnd type="none" w="med" len="med"/>
+                        </a:lnL>
+                        <a:lnR w="7620" cap="flat" cmpd="sng" algn="ctr">
+                          <a:solidFill>
+                            <a:srgbClr val="A2A9B1"/>
+                          </a:solidFill>
+                          <a:prstDash val="solid"/>
+                          <a:round/>
+                          <a:headEnd type="none" w="med" len="med"/>
+                          <a:tailEnd type="none" w="med" len="med"/>
+                        </a:lnR>
+                        <a:lnT w="7620" cap="flat" cmpd="sng" algn="ctr">
+                          <a:solidFill>
+                            <a:srgbClr val="A2A9B1"/>
+                          </a:solidFill>
+                          <a:prstDash val="solid"/>
+                          <a:round/>
+                          <a:headEnd type="none" w="med" len="med"/>
+                          <a:tailEnd type="none" w="med" len="med"/>
+                        </a:lnT>
+                        <a:lnB w="7620" cap="flat" cmpd="sng" algn="ctr">
+                          <a:solidFill>
+                            <a:srgbClr val="A2A9B1"/>
+                          </a:solidFill>
+                          <a:prstDash val="solid"/>
+                          <a:round/>
+                          <a:headEnd type="none" w="med" len="med"/>
+                          <a:tailEnd type="none" w="med" len="med"/>
+                        </a:lnB>
+                        <a:blipFill>
+                          <a:blip r:embed="rId3"/>
+                          <a:stretch>
+                            <a:fillRect t="-221101" r="-85744" b="-116514"/>
+                          </a:stretch>
+                        </a:blipFill>
+                      </a:tcPr>
+                    </a:tc>
+                    <a:tc>
+                      <a:txBody>
+                        <a:bodyPr/>
+                        <a:lstStyle/>
+                        <a:p>
+                          <a:endParaRPr lang="en-US"/>
+                        </a:p>
+                      </a:txBody>
+                      <a:tcPr marL="92927" marR="92927" marT="46463" marB="46463" anchor="ctr">
+                        <a:lnL w="7620" cap="flat" cmpd="sng" algn="ctr">
+                          <a:solidFill>
+                            <a:srgbClr val="A2A9B1"/>
+                          </a:solidFill>
+                          <a:prstDash val="solid"/>
+                          <a:round/>
+                          <a:headEnd type="none" w="med" len="med"/>
+                          <a:tailEnd type="none" w="med" len="med"/>
+                        </a:lnL>
+                        <a:lnR w="7620" cap="flat" cmpd="sng" algn="ctr">
+                          <a:solidFill>
+                            <a:srgbClr val="A2A9B1"/>
+                          </a:solidFill>
+                          <a:prstDash val="solid"/>
+                          <a:round/>
+                          <a:headEnd type="none" w="med" len="med"/>
+                          <a:tailEnd type="none" w="med" len="med"/>
+                        </a:lnR>
+                        <a:lnT w="7620" cap="flat" cmpd="sng" algn="ctr">
+                          <a:solidFill>
+                            <a:srgbClr val="A2A9B1"/>
+                          </a:solidFill>
+                          <a:prstDash val="solid"/>
+                          <a:round/>
+                          <a:headEnd type="none" w="med" len="med"/>
+                          <a:tailEnd type="none" w="med" len="med"/>
+                        </a:lnT>
+                        <a:lnB w="7620" cap="flat" cmpd="sng" algn="ctr">
+                          <a:solidFill>
+                            <a:srgbClr val="A2A9B1"/>
+                          </a:solidFill>
+                          <a:prstDash val="solid"/>
+                          <a:round/>
+                          <a:headEnd type="none" w="med" len="med"/>
+                          <a:tailEnd type="none" w="med" len="med"/>
+                        </a:lnB>
+                        <a:blipFill>
+                          <a:blip r:embed="rId3"/>
+                          <a:stretch>
+                            <a:fillRect l="-117191" t="-221101" r="-484" b="-116514"/>
+                          </a:stretch>
+                        </a:blipFill>
+                      </a:tcPr>
+                    </a:tc>
+                    <a:extLst>
+                      <a:ext uri="{0D108BD9-81ED-4DB2-BD59-A6C34878D82A}">
+                        <a16:rowId xmlns:a16="http://schemas.microsoft.com/office/drawing/2014/main" val="3530891132"/>
+                      </a:ext>
+                    </a:extLst>
+                  </a:tr>
+                  <a:tr h="382486">
+                    <a:tc>
+                      <a:txBody>
+                        <a:bodyPr/>
+                        <a:lstStyle/>
+                        <a:p>
+                          <a:endParaRPr lang="en-US"/>
+                        </a:p>
+                      </a:txBody>
+                      <a:tcPr marL="92927" marR="92927" marT="46463" marB="46463" anchor="ctr">
+                        <a:lnL w="7620" cap="flat" cmpd="sng" algn="ctr">
+                          <a:solidFill>
+                            <a:srgbClr val="A2A9B1"/>
+                          </a:solidFill>
+                          <a:prstDash val="solid"/>
+                          <a:round/>
+                          <a:headEnd type="none" w="med" len="med"/>
+                          <a:tailEnd type="none" w="med" len="med"/>
+                        </a:lnL>
+                        <a:lnR w="7620" cap="flat" cmpd="sng" algn="ctr">
+                          <a:solidFill>
+                            <a:srgbClr val="A2A9B1"/>
+                          </a:solidFill>
+                          <a:prstDash val="solid"/>
+                          <a:round/>
+                          <a:headEnd type="none" w="med" len="med"/>
+                          <a:tailEnd type="none" w="med" len="med"/>
+                        </a:lnR>
+                        <a:lnT w="7620" cap="flat" cmpd="sng" algn="ctr">
+                          <a:solidFill>
+                            <a:srgbClr val="A2A9B1"/>
+                          </a:solidFill>
+                          <a:prstDash val="solid"/>
+                          <a:round/>
+                          <a:headEnd type="none" w="med" len="med"/>
+                          <a:tailEnd type="none" w="med" len="med"/>
+                        </a:lnT>
+                        <a:lnB w="7620" cap="flat" cmpd="sng" algn="ctr">
+                          <a:solidFill>
+                            <a:srgbClr val="A2A9B1"/>
+                          </a:solidFill>
+                          <a:prstDash val="solid"/>
+                          <a:round/>
+                          <a:headEnd type="none" w="med" len="med"/>
+                          <a:tailEnd type="none" w="med" len="med"/>
+                        </a:lnB>
+                        <a:blipFill>
+                          <a:blip r:embed="rId3"/>
+                          <a:stretch>
+                            <a:fillRect t="-555556" r="-85744" b="-101587"/>
+                          </a:stretch>
+                        </a:blipFill>
+                      </a:tcPr>
+                    </a:tc>
+                    <a:tc>
+                      <a:txBody>
+                        <a:bodyPr/>
+                        <a:lstStyle/>
+                        <a:p>
+                          <a:endParaRPr lang="en-US"/>
+                        </a:p>
+                      </a:txBody>
+                      <a:tcPr marL="92927" marR="92927" marT="46463" marB="46463" anchor="ctr">
+                        <a:lnL w="7620" cap="flat" cmpd="sng" algn="ctr">
+                          <a:solidFill>
+                            <a:srgbClr val="A2A9B1"/>
+                          </a:solidFill>
+                          <a:prstDash val="solid"/>
+                          <a:round/>
+                          <a:headEnd type="none" w="med" len="med"/>
+                          <a:tailEnd type="none" w="med" len="med"/>
+                        </a:lnL>
+                        <a:lnR w="7620" cap="flat" cmpd="sng" algn="ctr">
+                          <a:solidFill>
+                            <a:srgbClr val="A2A9B1"/>
+                          </a:solidFill>
+                          <a:prstDash val="solid"/>
+                          <a:round/>
+                          <a:headEnd type="none" w="med" len="med"/>
+                          <a:tailEnd type="none" w="med" len="med"/>
+                        </a:lnR>
+                        <a:lnT w="7620" cap="flat" cmpd="sng" algn="ctr">
+                          <a:solidFill>
+                            <a:srgbClr val="A2A9B1"/>
+                          </a:solidFill>
+                          <a:prstDash val="solid"/>
+                          <a:round/>
+                          <a:headEnd type="none" w="med" len="med"/>
+                          <a:tailEnd type="none" w="med" len="med"/>
+                        </a:lnT>
+                        <a:lnB w="7620" cap="flat" cmpd="sng" algn="ctr">
+                          <a:solidFill>
+                            <a:srgbClr val="A2A9B1"/>
+                          </a:solidFill>
+                          <a:prstDash val="solid"/>
+                          <a:round/>
+                          <a:headEnd type="none" w="med" len="med"/>
+                          <a:tailEnd type="none" w="med" len="med"/>
+                        </a:lnB>
+                        <a:blipFill>
+                          <a:blip r:embed="rId3"/>
+                          <a:stretch>
+                            <a:fillRect l="-117191" t="-555556" r="-484" b="-101587"/>
+                          </a:stretch>
+                        </a:blipFill>
+                      </a:tcPr>
+                    </a:tc>
+                    <a:extLst>
+                      <a:ext uri="{0D108BD9-81ED-4DB2-BD59-A6C34878D82A}">
+                        <a16:rowId xmlns:a16="http://schemas.microsoft.com/office/drawing/2014/main" val="347833273"/>
+                      </a:ext>
+                    </a:extLst>
+                  </a:tr>
+                  <a:tr h="382486">
+                    <a:tc>
+                      <a:txBody>
+                        <a:bodyPr/>
+                        <a:lstStyle/>
+                        <a:p>
+                          <a:endParaRPr lang="en-US"/>
+                        </a:p>
+                      </a:txBody>
+                      <a:tcPr marL="92927" marR="92927" marT="46463" marB="46463" anchor="ctr">
+                        <a:lnL w="7620" cap="flat" cmpd="sng" algn="ctr">
+                          <a:solidFill>
+                            <a:srgbClr val="A2A9B1"/>
+                          </a:solidFill>
+                          <a:prstDash val="solid"/>
+                          <a:round/>
+                          <a:headEnd type="none" w="med" len="med"/>
+                          <a:tailEnd type="none" w="med" len="med"/>
+                        </a:lnL>
+                        <a:lnR w="7620" cap="flat" cmpd="sng" algn="ctr">
+                          <a:solidFill>
+                            <a:srgbClr val="A2A9B1"/>
+                          </a:solidFill>
+                          <a:prstDash val="solid"/>
+                          <a:round/>
+                          <a:headEnd type="none" w="med" len="med"/>
+                          <a:tailEnd type="none" w="med" len="med"/>
+                        </a:lnR>
+                        <a:lnT w="7620" cap="flat" cmpd="sng" algn="ctr">
+                          <a:solidFill>
+                            <a:srgbClr val="A2A9B1"/>
+                          </a:solidFill>
+                          <a:prstDash val="solid"/>
+                          <a:round/>
+                          <a:headEnd type="none" w="med" len="med"/>
+                          <a:tailEnd type="none" w="med" len="med"/>
+                        </a:lnT>
+                        <a:lnB w="7620" cap="flat" cmpd="sng" algn="ctr">
+                          <a:solidFill>
+                            <a:srgbClr val="A2A9B1"/>
+                          </a:solidFill>
+                          <a:prstDash val="solid"/>
+                          <a:round/>
+                          <a:headEnd type="none" w="med" len="med"/>
+                          <a:tailEnd type="none" w="med" len="med"/>
+                        </a:lnB>
+                        <a:blipFill>
+                          <a:blip r:embed="rId3"/>
+                          <a:stretch>
+                            <a:fillRect t="-655556" r="-85744" b="-1587"/>
+                          </a:stretch>
+                        </a:blipFill>
+                      </a:tcPr>
+                    </a:tc>
+                    <a:tc>
+                      <a:txBody>
+                        <a:bodyPr/>
+                        <a:lstStyle/>
+                        <a:p>
+                          <a:endParaRPr lang="en-US"/>
+                        </a:p>
+                      </a:txBody>
+                      <a:tcPr marL="92927" marR="92927" marT="46463" marB="46463" anchor="ctr">
+                        <a:lnL w="7620" cap="flat" cmpd="sng" algn="ctr">
+                          <a:solidFill>
+                            <a:srgbClr val="A2A9B1"/>
+                          </a:solidFill>
+                          <a:prstDash val="solid"/>
+                          <a:round/>
+                          <a:headEnd type="none" w="med" len="med"/>
+                          <a:tailEnd type="none" w="med" len="med"/>
+                        </a:lnL>
+                        <a:lnR w="7620" cap="flat" cmpd="sng" algn="ctr">
+                          <a:solidFill>
+                            <a:srgbClr val="A2A9B1"/>
+                          </a:solidFill>
+                          <a:prstDash val="solid"/>
+                          <a:round/>
+                          <a:headEnd type="none" w="med" len="med"/>
+                          <a:tailEnd type="none" w="med" len="med"/>
+                        </a:lnR>
+                        <a:lnT w="7620" cap="flat" cmpd="sng" algn="ctr">
+                          <a:solidFill>
+                            <a:srgbClr val="A2A9B1"/>
+                          </a:solidFill>
+                          <a:prstDash val="solid"/>
+                          <a:round/>
+                          <a:headEnd type="none" w="med" len="med"/>
+                          <a:tailEnd type="none" w="med" len="med"/>
+                        </a:lnT>
+                        <a:lnB w="7620" cap="flat" cmpd="sng" algn="ctr">
+                          <a:solidFill>
+                            <a:srgbClr val="A2A9B1"/>
+                          </a:solidFill>
+                          <a:prstDash val="solid"/>
+                          <a:round/>
+                          <a:headEnd type="none" w="med" len="med"/>
+                          <a:tailEnd type="none" w="med" len="med"/>
+                        </a:lnB>
+                        <a:blipFill>
+                          <a:blip r:embed="rId3"/>
+                          <a:stretch>
+                            <a:fillRect l="-117191" t="-655556" r="-484" b="-1587"/>
+                          </a:stretch>
+                        </a:blipFill>
+                      </a:tcPr>
+                    </a:tc>
+                    <a:extLst>
+                      <a:ext uri="{0D108BD9-81ED-4DB2-BD59-A6C34878D82A}">
+                        <a16:rowId xmlns:a16="http://schemas.microsoft.com/office/drawing/2014/main" val="2799954568"/>
+                      </a:ext>
+                    </a:extLst>
+                  </a:tr>
+                </a:tbl>
+              </a:graphicData>
+            </a:graphic>
+          </p:graphicFrame>
+        </mc:Fallback>
+      </mc:AlternateContent>
+      <p:pic>
+        <p:nvPicPr>
+          <p:cNvPr id="6" name="Picture 12">
+            <a:extLst>
+              <a:ext uri="{FF2B5EF4-FFF2-40B4-BE49-F238E27FC236}">
+                <a16:creationId xmlns:a16="http://schemas.microsoft.com/office/drawing/2014/main" id="{41867575-8557-B680-E09D-9E76DEEE8376}"/>
+              </a:ext>
+            </a:extLst>
+          </p:cNvPr>
+          <p:cNvPicPr>
+            <a:picLocks noChangeAspect="1" noChangeArrowheads="1"/>
+          </p:cNvPicPr>
+          <p:nvPr/>
+        </p:nvPicPr>
+        <p:blipFill>
+          <a:blip r:embed="rId4">
+            <a:extLst>
+              <a:ext uri="{28A0092B-C50C-407E-A947-70E740481C1C}">
+                <a14:useLocalDpi xmlns:a14="http://schemas.microsoft.com/office/drawing/2010/main" val="0"/>
+              </a:ext>
+            </a:extLst>
+          </a:blip>
+          <a:srcRect/>
+          <a:stretch/>
+        </p:blipFill>
+        <p:spPr bwMode="auto">
+          <a:xfrm>
+            <a:off x="262253" y="3001029"/>
+            <a:ext cx="5544086" cy="2831599"/>
+          </a:xfrm>
+          <a:prstGeom prst="rect">
+            <a:avLst/>
+          </a:prstGeom>
+          <a:noFill/>
+          <a:extLst>
+            <a:ext uri="{909E8E84-426E-40DD-AFC4-6F175D3DCCD1}">
+              <a14:hiddenFill xmlns:a14="http://schemas.microsoft.com/office/drawing/2010/main">
+                <a:solidFill>
+                  <a:srgbClr val="FFFFFF"/>
+                </a:solidFill>
+              </a14:hiddenFill>
+            </a:ext>
+          </a:extLst>
+        </p:spPr>
+      </p:pic>
+    </p:spTree>
+    <p:extLst>
+      <p:ext uri="{BB962C8B-B14F-4D97-AF65-F5344CB8AC3E}">
+        <p14:creationId xmlns:p14="http://schemas.microsoft.com/office/powerpoint/2010/main" val="2674546521"/>
+      </p:ext>
+    </p:extLst>
+  </p:cSld>
+  <p:clrMapOvr>
+    <a:masterClrMapping/>
+  </p:clrMapOvr>
+</p:sld>
+</file>
+
+<file path=ppt/slides/slide5.xml><?xml version="1.0" encoding="utf-8"?>
+<p:sld xmlns:a="http://schemas.openxmlformats.org/drawingml/2006/main" xmlns:r="http://schemas.openxmlformats.org/officeDocument/2006/relationships" xmlns:p="http://schemas.openxmlformats.org/presentationml/2006/main">
+  <p:cSld>
+    <p:spTree>
+      <p:nvGrpSpPr>
+        <p:cNvPr id="1" name=""/>
+        <p:cNvGrpSpPr/>
+        <p:nvPr/>
+      </p:nvGrpSpPr>
+      <p:grpSpPr>
+        <a:xfrm>
+          <a:off x="0" y="0"/>
+          <a:ext cx="0" cy="0"/>
+          <a:chOff x="0" y="0"/>
+          <a:chExt cx="0" cy="0"/>
+        </a:xfrm>
+      </p:grpSpPr>
       <p:sp>
         <p:nvSpPr>
           <p:cNvPr id="2" name="Title 1">

--- a/Math 319 Final.pptx
+++ b/Math 319 Final.pptx
@@ -211,7 +211,7 @@
           <a:effectLst/>
           <a:extLst>
             <a:ext uri="{91240B29-F687-4f45-9708-019B960494DF}">
-              <a14:hiddenLine xmlns="" xmlns:a14="http://schemas.microsoft.com/office/drawing/2010/main" w="9525">
+              <a14:hiddenLine xmlns:a14="http://schemas.microsoft.com/office/drawing/2010/main" xmlns="" w="9525">
                 <a:solidFill>
                   <a:srgbClr val="000000"/>
                 </a:solidFill>
@@ -1733,7 +1733,7 @@
           <a:ln/>
           <a:extLst>
             <a:ext uri="{91240B29-F687-4f45-9708-019B960494DF}">
-              <a14:hiddenLine xmlns="" xmlns:a14="http://schemas.microsoft.com/office/drawing/2010/main" w="9525">
+              <a14:hiddenLine xmlns:a14="http://schemas.microsoft.com/office/drawing/2010/main" xmlns="" w="9525">
                 <a:solidFill>
                   <a:srgbClr val="000000"/>
                 </a:solidFill>
@@ -2008,7 +2008,7 @@
           <a:ln/>
           <a:extLst>
             <a:ext uri="{91240B29-F687-4f45-9708-019B960494DF}">
-              <a14:hiddenLine xmlns="" xmlns:a14="http://schemas.microsoft.com/office/drawing/2010/main" w="9525">
+              <a14:hiddenLine xmlns:a14="http://schemas.microsoft.com/office/drawing/2010/main" xmlns="" w="9525">
                 <a:solidFill>
                   <a:srgbClr val="000000"/>
                 </a:solidFill>
@@ -2291,7 +2291,7 @@
           <a:ln/>
           <a:extLst>
             <a:ext uri="{91240B29-F687-4f45-9708-019B960494DF}">
-              <a14:hiddenLine xmlns="" xmlns:a14="http://schemas.microsoft.com/office/drawing/2010/main" w="9525">
+              <a14:hiddenLine xmlns:a14="http://schemas.microsoft.com/office/drawing/2010/main" xmlns="" w="9525">
                 <a:solidFill>
                   <a:srgbClr val="000000"/>
                 </a:solidFill>
@@ -2917,7 +2917,7 @@
           <a:ln/>
           <a:extLst>
             <a:ext uri="{91240B29-F687-4f45-9708-019B960494DF}">
-              <a14:hiddenLine xmlns="" xmlns:a14="http://schemas.microsoft.com/office/drawing/2010/main" w="9525">
+              <a14:hiddenLine xmlns:a14="http://schemas.microsoft.com/office/drawing/2010/main" xmlns="" w="9525">
                 <a:solidFill>
                   <a:srgbClr val="000000"/>
                 </a:solidFill>
@@ -3256,7 +3256,7 @@
           <a:ln/>
           <a:extLst>
             <a:ext uri="{91240B29-F687-4f45-9708-019B960494DF}">
-              <a14:hiddenLine xmlns="" xmlns:a14="http://schemas.microsoft.com/office/drawing/2010/main" w="9525">
+              <a14:hiddenLine xmlns:a14="http://schemas.microsoft.com/office/drawing/2010/main" xmlns="" w="9525">
                 <a:solidFill>
                   <a:srgbClr val="000000"/>
                 </a:solidFill>
@@ -3733,7 +3733,7 @@
           <a:ln/>
           <a:extLst>
             <a:ext uri="{91240B29-F687-4f45-9708-019B960494DF}">
-              <a14:hiddenLine xmlns="" xmlns:a14="http://schemas.microsoft.com/office/drawing/2010/main" w="9525">
+              <a14:hiddenLine xmlns:a14="http://schemas.microsoft.com/office/drawing/2010/main" xmlns="" w="9525">
                 <a:solidFill>
                   <a:srgbClr val="000000"/>
                 </a:solidFill>
@@ -4162,7 +4162,7 @@
           <a:ln/>
           <a:extLst>
             <a:ext uri="{91240B29-F687-4f45-9708-019B960494DF}">
-              <a14:hiddenLine xmlns="" xmlns:a14="http://schemas.microsoft.com/office/drawing/2010/main" w="9525">
+              <a14:hiddenLine xmlns:a14="http://schemas.microsoft.com/office/drawing/2010/main" xmlns="" w="9525">
                 <a:solidFill>
                   <a:srgbClr val="000000"/>
                 </a:solidFill>
@@ -5448,21 +5448,15 @@
         <p:spPr/>
         <p:txBody>
           <a:bodyPr>
-            <a:normAutofit fontScale="47500" lnSpcReduction="20000"/>
+            <a:normAutofit/>
           </a:bodyPr>
           <a:lstStyle/>
           <a:p>
+            <a:pPr algn="just"/>
             <a:r>
-              <a:rPr lang="en-US"/>
-              <a:t>By: Christopher Berglund, Pierre Visconti, </a:t>
+              <a:rPr lang="en-US" sz="1400" dirty="0"/>
+              <a:t>By: Christopher Berglund, Pierre Visconti, Benjamin Wachter</a:t>
             </a:r>
-          </a:p>
-          <a:p>
-            <a:r>
-              <a:rPr lang="en-US"/>
-              <a:t>Benjamin Wachter</a:t>
-            </a:r>
-            <a:endParaRPr lang="en-US" dirty="0"/>
           </a:p>
         </p:txBody>
       </p:sp>
@@ -7602,8 +7596,8 @@
           <a:chExt cx="0" cy="0"/>
         </a:xfrm>
       </p:grpSpPr>
-      <mc:AlternateContent xmlns:mc="http://schemas.openxmlformats.org/markup-compatibility/2006">
-        <mc:Choice xmlns:a14="http://schemas.microsoft.com/office/drawing/2010/main" Requires="a14">
+      <mc:AlternateContent xmlns:mc="http://schemas.openxmlformats.org/markup-compatibility/2006" xmlns:a14="http://schemas.microsoft.com/office/drawing/2010/main">
+        <mc:Choice Requires="a14">
           <p:sp>
             <p:nvSpPr>
               <p:cNvPr id="2" name="Title 1">
@@ -7653,7 +7647,7 @@
                       <m:d>
                         <m:dPr>
                           <m:ctrlPr>
-                            <a:rPr lang="en-US" b="1" i="0" smtClean="0">
+                            <a:rPr lang="en-US" b="1" i="1" smtClean="0">
                               <a:latin typeface="Cambria Math" panose="02040503050406030204" pitchFamily="18" charset="0"/>
                             </a:rPr>
                           </m:ctrlPr>
@@ -7662,7 +7656,7 @@
                           <m:sSub>
                             <m:sSubPr>
                               <m:ctrlPr>
-                                <a:rPr lang="en-US" b="1" i="0" smtClean="0">
+                                <a:rPr lang="en-US" b="1" i="1" smtClean="0">
                                   <a:latin typeface="Cambria Math" panose="02040503050406030204" pitchFamily="18" charset="0"/>
                                 </a:rPr>
                               </m:ctrlPr>
@@ -7693,7 +7687,7 @@
                           <m:sSub>
                             <m:sSubPr>
                               <m:ctrlPr>
-                                <a:rPr lang="en-US" b="1" i="0" smtClean="0">
+                                <a:rPr lang="en-US" b="1" i="1" smtClean="0">
                                   <a:latin typeface="Cambria Math" panose="02040503050406030204" pitchFamily="18" charset="0"/>
                                 </a:rPr>
                               </m:ctrlPr>
@@ -7824,7 +7818,7 @@
             </p:txBody>
           </p:sp>
         </mc:Choice>
-        <mc:Fallback>
+        <mc:Fallback xmlns="">
           <p:sp>
             <p:nvSpPr>
               <p:cNvPr id="2" name="Title 1">
@@ -7885,28 +7879,28 @@
               <p:nvPr>
                 <p:extLst>
                   <p:ext uri="{D42A27DB-BD31-4B8C-83A1-F6EECF244321}">
-                    <p14:modId xmlns:p14="http://schemas.microsoft.com/office/powerpoint/2010/main" val="1046294447"/>
+                    <p14:modId xmlns:p14="http://schemas.microsoft.com/office/powerpoint/2010/main" val="2386134254"/>
                   </p:ext>
                 </p:extLst>
               </p:nvPr>
             </p:nvGraphicFramePr>
             <p:xfrm>
-              <a:off x="6467171" y="2881190"/>
-              <a:ext cx="5462576" cy="2867369"/>
+              <a:off x="6294268" y="3124590"/>
+              <a:ext cx="5635479" cy="2584476"/>
             </p:xfrm>
             <a:graphic>
               <a:graphicData uri="http://schemas.openxmlformats.org/drawingml/2006/table">
                 <a:tbl>
                   <a:tblPr firstRow="1" bandRow="1"/>
                   <a:tblGrid>
-                    <a:gridCol w="2950196">
+                    <a:gridCol w="2707689">
                       <a:extLst>
                         <a:ext uri="{9D8B030D-6E8A-4147-A177-3AD203B41FA5}">
                           <a16:colId xmlns:a16="http://schemas.microsoft.com/office/drawing/2014/main" val="1589143707"/>
                         </a:ext>
                       </a:extLst>
                     </a:gridCol>
-                    <a:gridCol w="2512380">
+                    <a:gridCol w="2927790">
                       <a:extLst>
                         <a:ext uri="{9D8B030D-6E8A-4147-A177-3AD203B41FA5}">
                           <a16:colId xmlns:a16="http://schemas.microsoft.com/office/drawing/2014/main" val="1482505580"/>
@@ -7981,7 +7975,7 @@
                         <a:p>
                           <a:pPr algn="ctr"/>
                           <a:r>
-                            <a:rPr lang="en-US" sz="1900">
+                            <a:rPr lang="en-US" sz="1900" dirty="0">
                               <a:solidFill>
                                 <a:srgbClr val="000000"/>
                               </a:solidFill>
@@ -8045,6 +8039,7 @@
                         <a:bodyPr/>
                         <a:lstStyle/>
                         <a:p>
+                          <a:pPr/>
                           <a14:m>
                             <m:oMathPara xmlns:m="http://schemas.openxmlformats.org/officeDocument/2006/math">
                               <m:oMathParaPr>
@@ -8193,6 +8188,7 @@
                         <a:bodyPr/>
                         <a:lstStyle/>
                         <a:p>
+                          <a:pPr/>
                           <a14:m>
                             <m:oMathPara xmlns:m="http://schemas.openxmlformats.org/officeDocument/2006/math">
                               <m:oMathParaPr>
@@ -8347,6 +8343,7 @@
                         <a:bodyPr/>
                         <a:lstStyle/>
                         <a:p>
+                          <a:pPr/>
                           <a14:m>
                             <m:oMathPara xmlns:m="http://schemas.openxmlformats.org/officeDocument/2006/math">
                               <m:oMathParaPr>
@@ -8495,6 +8492,7 @@
                         <a:bodyPr/>
                         <a:lstStyle/>
                         <a:p>
+                          <a:pPr/>
                           <a14:m>
                             <m:oMathPara xmlns:m="http://schemas.openxmlformats.org/officeDocument/2006/math">
                               <m:oMathParaPr>
@@ -8649,6 +8647,7 @@
                         <a:bodyPr/>
                         <a:lstStyle/>
                         <a:p>
+                          <a:pPr/>
                           <a14:m>
                             <m:oMathPara xmlns:m="http://schemas.openxmlformats.org/officeDocument/2006/math">
                               <m:oMathParaPr>
@@ -8844,6 +8843,7 @@
                         <a:bodyPr/>
                         <a:lstStyle/>
                         <a:p>
+                          <a:pPr/>
                           <a14:m>
                             <m:oMathPara xmlns:m="http://schemas.openxmlformats.org/officeDocument/2006/math">
                               <m:oMathParaPr>
@@ -9188,6 +9188,7 @@
                         <a:bodyPr/>
                         <a:lstStyle/>
                         <a:p>
+                          <a:pPr/>
                           <a14:m>
                             <m:oMathPara xmlns:m="http://schemas.openxmlformats.org/officeDocument/2006/math">
                               <m:oMathParaPr>
@@ -9366,6 +9367,7 @@
                         <a:bodyPr/>
                         <a:lstStyle/>
                         <a:p>
+                          <a:pPr/>
                           <a14:m>
                             <m:oMathPara xmlns:m="http://schemas.openxmlformats.org/officeDocument/2006/math">
                               <m:oMathParaPr>
@@ -9630,6 +9632,7 @@
                         <a:bodyPr/>
                         <a:lstStyle/>
                         <a:p>
+                          <a:pPr/>
                           <a14:m>
                             <m:oMathPara xmlns:m="http://schemas.openxmlformats.org/officeDocument/2006/math">
                               <m:oMathParaPr>
@@ -9825,6 +9828,7 @@
                         <a:bodyPr/>
                         <a:lstStyle/>
                         <a:p>
+                          <a:pPr/>
                           <a14:m>
                             <m:oMathPara xmlns:m="http://schemas.openxmlformats.org/officeDocument/2006/math">
                               <m:oMathParaPr>
@@ -10090,28 +10094,28 @@
               <p:nvPr>
                 <p:extLst>
                   <p:ext uri="{D42A27DB-BD31-4B8C-83A1-F6EECF244321}">
-                    <p14:modId xmlns:p14="http://schemas.microsoft.com/office/powerpoint/2010/main" val="1046294447"/>
+                    <p14:modId xmlns:p14="http://schemas.microsoft.com/office/powerpoint/2010/main" val="2386134254"/>
                   </p:ext>
                 </p:extLst>
               </p:nvPr>
             </p:nvGraphicFramePr>
             <p:xfrm>
-              <a:off x="6467171" y="2881190"/>
-              <a:ext cx="5462576" cy="2867369"/>
+              <a:off x="6294268" y="3124590"/>
+              <a:ext cx="5635479" cy="2584476"/>
             </p:xfrm>
             <a:graphic>
               <a:graphicData uri="http://schemas.openxmlformats.org/drawingml/2006/table">
                 <a:tbl>
                   <a:tblPr firstRow="1" bandRow="1"/>
                   <a:tblGrid>
-                    <a:gridCol w="2950196">
+                    <a:gridCol w="2707689">
                       <a:extLst>
                         <a:ext uri="{9D8B030D-6E8A-4147-A177-3AD203B41FA5}">
                           <a16:colId xmlns:a16="http://schemas.microsoft.com/office/drawing/2014/main" val="1589143707"/>
                         </a:ext>
                       </a:extLst>
                     </a:gridCol>
-                    <a:gridCol w="2512380">
+                    <a:gridCol w="2927790">
                       <a:extLst>
                         <a:ext uri="{9D8B030D-6E8A-4147-A177-3AD203B41FA5}">
                           <a16:colId xmlns:a16="http://schemas.microsoft.com/office/drawing/2014/main" val="1482505580"/>
@@ -10186,7 +10190,7 @@
                         <a:p>
                           <a:pPr algn="ctr"/>
                           <a:r>
-                            <a:rPr lang="en-US" sz="1900">
+                            <a:rPr lang="en-US" sz="1900" dirty="0">
                               <a:solidFill>
                                 <a:srgbClr val="000000"/>
                               </a:solidFill>
@@ -10293,7 +10297,7 @@
                         <a:blipFill>
                           <a:blip r:embed="rId3"/>
                           <a:stretch>
-                            <a:fillRect t="-182540" r="-85744" b="-474603"/>
+                            <a:fillRect l="-225" t="-185484" r="-108784" b="-408065"/>
                           </a:stretch>
                         </a:blipFill>
                       </a:tcPr>
@@ -10346,7 +10350,7 @@
                         <a:blipFill>
                           <a:blip r:embed="rId3"/>
                           <a:stretch>
-                            <a:fillRect l="-117191" t="-182540" r="-484" b="-474603"/>
+                            <a:fillRect l="-92516" t="-185484" r="-416" b="-408065"/>
                           </a:stretch>
                         </a:blipFill>
                       </a:tcPr>
@@ -10406,7 +10410,7 @@
                         <a:blipFill>
                           <a:blip r:embed="rId3"/>
                           <a:stretch>
-                            <a:fillRect t="-282540" r="-85744" b="-374603"/>
+                            <a:fillRect l="-225" t="-280952" r="-108784" b="-301587"/>
                           </a:stretch>
                         </a:blipFill>
                       </a:tcPr>
@@ -10459,7 +10463,7 @@
                         <a:blipFill>
                           <a:blip r:embed="rId3"/>
                           <a:stretch>
-                            <a:fillRect l="-117191" t="-282540" r="-484" b="-374603"/>
+                            <a:fillRect l="-92516" t="-280952" r="-416" b="-301587"/>
                           </a:stretch>
                         </a:blipFill>
                       </a:tcPr>
@@ -10470,7 +10474,7 @@
                       </a:ext>
                     </a:extLst>
                   </a:tr>
-                  <a:tr h="665379">
+                  <a:tr h="382486">
                     <a:tc>
                       <a:txBody>
                         <a:bodyPr/>
@@ -10519,7 +10523,7 @@
                         <a:blipFill>
                           <a:blip r:embed="rId3"/>
                           <a:stretch>
-                            <a:fillRect t="-221101" r="-85744" b="-116514"/>
+                            <a:fillRect l="-225" t="-380952" r="-108784" b="-201587"/>
                           </a:stretch>
                         </a:blipFill>
                       </a:tcPr>
@@ -10572,7 +10576,7 @@
                         <a:blipFill>
                           <a:blip r:embed="rId3"/>
                           <a:stretch>
-                            <a:fillRect l="-117191" t="-221101" r="-484" b="-116514"/>
+                            <a:fillRect l="-92516" t="-380952" r="-416" b="-201587"/>
                           </a:stretch>
                         </a:blipFill>
                       </a:tcPr>
@@ -10632,7 +10636,7 @@
                         <a:blipFill>
                           <a:blip r:embed="rId3"/>
                           <a:stretch>
-                            <a:fillRect t="-555556" r="-85744" b="-101587"/>
+                            <a:fillRect l="-225" t="-480952" r="-108784" b="-101587"/>
                           </a:stretch>
                         </a:blipFill>
                       </a:tcPr>
@@ -10685,7 +10689,7 @@
                         <a:blipFill>
                           <a:blip r:embed="rId3"/>
                           <a:stretch>
-                            <a:fillRect l="-117191" t="-555556" r="-484" b="-101587"/>
+                            <a:fillRect l="-92516" t="-480952" r="-416" b="-101587"/>
                           </a:stretch>
                         </a:blipFill>
                       </a:tcPr>
@@ -10745,7 +10749,7 @@
                         <a:blipFill>
                           <a:blip r:embed="rId3"/>
                           <a:stretch>
-                            <a:fillRect t="-655556" r="-85744" b="-1587"/>
+                            <a:fillRect l="-225" t="-580952" r="-108784" b="-1587"/>
                           </a:stretch>
                         </a:blipFill>
                       </a:tcPr>
@@ -10798,7 +10802,7 @@
                         <a:blipFill>
                           <a:blip r:embed="rId3"/>
                           <a:stretch>
-                            <a:fillRect l="-117191" t="-655556" r="-484" b="-1587"/>
+                            <a:fillRect l="-92516" t="-580952" r="-416" b="-1587"/>
                           </a:stretch>
                         </a:blipFill>
                       </a:tcPr>
@@ -10842,7 +10846,7 @@
         </p:blipFill>
         <p:spPr bwMode="auto">
           <a:xfrm>
-            <a:off x="262253" y="3001029"/>
+            <a:off x="262253" y="3001028"/>
             <a:ext cx="5544086" cy="2831599"/>
           </a:xfrm>
           <a:prstGeom prst="rect">

--- a/Math 319 Final.pptx
+++ b/Math 319 Final.pptx
@@ -10,6 +10,7 @@
     <p:sldId id="259" r:id="rId4"/>
     <p:sldId id="261" r:id="rId5"/>
     <p:sldId id="258" r:id="rId6"/>
+    <p:sldId id="262" r:id="rId7"/>
   </p:sldIdLst>
   <p:sldSz cx="12192000" cy="6858000"/>
   <p:notesSz cx="6858000" cy="9144000"/>
@@ -211,7 +212,7 @@
           <a:effectLst/>
           <a:extLst>
             <a:ext uri="{91240B29-F687-4f45-9708-019B960494DF}">
-              <a14:hiddenLine xmlns:a14="http://schemas.microsoft.com/office/drawing/2010/main" xmlns="" w="9525">
+              <a14:hiddenLine xmlns="" xmlns:a14="http://schemas.microsoft.com/office/drawing/2010/main" w="9525">
                 <a:solidFill>
                   <a:srgbClr val="000000"/>
                 </a:solidFill>
@@ -1733,7 +1734,7 @@
           <a:ln/>
           <a:extLst>
             <a:ext uri="{91240B29-F687-4f45-9708-019B960494DF}">
-              <a14:hiddenLine xmlns:a14="http://schemas.microsoft.com/office/drawing/2010/main" xmlns="" w="9525">
+              <a14:hiddenLine xmlns="" xmlns:a14="http://schemas.microsoft.com/office/drawing/2010/main" w="9525">
                 <a:solidFill>
                   <a:srgbClr val="000000"/>
                 </a:solidFill>
@@ -2008,7 +2009,7 @@
           <a:ln/>
           <a:extLst>
             <a:ext uri="{91240B29-F687-4f45-9708-019B960494DF}">
-              <a14:hiddenLine xmlns:a14="http://schemas.microsoft.com/office/drawing/2010/main" xmlns="" w="9525">
+              <a14:hiddenLine xmlns="" xmlns:a14="http://schemas.microsoft.com/office/drawing/2010/main" w="9525">
                 <a:solidFill>
                   <a:srgbClr val="000000"/>
                 </a:solidFill>
@@ -2291,7 +2292,7 @@
           <a:ln/>
           <a:extLst>
             <a:ext uri="{91240B29-F687-4f45-9708-019B960494DF}">
-              <a14:hiddenLine xmlns:a14="http://schemas.microsoft.com/office/drawing/2010/main" xmlns="" w="9525">
+              <a14:hiddenLine xmlns="" xmlns:a14="http://schemas.microsoft.com/office/drawing/2010/main" w="9525">
                 <a:solidFill>
                   <a:srgbClr val="000000"/>
                 </a:solidFill>
@@ -2917,7 +2918,7 @@
           <a:ln/>
           <a:extLst>
             <a:ext uri="{91240B29-F687-4f45-9708-019B960494DF}">
-              <a14:hiddenLine xmlns:a14="http://schemas.microsoft.com/office/drawing/2010/main" xmlns="" w="9525">
+              <a14:hiddenLine xmlns="" xmlns:a14="http://schemas.microsoft.com/office/drawing/2010/main" w="9525">
                 <a:solidFill>
                   <a:srgbClr val="000000"/>
                 </a:solidFill>
@@ -3256,7 +3257,7 @@
           <a:ln/>
           <a:extLst>
             <a:ext uri="{91240B29-F687-4f45-9708-019B960494DF}">
-              <a14:hiddenLine xmlns:a14="http://schemas.microsoft.com/office/drawing/2010/main" xmlns="" w="9525">
+              <a14:hiddenLine xmlns="" xmlns:a14="http://schemas.microsoft.com/office/drawing/2010/main" w="9525">
                 <a:solidFill>
                   <a:srgbClr val="000000"/>
                 </a:solidFill>
@@ -3733,7 +3734,7 @@
           <a:ln/>
           <a:extLst>
             <a:ext uri="{91240B29-F687-4f45-9708-019B960494DF}">
-              <a14:hiddenLine xmlns:a14="http://schemas.microsoft.com/office/drawing/2010/main" xmlns="" w="9525">
+              <a14:hiddenLine xmlns="" xmlns:a14="http://schemas.microsoft.com/office/drawing/2010/main" w="9525">
                 <a:solidFill>
                   <a:srgbClr val="000000"/>
                 </a:solidFill>
@@ -4162,7 +4163,7 @@
           <a:ln/>
           <a:extLst>
             <a:ext uri="{91240B29-F687-4f45-9708-019B960494DF}">
-              <a14:hiddenLine xmlns:a14="http://schemas.microsoft.com/office/drawing/2010/main" xmlns="" w="9525">
+              <a14:hiddenLine xmlns="" xmlns:a14="http://schemas.microsoft.com/office/drawing/2010/main" w="9525">
                 <a:solidFill>
                   <a:srgbClr val="000000"/>
                 </a:solidFill>
@@ -7862,8 +7863,8 @@
           </p:sp>
         </mc:Fallback>
       </mc:AlternateContent>
-      <mc:AlternateContent xmlns:mc="http://schemas.openxmlformats.org/markup-compatibility/2006">
-        <mc:Choice xmlns:a14="http://schemas.microsoft.com/office/drawing/2010/main" Requires="a14">
+      <mc:AlternateContent xmlns:mc="http://schemas.openxmlformats.org/markup-compatibility/2006" xmlns:a14="http://schemas.microsoft.com/office/drawing/2010/main">
+        <mc:Choice Requires="a14">
           <p:graphicFrame>
             <p:nvGraphicFramePr>
               <p:cNvPr id="5" name="Content Placeholder 4">
@@ -10078,7 +10079,7 @@
             </a:graphic>
           </p:graphicFrame>
         </mc:Choice>
-        <mc:Fallback>
+        <mc:Fallback xmlns="">
           <p:graphicFrame>
             <p:nvGraphicFramePr>
               <p:cNvPr id="5" name="Content Placeholder 4">
@@ -10963,6 +10964,101 @@
 </p:sld>
 </file>
 
+<file path=ppt/slides/slide6.xml><?xml version="1.0" encoding="utf-8"?>
+<p:sld xmlns:a="http://schemas.openxmlformats.org/drawingml/2006/main" xmlns:r="http://schemas.openxmlformats.org/officeDocument/2006/relationships" xmlns:p="http://schemas.openxmlformats.org/presentationml/2006/main">
+  <p:cSld>
+    <p:spTree>
+      <p:nvGrpSpPr>
+        <p:cNvPr id="1" name=""/>
+        <p:cNvGrpSpPr/>
+        <p:nvPr/>
+      </p:nvGrpSpPr>
+      <p:grpSpPr>
+        <a:xfrm>
+          <a:off x="0" y="0"/>
+          <a:ext cx="0" cy="0"/>
+          <a:chOff x="0" y="0"/>
+          <a:chExt cx="0" cy="0"/>
+        </a:xfrm>
+      </p:grpSpPr>
+      <p:sp>
+        <p:nvSpPr>
+          <p:cNvPr id="2" name="Title 1">
+            <a:extLst>
+              <a:ext uri="{FF2B5EF4-FFF2-40B4-BE49-F238E27FC236}">
+                <a16:creationId xmlns:a16="http://schemas.microsoft.com/office/drawing/2014/main" id="{D378B93C-F23B-4BA5-7CCB-8F51C4E2C9D9}"/>
+              </a:ext>
+            </a:extLst>
+          </p:cNvPr>
+          <p:cNvSpPr>
+            <a:spLocks noGrp="1"/>
+          </p:cNvSpPr>
+          <p:nvPr>
+            <p:ph type="title"/>
+          </p:nvPr>
+        </p:nvSpPr>
+        <p:spPr/>
+        <p:txBody>
+          <a:bodyPr/>
+          <a:lstStyle/>
+          <a:p>
+            <a:r>
+              <a:rPr lang="en-US" dirty="0"/>
+              <a:t>Resources</a:t>
+            </a:r>
+          </a:p>
+        </p:txBody>
+      </p:sp>
+      <p:sp>
+        <p:nvSpPr>
+          <p:cNvPr id="3" name="Content Placeholder 2">
+            <a:extLst>
+              <a:ext uri="{FF2B5EF4-FFF2-40B4-BE49-F238E27FC236}">
+                <a16:creationId xmlns:a16="http://schemas.microsoft.com/office/drawing/2014/main" id="{FE48033F-334A-3CB6-AB39-4FCC984B5DE2}"/>
+              </a:ext>
+            </a:extLst>
+          </p:cNvPr>
+          <p:cNvSpPr>
+            <a:spLocks noGrp="1"/>
+          </p:cNvSpPr>
+          <p:nvPr>
+            <p:ph idx="1"/>
+          </p:nvPr>
+        </p:nvSpPr>
+        <p:spPr/>
+        <p:txBody>
+          <a:bodyPr/>
+          <a:lstStyle/>
+          <a:p>
+            <a:r>
+              <a:rPr lang="en-US" dirty="0"/>
+              <a:t>Numerical Optimization</a:t>
+            </a:r>
+          </a:p>
+          <a:p>
+            <a:r>
+              <a:rPr lang="en-US" dirty="0"/>
+              <a:t>Wikipedia</a:t>
+            </a:r>
+          </a:p>
+          <a:p>
+            <a:endParaRPr lang="en-US" dirty="0"/>
+          </a:p>
+        </p:txBody>
+      </p:sp>
+    </p:spTree>
+    <p:extLst>
+      <p:ext uri="{BB962C8B-B14F-4D97-AF65-F5344CB8AC3E}">
+        <p14:creationId xmlns:p14="http://schemas.microsoft.com/office/powerpoint/2010/main" val="411689367"/>
+      </p:ext>
+    </p:extLst>
+  </p:cSld>
+  <p:clrMapOvr>
+    <a:masterClrMapping/>
+  </p:clrMapOvr>
+</p:sld>
+</file>
+
 <file path=ppt/theme/theme1.xml><?xml version="1.0" encoding="utf-8"?>
 <a:theme xmlns:a="http://schemas.openxmlformats.org/drawingml/2006/main" name="Quotable">
   <a:themeElements>
